--- a/Design Documents/Architecture.pptx
+++ b/Design Documents/Architecture.pptx
@@ -245,7 +245,7 @@
           <a:p>
             <a:fld id="{A55F64E7-21DC-4948-96D3-438E939D9136}" type="datetimeFigureOut">
               <a:rPr lang="it-IT" smtClean="0"/>
-              <a:t>16/11/2017</a:t>
+              <a:t>17/11/2017</a:t>
             </a:fld>
             <a:endParaRPr lang="it-IT"/>
           </a:p>
@@ -415,7 +415,7 @@
           <a:p>
             <a:fld id="{A55F64E7-21DC-4948-96D3-438E939D9136}" type="datetimeFigureOut">
               <a:rPr lang="it-IT" smtClean="0"/>
-              <a:t>16/11/2017</a:t>
+              <a:t>17/11/2017</a:t>
             </a:fld>
             <a:endParaRPr lang="it-IT"/>
           </a:p>
@@ -595,7 +595,7 @@
           <a:p>
             <a:fld id="{A55F64E7-21DC-4948-96D3-438E939D9136}" type="datetimeFigureOut">
               <a:rPr lang="it-IT" smtClean="0"/>
-              <a:t>16/11/2017</a:t>
+              <a:t>17/11/2017</a:t>
             </a:fld>
             <a:endParaRPr lang="it-IT"/>
           </a:p>
@@ -765,7 +765,7 @@
           <a:p>
             <a:fld id="{A55F64E7-21DC-4948-96D3-438E939D9136}" type="datetimeFigureOut">
               <a:rPr lang="it-IT" smtClean="0"/>
-              <a:t>16/11/2017</a:t>
+              <a:t>17/11/2017</a:t>
             </a:fld>
             <a:endParaRPr lang="it-IT"/>
           </a:p>
@@ -1011,7 +1011,7 @@
           <a:p>
             <a:fld id="{A55F64E7-21DC-4948-96D3-438E939D9136}" type="datetimeFigureOut">
               <a:rPr lang="it-IT" smtClean="0"/>
-              <a:t>16/11/2017</a:t>
+              <a:t>17/11/2017</a:t>
             </a:fld>
             <a:endParaRPr lang="it-IT"/>
           </a:p>
@@ -1243,7 +1243,7 @@
           <a:p>
             <a:fld id="{A55F64E7-21DC-4948-96D3-438E939D9136}" type="datetimeFigureOut">
               <a:rPr lang="it-IT" smtClean="0"/>
-              <a:t>16/11/2017</a:t>
+              <a:t>17/11/2017</a:t>
             </a:fld>
             <a:endParaRPr lang="it-IT"/>
           </a:p>
@@ -1610,7 +1610,7 @@
           <a:p>
             <a:fld id="{A55F64E7-21DC-4948-96D3-438E939D9136}" type="datetimeFigureOut">
               <a:rPr lang="it-IT" smtClean="0"/>
-              <a:t>16/11/2017</a:t>
+              <a:t>17/11/2017</a:t>
             </a:fld>
             <a:endParaRPr lang="it-IT"/>
           </a:p>
@@ -1728,7 +1728,7 @@
           <a:p>
             <a:fld id="{A55F64E7-21DC-4948-96D3-438E939D9136}" type="datetimeFigureOut">
               <a:rPr lang="it-IT" smtClean="0"/>
-              <a:t>16/11/2017</a:t>
+              <a:t>17/11/2017</a:t>
             </a:fld>
             <a:endParaRPr lang="it-IT"/>
           </a:p>
@@ -1823,7 +1823,7 @@
           <a:p>
             <a:fld id="{A55F64E7-21DC-4948-96D3-438E939D9136}" type="datetimeFigureOut">
               <a:rPr lang="it-IT" smtClean="0"/>
-              <a:t>16/11/2017</a:t>
+              <a:t>17/11/2017</a:t>
             </a:fld>
             <a:endParaRPr lang="it-IT"/>
           </a:p>
@@ -2100,7 +2100,7 @@
           <a:p>
             <a:fld id="{A55F64E7-21DC-4948-96D3-438E939D9136}" type="datetimeFigureOut">
               <a:rPr lang="it-IT" smtClean="0"/>
-              <a:t>16/11/2017</a:t>
+              <a:t>17/11/2017</a:t>
             </a:fld>
             <a:endParaRPr lang="it-IT"/>
           </a:p>
@@ -2353,7 +2353,7 @@
           <a:p>
             <a:fld id="{A55F64E7-21DC-4948-96D3-438E939D9136}" type="datetimeFigureOut">
               <a:rPr lang="it-IT" smtClean="0"/>
-              <a:t>16/11/2017</a:t>
+              <a:t>17/11/2017</a:t>
             </a:fld>
             <a:endParaRPr lang="it-IT"/>
           </a:p>
@@ -2566,7 +2566,7 @@
           <a:p>
             <a:fld id="{A55F64E7-21DC-4948-96D3-438E939D9136}" type="datetimeFigureOut">
               <a:rPr lang="it-IT" smtClean="0"/>
-              <a:t>16/11/2017</a:t>
+              <a:t>17/11/2017</a:t>
             </a:fld>
             <a:endParaRPr lang="it-IT"/>
           </a:p>
@@ -3085,8 +3085,8 @@
         </p:nvSpPr>
         <p:spPr>
           <a:xfrm>
-            <a:off x="3148656" y="2693854"/>
-            <a:ext cx="1020063" cy="307777"/>
+            <a:off x="2970539" y="2694172"/>
+            <a:ext cx="1529675" cy="307777"/>
           </a:xfrm>
           <a:prstGeom prst="rect">
             <a:avLst/>
@@ -3100,8 +3100,12 @@
           <a:lstStyle/>
           <a:p>
             <a:r>
+              <a:rPr lang="it-IT" sz="1400" dirty="0" err="1" smtClean="0"/>
+              <a:t>Logic</a:t>
+            </a:r>
+            <a:r>
               <a:rPr lang="it-IT" sz="1400" dirty="0" smtClean="0"/>
-              <a:t>Application</a:t>
+              <a:t> Application</a:t>
             </a:r>
             <a:endParaRPr lang="it-IT" sz="1400" dirty="0" smtClean="0"/>
           </a:p>
@@ -3133,7 +3137,6 @@
               <a:rPr lang="it-IT" sz="1400" dirty="0" smtClean="0"/>
               <a:t>Firewall</a:t>
             </a:r>
-            <a:endParaRPr lang="it-IT" sz="1400" dirty="0" smtClean="0"/>
           </a:p>
         </p:txBody>
       </p:sp>
@@ -3297,7 +3300,6 @@
               <a:rPr lang="it-IT" sz="1400" dirty="0" smtClean="0"/>
               <a:t>Database Server</a:t>
             </a:r>
-            <a:endParaRPr lang="it-IT" sz="1400" dirty="0" smtClean="0"/>
           </a:p>
         </p:txBody>
       </p:sp>
@@ -3357,7 +3359,6 @@
               <a:rPr lang="it-IT" sz="1400" dirty="0" smtClean="0"/>
               <a:t>Mobile Interface</a:t>
             </a:r>
-            <a:endParaRPr lang="it-IT" sz="1400" dirty="0" smtClean="0"/>
           </a:p>
         </p:txBody>
       </p:sp>
@@ -3639,7 +3640,6 @@
               <a:rPr lang="it-IT" sz="1400" dirty="0" smtClean="0"/>
               <a:t>+ DB</a:t>
             </a:r>
-            <a:endParaRPr lang="it-IT" sz="1400" dirty="0" smtClean="0"/>
           </a:p>
         </p:txBody>
       </p:sp>
@@ -3673,7 +3673,6 @@
               <a:rPr lang="it-IT" sz="1400" dirty="0" smtClean="0"/>
               <a:t> DB</a:t>
             </a:r>
-            <a:endParaRPr lang="it-IT" sz="1400" dirty="0" smtClean="0"/>
           </a:p>
         </p:txBody>
       </p:sp>
@@ -3735,7 +3734,7 @@
         </p:nvSpPr>
         <p:spPr>
           <a:xfrm>
-            <a:off x="2426334" y="889118"/>
+            <a:off x="2321737" y="889900"/>
             <a:ext cx="735586" cy="369332"/>
           </a:xfrm>
           <a:prstGeom prst="rect">
@@ -3778,7 +3777,7 @@
         </p:blipFill>
         <p:spPr>
           <a:xfrm>
-            <a:off x="2540899" y="472232"/>
+            <a:off x="2436302" y="473014"/>
             <a:ext cx="507936" cy="507936"/>
           </a:xfrm>
           <a:prstGeom prst="rect">
@@ -3852,36 +3851,6 @@
           </a:p>
         </p:txBody>
       </p:sp>
-      <p:pic>
-        <p:nvPicPr>
-          <p:cNvPr id="57" name="Immagine 56"/>
-          <p:cNvPicPr>
-            <a:picLocks noChangeAspect="1"/>
-          </p:cNvPicPr>
-          <p:nvPr/>
-        </p:nvPicPr>
-        <p:blipFill>
-          <a:blip r:embed="rId7">
-            <a:extLst>
-              <a:ext uri="{28A0092B-C50C-407E-A947-70E740481C1C}">
-                <a14:useLocalDpi xmlns:a14="http://schemas.microsoft.com/office/drawing/2010/main" val="0"/>
-              </a:ext>
-            </a:extLst>
-          </a:blip>
-          <a:stretch>
-            <a:fillRect/>
-          </a:stretch>
-        </p:blipFill>
-        <p:spPr>
-          <a:xfrm>
-            <a:off x="2919366" y="1460893"/>
-            <a:ext cx="1300593" cy="1300593"/>
-          </a:xfrm>
-          <a:prstGeom prst="rect">
-            <a:avLst/>
-          </a:prstGeom>
-        </p:spPr>
-      </p:pic>
       <p:sp>
         <p:nvSpPr>
           <p:cNvPr id="61" name="Parentesi graffa chiusa 60"/>
@@ -3890,7 +3859,7 @@
         </p:nvSpPr>
         <p:spPr>
           <a:xfrm rot="16200000">
-            <a:off x="2630255" y="-48555"/>
+            <a:off x="2484273" y="-47774"/>
             <a:ext cx="356662" cy="3114710"/>
           </a:xfrm>
           <a:prstGeom prst="rightBrace">
@@ -3931,6 +3900,36 @@
           </a:p>
         </p:txBody>
       </p:sp>
+      <p:pic>
+        <p:nvPicPr>
+          <p:cNvPr id="3" name="Immagine 2"/>
+          <p:cNvPicPr>
+            <a:picLocks noChangeAspect="1"/>
+          </p:cNvPicPr>
+          <p:nvPr/>
+        </p:nvPicPr>
+        <p:blipFill>
+          <a:blip r:embed="rId7" cstate="print">
+            <a:extLst>
+              <a:ext uri="{28A0092B-C50C-407E-A947-70E740481C1C}">
+                <a14:useLocalDpi xmlns:a14="http://schemas.microsoft.com/office/drawing/2010/main" val="0"/>
+              </a:ext>
+            </a:extLst>
+          </a:blip>
+          <a:stretch>
+            <a:fillRect/>
+          </a:stretch>
+        </p:blipFill>
+        <p:spPr>
+          <a:xfrm>
+            <a:off x="3092283" y="1688801"/>
+            <a:ext cx="1081939" cy="1081939"/>
+          </a:xfrm>
+          <a:prstGeom prst="rect">
+            <a:avLst/>
+          </a:prstGeom>
+        </p:spPr>
+      </p:pic>
     </p:spTree>
     <p:extLst>
       <p:ext uri="{BB962C8B-B14F-4D97-AF65-F5344CB8AC3E}">
@@ -4047,7 +4046,7 @@
         </p:blipFill>
         <p:spPr>
           <a:xfrm>
-            <a:off x="1911640" y="792721"/>
+            <a:off x="1911640" y="805600"/>
             <a:ext cx="6867525" cy="1924050"/>
           </a:xfrm>
           <a:prstGeom prst="rect">
@@ -4527,11 +4526,7 @@
           <a:p>
             <a:r>
               <a:rPr lang="it-IT" dirty="0" smtClean="0"/>
-              <a:t>Mobile </a:t>
-            </a:r>
-            <a:r>
-              <a:rPr lang="it-IT" dirty="0" smtClean="0"/>
-              <a:t>Interface</a:t>
+              <a:t>Mobile Interface</a:t>
             </a:r>
             <a:endParaRPr lang="it-IT" dirty="0"/>
           </a:p>
@@ -5133,7 +5128,6 @@
               <a:rPr lang="it-IT" sz="2400" b="1" dirty="0" smtClean="0"/>
               <a:t>Server</a:t>
             </a:r>
-            <a:endParaRPr lang="it-IT" sz="2400" b="1" dirty="0" smtClean="0"/>
           </a:p>
         </p:txBody>
       </p:sp>

--- a/Design Documents/Architecture.pptx
+++ b/Design Documents/Architecture.pptx
@@ -7,7 +7,8 @@
   <p:sldIdLst>
     <p:sldId id="257" r:id="rId2"/>
     <p:sldId id="258" r:id="rId3"/>
-    <p:sldId id="256" r:id="rId4"/>
+    <p:sldId id="259" r:id="rId4"/>
+    <p:sldId id="256" r:id="rId5"/>
   </p:sldIdLst>
   <p:sldSz cx="12192000" cy="6858000"/>
   <p:notesSz cx="6858000" cy="9144000"/>
@@ -3107,7 +3108,6 @@
               <a:rPr lang="it-IT" sz="1400" dirty="0" smtClean="0"/>
               <a:t> Application</a:t>
             </a:r>
-            <a:endParaRPr lang="it-IT" sz="1400" dirty="0" smtClean="0"/>
           </a:p>
         </p:txBody>
       </p:sp>
@@ -3994,66 +3994,6 @@
           </a:p>
         </p:txBody>
       </p:sp>
-      <p:pic>
-        <p:nvPicPr>
-          <p:cNvPr id="7" name="Immagine 6"/>
-          <p:cNvPicPr>
-            <a:picLocks noChangeAspect="1"/>
-          </p:cNvPicPr>
-          <p:nvPr/>
-        </p:nvPicPr>
-        <p:blipFill>
-          <a:blip r:embed="rId2">
-            <a:extLst>
-              <a:ext uri="{28A0092B-C50C-407E-A947-70E740481C1C}">
-                <a14:useLocalDpi xmlns:a14="http://schemas.microsoft.com/office/drawing/2010/main" val="0"/>
-              </a:ext>
-            </a:extLst>
-          </a:blip>
-          <a:stretch>
-            <a:fillRect/>
-          </a:stretch>
-        </p:blipFill>
-        <p:spPr>
-          <a:xfrm>
-            <a:off x="1692699" y="3162300"/>
-            <a:ext cx="7724775" cy="3695700"/>
-          </a:xfrm>
-          <a:prstGeom prst="rect">
-            <a:avLst/>
-          </a:prstGeom>
-        </p:spPr>
-      </p:pic>
-      <p:pic>
-        <p:nvPicPr>
-          <p:cNvPr id="8" name="Immagine 7"/>
-          <p:cNvPicPr>
-            <a:picLocks noChangeAspect="1"/>
-          </p:cNvPicPr>
-          <p:nvPr/>
-        </p:nvPicPr>
-        <p:blipFill>
-          <a:blip r:embed="rId3">
-            <a:extLst>
-              <a:ext uri="{28A0092B-C50C-407E-A947-70E740481C1C}">
-                <a14:useLocalDpi xmlns:a14="http://schemas.microsoft.com/office/drawing/2010/main" val="0"/>
-              </a:ext>
-            </a:extLst>
-          </a:blip>
-          <a:stretch>
-            <a:fillRect/>
-          </a:stretch>
-        </p:blipFill>
-        <p:spPr>
-          <a:xfrm>
-            <a:off x="1911640" y="805600"/>
-            <a:ext cx="6867525" cy="1924050"/>
-          </a:xfrm>
-          <a:prstGeom prst="rect">
-            <a:avLst/>
-          </a:prstGeom>
-        </p:spPr>
-      </p:pic>
       <p:cxnSp>
         <p:nvCxnSpPr>
           <p:cNvPr id="10" name="Connettore 1 9"/>
@@ -4062,7 +4002,7 @@
         </p:nvCxnSpPr>
         <p:spPr>
           <a:xfrm flipV="1">
-            <a:off x="1802169" y="2933096"/>
+            <a:off x="282462" y="2868702"/>
             <a:ext cx="7505834" cy="12879"/>
           </a:xfrm>
           <a:prstGeom prst="line">
@@ -4087,6 +4027,496 @@
           </a:fontRef>
         </p:style>
       </p:cxnSp>
+      <p:sp>
+        <p:nvSpPr>
+          <p:cNvPr id="3" name="CasellaDiTesto 2"/>
+          <p:cNvSpPr txBox="1"/>
+          <p:nvPr/>
+        </p:nvSpPr>
+        <p:spPr>
+          <a:xfrm>
+            <a:off x="7862146" y="709417"/>
+            <a:ext cx="4681153" cy="3939540"/>
+          </a:xfrm>
+          <a:prstGeom prst="rect">
+            <a:avLst/>
+          </a:prstGeom>
+          <a:noFill/>
+        </p:spPr>
+        <p:txBody>
+          <a:bodyPr wrap="none" rtlCol="0">
+            <a:spAutoFit/>
+          </a:bodyPr>
+          <a:lstStyle/>
+          <a:p>
+            <a:r>
+              <a:rPr lang="it-IT" sz="1400" dirty="0" err="1" smtClean="0"/>
+              <a:t>Interaction</a:t>
+            </a:r>
+            <a:r>
+              <a:rPr lang="it-IT" sz="1400" dirty="0" smtClean="0"/>
+              <a:t> </a:t>
+            </a:r>
+            <a:r>
+              <a:rPr lang="it-IT" sz="1400" dirty="0" err="1" smtClean="0"/>
+              <a:t>among</a:t>
+            </a:r>
+            <a:r>
+              <a:rPr lang="it-IT" sz="1400" dirty="0" smtClean="0"/>
+              <a:t> </a:t>
+            </a:r>
+            <a:r>
+              <a:rPr lang="it-IT" sz="1400" dirty="0" err="1" smtClean="0"/>
+              <a:t>architectural</a:t>
+            </a:r>
+            <a:r>
+              <a:rPr lang="it-IT" sz="1400" dirty="0" smtClean="0"/>
+              <a:t> component</a:t>
+            </a:r>
+          </a:p>
+          <a:p>
+            <a:r>
+              <a:rPr lang="it-IT" sz="1400" dirty="0" err="1" smtClean="0"/>
+              <a:t>is</a:t>
+            </a:r>
+            <a:r>
+              <a:rPr lang="it-IT" sz="1400" dirty="0" smtClean="0"/>
+              <a:t> so </a:t>
+            </a:r>
+            <a:r>
+              <a:rPr lang="it-IT" sz="1400" dirty="0" err="1" smtClean="0"/>
+              <a:t>defined</a:t>
+            </a:r>
+            <a:r>
+              <a:rPr lang="it-IT" sz="1400" dirty="0" smtClean="0"/>
+              <a:t>:</a:t>
+            </a:r>
+          </a:p>
+          <a:p>
+            <a:pPr marL="285750" indent="-285750">
+              <a:buFont typeface="Arial" panose="020B0604020202020204" pitchFamily="34" charset="0"/>
+              <a:buChar char="•"/>
+            </a:pPr>
+            <a:r>
+              <a:rPr lang="it-IT" sz="1400" dirty="0" smtClean="0"/>
+              <a:t>The </a:t>
+            </a:r>
+            <a:r>
+              <a:rPr lang="it-IT" sz="1400" dirty="0" err="1" smtClean="0"/>
+              <a:t>subsystem</a:t>
+            </a:r>
+            <a:r>
+              <a:rPr lang="it-IT" sz="1400" dirty="0" smtClean="0"/>
+              <a:t> ‘</a:t>
+            </a:r>
+            <a:r>
+              <a:rPr lang="it-IT" sz="1400" dirty="0" err="1" smtClean="0"/>
+              <a:t>Calendare</a:t>
+            </a:r>
+            <a:r>
+              <a:rPr lang="it-IT" sz="1400" dirty="0" smtClean="0"/>
+              <a:t> Services’ </a:t>
+            </a:r>
+            <a:r>
+              <a:rPr lang="it-IT" sz="1400" dirty="0" err="1" smtClean="0"/>
+              <a:t>requires</a:t>
+            </a:r>
+            <a:endParaRPr lang="it-IT" sz="1400" dirty="0" smtClean="0"/>
+          </a:p>
+          <a:p>
+            <a:pPr lvl="1"/>
+            <a:r>
+              <a:rPr lang="it-IT" sz="1400" dirty="0"/>
+              <a:t>t</a:t>
+            </a:r>
+            <a:r>
+              <a:rPr lang="it-IT" sz="1400" dirty="0" smtClean="0"/>
+              <a:t>he </a:t>
+            </a:r>
+            <a:r>
+              <a:rPr lang="it-IT" sz="1400" dirty="0" err="1" smtClean="0"/>
+              <a:t>interface</a:t>
+            </a:r>
+            <a:r>
+              <a:rPr lang="it-IT" sz="1400" dirty="0" smtClean="0"/>
+              <a:t> from DBMS, </a:t>
+            </a:r>
+            <a:r>
+              <a:rPr lang="it-IT" sz="1400" dirty="0" err="1" smtClean="0"/>
+              <a:t>which</a:t>
+            </a:r>
+            <a:r>
+              <a:rPr lang="it-IT" sz="1400" dirty="0" smtClean="0"/>
+              <a:t> </a:t>
+            </a:r>
+            <a:r>
+              <a:rPr lang="it-IT" sz="1400" dirty="0" err="1" smtClean="0"/>
+              <a:t>provides</a:t>
+            </a:r>
+            <a:r>
+              <a:rPr lang="it-IT" sz="1400" dirty="0" smtClean="0"/>
+              <a:t> </a:t>
+            </a:r>
+          </a:p>
+          <a:p>
+            <a:pPr lvl="1"/>
+            <a:r>
+              <a:rPr lang="it-IT" sz="1400" dirty="0" smtClean="0"/>
+              <a:t>information </a:t>
+            </a:r>
+            <a:r>
+              <a:rPr lang="it-IT" sz="1400" dirty="0" err="1" smtClean="0"/>
+              <a:t>stored</a:t>
+            </a:r>
+            <a:r>
+              <a:rPr lang="it-IT" sz="1400" dirty="0" smtClean="0"/>
+              <a:t> inside </a:t>
+            </a:r>
+            <a:r>
+              <a:rPr lang="it-IT" sz="1400" dirty="0" err="1" smtClean="0"/>
+              <a:t>travlendar</a:t>
+            </a:r>
+            <a:r>
+              <a:rPr lang="it-IT" sz="1400" dirty="0" smtClean="0"/>
+              <a:t>+ database</a:t>
+            </a:r>
+          </a:p>
+          <a:p>
+            <a:pPr lvl="1"/>
+            <a:r>
+              <a:rPr lang="it-IT" sz="1400" dirty="0" smtClean="0"/>
+              <a:t>or </a:t>
+            </a:r>
+            <a:r>
+              <a:rPr lang="it-IT" sz="1400" dirty="0" err="1" smtClean="0"/>
+              <a:t>external</a:t>
+            </a:r>
+            <a:r>
+              <a:rPr lang="it-IT" sz="1400" dirty="0" smtClean="0"/>
+              <a:t> database, and the </a:t>
+            </a:r>
+            <a:r>
+              <a:rPr lang="it-IT" sz="1400" dirty="0" err="1" smtClean="0"/>
+              <a:t>interface</a:t>
+            </a:r>
+            <a:r>
+              <a:rPr lang="it-IT" sz="1400" dirty="0" smtClean="0"/>
+              <a:t> of </a:t>
+            </a:r>
+            <a:r>
+              <a:rPr lang="it-IT" sz="1400" dirty="0" err="1" smtClean="0"/>
+              <a:t>external</a:t>
+            </a:r>
+            <a:r>
+              <a:rPr lang="it-IT" sz="1400" dirty="0" smtClean="0"/>
+              <a:t> API, </a:t>
+            </a:r>
+          </a:p>
+          <a:p>
+            <a:pPr lvl="1"/>
+            <a:r>
+              <a:rPr lang="it-IT" sz="1400" dirty="0" err="1"/>
+              <a:t>w</a:t>
+            </a:r>
+            <a:r>
+              <a:rPr lang="it-IT" sz="1400" dirty="0" err="1" smtClean="0"/>
+              <a:t>hich</a:t>
+            </a:r>
+            <a:r>
+              <a:rPr lang="it-IT" sz="1400" dirty="0" smtClean="0"/>
+              <a:t> </a:t>
+            </a:r>
+            <a:r>
+              <a:rPr lang="it-IT" sz="1400" dirty="0" err="1" smtClean="0"/>
+              <a:t>provides</a:t>
+            </a:r>
+            <a:r>
+              <a:rPr lang="it-IT" sz="1400" dirty="0" smtClean="0"/>
+              <a:t> </a:t>
+            </a:r>
+            <a:r>
+              <a:rPr lang="it-IT" sz="1400" dirty="0" err="1" smtClean="0"/>
+              <a:t>travel</a:t>
+            </a:r>
+            <a:r>
+              <a:rPr lang="it-IT" sz="1400" dirty="0" smtClean="0"/>
+              <a:t> information to compute</a:t>
+            </a:r>
+          </a:p>
+          <a:p>
+            <a:pPr lvl="1"/>
+            <a:r>
+              <a:rPr lang="it-IT" sz="1400" dirty="0" smtClean="0"/>
+              <a:t>Best </a:t>
+            </a:r>
+            <a:r>
+              <a:rPr lang="it-IT" sz="1400" dirty="0" err="1" smtClean="0"/>
+              <a:t>travel</a:t>
+            </a:r>
+            <a:r>
+              <a:rPr lang="it-IT" sz="1400" dirty="0" smtClean="0"/>
+              <a:t> for </a:t>
+            </a:r>
+            <a:r>
+              <a:rPr lang="it-IT" sz="1400" dirty="0" err="1" smtClean="0"/>
+              <a:t>user</a:t>
+            </a:r>
+            <a:r>
+              <a:rPr lang="it-IT" sz="1400" dirty="0" smtClean="0"/>
+              <a:t>. </a:t>
+            </a:r>
+            <a:r>
+              <a:rPr lang="it-IT" sz="1400" dirty="0" err="1" smtClean="0"/>
+              <a:t>Instead</a:t>
+            </a:r>
+            <a:r>
+              <a:rPr lang="it-IT" sz="1400" dirty="0" smtClean="0"/>
+              <a:t> </a:t>
+            </a:r>
+            <a:r>
+              <a:rPr lang="it-IT" sz="1400" dirty="0" err="1" smtClean="0"/>
+              <a:t>it</a:t>
+            </a:r>
+            <a:r>
+              <a:rPr lang="it-IT" sz="1400" dirty="0" smtClean="0"/>
+              <a:t> </a:t>
+            </a:r>
+            <a:r>
+              <a:rPr lang="it-IT" sz="1400" dirty="0" err="1" smtClean="0"/>
+              <a:t>provides</a:t>
+            </a:r>
+            <a:r>
+              <a:rPr lang="it-IT" sz="1400" dirty="0" smtClean="0"/>
+              <a:t>  </a:t>
+            </a:r>
+          </a:p>
+          <a:p>
+            <a:pPr lvl="1"/>
+            <a:r>
+              <a:rPr lang="it-IT" sz="1400" dirty="0" err="1" smtClean="0"/>
+              <a:t>interface</a:t>
+            </a:r>
+            <a:r>
+              <a:rPr lang="it-IT" sz="1400" dirty="0" smtClean="0"/>
+              <a:t> for the </a:t>
+            </a:r>
+            <a:r>
+              <a:rPr lang="it-IT" sz="1400" dirty="0" err="1" smtClean="0"/>
+              <a:t>user</a:t>
+            </a:r>
+            <a:r>
+              <a:rPr lang="it-IT" sz="1400" dirty="0" smtClean="0"/>
+              <a:t> </a:t>
+            </a:r>
+            <a:r>
+              <a:rPr lang="it-IT" sz="1400" dirty="0" err="1" smtClean="0"/>
+              <a:t>app</a:t>
+            </a:r>
+            <a:r>
+              <a:rPr lang="it-IT" sz="1400" dirty="0" smtClean="0"/>
+              <a:t>.</a:t>
+            </a:r>
+          </a:p>
+          <a:p>
+            <a:pPr marL="285750" indent="-285750">
+              <a:buFont typeface="Arial" panose="020B0604020202020204" pitchFamily="34" charset="0"/>
+              <a:buChar char="•"/>
+            </a:pPr>
+            <a:r>
+              <a:rPr lang="it-IT" sz="1400" dirty="0" smtClean="0"/>
+              <a:t>The ‘</a:t>
+            </a:r>
+            <a:r>
+              <a:rPr lang="it-IT" sz="1400" dirty="0" err="1" smtClean="0"/>
+              <a:t>Payment</a:t>
+            </a:r>
+            <a:r>
+              <a:rPr lang="it-IT" sz="1400" dirty="0" smtClean="0"/>
+              <a:t> Manager’ </a:t>
+            </a:r>
+            <a:r>
+              <a:rPr lang="it-IT" sz="1400" dirty="0" err="1" smtClean="0"/>
+              <a:t>require</a:t>
+            </a:r>
+            <a:r>
+              <a:rPr lang="it-IT" sz="1400" dirty="0" smtClean="0"/>
+              <a:t> the </a:t>
+            </a:r>
+            <a:r>
+              <a:rPr lang="it-IT" sz="1400" dirty="0" err="1" smtClean="0"/>
+              <a:t>interface</a:t>
+            </a:r>
+            <a:r>
+              <a:rPr lang="it-IT" sz="1400" dirty="0" smtClean="0"/>
+              <a:t> of</a:t>
+            </a:r>
+          </a:p>
+          <a:p>
+            <a:pPr lvl="1"/>
+            <a:r>
+              <a:rPr lang="it-IT" sz="1400" dirty="0" smtClean="0"/>
+              <a:t>A </a:t>
+            </a:r>
+            <a:r>
+              <a:rPr lang="it-IT" sz="1400" dirty="0" err="1" smtClean="0"/>
+              <a:t>payment</a:t>
+            </a:r>
+            <a:r>
+              <a:rPr lang="it-IT" sz="1400" dirty="0" smtClean="0"/>
+              <a:t> gateway, </a:t>
+            </a:r>
+            <a:r>
+              <a:rPr lang="it-IT" sz="1400" dirty="0" err="1" smtClean="0"/>
+              <a:t>which</a:t>
+            </a:r>
+            <a:r>
+              <a:rPr lang="it-IT" sz="1400" dirty="0" smtClean="0"/>
+              <a:t> </a:t>
+            </a:r>
+            <a:r>
+              <a:rPr lang="it-IT" sz="1400" dirty="0" err="1" smtClean="0"/>
+              <a:t>permits</a:t>
+            </a:r>
+            <a:r>
+              <a:rPr lang="it-IT" sz="1400" dirty="0" smtClean="0"/>
+              <a:t> to </a:t>
+            </a:r>
+            <a:r>
+              <a:rPr lang="it-IT" sz="1400" dirty="0" err="1" smtClean="0"/>
+              <a:t>execute</a:t>
+            </a:r>
+            <a:endParaRPr lang="it-IT" sz="1400" dirty="0" smtClean="0"/>
+          </a:p>
+          <a:p>
+            <a:pPr lvl="1"/>
+            <a:r>
+              <a:rPr lang="it-IT" sz="1400" dirty="0" err="1" smtClean="0"/>
+              <a:t>Payments</a:t>
+            </a:r>
+            <a:r>
+              <a:rPr lang="it-IT" sz="1400" dirty="0" smtClean="0"/>
+              <a:t>, and </a:t>
+            </a:r>
+            <a:r>
+              <a:rPr lang="it-IT" sz="1400" dirty="0" err="1" smtClean="0"/>
+              <a:t>requires</a:t>
+            </a:r>
+            <a:r>
+              <a:rPr lang="it-IT" sz="1400" dirty="0" smtClean="0"/>
+              <a:t> the </a:t>
+            </a:r>
+            <a:r>
+              <a:rPr lang="it-IT" sz="1400" dirty="0" err="1" smtClean="0"/>
+              <a:t>interface</a:t>
+            </a:r>
+            <a:r>
+              <a:rPr lang="it-IT" sz="1400" dirty="0" smtClean="0"/>
+              <a:t> of </a:t>
+            </a:r>
+          </a:p>
+          <a:p>
+            <a:pPr lvl="1"/>
+            <a:r>
+              <a:rPr lang="it-IT" sz="1400" dirty="0" err="1" smtClean="0"/>
+              <a:t>user</a:t>
+            </a:r>
+            <a:r>
+              <a:rPr lang="it-IT" sz="1400" dirty="0" smtClean="0"/>
+              <a:t> account to take information</a:t>
+            </a:r>
+          </a:p>
+          <a:p>
+            <a:pPr lvl="1"/>
+            <a:r>
+              <a:rPr lang="it-IT" sz="1400" dirty="0" err="1" smtClean="0"/>
+              <a:t>About</a:t>
+            </a:r>
+            <a:r>
+              <a:rPr lang="it-IT" sz="1400" dirty="0" smtClean="0"/>
+              <a:t> account </a:t>
+            </a:r>
+            <a:r>
+              <a:rPr lang="it-IT" sz="1400" dirty="0" err="1" smtClean="0"/>
+              <a:t>details</a:t>
+            </a:r>
+            <a:endParaRPr lang="it-IT" sz="1400" dirty="0" smtClean="0"/>
+          </a:p>
+          <a:p>
+            <a:pPr lvl="1"/>
+            <a:endParaRPr lang="it-IT" dirty="0"/>
+          </a:p>
+          <a:p>
+            <a:pPr lvl="1"/>
+            <a:endParaRPr lang="it-IT" dirty="0"/>
+          </a:p>
+          <a:p>
+            <a:r>
+              <a:rPr lang="it-IT" dirty="0" smtClean="0"/>
+              <a:t>	 </a:t>
+            </a:r>
+          </a:p>
+        </p:txBody>
+      </p:sp>
+      <p:pic>
+        <p:nvPicPr>
+          <p:cNvPr id="5" name="Immagine 4"/>
+          <p:cNvPicPr>
+            <a:picLocks noChangeAspect="1"/>
+          </p:cNvPicPr>
+          <p:nvPr/>
+        </p:nvPicPr>
+        <p:blipFill>
+          <a:blip r:embed="rId2">
+            <a:extLst>
+              <a:ext uri="{28A0092B-C50C-407E-A947-70E740481C1C}">
+                <a14:useLocalDpi xmlns:a14="http://schemas.microsoft.com/office/drawing/2010/main" val="0"/>
+              </a:ext>
+            </a:extLst>
+          </a:blip>
+          <a:stretch>
+            <a:fillRect/>
+          </a:stretch>
+        </p:blipFill>
+        <p:spPr>
+          <a:xfrm>
+            <a:off x="172991" y="3050543"/>
+            <a:ext cx="7724775" cy="3695700"/>
+          </a:xfrm>
+          <a:prstGeom prst="rect">
+            <a:avLst/>
+          </a:prstGeom>
+        </p:spPr>
+      </p:pic>
+      <p:pic>
+        <p:nvPicPr>
+          <p:cNvPr id="6" name="Immagine 5"/>
+          <p:cNvPicPr>
+            <a:picLocks noChangeAspect="1"/>
+          </p:cNvPicPr>
+          <p:nvPr/>
+        </p:nvPicPr>
+        <p:blipFill>
+          <a:blip r:embed="rId3">
+            <a:extLst>
+              <a:ext uri="{28A0092B-C50C-407E-A947-70E740481C1C}">
+                <a14:useLocalDpi xmlns:a14="http://schemas.microsoft.com/office/drawing/2010/main" val="0"/>
+              </a:ext>
+            </a:extLst>
+          </a:blip>
+          <a:stretch>
+            <a:fillRect/>
+          </a:stretch>
+        </p:blipFill>
+        <p:spPr>
+          <a:xfrm>
+            <a:off x="282462" y="709417"/>
+            <a:ext cx="7115175" cy="2019300"/>
+          </a:xfrm>
+          <a:prstGeom prst="rect">
+            <a:avLst/>
+          </a:prstGeom>
+        </p:spPr>
+      </p:pic>
     </p:spTree>
     <p:extLst>
       <p:ext uri="{BB962C8B-B14F-4D97-AF65-F5344CB8AC3E}">
@@ -4101,6 +4531,36 @@
 </file>
 
 <file path=ppt/slides/slide3.xml><?xml version="1.0" encoding="utf-8"?>
+<p:sld xmlns:a="http://schemas.openxmlformats.org/drawingml/2006/main" xmlns:r="http://schemas.openxmlformats.org/officeDocument/2006/relationships" xmlns:p="http://schemas.openxmlformats.org/presentationml/2006/main">
+  <p:cSld>
+    <p:spTree>
+      <p:nvGrpSpPr>
+        <p:cNvPr id="1" name=""/>
+        <p:cNvGrpSpPr/>
+        <p:nvPr/>
+      </p:nvGrpSpPr>
+      <p:grpSpPr>
+        <a:xfrm>
+          <a:off x="0" y="0"/>
+          <a:ext cx="0" cy="0"/>
+          <a:chOff x="0" y="0"/>
+          <a:chExt cx="0" cy="0"/>
+        </a:xfrm>
+      </p:grpSpPr>
+    </p:spTree>
+    <p:extLst>
+      <p:ext uri="{BB962C8B-B14F-4D97-AF65-F5344CB8AC3E}">
+        <p14:creationId xmlns:p14="http://schemas.microsoft.com/office/powerpoint/2010/main" val="3324204023"/>
+      </p:ext>
+    </p:extLst>
+  </p:cSld>
+  <p:clrMapOvr>
+    <a:masterClrMapping/>
+  </p:clrMapOvr>
+</p:sld>
+</file>
+
+<file path=ppt/slides/slide4.xml><?xml version="1.0" encoding="utf-8"?>
 <p:sld xmlns:a="http://schemas.openxmlformats.org/drawingml/2006/main" xmlns:r="http://schemas.openxmlformats.org/officeDocument/2006/relationships" xmlns:p="http://schemas.openxmlformats.org/presentationml/2006/main">
   <p:cSld>
     <p:spTree>

--- a/Design Documents/Architecture.pptx
+++ b/Design Documents/Architecture.pptx
@@ -8,7 +8,8 @@
     <p:sldId id="257" r:id="rId2"/>
     <p:sldId id="258" r:id="rId3"/>
     <p:sldId id="259" r:id="rId4"/>
-    <p:sldId id="256" r:id="rId5"/>
+    <p:sldId id="260" r:id="rId5"/>
+    <p:sldId id="256" r:id="rId6"/>
   </p:sldIdLst>
   <p:sldSz cx="12192000" cy="6858000"/>
   <p:notesSz cx="6858000" cy="9144000"/>
@@ -246,7 +247,7 @@
           <a:p>
             <a:fld id="{A55F64E7-21DC-4948-96D3-438E939D9136}" type="datetimeFigureOut">
               <a:rPr lang="it-IT" smtClean="0"/>
-              <a:t>17/11/2017</a:t>
+              <a:t>18/11/2017</a:t>
             </a:fld>
             <a:endParaRPr lang="it-IT"/>
           </a:p>
@@ -416,7 +417,7 @@
           <a:p>
             <a:fld id="{A55F64E7-21DC-4948-96D3-438E939D9136}" type="datetimeFigureOut">
               <a:rPr lang="it-IT" smtClean="0"/>
-              <a:t>17/11/2017</a:t>
+              <a:t>18/11/2017</a:t>
             </a:fld>
             <a:endParaRPr lang="it-IT"/>
           </a:p>
@@ -596,7 +597,7 @@
           <a:p>
             <a:fld id="{A55F64E7-21DC-4948-96D3-438E939D9136}" type="datetimeFigureOut">
               <a:rPr lang="it-IT" smtClean="0"/>
-              <a:t>17/11/2017</a:t>
+              <a:t>18/11/2017</a:t>
             </a:fld>
             <a:endParaRPr lang="it-IT"/>
           </a:p>
@@ -766,7 +767,7 @@
           <a:p>
             <a:fld id="{A55F64E7-21DC-4948-96D3-438E939D9136}" type="datetimeFigureOut">
               <a:rPr lang="it-IT" smtClean="0"/>
-              <a:t>17/11/2017</a:t>
+              <a:t>18/11/2017</a:t>
             </a:fld>
             <a:endParaRPr lang="it-IT"/>
           </a:p>
@@ -1012,7 +1013,7 @@
           <a:p>
             <a:fld id="{A55F64E7-21DC-4948-96D3-438E939D9136}" type="datetimeFigureOut">
               <a:rPr lang="it-IT" smtClean="0"/>
-              <a:t>17/11/2017</a:t>
+              <a:t>18/11/2017</a:t>
             </a:fld>
             <a:endParaRPr lang="it-IT"/>
           </a:p>
@@ -1244,7 +1245,7 @@
           <a:p>
             <a:fld id="{A55F64E7-21DC-4948-96D3-438E939D9136}" type="datetimeFigureOut">
               <a:rPr lang="it-IT" smtClean="0"/>
-              <a:t>17/11/2017</a:t>
+              <a:t>18/11/2017</a:t>
             </a:fld>
             <a:endParaRPr lang="it-IT"/>
           </a:p>
@@ -1611,7 +1612,7 @@
           <a:p>
             <a:fld id="{A55F64E7-21DC-4948-96D3-438E939D9136}" type="datetimeFigureOut">
               <a:rPr lang="it-IT" smtClean="0"/>
-              <a:t>17/11/2017</a:t>
+              <a:t>18/11/2017</a:t>
             </a:fld>
             <a:endParaRPr lang="it-IT"/>
           </a:p>
@@ -1729,7 +1730,7 @@
           <a:p>
             <a:fld id="{A55F64E7-21DC-4948-96D3-438E939D9136}" type="datetimeFigureOut">
               <a:rPr lang="it-IT" smtClean="0"/>
-              <a:t>17/11/2017</a:t>
+              <a:t>18/11/2017</a:t>
             </a:fld>
             <a:endParaRPr lang="it-IT"/>
           </a:p>
@@ -1824,7 +1825,7 @@
           <a:p>
             <a:fld id="{A55F64E7-21DC-4948-96D3-438E939D9136}" type="datetimeFigureOut">
               <a:rPr lang="it-IT" smtClean="0"/>
-              <a:t>17/11/2017</a:t>
+              <a:t>18/11/2017</a:t>
             </a:fld>
             <a:endParaRPr lang="it-IT"/>
           </a:p>
@@ -2101,7 +2102,7 @@
           <a:p>
             <a:fld id="{A55F64E7-21DC-4948-96D3-438E939D9136}" type="datetimeFigureOut">
               <a:rPr lang="it-IT" smtClean="0"/>
-              <a:t>17/11/2017</a:t>
+              <a:t>18/11/2017</a:t>
             </a:fld>
             <a:endParaRPr lang="it-IT"/>
           </a:p>
@@ -2354,7 +2355,7 @@
           <a:p>
             <a:fld id="{A55F64E7-21DC-4948-96D3-438E939D9136}" type="datetimeFigureOut">
               <a:rPr lang="it-IT" smtClean="0"/>
-              <a:t>17/11/2017</a:t>
+              <a:t>18/11/2017</a:t>
             </a:fld>
             <a:endParaRPr lang="it-IT"/>
           </a:p>
@@ -2567,7 +2568,7 @@
           <a:p>
             <a:fld id="{A55F64E7-21DC-4948-96D3-438E939D9136}" type="datetimeFigureOut">
               <a:rPr lang="it-IT" smtClean="0"/>
-              <a:t>17/11/2017</a:t>
+              <a:t>18/11/2017</a:t>
             </a:fld>
             <a:endParaRPr lang="it-IT"/>
           </a:p>
@@ -4547,6 +4548,1369 @@
           <a:chExt cx="0" cy="0"/>
         </a:xfrm>
       </p:grpSpPr>
+      <p:sp>
+        <p:nvSpPr>
+          <p:cNvPr id="2" name="CasellaDiTesto 1"/>
+          <p:cNvSpPr txBox="1"/>
+          <p:nvPr/>
+        </p:nvSpPr>
+        <p:spPr>
+          <a:xfrm>
+            <a:off x="4057003" y="114207"/>
+            <a:ext cx="4680192" cy="461665"/>
+          </a:xfrm>
+          <a:prstGeom prst="rect">
+            <a:avLst/>
+          </a:prstGeom>
+          <a:noFill/>
+        </p:spPr>
+        <p:txBody>
+          <a:bodyPr wrap="none" rtlCol="0">
+            <a:spAutoFit/>
+          </a:bodyPr>
+          <a:lstStyle/>
+          <a:p>
+            <a:r>
+              <a:rPr lang="it-IT" sz="2400" dirty="0" smtClean="0"/>
+              <a:t>2.6 </a:t>
+            </a:r>
+            <a:r>
+              <a:rPr lang="it-IT" sz="2400" dirty="0" err="1" smtClean="0"/>
+              <a:t>Architectural</a:t>
+            </a:r>
+            <a:r>
+              <a:rPr lang="it-IT" sz="2400" dirty="0" smtClean="0"/>
+              <a:t> </a:t>
+            </a:r>
+            <a:r>
+              <a:rPr lang="it-IT" sz="2400" dirty="0" err="1" smtClean="0"/>
+              <a:t>styles</a:t>
+            </a:r>
+            <a:r>
+              <a:rPr lang="it-IT" sz="2400" dirty="0" smtClean="0"/>
+              <a:t> and </a:t>
+            </a:r>
+            <a:r>
+              <a:rPr lang="it-IT" sz="2400" dirty="0" err="1" smtClean="0"/>
+              <a:t>patterns</a:t>
+            </a:r>
+            <a:endParaRPr lang="it-IT" sz="2400" dirty="0"/>
+          </a:p>
+        </p:txBody>
+      </p:sp>
+      <p:sp>
+        <p:nvSpPr>
+          <p:cNvPr id="3" name="CasellaDiTesto 2"/>
+          <p:cNvSpPr txBox="1"/>
+          <p:nvPr/>
+        </p:nvSpPr>
+        <p:spPr>
+          <a:xfrm>
+            <a:off x="2867796" y="852635"/>
+            <a:ext cx="2765757" cy="461665"/>
+          </a:xfrm>
+          <a:prstGeom prst="rect">
+            <a:avLst/>
+          </a:prstGeom>
+          <a:noFill/>
+        </p:spPr>
+        <p:txBody>
+          <a:bodyPr wrap="none" rtlCol="0">
+            <a:spAutoFit/>
+          </a:bodyPr>
+          <a:lstStyle/>
+          <a:p>
+            <a:r>
+              <a:rPr lang="it-IT" sz="2400" b="1" u="sng" dirty="0" smtClean="0"/>
+              <a:t>Remote Data Access</a:t>
+            </a:r>
+          </a:p>
+        </p:txBody>
+      </p:sp>
+      <p:sp>
+        <p:nvSpPr>
+          <p:cNvPr id="4" name="CasellaDiTesto 3"/>
+          <p:cNvSpPr txBox="1"/>
+          <p:nvPr/>
+        </p:nvSpPr>
+        <p:spPr>
+          <a:xfrm>
+            <a:off x="332862" y="852636"/>
+            <a:ext cx="2528321" cy="461665"/>
+          </a:xfrm>
+          <a:prstGeom prst="rect">
+            <a:avLst/>
+          </a:prstGeom>
+          <a:noFill/>
+        </p:spPr>
+        <p:txBody>
+          <a:bodyPr wrap="none" rtlCol="0">
+            <a:spAutoFit/>
+          </a:bodyPr>
+          <a:lstStyle/>
+          <a:p>
+            <a:r>
+              <a:rPr lang="it-IT" sz="2400" dirty="0" err="1" smtClean="0"/>
+              <a:t>Architectural</a:t>
+            </a:r>
+            <a:r>
+              <a:rPr lang="it-IT" sz="2400" dirty="0" smtClean="0"/>
+              <a:t> style:</a:t>
+            </a:r>
+            <a:endParaRPr lang="it-IT" sz="2400" dirty="0"/>
+          </a:p>
+        </p:txBody>
+      </p:sp>
+      <p:sp>
+        <p:nvSpPr>
+          <p:cNvPr id="5" name="Rettangolo arrotondato 4"/>
+          <p:cNvSpPr/>
+          <p:nvPr/>
+        </p:nvSpPr>
+        <p:spPr>
+          <a:xfrm>
+            <a:off x="8190564" y="1813360"/>
+            <a:ext cx="3832319" cy="2279562"/>
+          </a:xfrm>
+          <a:prstGeom prst="roundRect">
+            <a:avLst/>
+          </a:prstGeom>
+          <a:solidFill>
+            <a:schemeClr val="accent4">
+              <a:lumMod val="60000"/>
+              <a:lumOff val="40000"/>
+            </a:schemeClr>
+          </a:solidFill>
+        </p:spPr>
+        <p:style>
+          <a:lnRef idx="0">
+            <a:schemeClr val="accent4"/>
+          </a:lnRef>
+          <a:fillRef idx="1003">
+            <a:schemeClr val="lt2"/>
+          </a:fillRef>
+          <a:effectRef idx="3">
+            <a:schemeClr val="accent4"/>
+          </a:effectRef>
+          <a:fontRef idx="minor">
+            <a:schemeClr val="lt1"/>
+          </a:fontRef>
+        </p:style>
+        <p:txBody>
+          <a:bodyPr rtlCol="0" anchor="ctr"/>
+          <a:lstStyle/>
+          <a:p>
+            <a:pPr algn="ctr"/>
+            <a:endParaRPr lang="it-IT" dirty="0"/>
+          </a:p>
+        </p:txBody>
+      </p:sp>
+      <p:sp>
+        <p:nvSpPr>
+          <p:cNvPr id="6" name="CasellaDiTesto 5"/>
+          <p:cNvSpPr txBox="1"/>
+          <p:nvPr/>
+        </p:nvSpPr>
+        <p:spPr>
+          <a:xfrm>
+            <a:off x="10677518" y="1972668"/>
+            <a:ext cx="917239" cy="461665"/>
+          </a:xfrm>
+          <a:prstGeom prst="rect">
+            <a:avLst/>
+          </a:prstGeom>
+          <a:noFill/>
+        </p:spPr>
+        <p:txBody>
+          <a:bodyPr wrap="none" rtlCol="0">
+            <a:spAutoFit/>
+          </a:bodyPr>
+          <a:lstStyle/>
+          <a:p>
+            <a:r>
+              <a:rPr lang="it-IT" sz="2400" dirty="0" err="1" smtClean="0"/>
+              <a:t>Dbms</a:t>
+            </a:r>
+            <a:endParaRPr lang="it-IT" sz="2400" dirty="0" smtClean="0"/>
+          </a:p>
+        </p:txBody>
+      </p:sp>
+      <p:pic>
+        <p:nvPicPr>
+          <p:cNvPr id="7" name="Immagine 6"/>
+          <p:cNvPicPr>
+            <a:picLocks noChangeAspect="1"/>
+          </p:cNvPicPr>
+          <p:nvPr/>
+        </p:nvPicPr>
+        <p:blipFill>
+          <a:blip r:embed="rId2">
+            <a:extLst>
+              <a:ext uri="{28A0092B-C50C-407E-A947-70E740481C1C}">
+                <a14:useLocalDpi xmlns:a14="http://schemas.microsoft.com/office/drawing/2010/main" val="0"/>
+              </a:ext>
+            </a:extLst>
+          </a:blip>
+          <a:stretch>
+            <a:fillRect/>
+          </a:stretch>
+        </p:blipFill>
+        <p:spPr>
+          <a:xfrm>
+            <a:off x="10088648" y="2455206"/>
+            <a:ext cx="507936" cy="507936"/>
+          </a:xfrm>
+          <a:prstGeom prst="rect">
+            <a:avLst/>
+          </a:prstGeom>
+        </p:spPr>
+      </p:pic>
+      <p:pic>
+        <p:nvPicPr>
+          <p:cNvPr id="8" name="Immagine 7"/>
+          <p:cNvPicPr>
+            <a:picLocks noChangeAspect="1"/>
+          </p:cNvPicPr>
+          <p:nvPr/>
+        </p:nvPicPr>
+        <p:blipFill>
+          <a:blip r:embed="rId2">
+            <a:extLst>
+              <a:ext uri="{28A0092B-C50C-407E-A947-70E740481C1C}">
+                <a14:useLocalDpi xmlns:a14="http://schemas.microsoft.com/office/drawing/2010/main" val="0"/>
+              </a:ext>
+            </a:extLst>
+          </a:blip>
+          <a:stretch>
+            <a:fillRect/>
+          </a:stretch>
+        </p:blipFill>
+        <p:spPr>
+          <a:xfrm>
+            <a:off x="10088648" y="3165633"/>
+            <a:ext cx="507936" cy="507936"/>
+          </a:xfrm>
+          <a:prstGeom prst="rect">
+            <a:avLst/>
+          </a:prstGeom>
+        </p:spPr>
+      </p:pic>
+      <p:sp>
+        <p:nvSpPr>
+          <p:cNvPr id="9" name="CasellaDiTesto 8"/>
+          <p:cNvSpPr txBox="1"/>
+          <p:nvPr/>
+        </p:nvSpPr>
+        <p:spPr>
+          <a:xfrm>
+            <a:off x="10616399" y="2535412"/>
+            <a:ext cx="1074525" cy="307777"/>
+          </a:xfrm>
+          <a:prstGeom prst="rect">
+            <a:avLst/>
+          </a:prstGeom>
+          <a:noFill/>
+        </p:spPr>
+        <p:txBody>
+          <a:bodyPr wrap="none" rtlCol="0">
+            <a:spAutoFit/>
+          </a:bodyPr>
+          <a:lstStyle/>
+          <a:p>
+            <a:r>
+              <a:rPr lang="it-IT" sz="1400" dirty="0" err="1" smtClean="0"/>
+              <a:t>External</a:t>
+            </a:r>
+            <a:r>
+              <a:rPr lang="it-IT" sz="1400" dirty="0" smtClean="0"/>
+              <a:t> DB</a:t>
+            </a:r>
+            <a:endParaRPr lang="it-IT" sz="1400" dirty="0"/>
+          </a:p>
+        </p:txBody>
+      </p:sp>
+      <p:sp>
+        <p:nvSpPr>
+          <p:cNvPr id="10" name="CasellaDiTesto 9"/>
+          <p:cNvSpPr txBox="1"/>
+          <p:nvPr/>
+        </p:nvSpPr>
+        <p:spPr>
+          <a:xfrm>
+            <a:off x="10598481" y="3245617"/>
+            <a:ext cx="1293816" cy="307777"/>
+          </a:xfrm>
+          <a:prstGeom prst="rect">
+            <a:avLst/>
+          </a:prstGeom>
+          <a:noFill/>
+        </p:spPr>
+        <p:txBody>
+          <a:bodyPr wrap="none" rtlCol="0">
+            <a:spAutoFit/>
+          </a:bodyPr>
+          <a:lstStyle/>
+          <a:p>
+            <a:r>
+              <a:rPr lang="it-IT" sz="1400" dirty="0" err="1" smtClean="0"/>
+              <a:t>Travlendar</a:t>
+            </a:r>
+            <a:r>
+              <a:rPr lang="it-IT" sz="1400" dirty="0" smtClean="0"/>
+              <a:t>+ DB</a:t>
+            </a:r>
+            <a:endParaRPr lang="it-IT" sz="1400" dirty="0"/>
+          </a:p>
+        </p:txBody>
+      </p:sp>
+      <p:sp>
+        <p:nvSpPr>
+          <p:cNvPr id="11" name="CasellaDiTesto 10"/>
+          <p:cNvSpPr txBox="1"/>
+          <p:nvPr/>
+        </p:nvSpPr>
+        <p:spPr>
+          <a:xfrm>
+            <a:off x="8531332" y="2087536"/>
+            <a:ext cx="1005212" cy="461665"/>
+          </a:xfrm>
+          <a:prstGeom prst="rect">
+            <a:avLst/>
+          </a:prstGeom>
+          <a:noFill/>
+        </p:spPr>
+        <p:txBody>
+          <a:bodyPr wrap="none" rtlCol="0">
+            <a:spAutoFit/>
+          </a:bodyPr>
+          <a:lstStyle/>
+          <a:p>
+            <a:r>
+              <a:rPr lang="it-IT" sz="2400" dirty="0" smtClean="0"/>
+              <a:t>Server</a:t>
+            </a:r>
+          </a:p>
+        </p:txBody>
+      </p:sp>
+      <p:pic>
+        <p:nvPicPr>
+          <p:cNvPr id="12" name="Immagine 11"/>
+          <p:cNvPicPr>
+            <a:picLocks noChangeAspect="1"/>
+          </p:cNvPicPr>
+          <p:nvPr/>
+        </p:nvPicPr>
+        <p:blipFill>
+          <a:blip r:embed="rId3">
+            <a:extLst>
+              <a:ext uri="{28A0092B-C50C-407E-A947-70E740481C1C}">
+                <a14:useLocalDpi xmlns:a14="http://schemas.microsoft.com/office/drawing/2010/main" val="0"/>
+              </a:ext>
+            </a:extLst>
+          </a:blip>
+          <a:stretch>
+            <a:fillRect/>
+          </a:stretch>
+        </p:blipFill>
+        <p:spPr>
+          <a:xfrm>
+            <a:off x="8748753" y="2735196"/>
+            <a:ext cx="615543" cy="615543"/>
+          </a:xfrm>
+          <a:prstGeom prst="rect">
+            <a:avLst/>
+          </a:prstGeom>
+        </p:spPr>
+      </p:pic>
+      <p:sp>
+        <p:nvSpPr>
+          <p:cNvPr id="13" name="CasellaDiTesto 12"/>
+          <p:cNvSpPr txBox="1"/>
+          <p:nvPr/>
+        </p:nvSpPr>
+        <p:spPr>
+          <a:xfrm>
+            <a:off x="8279804" y="3425528"/>
+            <a:ext cx="1553439" cy="307777"/>
+          </a:xfrm>
+          <a:prstGeom prst="rect">
+            <a:avLst/>
+          </a:prstGeom>
+          <a:noFill/>
+        </p:spPr>
+        <p:txBody>
+          <a:bodyPr wrap="none" rtlCol="0">
+            <a:spAutoFit/>
+          </a:bodyPr>
+          <a:lstStyle/>
+          <a:p>
+            <a:r>
+              <a:rPr lang="it-IT" sz="1400" dirty="0" err="1" smtClean="0"/>
+              <a:t>Travlendar</a:t>
+            </a:r>
+            <a:r>
+              <a:rPr lang="it-IT" sz="1400" dirty="0" smtClean="0"/>
+              <a:t>+ Server</a:t>
+            </a:r>
+            <a:endParaRPr lang="it-IT" sz="1400" dirty="0"/>
+          </a:p>
+        </p:txBody>
+      </p:sp>
+      <p:sp>
+        <p:nvSpPr>
+          <p:cNvPr id="14" name="Rettangolo arrotondato 13"/>
+          <p:cNvSpPr/>
+          <p:nvPr/>
+        </p:nvSpPr>
+        <p:spPr>
+          <a:xfrm>
+            <a:off x="462688" y="2105553"/>
+            <a:ext cx="1904172" cy="1583830"/>
+          </a:xfrm>
+          <a:prstGeom prst="roundRect">
+            <a:avLst/>
+          </a:prstGeom>
+        </p:spPr>
+        <p:style>
+          <a:lnRef idx="0">
+            <a:schemeClr val="accent6"/>
+          </a:lnRef>
+          <a:fillRef idx="3">
+            <a:schemeClr val="accent6"/>
+          </a:fillRef>
+          <a:effectRef idx="3">
+            <a:schemeClr val="accent6"/>
+          </a:effectRef>
+          <a:fontRef idx="minor">
+            <a:schemeClr val="lt1"/>
+          </a:fontRef>
+        </p:style>
+        <p:txBody>
+          <a:bodyPr rtlCol="0" anchor="ctr"/>
+          <a:lstStyle/>
+          <a:p>
+            <a:pPr algn="ctr"/>
+            <a:endParaRPr lang="it-IT" dirty="0"/>
+          </a:p>
+        </p:txBody>
+      </p:sp>
+      <p:sp>
+        <p:nvSpPr>
+          <p:cNvPr id="15" name="CasellaDiTesto 14"/>
+          <p:cNvSpPr txBox="1"/>
+          <p:nvPr/>
+        </p:nvSpPr>
+        <p:spPr>
+          <a:xfrm>
+            <a:off x="2014038" y="1602180"/>
+            <a:ext cx="923971" cy="461665"/>
+          </a:xfrm>
+          <a:prstGeom prst="rect">
+            <a:avLst/>
+          </a:prstGeom>
+          <a:noFill/>
+        </p:spPr>
+        <p:txBody>
+          <a:bodyPr wrap="none" rtlCol="0">
+            <a:spAutoFit/>
+          </a:bodyPr>
+          <a:lstStyle/>
+          <a:p>
+            <a:r>
+              <a:rPr lang="it-IT" sz="2400" b="1" dirty="0" smtClean="0"/>
+              <a:t>Client</a:t>
+            </a:r>
+          </a:p>
+        </p:txBody>
+      </p:sp>
+      <p:sp>
+        <p:nvSpPr>
+          <p:cNvPr id="16" name="Rettangolo 15"/>
+          <p:cNvSpPr/>
+          <p:nvPr/>
+        </p:nvSpPr>
+        <p:spPr>
+          <a:xfrm>
+            <a:off x="622079" y="2351723"/>
+            <a:ext cx="1549715" cy="1067877"/>
+          </a:xfrm>
+          <a:prstGeom prst="rect">
+            <a:avLst/>
+          </a:prstGeom>
+          <a:solidFill>
+            <a:schemeClr val="tx1">
+              <a:lumMod val="50000"/>
+              <a:lumOff val="50000"/>
+            </a:schemeClr>
+          </a:solidFill>
+        </p:spPr>
+        <p:style>
+          <a:lnRef idx="2">
+            <a:schemeClr val="accent1">
+              <a:shade val="50000"/>
+            </a:schemeClr>
+          </a:lnRef>
+          <a:fillRef idx="1">
+            <a:schemeClr val="accent1"/>
+          </a:fillRef>
+          <a:effectRef idx="0">
+            <a:schemeClr val="accent1"/>
+          </a:effectRef>
+          <a:fontRef idx="minor">
+            <a:schemeClr val="lt1"/>
+          </a:fontRef>
+        </p:style>
+        <p:txBody>
+          <a:bodyPr rtlCol="0" anchor="ctr"/>
+          <a:lstStyle/>
+          <a:p>
+            <a:r>
+              <a:rPr lang="it-IT" dirty="0" smtClean="0"/>
+              <a:t>Mobile Interface</a:t>
+            </a:r>
+            <a:endParaRPr lang="it-IT" dirty="0"/>
+          </a:p>
+        </p:txBody>
+      </p:sp>
+      <p:pic>
+        <p:nvPicPr>
+          <p:cNvPr id="17" name="Immagine 16"/>
+          <p:cNvPicPr>
+            <a:picLocks noChangeAspect="1"/>
+          </p:cNvPicPr>
+          <p:nvPr/>
+        </p:nvPicPr>
+        <p:blipFill>
+          <a:blip r:embed="rId4">
+            <a:extLst>
+              <a:ext uri="{28A0092B-C50C-407E-A947-70E740481C1C}">
+                <a14:useLocalDpi xmlns:a14="http://schemas.microsoft.com/office/drawing/2010/main" val="0"/>
+              </a:ext>
+            </a:extLst>
+          </a:blip>
+          <a:stretch>
+            <a:fillRect/>
+          </a:stretch>
+        </p:blipFill>
+        <p:spPr>
+          <a:xfrm>
+            <a:off x="2938009" y="1579044"/>
+            <a:ext cx="507936" cy="507936"/>
+          </a:xfrm>
+          <a:prstGeom prst="rect">
+            <a:avLst/>
+          </a:prstGeom>
+        </p:spPr>
+      </p:pic>
+      <p:sp>
+        <p:nvSpPr>
+          <p:cNvPr id="18" name="Rettangolo arrotondato 17"/>
+          <p:cNvSpPr/>
+          <p:nvPr/>
+        </p:nvSpPr>
+        <p:spPr>
+          <a:xfrm>
+            <a:off x="2944178" y="2248996"/>
+            <a:ext cx="1977527" cy="1282605"/>
+          </a:xfrm>
+          <a:prstGeom prst="roundRect">
+            <a:avLst/>
+          </a:prstGeom>
+        </p:spPr>
+        <p:style>
+          <a:lnRef idx="0">
+            <a:schemeClr val="accent6"/>
+          </a:lnRef>
+          <a:fillRef idx="3">
+            <a:schemeClr val="accent6"/>
+          </a:fillRef>
+          <a:effectRef idx="3">
+            <a:schemeClr val="accent6"/>
+          </a:effectRef>
+          <a:fontRef idx="minor">
+            <a:schemeClr val="lt1"/>
+          </a:fontRef>
+        </p:style>
+        <p:txBody>
+          <a:bodyPr rtlCol="0" anchor="ctr"/>
+          <a:lstStyle/>
+          <a:p>
+            <a:pPr algn="ctr"/>
+            <a:endParaRPr lang="it-IT" dirty="0"/>
+          </a:p>
+        </p:txBody>
+      </p:sp>
+      <p:sp>
+        <p:nvSpPr>
+          <p:cNvPr id="19" name="Rettangolo 18"/>
+          <p:cNvSpPr/>
+          <p:nvPr/>
+        </p:nvSpPr>
+        <p:spPr>
+          <a:xfrm>
+            <a:off x="3171157" y="2518459"/>
+            <a:ext cx="1549715" cy="754276"/>
+          </a:xfrm>
+          <a:prstGeom prst="rect">
+            <a:avLst/>
+          </a:prstGeom>
+          <a:solidFill>
+            <a:schemeClr val="tx1">
+              <a:lumMod val="50000"/>
+              <a:lumOff val="50000"/>
+            </a:schemeClr>
+          </a:solidFill>
+        </p:spPr>
+        <p:style>
+          <a:lnRef idx="2">
+            <a:schemeClr val="accent1">
+              <a:shade val="50000"/>
+            </a:schemeClr>
+          </a:lnRef>
+          <a:fillRef idx="1">
+            <a:schemeClr val="accent1"/>
+          </a:fillRef>
+          <a:effectRef idx="0">
+            <a:schemeClr val="accent1"/>
+          </a:effectRef>
+          <a:fontRef idx="minor">
+            <a:schemeClr val="lt1"/>
+          </a:fontRef>
+        </p:style>
+        <p:txBody>
+          <a:bodyPr rtlCol="0" anchor="ctr"/>
+          <a:lstStyle/>
+          <a:p>
+            <a:pPr algn="ctr"/>
+            <a:r>
+              <a:rPr lang="it-IT" dirty="0" err="1" smtClean="0"/>
+              <a:t>Logic</a:t>
+            </a:r>
+            <a:r>
+              <a:rPr lang="it-IT" dirty="0" smtClean="0"/>
+              <a:t> Application</a:t>
+            </a:r>
+            <a:endParaRPr lang="it-IT" dirty="0"/>
+          </a:p>
+        </p:txBody>
+      </p:sp>
+      <p:sp>
+        <p:nvSpPr>
+          <p:cNvPr id="20" name="Nuvola 19"/>
+          <p:cNvSpPr/>
+          <p:nvPr/>
+        </p:nvSpPr>
+        <p:spPr>
+          <a:xfrm>
+            <a:off x="5347898" y="2291243"/>
+            <a:ext cx="2451831" cy="1208708"/>
+          </a:xfrm>
+          <a:prstGeom prst="cloud">
+            <a:avLst/>
+          </a:prstGeom>
+        </p:spPr>
+        <p:style>
+          <a:lnRef idx="0">
+            <a:schemeClr val="accent1"/>
+          </a:lnRef>
+          <a:fillRef idx="3">
+            <a:schemeClr val="accent1"/>
+          </a:fillRef>
+          <a:effectRef idx="3">
+            <a:schemeClr val="accent1"/>
+          </a:effectRef>
+          <a:fontRef idx="minor">
+            <a:schemeClr val="lt1"/>
+          </a:fontRef>
+        </p:style>
+        <p:txBody>
+          <a:bodyPr rtlCol="0" anchor="ctr"/>
+          <a:lstStyle/>
+          <a:p>
+            <a:pPr algn="ctr"/>
+            <a:r>
+              <a:rPr lang="it-IT" dirty="0" smtClean="0"/>
+              <a:t>Network</a:t>
+            </a:r>
+            <a:endParaRPr lang="it-IT" dirty="0"/>
+          </a:p>
+        </p:txBody>
+      </p:sp>
+      <p:sp>
+        <p:nvSpPr>
+          <p:cNvPr id="21" name="CasellaDiTesto 20"/>
+          <p:cNvSpPr txBox="1"/>
+          <p:nvPr/>
+        </p:nvSpPr>
+        <p:spPr>
+          <a:xfrm>
+            <a:off x="9714372" y="1314300"/>
+            <a:ext cx="784702" cy="461665"/>
+          </a:xfrm>
+          <a:prstGeom prst="rect">
+            <a:avLst/>
+          </a:prstGeom>
+          <a:noFill/>
+        </p:spPr>
+        <p:txBody>
+          <a:bodyPr wrap="none" rtlCol="0">
+            <a:spAutoFit/>
+          </a:bodyPr>
+          <a:lstStyle/>
+          <a:p>
+            <a:r>
+              <a:rPr lang="it-IT" sz="2400" b="1" dirty="0" smtClean="0"/>
+              <a:t>Data</a:t>
+            </a:r>
+          </a:p>
+        </p:txBody>
+      </p:sp>
+      <p:cxnSp>
+        <p:nvCxnSpPr>
+          <p:cNvPr id="22" name="Connettore 2 21"/>
+          <p:cNvCxnSpPr>
+            <a:stCxn id="12" idx="3"/>
+            <a:endCxn id="7" idx="1"/>
+          </p:cNvCxnSpPr>
+          <p:nvPr/>
+        </p:nvCxnSpPr>
+        <p:spPr>
+          <a:xfrm flipV="1">
+            <a:off x="9364296" y="2709174"/>
+            <a:ext cx="724352" cy="333794"/>
+          </a:xfrm>
+          <a:prstGeom prst="straightConnector1">
+            <a:avLst/>
+          </a:prstGeom>
+          <a:ln>
+            <a:tailEnd type="triangle"/>
+          </a:ln>
+        </p:spPr>
+        <p:style>
+          <a:lnRef idx="1">
+            <a:schemeClr val="accent1"/>
+          </a:lnRef>
+          <a:fillRef idx="0">
+            <a:schemeClr val="accent1"/>
+          </a:fillRef>
+          <a:effectRef idx="0">
+            <a:schemeClr val="accent1"/>
+          </a:effectRef>
+          <a:fontRef idx="minor">
+            <a:schemeClr val="tx1"/>
+          </a:fontRef>
+        </p:style>
+      </p:cxnSp>
+      <p:cxnSp>
+        <p:nvCxnSpPr>
+          <p:cNvPr id="23" name="Connettore 2 22"/>
+          <p:cNvCxnSpPr>
+            <a:stCxn id="12" idx="3"/>
+            <a:endCxn id="8" idx="1"/>
+          </p:cNvCxnSpPr>
+          <p:nvPr/>
+        </p:nvCxnSpPr>
+        <p:spPr>
+          <a:xfrm>
+            <a:off x="9364296" y="3042968"/>
+            <a:ext cx="724352" cy="376633"/>
+          </a:xfrm>
+          <a:prstGeom prst="straightConnector1">
+            <a:avLst/>
+          </a:prstGeom>
+          <a:ln>
+            <a:tailEnd type="triangle"/>
+          </a:ln>
+        </p:spPr>
+        <p:style>
+          <a:lnRef idx="1">
+            <a:schemeClr val="accent1"/>
+          </a:lnRef>
+          <a:fillRef idx="0">
+            <a:schemeClr val="accent1"/>
+          </a:fillRef>
+          <a:effectRef idx="0">
+            <a:schemeClr val="accent1"/>
+          </a:effectRef>
+          <a:fontRef idx="minor">
+            <a:schemeClr val="tx1"/>
+          </a:fontRef>
+        </p:style>
+      </p:cxnSp>
+      <p:pic>
+        <p:nvPicPr>
+          <p:cNvPr id="32" name="Immagine 31"/>
+          <p:cNvPicPr>
+            <a:picLocks noChangeAspect="1"/>
+          </p:cNvPicPr>
+          <p:nvPr/>
+        </p:nvPicPr>
+        <p:blipFill>
+          <a:blip r:embed="rId5" cstate="print">
+            <a:extLst>
+              <a:ext uri="{28A0092B-C50C-407E-A947-70E740481C1C}">
+                <a14:useLocalDpi xmlns:a14="http://schemas.microsoft.com/office/drawing/2010/main" val="0"/>
+              </a:ext>
+            </a:extLst>
+          </a:blip>
+          <a:stretch>
+            <a:fillRect/>
+          </a:stretch>
+        </p:blipFill>
+        <p:spPr>
+          <a:xfrm>
+            <a:off x="1442098" y="2490476"/>
+            <a:ext cx="844639" cy="844639"/>
+          </a:xfrm>
+          <a:prstGeom prst="rect">
+            <a:avLst/>
+          </a:prstGeom>
+        </p:spPr>
+      </p:pic>
+      <p:sp>
+        <p:nvSpPr>
+          <p:cNvPr id="33" name="CasellaDiTesto 32"/>
+          <p:cNvSpPr txBox="1"/>
+          <p:nvPr/>
+        </p:nvSpPr>
+        <p:spPr>
+          <a:xfrm>
+            <a:off x="618650" y="4790941"/>
+            <a:ext cx="11669541" cy="1477328"/>
+          </a:xfrm>
+          <a:prstGeom prst="rect">
+            <a:avLst/>
+          </a:prstGeom>
+          <a:noFill/>
+        </p:spPr>
+        <p:txBody>
+          <a:bodyPr wrap="none" rtlCol="0">
+            <a:spAutoFit/>
+          </a:bodyPr>
+          <a:lstStyle/>
+          <a:p>
+            <a:r>
+              <a:rPr lang="it-IT" dirty="0" err="1" smtClean="0"/>
+              <a:t>Travlendar</a:t>
+            </a:r>
+            <a:r>
+              <a:rPr lang="it-IT" dirty="0" smtClean="0"/>
+              <a:t>+ </a:t>
+            </a:r>
+            <a:r>
+              <a:rPr lang="it-IT" dirty="0" err="1" smtClean="0"/>
+              <a:t>provides</a:t>
+            </a:r>
+            <a:r>
+              <a:rPr lang="it-IT" dirty="0" smtClean="0"/>
+              <a:t> an </a:t>
+            </a:r>
+            <a:r>
+              <a:rPr lang="it-IT" dirty="0" err="1" smtClean="0"/>
+              <a:t>architectural</a:t>
+            </a:r>
+            <a:r>
+              <a:rPr lang="it-IT" dirty="0" smtClean="0"/>
+              <a:t> </a:t>
+            </a:r>
+            <a:r>
+              <a:rPr lang="it-IT" dirty="0" err="1" smtClean="0"/>
+              <a:t>structure</a:t>
+            </a:r>
+            <a:r>
+              <a:rPr lang="it-IT" dirty="0" smtClean="0"/>
+              <a:t> in </a:t>
+            </a:r>
+            <a:r>
+              <a:rPr lang="it-IT" dirty="0" err="1" smtClean="0"/>
+              <a:t>which</a:t>
+            </a:r>
+            <a:r>
+              <a:rPr lang="it-IT" dirty="0" smtClean="0"/>
+              <a:t> </a:t>
+            </a:r>
+            <a:r>
+              <a:rPr lang="it-IT" dirty="0" err="1" smtClean="0"/>
+              <a:t>logic</a:t>
+            </a:r>
+            <a:r>
+              <a:rPr lang="it-IT" dirty="0" smtClean="0"/>
+              <a:t> </a:t>
+            </a:r>
+            <a:r>
+              <a:rPr lang="it-IT" dirty="0" err="1" smtClean="0"/>
+              <a:t>application</a:t>
+            </a:r>
+            <a:r>
+              <a:rPr lang="it-IT" dirty="0" smtClean="0"/>
+              <a:t> </a:t>
+            </a:r>
+            <a:r>
+              <a:rPr lang="it-IT" dirty="0" err="1" smtClean="0"/>
+              <a:t>takes</a:t>
+            </a:r>
+            <a:r>
+              <a:rPr lang="it-IT" dirty="0" smtClean="0"/>
+              <a:t> </a:t>
+            </a:r>
+            <a:r>
+              <a:rPr lang="it-IT" dirty="0" err="1" smtClean="0"/>
+              <a:t>place</a:t>
+            </a:r>
+            <a:r>
+              <a:rPr lang="it-IT" dirty="0" smtClean="0"/>
+              <a:t> in the client part, </a:t>
+            </a:r>
+            <a:r>
+              <a:rPr lang="it-IT" dirty="0" err="1" smtClean="0"/>
+              <a:t>because</a:t>
+            </a:r>
+            <a:r>
+              <a:rPr lang="it-IT" dirty="0" smtClean="0"/>
+              <a:t> the </a:t>
+            </a:r>
+          </a:p>
+          <a:p>
+            <a:r>
+              <a:rPr lang="it-IT" dirty="0" err="1" smtClean="0"/>
+              <a:t>application</a:t>
+            </a:r>
+            <a:r>
+              <a:rPr lang="it-IT" dirty="0" smtClean="0"/>
+              <a:t> </a:t>
+            </a:r>
+            <a:r>
+              <a:rPr lang="it-IT" dirty="0" err="1" smtClean="0"/>
+              <a:t>contains</a:t>
+            </a:r>
+            <a:r>
+              <a:rPr lang="it-IT" dirty="0" smtClean="0"/>
+              <a:t> </a:t>
+            </a:r>
+            <a:r>
+              <a:rPr lang="it-IT" dirty="0" err="1" smtClean="0"/>
+              <a:t>functionalities</a:t>
+            </a:r>
+            <a:r>
+              <a:rPr lang="it-IT" dirty="0" smtClean="0"/>
+              <a:t> </a:t>
+            </a:r>
+            <a:r>
+              <a:rPr lang="it-IT" dirty="0" err="1" smtClean="0"/>
+              <a:t>which</a:t>
+            </a:r>
+            <a:r>
+              <a:rPr lang="it-IT" dirty="0" smtClean="0"/>
+              <a:t> </a:t>
+            </a:r>
+            <a:r>
+              <a:rPr lang="it-IT" dirty="0" err="1" smtClean="0"/>
+              <a:t>doesn’t</a:t>
+            </a:r>
+            <a:r>
+              <a:rPr lang="it-IT" dirty="0" smtClean="0"/>
+              <a:t> </a:t>
+            </a:r>
+            <a:r>
+              <a:rPr lang="it-IT" dirty="0" err="1" smtClean="0"/>
+              <a:t>depend</a:t>
+            </a:r>
+            <a:r>
+              <a:rPr lang="it-IT" dirty="0" smtClean="0"/>
+              <a:t> on internet service, so </a:t>
+            </a:r>
+            <a:r>
+              <a:rPr lang="it-IT" dirty="0" err="1" smtClean="0"/>
+              <a:t>we</a:t>
+            </a:r>
+            <a:r>
+              <a:rPr lang="it-IT" dirty="0" smtClean="0"/>
+              <a:t> </a:t>
+            </a:r>
+            <a:r>
+              <a:rPr lang="it-IT" dirty="0" err="1" smtClean="0"/>
+              <a:t>consider</a:t>
+            </a:r>
+            <a:r>
+              <a:rPr lang="it-IT" dirty="0" smtClean="0"/>
+              <a:t> </a:t>
+            </a:r>
+            <a:r>
+              <a:rPr lang="it-IT" dirty="0" err="1" smtClean="0"/>
+              <a:t>usefull</a:t>
+            </a:r>
+            <a:r>
+              <a:rPr lang="it-IT" dirty="0" smtClean="0"/>
+              <a:t> </a:t>
+            </a:r>
+            <a:r>
+              <a:rPr lang="it-IT" dirty="0" err="1" smtClean="0"/>
+              <a:t>that</a:t>
+            </a:r>
+            <a:r>
+              <a:rPr lang="it-IT" dirty="0" smtClean="0"/>
+              <a:t> the </a:t>
+            </a:r>
+            <a:r>
+              <a:rPr lang="it-IT" dirty="0" err="1" smtClean="0"/>
+              <a:t>user</a:t>
+            </a:r>
+            <a:r>
+              <a:rPr lang="it-IT" dirty="0" smtClean="0"/>
+              <a:t> can use </a:t>
+            </a:r>
+          </a:p>
+          <a:p>
+            <a:r>
+              <a:rPr lang="it-IT" dirty="0" err="1" smtClean="0"/>
+              <a:t>this</a:t>
+            </a:r>
+            <a:r>
+              <a:rPr lang="it-IT" dirty="0" smtClean="0"/>
+              <a:t> </a:t>
+            </a:r>
+            <a:r>
+              <a:rPr lang="it-IT" dirty="0" err="1" smtClean="0"/>
+              <a:t>functionalities</a:t>
+            </a:r>
+            <a:r>
+              <a:rPr lang="it-IT" dirty="0" smtClean="0"/>
+              <a:t> </a:t>
+            </a:r>
+            <a:r>
+              <a:rPr lang="it-IT" dirty="0" err="1" smtClean="0"/>
+              <a:t>without</a:t>
+            </a:r>
+            <a:r>
+              <a:rPr lang="it-IT" dirty="0" smtClean="0"/>
+              <a:t> </a:t>
+            </a:r>
+            <a:r>
+              <a:rPr lang="it-IT" dirty="0" err="1" smtClean="0"/>
+              <a:t>connecting</a:t>
+            </a:r>
+            <a:r>
+              <a:rPr lang="it-IT" dirty="0" smtClean="0"/>
+              <a:t> to the server. For the </a:t>
+            </a:r>
+            <a:r>
+              <a:rPr lang="it-IT" dirty="0" err="1" smtClean="0"/>
+              <a:t>rest</a:t>
+            </a:r>
+            <a:r>
+              <a:rPr lang="it-IT" dirty="0" smtClean="0"/>
+              <a:t> of </a:t>
+            </a:r>
+            <a:r>
+              <a:rPr lang="it-IT" dirty="0" err="1" smtClean="0"/>
+              <a:t>functionalities</a:t>
+            </a:r>
+            <a:r>
+              <a:rPr lang="it-IT" dirty="0" smtClean="0"/>
+              <a:t>, network, and so internet service, </a:t>
+            </a:r>
+            <a:r>
+              <a:rPr lang="it-IT" dirty="0" err="1" smtClean="0"/>
+              <a:t>is</a:t>
+            </a:r>
+            <a:r>
+              <a:rPr lang="it-IT" dirty="0" smtClean="0"/>
+              <a:t> </a:t>
+            </a:r>
+          </a:p>
+          <a:p>
+            <a:r>
+              <a:rPr lang="it-IT" dirty="0" err="1" smtClean="0"/>
+              <a:t>fundamental</a:t>
+            </a:r>
+            <a:r>
+              <a:rPr lang="it-IT" dirty="0"/>
+              <a:t> </a:t>
+            </a:r>
+            <a:r>
+              <a:rPr lang="it-IT" dirty="0" smtClean="0"/>
+              <a:t>to </a:t>
+            </a:r>
+            <a:r>
+              <a:rPr lang="it-IT" dirty="0" err="1" smtClean="0"/>
+              <a:t>guarantee</a:t>
+            </a:r>
+            <a:r>
+              <a:rPr lang="it-IT" dirty="0" smtClean="0"/>
+              <a:t> the complete use of </a:t>
+            </a:r>
+            <a:r>
+              <a:rPr lang="it-IT" dirty="0" err="1" smtClean="0"/>
+              <a:t>Travlendar</a:t>
+            </a:r>
+            <a:r>
+              <a:rPr lang="it-IT" dirty="0" smtClean="0"/>
+              <a:t>+. To do </a:t>
+            </a:r>
+            <a:r>
+              <a:rPr lang="it-IT" dirty="0" err="1" smtClean="0"/>
+              <a:t>this</a:t>
+            </a:r>
+            <a:r>
+              <a:rPr lang="it-IT" dirty="0" smtClean="0"/>
+              <a:t>, the </a:t>
+            </a:r>
+            <a:r>
+              <a:rPr lang="it-IT" dirty="0" err="1" smtClean="0"/>
+              <a:t>app</a:t>
+            </a:r>
+            <a:r>
+              <a:rPr lang="it-IT" dirty="0" smtClean="0"/>
+              <a:t> </a:t>
+            </a:r>
+            <a:r>
+              <a:rPr lang="it-IT" dirty="0" err="1" smtClean="0"/>
+              <a:t>requires</a:t>
+            </a:r>
+            <a:r>
+              <a:rPr lang="it-IT" dirty="0" smtClean="0"/>
+              <a:t> data from DBMS </a:t>
+            </a:r>
+            <a:r>
+              <a:rPr lang="it-IT" dirty="0" err="1" smtClean="0"/>
+              <a:t>through</a:t>
+            </a:r>
+            <a:r>
+              <a:rPr lang="it-IT" dirty="0" smtClean="0"/>
+              <a:t> the</a:t>
+            </a:r>
+          </a:p>
+          <a:p>
+            <a:r>
+              <a:rPr lang="it-IT" dirty="0" smtClean="0"/>
+              <a:t>database server and </a:t>
+            </a:r>
+            <a:r>
+              <a:rPr lang="it-IT" dirty="0" err="1" smtClean="0"/>
+              <a:t>this</a:t>
+            </a:r>
+            <a:r>
+              <a:rPr lang="it-IT" dirty="0" smtClean="0"/>
+              <a:t> </a:t>
+            </a:r>
+            <a:r>
+              <a:rPr lang="it-IT" dirty="0" err="1" smtClean="0"/>
+              <a:t>one</a:t>
+            </a:r>
+            <a:r>
+              <a:rPr lang="it-IT" dirty="0" smtClean="0"/>
+              <a:t> </a:t>
+            </a:r>
+            <a:r>
+              <a:rPr lang="it-IT" dirty="0" err="1" smtClean="0"/>
+              <a:t>is</a:t>
+            </a:r>
+            <a:r>
+              <a:rPr lang="it-IT" dirty="0" smtClean="0"/>
+              <a:t> </a:t>
+            </a:r>
+            <a:r>
+              <a:rPr lang="it-IT" dirty="0" err="1" smtClean="0"/>
+              <a:t>connected</a:t>
+            </a:r>
+            <a:r>
+              <a:rPr lang="it-IT" dirty="0" smtClean="0"/>
+              <a:t> to the client </a:t>
+            </a:r>
+            <a:r>
+              <a:rPr lang="it-IT" dirty="0" err="1" smtClean="0"/>
+              <a:t>through</a:t>
+            </a:r>
+            <a:r>
+              <a:rPr lang="it-IT" dirty="0" smtClean="0"/>
+              <a:t> the network</a:t>
+            </a:r>
+          </a:p>
+        </p:txBody>
+      </p:sp>
+      <p:sp>
+        <p:nvSpPr>
+          <p:cNvPr id="34" name="Freccia bidirezionale orizzontale 33"/>
+          <p:cNvSpPr/>
+          <p:nvPr/>
+        </p:nvSpPr>
+        <p:spPr>
+          <a:xfrm>
+            <a:off x="2357262" y="2824624"/>
+            <a:ext cx="580747" cy="131348"/>
+          </a:xfrm>
+          <a:prstGeom prst="leftRightArrow">
+            <a:avLst/>
+          </a:prstGeom>
+          <a:solidFill>
+            <a:srgbClr val="FF0000"/>
+          </a:solidFill>
+          <a:ln>
+            <a:solidFill>
+              <a:schemeClr val="tx1">
+                <a:lumMod val="95000"/>
+                <a:lumOff val="5000"/>
+              </a:schemeClr>
+            </a:solidFill>
+          </a:ln>
+        </p:spPr>
+        <p:style>
+          <a:lnRef idx="2">
+            <a:schemeClr val="accent1">
+              <a:shade val="50000"/>
+            </a:schemeClr>
+          </a:lnRef>
+          <a:fillRef idx="1">
+            <a:schemeClr val="accent1"/>
+          </a:fillRef>
+          <a:effectRef idx="0">
+            <a:schemeClr val="accent1"/>
+          </a:effectRef>
+          <a:fontRef idx="minor">
+            <a:schemeClr val="lt1"/>
+          </a:fontRef>
+        </p:style>
+        <p:txBody>
+          <a:bodyPr rtlCol="0" anchor="ctr"/>
+          <a:lstStyle/>
+          <a:p>
+            <a:pPr algn="ctr"/>
+            <a:endParaRPr lang="it-IT"/>
+          </a:p>
+        </p:txBody>
+      </p:sp>
+      <p:sp>
+        <p:nvSpPr>
+          <p:cNvPr id="35" name="Freccia bidirezionale orizzontale 34"/>
+          <p:cNvSpPr/>
+          <p:nvPr/>
+        </p:nvSpPr>
+        <p:spPr>
+          <a:xfrm>
+            <a:off x="4938434" y="2831794"/>
+            <a:ext cx="397981" cy="131348"/>
+          </a:xfrm>
+          <a:prstGeom prst="leftRightArrow">
+            <a:avLst/>
+          </a:prstGeom>
+          <a:solidFill>
+            <a:srgbClr val="FF0000"/>
+          </a:solidFill>
+          <a:ln>
+            <a:solidFill>
+              <a:schemeClr val="tx1">
+                <a:lumMod val="95000"/>
+                <a:lumOff val="5000"/>
+              </a:schemeClr>
+            </a:solidFill>
+          </a:ln>
+        </p:spPr>
+        <p:style>
+          <a:lnRef idx="2">
+            <a:schemeClr val="accent1">
+              <a:shade val="50000"/>
+            </a:schemeClr>
+          </a:lnRef>
+          <a:fillRef idx="1">
+            <a:schemeClr val="accent1"/>
+          </a:fillRef>
+          <a:effectRef idx="0">
+            <a:schemeClr val="accent1"/>
+          </a:effectRef>
+          <a:fontRef idx="minor">
+            <a:schemeClr val="lt1"/>
+          </a:fontRef>
+        </p:style>
+        <p:txBody>
+          <a:bodyPr rtlCol="0" anchor="ctr"/>
+          <a:lstStyle/>
+          <a:p>
+            <a:pPr algn="ctr"/>
+            <a:endParaRPr lang="it-IT"/>
+          </a:p>
+        </p:txBody>
+      </p:sp>
+      <p:sp>
+        <p:nvSpPr>
+          <p:cNvPr id="36" name="Freccia bidirezionale orizzontale 35"/>
+          <p:cNvSpPr/>
+          <p:nvPr/>
+        </p:nvSpPr>
+        <p:spPr>
+          <a:xfrm>
+            <a:off x="7820067" y="2831794"/>
+            <a:ext cx="370497" cy="124178"/>
+          </a:xfrm>
+          <a:prstGeom prst="leftRightArrow">
+            <a:avLst/>
+          </a:prstGeom>
+          <a:solidFill>
+            <a:srgbClr val="FF0000"/>
+          </a:solidFill>
+          <a:ln>
+            <a:solidFill>
+              <a:schemeClr val="tx1">
+                <a:lumMod val="95000"/>
+                <a:lumOff val="5000"/>
+              </a:schemeClr>
+            </a:solidFill>
+          </a:ln>
+        </p:spPr>
+        <p:style>
+          <a:lnRef idx="2">
+            <a:schemeClr val="accent1">
+              <a:shade val="50000"/>
+            </a:schemeClr>
+          </a:lnRef>
+          <a:fillRef idx="1">
+            <a:schemeClr val="accent1"/>
+          </a:fillRef>
+          <a:effectRef idx="0">
+            <a:schemeClr val="accent1"/>
+          </a:effectRef>
+          <a:fontRef idx="minor">
+            <a:schemeClr val="lt1"/>
+          </a:fontRef>
+        </p:style>
+        <p:txBody>
+          <a:bodyPr rtlCol="0" anchor="ctr"/>
+          <a:lstStyle/>
+          <a:p>
+            <a:pPr algn="ctr"/>
+            <a:endParaRPr lang="it-IT"/>
+          </a:p>
+        </p:txBody>
+      </p:sp>
+      <p:pic>
+        <p:nvPicPr>
+          <p:cNvPr id="39" name="Immagine 38"/>
+          <p:cNvPicPr>
+            <a:picLocks noChangeAspect="1"/>
+          </p:cNvPicPr>
+          <p:nvPr/>
+        </p:nvPicPr>
+        <p:blipFill>
+          <a:blip r:embed="rId6" cstate="print">
+            <a:extLst>
+              <a:ext uri="{28A0092B-C50C-407E-A947-70E740481C1C}">
+                <a14:useLocalDpi xmlns:a14="http://schemas.microsoft.com/office/drawing/2010/main" val="0"/>
+              </a:ext>
+            </a:extLst>
+          </a:blip>
+          <a:stretch>
+            <a:fillRect/>
+          </a:stretch>
+        </p:blipFill>
+        <p:spPr>
+          <a:xfrm>
+            <a:off x="8987535" y="3072619"/>
+            <a:ext cx="304142" cy="304142"/>
+          </a:xfrm>
+          <a:prstGeom prst="rect">
+            <a:avLst/>
+          </a:prstGeom>
+        </p:spPr>
+      </p:pic>
     </p:spTree>
     <p:extLst>
       <p:ext uri="{BB962C8B-B14F-4D97-AF65-F5344CB8AC3E}">
@@ -4561,6 +5925,164 @@
 </file>
 
 <file path=ppt/slides/slide4.xml><?xml version="1.0" encoding="utf-8"?>
+<p:sld xmlns:a="http://schemas.openxmlformats.org/drawingml/2006/main" xmlns:r="http://schemas.openxmlformats.org/officeDocument/2006/relationships" xmlns:p="http://schemas.openxmlformats.org/presentationml/2006/main">
+  <p:cSld>
+    <p:spTree>
+      <p:nvGrpSpPr>
+        <p:cNvPr id="1" name=""/>
+        <p:cNvGrpSpPr/>
+        <p:nvPr/>
+      </p:nvGrpSpPr>
+      <p:grpSpPr>
+        <a:xfrm>
+          <a:off x="0" y="0"/>
+          <a:ext cx="0" cy="0"/>
+          <a:chOff x="0" y="0"/>
+          <a:chExt cx="0" cy="0"/>
+        </a:xfrm>
+      </p:grpSpPr>
+      <p:sp>
+        <p:nvSpPr>
+          <p:cNvPr id="4" name="CasellaDiTesto 3"/>
+          <p:cNvSpPr txBox="1"/>
+          <p:nvPr/>
+        </p:nvSpPr>
+        <p:spPr>
+          <a:xfrm>
+            <a:off x="4057003" y="114207"/>
+            <a:ext cx="4680192" cy="461665"/>
+          </a:xfrm>
+          <a:prstGeom prst="rect">
+            <a:avLst/>
+          </a:prstGeom>
+          <a:noFill/>
+        </p:spPr>
+        <p:txBody>
+          <a:bodyPr wrap="none" rtlCol="0">
+            <a:spAutoFit/>
+          </a:bodyPr>
+          <a:lstStyle/>
+          <a:p>
+            <a:r>
+              <a:rPr lang="it-IT" sz="2400" dirty="0" smtClean="0"/>
+              <a:t>2.6 </a:t>
+            </a:r>
+            <a:r>
+              <a:rPr lang="it-IT" sz="2400" dirty="0" err="1" smtClean="0"/>
+              <a:t>Architectural</a:t>
+            </a:r>
+            <a:r>
+              <a:rPr lang="it-IT" sz="2400" dirty="0" smtClean="0"/>
+              <a:t> </a:t>
+            </a:r>
+            <a:r>
+              <a:rPr lang="it-IT" sz="2400" dirty="0" err="1" smtClean="0"/>
+              <a:t>styles</a:t>
+            </a:r>
+            <a:r>
+              <a:rPr lang="it-IT" sz="2400" dirty="0" smtClean="0"/>
+              <a:t> and </a:t>
+            </a:r>
+            <a:r>
+              <a:rPr lang="it-IT" sz="2400" dirty="0" err="1" smtClean="0"/>
+              <a:t>patterns</a:t>
+            </a:r>
+            <a:endParaRPr lang="it-IT" sz="2400" dirty="0"/>
+          </a:p>
+        </p:txBody>
+      </p:sp>
+      <p:sp>
+        <p:nvSpPr>
+          <p:cNvPr id="5" name="CasellaDiTesto 4"/>
+          <p:cNvSpPr txBox="1"/>
+          <p:nvPr/>
+        </p:nvSpPr>
+        <p:spPr>
+          <a:xfrm>
+            <a:off x="1636873" y="852635"/>
+            <a:ext cx="2386744" cy="830997"/>
+          </a:xfrm>
+          <a:prstGeom prst="rect">
+            <a:avLst/>
+          </a:prstGeom>
+          <a:noFill/>
+        </p:spPr>
+        <p:txBody>
+          <a:bodyPr wrap="none" rtlCol="0">
+            <a:spAutoFit/>
+          </a:bodyPr>
+          <a:lstStyle/>
+          <a:p>
+            <a:pPr marL="342900" indent="-342900">
+              <a:buFont typeface="Arial" panose="020B0604020202020204" pitchFamily="34" charset="0"/>
+              <a:buChar char="•"/>
+            </a:pPr>
+            <a:r>
+              <a:rPr lang="it-IT" sz="2400" b="1" u="sng" dirty="0" smtClean="0"/>
+              <a:t>State pattern</a:t>
+            </a:r>
+          </a:p>
+          <a:p>
+            <a:pPr marL="342900" indent="-342900">
+              <a:buFont typeface="Arial" panose="020B0604020202020204" pitchFamily="34" charset="0"/>
+              <a:buChar char="•"/>
+            </a:pPr>
+            <a:r>
+              <a:rPr lang="it-IT" sz="2400" b="1" u="sng" dirty="0" smtClean="0"/>
+              <a:t>Visitor pattern</a:t>
+            </a:r>
+            <a:endParaRPr lang="it-IT" sz="2400" b="1" u="sng" dirty="0" smtClean="0"/>
+          </a:p>
+        </p:txBody>
+      </p:sp>
+      <p:sp>
+        <p:nvSpPr>
+          <p:cNvPr id="6" name="CasellaDiTesto 5"/>
+          <p:cNvSpPr txBox="1"/>
+          <p:nvPr/>
+        </p:nvSpPr>
+        <p:spPr>
+          <a:xfrm>
+            <a:off x="332862" y="852636"/>
+            <a:ext cx="1304011" cy="461665"/>
+          </a:xfrm>
+          <a:prstGeom prst="rect">
+            <a:avLst/>
+          </a:prstGeom>
+          <a:noFill/>
+        </p:spPr>
+        <p:txBody>
+          <a:bodyPr wrap="none" rtlCol="0">
+            <a:spAutoFit/>
+          </a:bodyPr>
+          <a:lstStyle/>
+          <a:p>
+            <a:r>
+              <a:rPr lang="it-IT" sz="2400" dirty="0" err="1" smtClean="0"/>
+              <a:t>Patterns</a:t>
+            </a:r>
+            <a:r>
+              <a:rPr lang="it-IT" sz="2400" dirty="0" smtClean="0"/>
+              <a:t>:</a:t>
+            </a:r>
+            <a:endParaRPr lang="it-IT" sz="2400" dirty="0"/>
+          </a:p>
+        </p:txBody>
+      </p:sp>
+    </p:spTree>
+    <p:extLst>
+      <p:ext uri="{BB962C8B-B14F-4D97-AF65-F5344CB8AC3E}">
+        <p14:creationId xmlns:p14="http://schemas.microsoft.com/office/powerpoint/2010/main" val="288429993"/>
+      </p:ext>
+    </p:extLst>
+  </p:cSld>
+  <p:clrMapOvr>
+    <a:masterClrMapping/>
+  </p:clrMapOvr>
+</p:sld>
+</file>
+
+<file path=ppt/slides/slide5.xml><?xml version="1.0" encoding="utf-8"?>
 <p:sld xmlns:a="http://schemas.openxmlformats.org/drawingml/2006/main" xmlns:r="http://schemas.openxmlformats.org/officeDocument/2006/relationships" xmlns:p="http://schemas.openxmlformats.org/presentationml/2006/main">
   <p:cSld>
     <p:spTree>

--- a/Design Documents/Architecture.pptx
+++ b/Design Documents/Architecture.pptx
@@ -7,9 +7,10 @@
   <p:sldIdLst>
     <p:sldId id="257" r:id="rId2"/>
     <p:sldId id="258" r:id="rId3"/>
-    <p:sldId id="259" r:id="rId4"/>
-    <p:sldId id="260" r:id="rId5"/>
-    <p:sldId id="256" r:id="rId6"/>
+    <p:sldId id="261" r:id="rId4"/>
+    <p:sldId id="259" r:id="rId5"/>
+    <p:sldId id="260" r:id="rId6"/>
+    <p:sldId id="256" r:id="rId7"/>
   </p:sldIdLst>
   <p:sldSz cx="12192000" cy="6858000"/>
   <p:notesSz cx="6858000" cy="9144000"/>
@@ -2989,8 +2990,8 @@
           </a:prstGeom>
           <a:solidFill>
             <a:schemeClr val="accent4">
-              <a:lumMod val="20000"/>
-              <a:lumOff val="80000"/>
+              <a:lumMod val="60000"/>
+              <a:lumOff val="40000"/>
             </a:schemeClr>
           </a:solidFill>
         </p:spPr>
@@ -3102,13 +3103,14 @@
           <a:lstStyle/>
           <a:p>
             <a:r>
+              <a:rPr lang="it-IT" sz="1400" dirty="0" smtClean="0"/>
+              <a:t>Application </a:t>
+            </a:r>
+            <a:r>
               <a:rPr lang="it-IT" sz="1400" dirty="0" err="1" smtClean="0"/>
-              <a:t>Logic</a:t>
-            </a:r>
-            <a:r>
-              <a:rPr lang="it-IT" sz="1400" dirty="0" smtClean="0"/>
-              <a:t> Application</a:t>
-            </a:r>
+              <a:t>logic</a:t>
+            </a:r>
+            <a:endParaRPr lang="it-IT" sz="1400" dirty="0" smtClean="0"/>
           </a:p>
         </p:txBody>
       </p:sp>
@@ -4550,499 +4552,35 @@
       </p:grpSpPr>
       <p:sp>
         <p:nvSpPr>
-          <p:cNvPr id="2" name="CasellaDiTesto 1"/>
-          <p:cNvSpPr txBox="1"/>
-          <p:nvPr/>
-        </p:nvSpPr>
-        <p:spPr>
-          <a:xfrm>
-            <a:off x="4057003" y="114207"/>
-            <a:ext cx="4680192" cy="461665"/>
-          </a:xfrm>
-          <a:prstGeom prst="rect">
-            <a:avLst/>
-          </a:prstGeom>
-          <a:noFill/>
-        </p:spPr>
-        <p:txBody>
-          <a:bodyPr wrap="none" rtlCol="0">
-            <a:spAutoFit/>
-          </a:bodyPr>
-          <a:lstStyle/>
-          <a:p>
-            <a:r>
-              <a:rPr lang="it-IT" sz="2400" dirty="0" smtClean="0"/>
-              <a:t>2.6 </a:t>
-            </a:r>
-            <a:r>
-              <a:rPr lang="it-IT" sz="2400" dirty="0" err="1" smtClean="0"/>
-              <a:t>Architectural</a:t>
-            </a:r>
-            <a:r>
-              <a:rPr lang="it-IT" sz="2400" dirty="0" smtClean="0"/>
-              <a:t> </a:t>
-            </a:r>
-            <a:r>
-              <a:rPr lang="it-IT" sz="2400" dirty="0" err="1" smtClean="0"/>
-              <a:t>styles</a:t>
-            </a:r>
-            <a:r>
-              <a:rPr lang="it-IT" sz="2400" dirty="0" smtClean="0"/>
-              <a:t> and </a:t>
-            </a:r>
-            <a:r>
-              <a:rPr lang="it-IT" sz="2400" dirty="0" err="1" smtClean="0"/>
-              <a:t>patterns</a:t>
-            </a:r>
-            <a:endParaRPr lang="it-IT" sz="2400" dirty="0"/>
-          </a:p>
-        </p:txBody>
-      </p:sp>
-      <p:sp>
-        <p:nvSpPr>
-          <p:cNvPr id="3" name="CasellaDiTesto 2"/>
-          <p:cNvSpPr txBox="1"/>
-          <p:nvPr/>
-        </p:nvSpPr>
-        <p:spPr>
-          <a:xfrm>
-            <a:off x="2867796" y="852635"/>
-            <a:ext cx="2765757" cy="461665"/>
-          </a:xfrm>
-          <a:prstGeom prst="rect">
-            <a:avLst/>
-          </a:prstGeom>
-          <a:noFill/>
-        </p:spPr>
-        <p:txBody>
-          <a:bodyPr wrap="none" rtlCol="0">
-            <a:spAutoFit/>
-          </a:bodyPr>
-          <a:lstStyle/>
-          <a:p>
-            <a:r>
-              <a:rPr lang="it-IT" sz="2400" b="1" u="sng" dirty="0" smtClean="0"/>
-              <a:t>Remote Data Access</a:t>
-            </a:r>
-          </a:p>
-        </p:txBody>
-      </p:sp>
-      <p:sp>
-        <p:nvSpPr>
-          <p:cNvPr id="4" name="CasellaDiTesto 3"/>
-          <p:cNvSpPr txBox="1"/>
-          <p:nvPr/>
-        </p:nvSpPr>
-        <p:spPr>
-          <a:xfrm>
-            <a:off x="332862" y="852636"/>
-            <a:ext cx="2528321" cy="461665"/>
-          </a:xfrm>
-          <a:prstGeom prst="rect">
-            <a:avLst/>
-          </a:prstGeom>
-          <a:noFill/>
-        </p:spPr>
-        <p:txBody>
-          <a:bodyPr wrap="none" rtlCol="0">
-            <a:spAutoFit/>
-          </a:bodyPr>
-          <a:lstStyle/>
-          <a:p>
-            <a:r>
-              <a:rPr lang="it-IT" sz="2400" dirty="0" err="1" smtClean="0"/>
-              <a:t>Architectural</a:t>
-            </a:r>
-            <a:r>
-              <a:rPr lang="it-IT" sz="2400" dirty="0" smtClean="0"/>
-              <a:t> style:</a:t>
-            </a:r>
-            <a:endParaRPr lang="it-IT" sz="2400" dirty="0"/>
-          </a:p>
-        </p:txBody>
-      </p:sp>
-      <p:sp>
-        <p:nvSpPr>
-          <p:cNvPr id="5" name="Rettangolo arrotondato 4"/>
+          <p:cNvPr id="9" name="Cubo 8"/>
           <p:cNvSpPr/>
           <p:nvPr/>
         </p:nvSpPr>
         <p:spPr>
           <a:xfrm>
-            <a:off x="8190564" y="1813360"/>
-            <a:ext cx="3832319" cy="2279562"/>
-          </a:xfrm>
-          <a:prstGeom prst="roundRect">
-            <a:avLst/>
+            <a:off x="5122719" y="2184410"/>
+            <a:ext cx="1338872" cy="1567810"/>
+          </a:xfrm>
+          <a:prstGeom prst="cube">
+            <a:avLst>
+              <a:gd name="adj" fmla="val 10830"/>
+            </a:avLst>
           </a:prstGeom>
           <a:solidFill>
-            <a:schemeClr val="accent4">
-              <a:lumMod val="60000"/>
-              <a:lumOff val="40000"/>
-            </a:schemeClr>
+            <a:srgbClr val="FF6600"/>
           </a:solidFill>
-        </p:spPr>
-        <p:style>
-          <a:lnRef idx="0">
-            <a:schemeClr val="accent4"/>
-          </a:lnRef>
-          <a:fillRef idx="1003">
-            <a:schemeClr val="lt2"/>
-          </a:fillRef>
-          <a:effectRef idx="3">
-            <a:schemeClr val="accent4"/>
-          </a:effectRef>
-          <a:fontRef idx="minor">
-            <a:schemeClr val="lt1"/>
-          </a:fontRef>
-        </p:style>
-        <p:txBody>
-          <a:bodyPr rtlCol="0" anchor="ctr"/>
-          <a:lstStyle/>
-          <a:p>
-            <a:pPr algn="ctr"/>
-            <a:endParaRPr lang="it-IT" dirty="0"/>
-          </a:p>
-        </p:txBody>
-      </p:sp>
-      <p:sp>
-        <p:nvSpPr>
-          <p:cNvPr id="6" name="CasellaDiTesto 5"/>
-          <p:cNvSpPr txBox="1"/>
-          <p:nvPr/>
-        </p:nvSpPr>
-        <p:spPr>
-          <a:xfrm>
-            <a:off x="10677518" y="1972668"/>
-            <a:ext cx="917239" cy="461665"/>
-          </a:xfrm>
-          <a:prstGeom prst="rect">
-            <a:avLst/>
-          </a:prstGeom>
-          <a:noFill/>
-        </p:spPr>
-        <p:txBody>
-          <a:bodyPr wrap="none" rtlCol="0">
-            <a:spAutoFit/>
-          </a:bodyPr>
-          <a:lstStyle/>
-          <a:p>
-            <a:r>
-              <a:rPr lang="it-IT" sz="2400" dirty="0" err="1" smtClean="0"/>
-              <a:t>Dbms</a:t>
-            </a:r>
-            <a:endParaRPr lang="it-IT" sz="2400" dirty="0" smtClean="0"/>
-          </a:p>
-        </p:txBody>
-      </p:sp>
-      <p:pic>
-        <p:nvPicPr>
-          <p:cNvPr id="7" name="Immagine 6"/>
-          <p:cNvPicPr>
-            <a:picLocks noChangeAspect="1"/>
-          </p:cNvPicPr>
-          <p:nvPr/>
-        </p:nvPicPr>
-        <p:blipFill>
-          <a:blip r:embed="rId2">
-            <a:extLst>
-              <a:ext uri="{28A0092B-C50C-407E-A947-70E740481C1C}">
-                <a14:useLocalDpi xmlns:a14="http://schemas.microsoft.com/office/drawing/2010/main" val="0"/>
-              </a:ext>
-            </a:extLst>
-          </a:blip>
-          <a:stretch>
-            <a:fillRect/>
-          </a:stretch>
-        </p:blipFill>
-        <p:spPr>
-          <a:xfrm>
-            <a:off x="10088648" y="2455206"/>
-            <a:ext cx="507936" cy="507936"/>
-          </a:xfrm>
-          <a:prstGeom prst="rect">
-            <a:avLst/>
-          </a:prstGeom>
-        </p:spPr>
-      </p:pic>
-      <p:pic>
-        <p:nvPicPr>
-          <p:cNvPr id="8" name="Immagine 7"/>
-          <p:cNvPicPr>
-            <a:picLocks noChangeAspect="1"/>
-          </p:cNvPicPr>
-          <p:nvPr/>
-        </p:nvPicPr>
-        <p:blipFill>
-          <a:blip r:embed="rId2">
-            <a:extLst>
-              <a:ext uri="{28A0092B-C50C-407E-A947-70E740481C1C}">
-                <a14:useLocalDpi xmlns:a14="http://schemas.microsoft.com/office/drawing/2010/main" val="0"/>
-              </a:ext>
-            </a:extLst>
-          </a:blip>
-          <a:stretch>
-            <a:fillRect/>
-          </a:stretch>
-        </p:blipFill>
-        <p:spPr>
-          <a:xfrm>
-            <a:off x="10088648" y="3165633"/>
-            <a:ext cx="507936" cy="507936"/>
-          </a:xfrm>
-          <a:prstGeom prst="rect">
-            <a:avLst/>
-          </a:prstGeom>
-        </p:spPr>
-      </p:pic>
-      <p:sp>
-        <p:nvSpPr>
-          <p:cNvPr id="9" name="CasellaDiTesto 8"/>
-          <p:cNvSpPr txBox="1"/>
-          <p:nvPr/>
-        </p:nvSpPr>
-        <p:spPr>
-          <a:xfrm>
-            <a:off x="10616399" y="2535412"/>
-            <a:ext cx="1074525" cy="307777"/>
-          </a:xfrm>
-          <a:prstGeom prst="rect">
-            <a:avLst/>
-          </a:prstGeom>
-          <a:noFill/>
-        </p:spPr>
-        <p:txBody>
-          <a:bodyPr wrap="none" rtlCol="0">
-            <a:spAutoFit/>
-          </a:bodyPr>
-          <a:lstStyle/>
-          <a:p>
-            <a:r>
-              <a:rPr lang="it-IT" sz="1400" dirty="0" err="1" smtClean="0"/>
-              <a:t>External</a:t>
-            </a:r>
-            <a:r>
-              <a:rPr lang="it-IT" sz="1400" dirty="0" smtClean="0"/>
-              <a:t> DB</a:t>
-            </a:r>
-            <a:endParaRPr lang="it-IT" sz="1400" dirty="0"/>
-          </a:p>
-        </p:txBody>
-      </p:sp>
-      <p:sp>
-        <p:nvSpPr>
-          <p:cNvPr id="10" name="CasellaDiTesto 9"/>
-          <p:cNvSpPr txBox="1"/>
-          <p:nvPr/>
-        </p:nvSpPr>
-        <p:spPr>
-          <a:xfrm>
-            <a:off x="10598481" y="3245617"/>
-            <a:ext cx="1293816" cy="307777"/>
-          </a:xfrm>
-          <a:prstGeom prst="rect">
-            <a:avLst/>
-          </a:prstGeom>
-          <a:noFill/>
-        </p:spPr>
-        <p:txBody>
-          <a:bodyPr wrap="none" rtlCol="0">
-            <a:spAutoFit/>
-          </a:bodyPr>
-          <a:lstStyle/>
-          <a:p>
-            <a:r>
-              <a:rPr lang="it-IT" sz="1400" dirty="0" err="1" smtClean="0"/>
-              <a:t>Travlendar</a:t>
-            </a:r>
-            <a:r>
-              <a:rPr lang="it-IT" sz="1400" dirty="0" smtClean="0"/>
-              <a:t>+ DB</a:t>
-            </a:r>
-            <a:endParaRPr lang="it-IT" sz="1400" dirty="0"/>
-          </a:p>
-        </p:txBody>
-      </p:sp>
-      <p:sp>
-        <p:nvSpPr>
-          <p:cNvPr id="11" name="CasellaDiTesto 10"/>
-          <p:cNvSpPr txBox="1"/>
-          <p:nvPr/>
-        </p:nvSpPr>
-        <p:spPr>
-          <a:xfrm>
-            <a:off x="8531332" y="2087536"/>
-            <a:ext cx="1005212" cy="461665"/>
-          </a:xfrm>
-          <a:prstGeom prst="rect">
-            <a:avLst/>
-          </a:prstGeom>
-          <a:noFill/>
-        </p:spPr>
-        <p:txBody>
-          <a:bodyPr wrap="none" rtlCol="0">
-            <a:spAutoFit/>
-          </a:bodyPr>
-          <a:lstStyle/>
-          <a:p>
-            <a:r>
-              <a:rPr lang="it-IT" sz="2400" dirty="0" smtClean="0"/>
-              <a:t>Server</a:t>
-            </a:r>
-          </a:p>
-        </p:txBody>
-      </p:sp>
-      <p:pic>
-        <p:nvPicPr>
-          <p:cNvPr id="12" name="Immagine 11"/>
-          <p:cNvPicPr>
-            <a:picLocks noChangeAspect="1"/>
-          </p:cNvPicPr>
-          <p:nvPr/>
-        </p:nvPicPr>
-        <p:blipFill>
-          <a:blip r:embed="rId3">
-            <a:extLst>
-              <a:ext uri="{28A0092B-C50C-407E-A947-70E740481C1C}">
-                <a14:useLocalDpi xmlns:a14="http://schemas.microsoft.com/office/drawing/2010/main" val="0"/>
-              </a:ext>
-            </a:extLst>
-          </a:blip>
-          <a:stretch>
-            <a:fillRect/>
-          </a:stretch>
-        </p:blipFill>
-        <p:spPr>
-          <a:xfrm>
-            <a:off x="8748753" y="2735196"/>
-            <a:ext cx="615543" cy="615543"/>
-          </a:xfrm>
-          <a:prstGeom prst="rect">
-            <a:avLst/>
-          </a:prstGeom>
-        </p:spPr>
-      </p:pic>
-      <p:sp>
-        <p:nvSpPr>
-          <p:cNvPr id="13" name="CasellaDiTesto 12"/>
-          <p:cNvSpPr txBox="1"/>
-          <p:nvPr/>
-        </p:nvSpPr>
-        <p:spPr>
-          <a:xfrm>
-            <a:off x="8279804" y="3425528"/>
-            <a:ext cx="1553439" cy="307777"/>
-          </a:xfrm>
-          <a:prstGeom prst="rect">
-            <a:avLst/>
-          </a:prstGeom>
-          <a:noFill/>
-        </p:spPr>
-        <p:txBody>
-          <a:bodyPr wrap="none" rtlCol="0">
-            <a:spAutoFit/>
-          </a:bodyPr>
-          <a:lstStyle/>
-          <a:p>
-            <a:r>
-              <a:rPr lang="it-IT" sz="1400" dirty="0" err="1" smtClean="0"/>
-              <a:t>Travlendar</a:t>
-            </a:r>
-            <a:r>
-              <a:rPr lang="it-IT" sz="1400" dirty="0" smtClean="0"/>
-              <a:t>+ Server</a:t>
-            </a:r>
-            <a:endParaRPr lang="it-IT" sz="1400" dirty="0"/>
-          </a:p>
-        </p:txBody>
-      </p:sp>
-      <p:sp>
-        <p:nvSpPr>
-          <p:cNvPr id="14" name="Rettangolo arrotondato 13"/>
-          <p:cNvSpPr/>
-          <p:nvPr/>
-        </p:nvSpPr>
-        <p:spPr>
-          <a:xfrm>
-            <a:off x="462688" y="2105553"/>
-            <a:ext cx="1904172" cy="1583830"/>
-          </a:xfrm>
-          <a:prstGeom prst="roundRect">
-            <a:avLst/>
-          </a:prstGeom>
-        </p:spPr>
-        <p:style>
-          <a:lnRef idx="0">
-            <a:schemeClr val="accent6"/>
-          </a:lnRef>
-          <a:fillRef idx="3">
-            <a:schemeClr val="accent6"/>
-          </a:fillRef>
-          <a:effectRef idx="3">
-            <a:schemeClr val="accent6"/>
-          </a:effectRef>
-          <a:fontRef idx="minor">
-            <a:schemeClr val="lt1"/>
-          </a:fontRef>
-        </p:style>
-        <p:txBody>
-          <a:bodyPr rtlCol="0" anchor="ctr"/>
-          <a:lstStyle/>
-          <a:p>
-            <a:pPr algn="ctr"/>
-            <a:endParaRPr lang="it-IT" dirty="0"/>
-          </a:p>
-        </p:txBody>
-      </p:sp>
-      <p:sp>
-        <p:nvSpPr>
-          <p:cNvPr id="15" name="CasellaDiTesto 14"/>
-          <p:cNvSpPr txBox="1"/>
-          <p:nvPr/>
-        </p:nvSpPr>
-        <p:spPr>
-          <a:xfrm>
-            <a:off x="2014038" y="1602180"/>
-            <a:ext cx="923971" cy="461665"/>
-          </a:xfrm>
-          <a:prstGeom prst="rect">
-            <a:avLst/>
-          </a:prstGeom>
-          <a:noFill/>
-        </p:spPr>
-        <p:txBody>
-          <a:bodyPr wrap="none" rtlCol="0">
-            <a:spAutoFit/>
-          </a:bodyPr>
-          <a:lstStyle/>
-          <a:p>
-            <a:r>
-              <a:rPr lang="it-IT" sz="2400" b="1" dirty="0" smtClean="0"/>
-              <a:t>Client</a:t>
-            </a:r>
-          </a:p>
-        </p:txBody>
-      </p:sp>
-      <p:sp>
-        <p:nvSpPr>
-          <p:cNvPr id="16" name="Rettangolo 15"/>
-          <p:cNvSpPr/>
-          <p:nvPr/>
-        </p:nvSpPr>
-        <p:spPr>
-          <a:xfrm>
-            <a:off x="622079" y="2351723"/>
-            <a:ext cx="1549715" cy="1067877"/>
-          </a:xfrm>
-          <a:prstGeom prst="rect">
-            <a:avLst/>
-          </a:prstGeom>
-          <a:solidFill>
-            <a:schemeClr val="tx1">
-              <a:lumMod val="50000"/>
-              <a:lumOff val="50000"/>
-            </a:schemeClr>
-          </a:solidFill>
+          <a:ln>
+            <a:solidFill>
+              <a:schemeClr val="tx1"/>
+            </a:solidFill>
+          </a:ln>
+          <a:effectLst>
+            <a:outerShdw blurRad="50800" dist="38100" dir="8100000" algn="tr" rotWithShape="0">
+              <a:prstClr val="black">
+                <a:alpha val="40000"/>
+              </a:prstClr>
+            </a:outerShdw>
+          </a:effectLst>
         </p:spPr>
         <p:style>
           <a:lnRef idx="2">
@@ -5061,105 +4599,84 @@
           </a:fontRef>
         </p:style>
         <p:txBody>
-          <a:bodyPr rtlCol="0" anchor="ctr"/>
-          <a:lstStyle/>
-          <a:p>
-            <a:r>
-              <a:rPr lang="it-IT" dirty="0" smtClean="0"/>
-              <a:t>Mobile Interface</a:t>
-            </a:r>
-            <a:endParaRPr lang="it-IT" dirty="0"/>
-          </a:p>
-        </p:txBody>
-      </p:sp>
-      <p:pic>
-        <p:nvPicPr>
-          <p:cNvPr id="17" name="Immagine 16"/>
-          <p:cNvPicPr>
-            <a:picLocks noChangeAspect="1"/>
-          </p:cNvPicPr>
-          <p:nvPr/>
-        </p:nvPicPr>
-        <p:blipFill>
-          <a:blip r:embed="rId4">
-            <a:extLst>
-              <a:ext uri="{28A0092B-C50C-407E-A947-70E740481C1C}">
-                <a14:useLocalDpi xmlns:a14="http://schemas.microsoft.com/office/drawing/2010/main" val="0"/>
-              </a:ext>
-            </a:extLst>
-          </a:blip>
-          <a:stretch>
-            <a:fillRect/>
-          </a:stretch>
-        </p:blipFill>
-        <p:spPr>
-          <a:xfrm>
-            <a:off x="2938009" y="1579044"/>
-            <a:ext cx="507936" cy="507936"/>
-          </a:xfrm>
-          <a:prstGeom prst="rect">
-            <a:avLst/>
-          </a:prstGeom>
-        </p:spPr>
-      </p:pic>
-      <p:sp>
-        <p:nvSpPr>
-          <p:cNvPr id="18" name="Rettangolo arrotondato 17"/>
+          <a:bodyPr rtlCol="0" anchor="t"/>
+          <a:lstStyle/>
+          <a:p>
+            <a:pPr algn="ctr"/>
+            <a:r>
+              <a:rPr lang="it-IT" sz="1200" dirty="0" smtClean="0">
+                <a:solidFill>
+                  <a:schemeClr val="tx1"/>
+                </a:solidFill>
+              </a:rPr>
+              <a:t>&lt;&lt;</a:t>
+            </a:r>
+            <a:r>
+              <a:rPr lang="it-IT" sz="1200" dirty="0" err="1" smtClean="0">
+                <a:solidFill>
+                  <a:schemeClr val="tx1"/>
+                </a:solidFill>
+              </a:rPr>
+              <a:t>device</a:t>
+            </a:r>
+            <a:r>
+              <a:rPr lang="it-IT" sz="1200" dirty="0" smtClean="0">
+                <a:solidFill>
+                  <a:schemeClr val="tx1"/>
+                </a:solidFill>
+              </a:rPr>
+              <a:t>&gt;&gt;</a:t>
+            </a:r>
+          </a:p>
+          <a:p>
+            <a:pPr algn="ctr"/>
+            <a:r>
+              <a:rPr lang="it-IT" sz="1200" b="1" u="sng" dirty="0" smtClean="0">
+                <a:solidFill>
+                  <a:schemeClr val="tx1"/>
+                </a:solidFill>
+              </a:rPr>
+              <a:t>Firewall</a:t>
+            </a:r>
+            <a:endParaRPr lang="it-IT" sz="1200" b="1" u="sng" dirty="0">
+              <a:solidFill>
+                <a:schemeClr val="tx1"/>
+              </a:solidFill>
+            </a:endParaRPr>
+          </a:p>
+        </p:txBody>
+      </p:sp>
+      <p:sp>
+        <p:nvSpPr>
+          <p:cNvPr id="5" name="Cubo 4"/>
           <p:cNvSpPr/>
           <p:nvPr/>
         </p:nvSpPr>
         <p:spPr>
           <a:xfrm>
-            <a:off x="2944178" y="2248996"/>
-            <a:ext cx="1977527" cy="1282605"/>
-          </a:xfrm>
-          <a:prstGeom prst="roundRect">
-            <a:avLst/>
-          </a:prstGeom>
-        </p:spPr>
-        <p:style>
-          <a:lnRef idx="0">
-            <a:schemeClr val="accent6"/>
-          </a:lnRef>
-          <a:fillRef idx="3">
-            <a:schemeClr val="accent6"/>
-          </a:fillRef>
-          <a:effectRef idx="3">
-            <a:schemeClr val="accent6"/>
-          </a:effectRef>
-          <a:fontRef idx="minor">
-            <a:schemeClr val="lt1"/>
-          </a:fontRef>
-        </p:style>
-        <p:txBody>
-          <a:bodyPr rtlCol="0" anchor="ctr"/>
-          <a:lstStyle/>
-          <a:p>
-            <a:pPr algn="ctr"/>
-            <a:endParaRPr lang="it-IT" dirty="0"/>
-          </a:p>
-        </p:txBody>
-      </p:sp>
-      <p:sp>
-        <p:nvSpPr>
-          <p:cNvPr id="19" name="Rettangolo 18"/>
-          <p:cNvSpPr/>
-          <p:nvPr/>
-        </p:nvSpPr>
-        <p:spPr>
-          <a:xfrm>
-            <a:off x="3171157" y="2518459"/>
-            <a:ext cx="1549715" cy="754276"/>
-          </a:xfrm>
-          <a:prstGeom prst="rect">
-            <a:avLst/>
+            <a:off x="2211563" y="1491980"/>
+            <a:ext cx="1815920" cy="2730320"/>
+          </a:xfrm>
+          <a:prstGeom prst="cube">
+            <a:avLst>
+              <a:gd name="adj" fmla="val 12754"/>
+            </a:avLst>
           </a:prstGeom>
           <a:solidFill>
-            <a:schemeClr val="tx1">
-              <a:lumMod val="50000"/>
-              <a:lumOff val="50000"/>
-            </a:schemeClr>
+            <a:srgbClr val="92D050"/>
           </a:solidFill>
+          <a:ln>
+            <a:solidFill>
+              <a:schemeClr val="tx1"/>
+            </a:solidFill>
+          </a:ln>
+          <a:effectLst>
+            <a:outerShdw blurRad="50800" dist="38100" dir="8100000" algn="tr" rotWithShape="0">
+              <a:prstClr val="black">
+                <a:alpha val="40000"/>
+              </a:prstClr>
+            </a:outerShdw>
+          </a:effectLst>
         </p:spPr>
         <p:style>
           <a:lnRef idx="2">
@@ -5178,45 +4695,92 @@
           </a:fontRef>
         </p:style>
         <p:txBody>
-          <a:bodyPr rtlCol="0" anchor="ctr"/>
+          <a:bodyPr rtlCol="0" anchor="t"/>
           <a:lstStyle/>
           <a:p>
             <a:pPr algn="ctr"/>
             <a:r>
-              <a:rPr lang="it-IT" dirty="0" err="1" smtClean="0"/>
-              <a:t>Logic</a:t>
-            </a:r>
-            <a:r>
-              <a:rPr lang="it-IT" dirty="0" smtClean="0"/>
-              <a:t> Application</a:t>
-            </a:r>
-            <a:endParaRPr lang="it-IT" dirty="0"/>
-          </a:p>
-        </p:txBody>
-      </p:sp>
-      <p:sp>
-        <p:nvSpPr>
-          <p:cNvPr id="20" name="Nuvola 19"/>
+              <a:rPr lang="it-IT" sz="1200" dirty="0" smtClean="0">
+                <a:solidFill>
+                  <a:schemeClr val="tx1"/>
+                </a:solidFill>
+              </a:rPr>
+              <a:t>&lt;&lt;</a:t>
+            </a:r>
+            <a:r>
+              <a:rPr lang="it-IT" sz="1200" dirty="0" err="1" smtClean="0">
+                <a:solidFill>
+                  <a:schemeClr val="tx1"/>
+                </a:solidFill>
+              </a:rPr>
+              <a:t>device</a:t>
+            </a:r>
+            <a:r>
+              <a:rPr lang="it-IT" sz="1200" dirty="0" smtClean="0">
+                <a:solidFill>
+                  <a:schemeClr val="tx1"/>
+                </a:solidFill>
+              </a:rPr>
+              <a:t>&gt;&gt;</a:t>
+            </a:r>
+          </a:p>
+          <a:p>
+            <a:pPr algn="ctr"/>
+            <a:r>
+              <a:rPr lang="it-IT" sz="1200" b="1" u="sng" dirty="0" smtClean="0">
+                <a:solidFill>
+                  <a:schemeClr val="tx1"/>
+                </a:solidFill>
+              </a:rPr>
+              <a:t>Mobile Smartphone</a:t>
+            </a:r>
+            <a:endParaRPr lang="it-IT" sz="1200" b="1" u="sng" dirty="0">
+              <a:solidFill>
+                <a:schemeClr val="tx1"/>
+              </a:solidFill>
+            </a:endParaRPr>
+          </a:p>
+        </p:txBody>
+      </p:sp>
+      <p:sp>
+        <p:nvSpPr>
+          <p:cNvPr id="6" name="Cubo 5"/>
           <p:cNvSpPr/>
           <p:nvPr/>
         </p:nvSpPr>
         <p:spPr>
           <a:xfrm>
-            <a:off x="5347898" y="2291243"/>
-            <a:ext cx="2451831" cy="1208708"/>
-          </a:xfrm>
-          <a:prstGeom prst="cloud">
-            <a:avLst/>
-          </a:prstGeom>
+            <a:off x="2575425" y="2219653"/>
+            <a:ext cx="914400" cy="631065"/>
+          </a:xfrm>
+          <a:prstGeom prst="cube">
+            <a:avLst>
+              <a:gd name="adj" fmla="val 14796"/>
+            </a:avLst>
+          </a:prstGeom>
+          <a:solidFill>
+            <a:schemeClr val="accent6">
+              <a:lumMod val="75000"/>
+            </a:schemeClr>
+          </a:solidFill>
+          <a:ln>
+            <a:solidFill>
+              <a:schemeClr val="accent5">
+                <a:lumMod val="50000"/>
+              </a:schemeClr>
+            </a:solidFill>
+          </a:ln>
         </p:spPr>
         <p:style>
-          <a:lnRef idx="0">
-            <a:schemeClr val="accent1"/>
+          <a:lnRef idx="2">
+            <a:schemeClr val="accent1">
+              <a:shade val="50000"/>
+            </a:schemeClr>
           </a:lnRef>
-          <a:fillRef idx="3">
+          <a:fillRef idx="1">
             <a:schemeClr val="accent1"/>
           </a:fillRef>
-          <a:effectRef idx="3">
+          <a:effectRef idx="0">
             <a:schemeClr val="accent1"/>
           </a:effectRef>
           <a:fontRef idx="minor">
@@ -5229,23 +4793,154 @@
           <a:p>
             <a:pPr algn="ctr"/>
             <a:r>
-              <a:rPr lang="it-IT" dirty="0" smtClean="0"/>
-              <a:t>Network</a:t>
-            </a:r>
-            <a:endParaRPr lang="it-IT" dirty="0"/>
-          </a:p>
-        </p:txBody>
-      </p:sp>
-      <p:sp>
-        <p:nvSpPr>
-          <p:cNvPr id="21" name="CasellaDiTesto 20"/>
+              <a:rPr lang="it-IT" sz="1050" dirty="0" smtClean="0"/>
+              <a:t>Mobile Interface</a:t>
+            </a:r>
+            <a:endParaRPr lang="it-IT" sz="1050" dirty="0"/>
+          </a:p>
+        </p:txBody>
+      </p:sp>
+      <p:pic>
+        <p:nvPicPr>
+          <p:cNvPr id="7" name="Immagine 6"/>
+          <p:cNvPicPr>
+            <a:picLocks noChangeAspect="1"/>
+          </p:cNvPicPr>
+          <p:nvPr/>
+        </p:nvPicPr>
+        <p:blipFill>
+          <a:blip r:embed="rId2" cstate="print">
+            <a:extLst>
+              <a:ext uri="{28A0092B-C50C-407E-A947-70E740481C1C}">
+                <a14:useLocalDpi xmlns:a14="http://schemas.microsoft.com/office/drawing/2010/main" val="0"/>
+              </a:ext>
+            </a:extLst>
+          </a:blip>
+          <a:stretch>
+            <a:fillRect/>
+          </a:stretch>
+        </p:blipFill>
+        <p:spPr>
+          <a:xfrm>
+            <a:off x="5467446" y="2815292"/>
+            <a:ext cx="591565" cy="748037"/>
+          </a:xfrm>
+          <a:prstGeom prst="rect">
+            <a:avLst/>
+          </a:prstGeom>
+        </p:spPr>
+      </p:pic>
+      <p:sp>
+        <p:nvSpPr>
+          <p:cNvPr id="11" name="Cubo 10"/>
+          <p:cNvSpPr/>
+          <p:nvPr/>
+        </p:nvSpPr>
+        <p:spPr>
+          <a:xfrm>
+            <a:off x="2575425" y="3262858"/>
+            <a:ext cx="914400" cy="631065"/>
+          </a:xfrm>
+          <a:prstGeom prst="cube">
+            <a:avLst>
+              <a:gd name="adj" fmla="val 14796"/>
+            </a:avLst>
+          </a:prstGeom>
+          <a:solidFill>
+            <a:schemeClr val="accent6">
+              <a:lumMod val="75000"/>
+            </a:schemeClr>
+          </a:solidFill>
+          <a:ln>
+            <a:solidFill>
+              <a:schemeClr val="accent5">
+                <a:lumMod val="50000"/>
+              </a:schemeClr>
+            </a:solidFill>
+          </a:ln>
+        </p:spPr>
+        <p:style>
+          <a:lnRef idx="2">
+            <a:schemeClr val="accent1">
+              <a:shade val="50000"/>
+            </a:schemeClr>
+          </a:lnRef>
+          <a:fillRef idx="1">
+            <a:schemeClr val="accent1"/>
+          </a:fillRef>
+          <a:effectRef idx="0">
+            <a:schemeClr val="accent1"/>
+          </a:effectRef>
+          <a:fontRef idx="minor">
+            <a:schemeClr val="lt1"/>
+          </a:fontRef>
+        </p:style>
+        <p:txBody>
+          <a:bodyPr rtlCol="0" anchor="ctr"/>
+          <a:lstStyle/>
+          <a:p>
+            <a:pPr algn="ctr"/>
+            <a:r>
+              <a:rPr lang="it-IT" sz="1050" dirty="0" smtClean="0"/>
+              <a:t>Application</a:t>
+            </a:r>
+          </a:p>
+          <a:p>
+            <a:pPr algn="ctr"/>
+            <a:r>
+              <a:rPr lang="it-IT" sz="1050" dirty="0" err="1" smtClean="0"/>
+              <a:t>Logic</a:t>
+            </a:r>
+            <a:endParaRPr lang="it-IT" sz="1050" dirty="0"/>
+          </a:p>
+        </p:txBody>
+      </p:sp>
+      <p:cxnSp>
+        <p:nvCxnSpPr>
+          <p:cNvPr id="13" name="Connettore 2 12"/>
+          <p:cNvCxnSpPr>
+            <a:endCxn id="9" idx="2"/>
+          </p:cNvCxnSpPr>
+          <p:nvPr/>
+        </p:nvCxnSpPr>
+        <p:spPr>
+          <a:xfrm flipV="1">
+            <a:off x="3956119" y="3040815"/>
+            <a:ext cx="1166600" cy="1081"/>
+          </a:xfrm>
+          <a:prstGeom prst="straightConnector1">
+            <a:avLst/>
+          </a:prstGeom>
+          <a:ln w="15875">
+            <a:prstDash val="solid"/>
+            <a:tailEnd type="none"/>
+          </a:ln>
+        </p:spPr>
+        <p:style>
+          <a:lnRef idx="3">
+            <a:schemeClr val="dk1"/>
+          </a:lnRef>
+          <a:fillRef idx="0">
+            <a:schemeClr val="dk1"/>
+          </a:fillRef>
+          <a:effectRef idx="2">
+            <a:schemeClr val="dk1"/>
+          </a:effectRef>
+          <a:fontRef idx="minor">
+            <a:schemeClr val="tx1"/>
+          </a:fontRef>
+        </p:style>
+      </p:cxnSp>
+      <p:sp>
+        <p:nvSpPr>
+          <p:cNvPr id="19" name="CasellaDiTesto 18"/>
           <p:cNvSpPr txBox="1"/>
           <p:nvPr/>
         </p:nvSpPr>
         <p:spPr>
           <a:xfrm>
-            <a:off x="9714372" y="1314300"/>
-            <a:ext cx="784702" cy="461665"/>
+            <a:off x="4143832" y="3347950"/>
+            <a:ext cx="743454" cy="246221"/>
           </a:xfrm>
           <a:prstGeom prst="rect">
             <a:avLst/>
@@ -5253,36 +4948,372 @@
           <a:noFill/>
         </p:spPr>
         <p:txBody>
-          <a:bodyPr wrap="none" rtlCol="0">
+          <a:bodyPr wrap="square" rtlCol="0">
             <a:spAutoFit/>
           </a:bodyPr>
           <a:lstStyle/>
           <a:p>
             <a:r>
-              <a:rPr lang="it-IT" sz="2400" b="1" dirty="0" smtClean="0"/>
-              <a:t>Data</a:t>
-            </a:r>
+              <a:rPr lang="it-IT" sz="1000" b="1" dirty="0" smtClean="0"/>
+              <a:t>JDBC</a:t>
+            </a:r>
+            <a:endParaRPr lang="it-IT" sz="1000" b="1" dirty="0"/>
           </a:p>
         </p:txBody>
       </p:sp>
       <p:cxnSp>
         <p:nvCxnSpPr>
-          <p:cNvPr id="22" name="Connettore 2 21"/>
+          <p:cNvPr id="20" name="Connettore 2 19"/>
+          <p:cNvCxnSpPr/>
+          <p:nvPr/>
+        </p:nvCxnSpPr>
+        <p:spPr>
+          <a:xfrm>
+            <a:off x="6474470" y="3035013"/>
+            <a:ext cx="1288419" cy="2901"/>
+          </a:xfrm>
+          <a:prstGeom prst="straightConnector1">
+            <a:avLst/>
+          </a:prstGeom>
+          <a:ln w="15875">
+            <a:prstDash val="solid"/>
+            <a:tailEnd type="none"/>
+          </a:ln>
+        </p:spPr>
+        <p:style>
+          <a:lnRef idx="3">
+            <a:schemeClr val="dk1"/>
+          </a:lnRef>
+          <a:fillRef idx="0">
+            <a:schemeClr val="dk1"/>
+          </a:fillRef>
+          <a:effectRef idx="2">
+            <a:schemeClr val="dk1"/>
+          </a:effectRef>
+          <a:fontRef idx="minor">
+            <a:schemeClr val="tx1"/>
+          </a:fontRef>
+        </p:style>
+      </p:cxnSp>
+      <p:sp>
+        <p:nvSpPr>
+          <p:cNvPr id="22" name="Cubo 21"/>
+          <p:cNvSpPr/>
+          <p:nvPr/>
+        </p:nvSpPr>
+        <p:spPr>
+          <a:xfrm>
+            <a:off x="7775767" y="1598052"/>
+            <a:ext cx="2044915" cy="2679994"/>
+          </a:xfrm>
+          <a:prstGeom prst="cube">
+            <a:avLst>
+              <a:gd name="adj" fmla="val 10865"/>
+            </a:avLst>
+          </a:prstGeom>
+          <a:solidFill>
+            <a:schemeClr val="accent4">
+              <a:lumMod val="60000"/>
+              <a:lumOff val="40000"/>
+            </a:schemeClr>
+          </a:solidFill>
+          <a:ln>
+            <a:solidFill>
+              <a:schemeClr val="tx1"/>
+            </a:solidFill>
+          </a:ln>
+          <a:effectLst>
+            <a:outerShdw blurRad="50800" dist="38100" dir="8100000" algn="tr" rotWithShape="0">
+              <a:prstClr val="black">
+                <a:alpha val="40000"/>
+              </a:prstClr>
+            </a:outerShdw>
+          </a:effectLst>
+        </p:spPr>
+        <p:style>
+          <a:lnRef idx="2">
+            <a:schemeClr val="accent1">
+              <a:shade val="50000"/>
+            </a:schemeClr>
+          </a:lnRef>
+          <a:fillRef idx="1">
+            <a:schemeClr val="accent1"/>
+          </a:fillRef>
+          <a:effectRef idx="0">
+            <a:schemeClr val="accent1"/>
+          </a:effectRef>
+          <a:fontRef idx="minor">
+            <a:schemeClr val="lt1"/>
+          </a:fontRef>
+        </p:style>
+        <p:txBody>
+          <a:bodyPr rtlCol="0" anchor="t"/>
+          <a:lstStyle/>
+          <a:p>
+            <a:pPr algn="ctr"/>
+            <a:r>
+              <a:rPr lang="it-IT" sz="1200" dirty="0" smtClean="0">
+                <a:solidFill>
+                  <a:schemeClr val="tx1"/>
+                </a:solidFill>
+              </a:rPr>
+              <a:t>&lt;&lt;</a:t>
+            </a:r>
+            <a:r>
+              <a:rPr lang="it-IT" sz="1200" dirty="0" err="1" smtClean="0">
+                <a:solidFill>
+                  <a:schemeClr val="tx1"/>
+                </a:solidFill>
+              </a:rPr>
+              <a:t>device</a:t>
+            </a:r>
+            <a:r>
+              <a:rPr lang="it-IT" sz="1200" dirty="0" smtClean="0">
+                <a:solidFill>
+                  <a:schemeClr val="tx1"/>
+                </a:solidFill>
+              </a:rPr>
+              <a:t>&gt;&gt;</a:t>
+            </a:r>
+          </a:p>
+          <a:p>
+            <a:pPr algn="ctr"/>
+            <a:r>
+              <a:rPr lang="it-IT" sz="1200" b="1" u="sng" dirty="0" smtClean="0">
+                <a:solidFill>
+                  <a:schemeClr val="tx1"/>
+                </a:solidFill>
+              </a:rPr>
+              <a:t>Database Server</a:t>
+            </a:r>
+            <a:endParaRPr lang="it-IT" sz="1200" b="1" u="sng" dirty="0">
+              <a:solidFill>
+                <a:schemeClr val="tx1"/>
+              </a:solidFill>
+            </a:endParaRPr>
+          </a:p>
+        </p:txBody>
+      </p:sp>
+      <p:cxnSp>
+        <p:nvCxnSpPr>
+          <p:cNvPr id="23" name="Connettore 2 22"/>
           <p:cNvCxnSpPr>
-            <a:stCxn id="12" idx="3"/>
-            <a:endCxn id="7" idx="1"/>
+            <a:stCxn id="6" idx="3"/>
           </p:cNvCxnSpPr>
           <p:nvPr/>
         </p:nvCxnSpPr>
         <p:spPr>
+          <a:xfrm>
+            <a:off x="2985939" y="2850718"/>
+            <a:ext cx="0" cy="463759"/>
+          </a:xfrm>
+          <a:prstGeom prst="straightConnector1">
+            <a:avLst/>
+          </a:prstGeom>
+          <a:ln w="28575">
+            <a:prstDash val="sysDot"/>
+            <a:tailEnd type="triangle"/>
+          </a:ln>
+        </p:spPr>
+        <p:style>
+          <a:lnRef idx="3">
+            <a:schemeClr val="dk1"/>
+          </a:lnRef>
+          <a:fillRef idx="0">
+            <a:schemeClr val="dk1"/>
+          </a:fillRef>
+          <a:effectRef idx="2">
+            <a:schemeClr val="dk1"/>
+          </a:effectRef>
+          <a:fontRef idx="minor">
+            <a:schemeClr val="tx1"/>
+          </a:fontRef>
+        </p:style>
+      </p:cxnSp>
+      <p:cxnSp>
+        <p:nvCxnSpPr>
+          <p:cNvPr id="29" name="Connettore 2 28"/>
+          <p:cNvCxnSpPr/>
+          <p:nvPr/>
+        </p:nvCxnSpPr>
+        <p:spPr>
+          <a:xfrm>
+            <a:off x="3431378" y="3587868"/>
+            <a:ext cx="1678462" cy="0"/>
+          </a:xfrm>
+          <a:prstGeom prst="straightConnector1">
+            <a:avLst/>
+          </a:prstGeom>
+          <a:ln w="28575" cmpd="dbl">
+            <a:solidFill>
+              <a:schemeClr val="tx2"/>
+            </a:solidFill>
+            <a:prstDash val="sysDot"/>
+            <a:tailEnd type="triangle"/>
+          </a:ln>
+        </p:spPr>
+        <p:style>
+          <a:lnRef idx="3">
+            <a:schemeClr val="dk1"/>
+          </a:lnRef>
+          <a:fillRef idx="0">
+            <a:schemeClr val="dk1"/>
+          </a:fillRef>
+          <a:effectRef idx="2">
+            <a:schemeClr val="dk1"/>
+          </a:effectRef>
+          <a:fontRef idx="minor">
+            <a:schemeClr val="tx1"/>
+          </a:fontRef>
+        </p:style>
+      </p:cxnSp>
+      <p:sp>
+        <p:nvSpPr>
+          <p:cNvPr id="30" name="Cubo 29"/>
+          <p:cNvSpPr/>
+          <p:nvPr/>
+        </p:nvSpPr>
+        <p:spPr>
+          <a:xfrm>
+            <a:off x="8278358" y="2535185"/>
+            <a:ext cx="914400" cy="631065"/>
+          </a:xfrm>
+          <a:prstGeom prst="cube">
+            <a:avLst>
+              <a:gd name="adj" fmla="val 14796"/>
+            </a:avLst>
+          </a:prstGeom>
+          <a:solidFill>
+            <a:schemeClr val="accent4">
+              <a:lumMod val="75000"/>
+            </a:schemeClr>
+          </a:solidFill>
+          <a:ln>
+            <a:solidFill>
+              <a:schemeClr val="accent5">
+                <a:lumMod val="50000"/>
+              </a:schemeClr>
+            </a:solidFill>
+          </a:ln>
+        </p:spPr>
+        <p:style>
+          <a:lnRef idx="2">
+            <a:schemeClr val="accent1">
+              <a:shade val="50000"/>
+            </a:schemeClr>
+          </a:lnRef>
+          <a:fillRef idx="1">
+            <a:schemeClr val="accent1"/>
+          </a:fillRef>
+          <a:effectRef idx="0">
+            <a:schemeClr val="accent1"/>
+          </a:effectRef>
+          <a:fontRef idx="minor">
+            <a:schemeClr val="lt1"/>
+          </a:fontRef>
+        </p:style>
+        <p:txBody>
+          <a:bodyPr rtlCol="0" anchor="ctr"/>
+          <a:lstStyle/>
+          <a:p>
+            <a:pPr algn="ctr"/>
+            <a:r>
+              <a:rPr lang="it-IT" sz="1050" dirty="0" err="1" smtClean="0"/>
+              <a:t>MySQL</a:t>
+            </a:r>
+            <a:r>
+              <a:rPr lang="it-IT" sz="1050" dirty="0" smtClean="0"/>
+              <a:t> Database</a:t>
+            </a:r>
+            <a:endParaRPr lang="it-IT" sz="1050" dirty="0"/>
+          </a:p>
+        </p:txBody>
+      </p:sp>
+      <p:sp>
+        <p:nvSpPr>
+          <p:cNvPr id="31" name="Cubo 30"/>
+          <p:cNvSpPr/>
+          <p:nvPr/>
+        </p:nvSpPr>
+        <p:spPr>
+          <a:xfrm>
+            <a:off x="8278358" y="3392917"/>
+            <a:ext cx="914400" cy="631065"/>
+          </a:xfrm>
+          <a:prstGeom prst="cube">
+            <a:avLst>
+              <a:gd name="adj" fmla="val 14796"/>
+            </a:avLst>
+          </a:prstGeom>
+          <a:solidFill>
+            <a:schemeClr val="accent4">
+              <a:lumMod val="75000"/>
+            </a:schemeClr>
+          </a:solidFill>
+          <a:ln>
+            <a:solidFill>
+              <a:schemeClr val="accent5">
+                <a:lumMod val="50000"/>
+              </a:schemeClr>
+            </a:solidFill>
+          </a:ln>
+        </p:spPr>
+        <p:style>
+          <a:lnRef idx="2">
+            <a:schemeClr val="accent1">
+              <a:shade val="50000"/>
+            </a:schemeClr>
+          </a:lnRef>
+          <a:fillRef idx="1">
+            <a:schemeClr val="accent1"/>
+          </a:fillRef>
+          <a:effectRef idx="0">
+            <a:schemeClr val="accent1"/>
+          </a:effectRef>
+          <a:fontRef idx="minor">
+            <a:schemeClr val="lt1"/>
+          </a:fontRef>
+        </p:style>
+        <p:txBody>
+          <a:bodyPr rtlCol="0" anchor="ctr"/>
+          <a:lstStyle/>
+          <a:p>
+            <a:pPr algn="ctr"/>
+            <a:r>
+              <a:rPr lang="it-IT" sz="1050" dirty="0" err="1" smtClean="0"/>
+              <a:t>External</a:t>
+            </a:r>
+            <a:r>
+              <a:rPr lang="it-IT" sz="1050" dirty="0" smtClean="0"/>
+              <a:t> Database</a:t>
+            </a:r>
+            <a:endParaRPr lang="it-IT" sz="1050" dirty="0"/>
+          </a:p>
+        </p:txBody>
+      </p:sp>
+      <p:cxnSp>
+        <p:nvCxnSpPr>
+          <p:cNvPr id="39" name="Connettore 4 38"/>
+          <p:cNvCxnSpPr>
+            <a:endCxn id="30" idx="2"/>
+          </p:cNvCxnSpPr>
+          <p:nvPr/>
+        </p:nvCxnSpPr>
+        <p:spPr>
           <a:xfrm flipV="1">
-            <a:off x="9364296" y="2709174"/>
-            <a:ext cx="724352" cy="333794"/>
-          </a:xfrm>
-          <a:prstGeom prst="straightConnector1">
-            <a:avLst/>
-          </a:prstGeom>
-          <a:ln>
+            <a:off x="6369050" y="2897404"/>
+            <a:ext cx="1909308" cy="690464"/>
+          </a:xfrm>
+          <a:prstGeom prst="bentConnector3">
+            <a:avLst>
+              <a:gd name="adj1" fmla="val 84090"/>
+            </a:avLst>
+          </a:prstGeom>
+          <a:ln w="25400" cmpd="dbl">
+            <a:solidFill>
+              <a:schemeClr val="tx2"/>
+            </a:solidFill>
+            <a:prstDash val="sysDot"/>
             <a:tailEnd type="triangle"/>
           </a:ln>
         </p:spPr>
@@ -5303,22 +5334,27 @@
       </p:cxnSp>
       <p:cxnSp>
         <p:nvCxnSpPr>
-          <p:cNvPr id="23" name="Connettore 2 22"/>
+          <p:cNvPr id="44" name="Connettore 4 43"/>
           <p:cNvCxnSpPr>
-            <a:stCxn id="12" idx="3"/>
-            <a:endCxn id="8" idx="1"/>
+            <a:endCxn id="31" idx="2"/>
           </p:cNvCxnSpPr>
           <p:nvPr/>
         </p:nvCxnSpPr>
         <p:spPr>
           <a:xfrm>
-            <a:off x="9364296" y="3042968"/>
-            <a:ext cx="724352" cy="376633"/>
-          </a:xfrm>
-          <a:prstGeom prst="straightConnector1">
-            <a:avLst/>
-          </a:prstGeom>
-          <a:ln>
+            <a:off x="6369050" y="3587868"/>
+            <a:ext cx="1909308" cy="167268"/>
+          </a:xfrm>
+          <a:prstGeom prst="bentConnector3">
+            <a:avLst>
+              <a:gd name="adj1" fmla="val 84090"/>
+            </a:avLst>
+          </a:prstGeom>
+          <a:ln w="25400" cmpd="dbl">
+            <a:solidFill>
+              <a:schemeClr val="tx2"/>
+            </a:solidFill>
+            <a:prstDash val="sysDot"/>
             <a:tailEnd type="triangle"/>
           </a:ln>
         </p:spPr>
@@ -5337,46 +5373,46 @@
           </a:fontRef>
         </p:style>
       </p:cxnSp>
-      <p:pic>
-        <p:nvPicPr>
-          <p:cNvPr id="32" name="Immagine 31"/>
-          <p:cNvPicPr>
-            <a:picLocks noChangeAspect="1"/>
-          </p:cNvPicPr>
-          <p:nvPr/>
-        </p:nvPicPr>
-        <p:blipFill>
-          <a:blip r:embed="rId5" cstate="print">
-            <a:extLst>
-              <a:ext uri="{28A0092B-C50C-407E-A947-70E740481C1C}">
-                <a14:useLocalDpi xmlns:a14="http://schemas.microsoft.com/office/drawing/2010/main" val="0"/>
-              </a:ext>
-            </a:extLst>
-          </a:blip>
-          <a:stretch>
-            <a:fillRect/>
-          </a:stretch>
-        </p:blipFill>
-        <p:spPr>
-          <a:xfrm>
-            <a:off x="1442098" y="2490476"/>
-            <a:ext cx="844639" cy="844639"/>
+      <p:sp>
+        <p:nvSpPr>
+          <p:cNvPr id="49" name="CasellaDiTesto 48"/>
+          <p:cNvSpPr txBox="1"/>
+          <p:nvPr/>
+        </p:nvSpPr>
+        <p:spPr>
+          <a:xfrm>
+            <a:off x="6827623" y="3347950"/>
+            <a:ext cx="743454" cy="246221"/>
           </a:xfrm>
           <a:prstGeom prst="rect">
             <a:avLst/>
           </a:prstGeom>
-        </p:spPr>
-      </p:pic>
-      <p:sp>
-        <p:nvSpPr>
-          <p:cNvPr id="33" name="CasellaDiTesto 32"/>
+          <a:noFill/>
+        </p:spPr>
+        <p:txBody>
+          <a:bodyPr wrap="square" rtlCol="0">
+            <a:spAutoFit/>
+          </a:bodyPr>
+          <a:lstStyle/>
+          <a:p>
+            <a:r>
+              <a:rPr lang="it-IT" sz="1000" b="1" dirty="0" smtClean="0"/>
+              <a:t>JDBC</a:t>
+            </a:r>
+            <a:endParaRPr lang="it-IT" sz="1000" b="1" dirty="0"/>
+          </a:p>
+        </p:txBody>
+      </p:sp>
+      <p:sp>
+        <p:nvSpPr>
+          <p:cNvPr id="51" name="CasellaDiTesto 50"/>
           <p:cNvSpPr txBox="1"/>
           <p:nvPr/>
         </p:nvSpPr>
         <p:spPr>
           <a:xfrm>
-            <a:off x="618650" y="4790941"/>
-            <a:ext cx="11669541" cy="1477328"/>
+            <a:off x="4702238" y="508103"/>
+            <a:ext cx="2828403" cy="461665"/>
           </a:xfrm>
           <a:prstGeom prst="rect">
             <a:avLst/>
@@ -5390,531 +5426,25 @@
           <a:lstStyle/>
           <a:p>
             <a:r>
-              <a:rPr lang="it-IT" dirty="0" err="1" smtClean="0"/>
-              <a:t>Travlendar</a:t>
-            </a:r>
-            <a:r>
-              <a:rPr lang="it-IT" dirty="0" smtClean="0"/>
-              <a:t>+ </a:t>
-            </a:r>
-            <a:r>
-              <a:rPr lang="it-IT" dirty="0" err="1" smtClean="0"/>
-              <a:t>provides</a:t>
-            </a:r>
-            <a:r>
-              <a:rPr lang="it-IT" dirty="0" smtClean="0"/>
-              <a:t> an </a:t>
-            </a:r>
-            <a:r>
-              <a:rPr lang="it-IT" dirty="0" err="1" smtClean="0"/>
-              <a:t>architectural</a:t>
-            </a:r>
-            <a:r>
-              <a:rPr lang="it-IT" dirty="0" smtClean="0"/>
-              <a:t> </a:t>
-            </a:r>
-            <a:r>
-              <a:rPr lang="it-IT" dirty="0" err="1" smtClean="0"/>
-              <a:t>structure</a:t>
-            </a:r>
-            <a:r>
-              <a:rPr lang="it-IT" dirty="0" smtClean="0"/>
-              <a:t> in </a:t>
-            </a:r>
-            <a:r>
-              <a:rPr lang="it-IT" dirty="0" err="1" smtClean="0"/>
-              <a:t>which</a:t>
-            </a:r>
-            <a:r>
-              <a:rPr lang="it-IT" dirty="0" smtClean="0"/>
-              <a:t> </a:t>
-            </a:r>
-            <a:r>
-              <a:rPr lang="it-IT" dirty="0" err="1" smtClean="0"/>
-              <a:t>logic</a:t>
-            </a:r>
-            <a:r>
-              <a:rPr lang="it-IT" dirty="0" smtClean="0"/>
-              <a:t> </a:t>
-            </a:r>
-            <a:r>
-              <a:rPr lang="it-IT" dirty="0" err="1" smtClean="0"/>
-              <a:t>application</a:t>
-            </a:r>
-            <a:r>
-              <a:rPr lang="it-IT" dirty="0" smtClean="0"/>
-              <a:t> </a:t>
-            </a:r>
-            <a:r>
-              <a:rPr lang="it-IT" dirty="0" err="1" smtClean="0"/>
-              <a:t>takes</a:t>
-            </a:r>
-            <a:r>
-              <a:rPr lang="it-IT" dirty="0" smtClean="0"/>
-              <a:t> </a:t>
-            </a:r>
-            <a:r>
-              <a:rPr lang="it-IT" dirty="0" err="1" smtClean="0"/>
-              <a:t>place</a:t>
-            </a:r>
-            <a:r>
-              <a:rPr lang="it-IT" dirty="0" smtClean="0"/>
-              <a:t> in the client part, </a:t>
-            </a:r>
-            <a:r>
-              <a:rPr lang="it-IT" dirty="0" err="1" smtClean="0"/>
-              <a:t>because</a:t>
-            </a:r>
-            <a:r>
-              <a:rPr lang="it-IT" dirty="0" smtClean="0"/>
-              <a:t> the </a:t>
-            </a:r>
-          </a:p>
-          <a:p>
-            <a:r>
-              <a:rPr lang="it-IT" dirty="0" err="1" smtClean="0"/>
-              <a:t>application</a:t>
-            </a:r>
-            <a:r>
-              <a:rPr lang="it-IT" dirty="0" smtClean="0"/>
-              <a:t> </a:t>
-            </a:r>
-            <a:r>
-              <a:rPr lang="it-IT" dirty="0" err="1" smtClean="0"/>
-              <a:t>contains</a:t>
-            </a:r>
-            <a:r>
-              <a:rPr lang="it-IT" dirty="0" smtClean="0"/>
-              <a:t> </a:t>
-            </a:r>
-            <a:r>
-              <a:rPr lang="it-IT" dirty="0" err="1" smtClean="0"/>
-              <a:t>functionalities</a:t>
-            </a:r>
-            <a:r>
-              <a:rPr lang="it-IT" dirty="0" smtClean="0"/>
-              <a:t> </a:t>
-            </a:r>
-            <a:r>
-              <a:rPr lang="it-IT" dirty="0" err="1" smtClean="0"/>
-              <a:t>which</a:t>
-            </a:r>
-            <a:r>
-              <a:rPr lang="it-IT" dirty="0" smtClean="0"/>
-              <a:t> </a:t>
-            </a:r>
-            <a:r>
-              <a:rPr lang="it-IT" dirty="0" err="1" smtClean="0"/>
-              <a:t>doesn’t</a:t>
-            </a:r>
-            <a:r>
-              <a:rPr lang="it-IT" dirty="0" smtClean="0"/>
-              <a:t> </a:t>
-            </a:r>
-            <a:r>
-              <a:rPr lang="it-IT" dirty="0" err="1" smtClean="0"/>
-              <a:t>depend</a:t>
-            </a:r>
-            <a:r>
-              <a:rPr lang="it-IT" dirty="0" smtClean="0"/>
-              <a:t> on internet service, so </a:t>
-            </a:r>
-            <a:r>
-              <a:rPr lang="it-IT" dirty="0" err="1" smtClean="0"/>
-              <a:t>we</a:t>
-            </a:r>
-            <a:r>
-              <a:rPr lang="it-IT" dirty="0" smtClean="0"/>
-              <a:t> </a:t>
-            </a:r>
-            <a:r>
-              <a:rPr lang="it-IT" dirty="0" err="1" smtClean="0"/>
-              <a:t>consider</a:t>
-            </a:r>
-            <a:r>
-              <a:rPr lang="it-IT" dirty="0" smtClean="0"/>
-              <a:t> </a:t>
-            </a:r>
-            <a:r>
-              <a:rPr lang="it-IT" dirty="0" err="1" smtClean="0"/>
-              <a:t>usefull</a:t>
-            </a:r>
-            <a:r>
-              <a:rPr lang="it-IT" dirty="0" smtClean="0"/>
-              <a:t> </a:t>
-            </a:r>
-            <a:r>
-              <a:rPr lang="it-IT" dirty="0" err="1" smtClean="0"/>
-              <a:t>that</a:t>
-            </a:r>
-            <a:r>
-              <a:rPr lang="it-IT" dirty="0" smtClean="0"/>
-              <a:t> the </a:t>
-            </a:r>
-            <a:r>
-              <a:rPr lang="it-IT" dirty="0" err="1" smtClean="0"/>
-              <a:t>user</a:t>
-            </a:r>
-            <a:r>
-              <a:rPr lang="it-IT" dirty="0" smtClean="0"/>
-              <a:t> can use </a:t>
-            </a:r>
-          </a:p>
-          <a:p>
-            <a:r>
-              <a:rPr lang="it-IT" dirty="0" err="1" smtClean="0"/>
-              <a:t>this</a:t>
-            </a:r>
-            <a:r>
-              <a:rPr lang="it-IT" dirty="0" smtClean="0"/>
-              <a:t> </a:t>
-            </a:r>
-            <a:r>
-              <a:rPr lang="it-IT" dirty="0" err="1" smtClean="0"/>
-              <a:t>functionalities</a:t>
-            </a:r>
-            <a:r>
-              <a:rPr lang="it-IT" dirty="0" smtClean="0"/>
-              <a:t> </a:t>
-            </a:r>
-            <a:r>
-              <a:rPr lang="it-IT" dirty="0" err="1" smtClean="0"/>
-              <a:t>without</a:t>
-            </a:r>
-            <a:r>
-              <a:rPr lang="it-IT" dirty="0" smtClean="0"/>
-              <a:t> </a:t>
-            </a:r>
-            <a:r>
-              <a:rPr lang="it-IT" dirty="0" err="1" smtClean="0"/>
-              <a:t>connecting</a:t>
-            </a:r>
-            <a:r>
-              <a:rPr lang="it-IT" dirty="0" smtClean="0"/>
-              <a:t> to the server. For the </a:t>
-            </a:r>
-            <a:r>
-              <a:rPr lang="it-IT" dirty="0" err="1" smtClean="0"/>
-              <a:t>rest</a:t>
-            </a:r>
-            <a:r>
-              <a:rPr lang="it-IT" dirty="0" smtClean="0"/>
-              <a:t> of </a:t>
-            </a:r>
-            <a:r>
-              <a:rPr lang="it-IT" dirty="0" err="1" smtClean="0"/>
-              <a:t>functionalities</a:t>
-            </a:r>
-            <a:r>
-              <a:rPr lang="it-IT" dirty="0" smtClean="0"/>
-              <a:t>, network, and so internet service, </a:t>
-            </a:r>
-            <a:r>
-              <a:rPr lang="it-IT" dirty="0" err="1" smtClean="0"/>
-              <a:t>is</a:t>
-            </a:r>
-            <a:r>
-              <a:rPr lang="it-IT" dirty="0" smtClean="0"/>
-              <a:t> </a:t>
-            </a:r>
-          </a:p>
-          <a:p>
-            <a:r>
-              <a:rPr lang="it-IT" dirty="0" err="1" smtClean="0"/>
-              <a:t>fundamental</a:t>
-            </a:r>
-            <a:r>
-              <a:rPr lang="it-IT" dirty="0"/>
-              <a:t> </a:t>
-            </a:r>
-            <a:r>
-              <a:rPr lang="it-IT" dirty="0" smtClean="0"/>
-              <a:t>to </a:t>
-            </a:r>
-            <a:r>
-              <a:rPr lang="it-IT" dirty="0" err="1" smtClean="0"/>
-              <a:t>guarantee</a:t>
-            </a:r>
-            <a:r>
-              <a:rPr lang="it-IT" dirty="0" smtClean="0"/>
-              <a:t> the complete use of </a:t>
-            </a:r>
-            <a:r>
-              <a:rPr lang="it-IT" dirty="0" err="1" smtClean="0"/>
-              <a:t>Travlendar</a:t>
-            </a:r>
-            <a:r>
-              <a:rPr lang="it-IT" dirty="0" smtClean="0"/>
-              <a:t>+. To do </a:t>
-            </a:r>
-            <a:r>
-              <a:rPr lang="it-IT" dirty="0" err="1" smtClean="0"/>
-              <a:t>this</a:t>
-            </a:r>
-            <a:r>
-              <a:rPr lang="it-IT" dirty="0" smtClean="0"/>
-              <a:t>, the </a:t>
-            </a:r>
-            <a:r>
-              <a:rPr lang="it-IT" dirty="0" err="1" smtClean="0"/>
-              <a:t>app</a:t>
-            </a:r>
-            <a:r>
-              <a:rPr lang="it-IT" dirty="0" smtClean="0"/>
-              <a:t> </a:t>
-            </a:r>
-            <a:r>
-              <a:rPr lang="it-IT" dirty="0" err="1" smtClean="0"/>
-              <a:t>requires</a:t>
-            </a:r>
-            <a:r>
-              <a:rPr lang="it-IT" dirty="0" smtClean="0"/>
-              <a:t> data from DBMS </a:t>
-            </a:r>
-            <a:r>
-              <a:rPr lang="it-IT" dirty="0" err="1" smtClean="0"/>
-              <a:t>through</a:t>
-            </a:r>
-            <a:r>
-              <a:rPr lang="it-IT" dirty="0" smtClean="0"/>
-              <a:t> the</a:t>
-            </a:r>
-          </a:p>
-          <a:p>
-            <a:r>
-              <a:rPr lang="it-IT" dirty="0" smtClean="0"/>
-              <a:t>database server and </a:t>
-            </a:r>
-            <a:r>
-              <a:rPr lang="it-IT" dirty="0" err="1" smtClean="0"/>
-              <a:t>this</a:t>
-            </a:r>
-            <a:r>
-              <a:rPr lang="it-IT" dirty="0" smtClean="0"/>
-              <a:t> </a:t>
-            </a:r>
-            <a:r>
-              <a:rPr lang="it-IT" dirty="0" err="1" smtClean="0"/>
-              <a:t>one</a:t>
-            </a:r>
-            <a:r>
-              <a:rPr lang="it-IT" dirty="0" smtClean="0"/>
-              <a:t> </a:t>
-            </a:r>
-            <a:r>
-              <a:rPr lang="it-IT" dirty="0" err="1" smtClean="0"/>
-              <a:t>is</a:t>
-            </a:r>
-            <a:r>
-              <a:rPr lang="it-IT" dirty="0" smtClean="0"/>
-              <a:t> </a:t>
-            </a:r>
-            <a:r>
-              <a:rPr lang="it-IT" dirty="0" err="1" smtClean="0"/>
-              <a:t>connected</a:t>
-            </a:r>
-            <a:r>
-              <a:rPr lang="it-IT" dirty="0" smtClean="0"/>
-              <a:t> to the client </a:t>
-            </a:r>
-            <a:r>
-              <a:rPr lang="it-IT" dirty="0" err="1" smtClean="0"/>
-              <a:t>through</a:t>
-            </a:r>
-            <a:r>
-              <a:rPr lang="it-IT" dirty="0" smtClean="0"/>
-              <a:t> the network</a:t>
-            </a:r>
-          </a:p>
-        </p:txBody>
-      </p:sp>
-      <p:sp>
-        <p:nvSpPr>
-          <p:cNvPr id="34" name="Freccia bidirezionale orizzontale 33"/>
-          <p:cNvSpPr/>
-          <p:nvPr/>
-        </p:nvSpPr>
-        <p:spPr>
-          <a:xfrm>
-            <a:off x="2357262" y="2824624"/>
-            <a:ext cx="580747" cy="131348"/>
-          </a:xfrm>
-          <a:prstGeom prst="leftRightArrow">
-            <a:avLst/>
-          </a:prstGeom>
-          <a:solidFill>
-            <a:srgbClr val="FF0000"/>
-          </a:solidFill>
-          <a:ln>
-            <a:solidFill>
-              <a:schemeClr val="tx1">
-                <a:lumMod val="95000"/>
-                <a:lumOff val="5000"/>
-              </a:schemeClr>
-            </a:solidFill>
-          </a:ln>
-        </p:spPr>
-        <p:style>
-          <a:lnRef idx="2">
-            <a:schemeClr val="accent1">
-              <a:shade val="50000"/>
-            </a:schemeClr>
-          </a:lnRef>
-          <a:fillRef idx="1">
-            <a:schemeClr val="accent1"/>
-          </a:fillRef>
-          <a:effectRef idx="0">
-            <a:schemeClr val="accent1"/>
-          </a:effectRef>
-          <a:fontRef idx="minor">
-            <a:schemeClr val="lt1"/>
-          </a:fontRef>
-        </p:style>
-        <p:txBody>
-          <a:bodyPr rtlCol="0" anchor="ctr"/>
-          <a:lstStyle/>
-          <a:p>
-            <a:pPr algn="ctr"/>
-            <a:endParaRPr lang="it-IT"/>
-          </a:p>
-        </p:txBody>
-      </p:sp>
-      <p:sp>
-        <p:nvSpPr>
-          <p:cNvPr id="35" name="Freccia bidirezionale orizzontale 34"/>
-          <p:cNvSpPr/>
-          <p:nvPr/>
-        </p:nvSpPr>
-        <p:spPr>
-          <a:xfrm>
-            <a:off x="4938434" y="2831794"/>
-            <a:ext cx="397981" cy="131348"/>
-          </a:xfrm>
-          <a:prstGeom prst="leftRightArrow">
-            <a:avLst/>
-          </a:prstGeom>
-          <a:solidFill>
-            <a:srgbClr val="FF0000"/>
-          </a:solidFill>
-          <a:ln>
-            <a:solidFill>
-              <a:schemeClr val="tx1">
-                <a:lumMod val="95000"/>
-                <a:lumOff val="5000"/>
-              </a:schemeClr>
-            </a:solidFill>
-          </a:ln>
-        </p:spPr>
-        <p:style>
-          <a:lnRef idx="2">
-            <a:schemeClr val="accent1">
-              <a:shade val="50000"/>
-            </a:schemeClr>
-          </a:lnRef>
-          <a:fillRef idx="1">
-            <a:schemeClr val="accent1"/>
-          </a:fillRef>
-          <a:effectRef idx="0">
-            <a:schemeClr val="accent1"/>
-          </a:effectRef>
-          <a:fontRef idx="minor">
-            <a:schemeClr val="lt1"/>
-          </a:fontRef>
-        </p:style>
-        <p:txBody>
-          <a:bodyPr rtlCol="0" anchor="ctr"/>
-          <a:lstStyle/>
-          <a:p>
-            <a:pPr algn="ctr"/>
-            <a:endParaRPr lang="it-IT"/>
-          </a:p>
-        </p:txBody>
-      </p:sp>
-      <p:sp>
-        <p:nvSpPr>
-          <p:cNvPr id="36" name="Freccia bidirezionale orizzontale 35"/>
-          <p:cNvSpPr/>
-          <p:nvPr/>
-        </p:nvSpPr>
-        <p:spPr>
-          <a:xfrm>
-            <a:off x="7820067" y="2831794"/>
-            <a:ext cx="370497" cy="124178"/>
-          </a:xfrm>
-          <a:prstGeom prst="leftRightArrow">
-            <a:avLst/>
-          </a:prstGeom>
-          <a:solidFill>
-            <a:srgbClr val="FF0000"/>
-          </a:solidFill>
-          <a:ln>
-            <a:solidFill>
-              <a:schemeClr val="tx1">
-                <a:lumMod val="95000"/>
-                <a:lumOff val="5000"/>
-              </a:schemeClr>
-            </a:solidFill>
-          </a:ln>
-        </p:spPr>
-        <p:style>
-          <a:lnRef idx="2">
-            <a:schemeClr val="accent1">
-              <a:shade val="50000"/>
-            </a:schemeClr>
-          </a:lnRef>
-          <a:fillRef idx="1">
-            <a:schemeClr val="accent1"/>
-          </a:fillRef>
-          <a:effectRef idx="0">
-            <a:schemeClr val="accent1"/>
-          </a:effectRef>
-          <a:fontRef idx="minor">
-            <a:schemeClr val="lt1"/>
-          </a:fontRef>
-        </p:style>
-        <p:txBody>
-          <a:bodyPr rtlCol="0" anchor="ctr"/>
-          <a:lstStyle/>
-          <a:p>
-            <a:pPr algn="ctr"/>
-            <a:endParaRPr lang="it-IT"/>
-          </a:p>
-        </p:txBody>
-      </p:sp>
-      <p:pic>
-        <p:nvPicPr>
-          <p:cNvPr id="39" name="Immagine 38"/>
-          <p:cNvPicPr>
-            <a:picLocks noChangeAspect="1"/>
-          </p:cNvPicPr>
-          <p:nvPr/>
-        </p:nvPicPr>
-        <p:blipFill>
-          <a:blip r:embed="rId6" cstate="print">
-            <a:extLst>
-              <a:ext uri="{28A0092B-C50C-407E-A947-70E740481C1C}">
-                <a14:useLocalDpi xmlns:a14="http://schemas.microsoft.com/office/drawing/2010/main" val="0"/>
-              </a:ext>
-            </a:extLst>
-          </a:blip>
-          <a:stretch>
-            <a:fillRect/>
-          </a:stretch>
-        </p:blipFill>
-        <p:spPr>
-          <a:xfrm>
-            <a:off x="8987535" y="3072619"/>
-            <a:ext cx="304142" cy="304142"/>
-          </a:xfrm>
-          <a:prstGeom prst="rect">
-            <a:avLst/>
-          </a:prstGeom>
-        </p:spPr>
-      </p:pic>
+              <a:rPr lang="it-IT" sz="2400" dirty="0" smtClean="0"/>
+              <a:t>2.2 </a:t>
+            </a:r>
+            <a:r>
+              <a:rPr lang="it-IT" sz="2400" dirty="0" smtClean="0"/>
+              <a:t>Deployment </a:t>
+            </a:r>
+            <a:r>
+              <a:rPr lang="it-IT" sz="2400" dirty="0" err="1" smtClean="0"/>
+              <a:t>view</a:t>
+            </a:r>
+            <a:endParaRPr lang="it-IT" sz="2400" dirty="0"/>
+          </a:p>
+        </p:txBody>
+      </p:sp>
     </p:spTree>
     <p:extLst>
       <p:ext uri="{BB962C8B-B14F-4D97-AF65-F5344CB8AC3E}">
-        <p14:creationId xmlns:p14="http://schemas.microsoft.com/office/powerpoint/2010/main" val="3324204023"/>
+        <p14:creationId xmlns:p14="http://schemas.microsoft.com/office/powerpoint/2010/main" val="2457592309"/>
       </p:ext>
     </p:extLst>
   </p:cSld>
@@ -5943,6 +5473,1402 @@
       </p:grpSpPr>
       <p:sp>
         <p:nvSpPr>
+          <p:cNvPr id="2" name="CasellaDiTesto 1"/>
+          <p:cNvSpPr txBox="1"/>
+          <p:nvPr/>
+        </p:nvSpPr>
+        <p:spPr>
+          <a:xfrm>
+            <a:off x="4057003" y="114207"/>
+            <a:ext cx="4680192" cy="461665"/>
+          </a:xfrm>
+          <a:prstGeom prst="rect">
+            <a:avLst/>
+          </a:prstGeom>
+          <a:noFill/>
+        </p:spPr>
+        <p:txBody>
+          <a:bodyPr wrap="none" rtlCol="0">
+            <a:spAutoFit/>
+          </a:bodyPr>
+          <a:lstStyle/>
+          <a:p>
+            <a:r>
+              <a:rPr lang="it-IT" sz="2400" dirty="0" smtClean="0"/>
+              <a:t>2.6 </a:t>
+            </a:r>
+            <a:r>
+              <a:rPr lang="it-IT" sz="2400" dirty="0" err="1" smtClean="0"/>
+              <a:t>Architectural</a:t>
+            </a:r>
+            <a:r>
+              <a:rPr lang="it-IT" sz="2400" dirty="0" smtClean="0"/>
+              <a:t> </a:t>
+            </a:r>
+            <a:r>
+              <a:rPr lang="it-IT" sz="2400" dirty="0" err="1" smtClean="0"/>
+              <a:t>styles</a:t>
+            </a:r>
+            <a:r>
+              <a:rPr lang="it-IT" sz="2400" dirty="0" smtClean="0"/>
+              <a:t> and </a:t>
+            </a:r>
+            <a:r>
+              <a:rPr lang="it-IT" sz="2400" dirty="0" err="1" smtClean="0"/>
+              <a:t>patterns</a:t>
+            </a:r>
+            <a:endParaRPr lang="it-IT" sz="2400" dirty="0"/>
+          </a:p>
+        </p:txBody>
+      </p:sp>
+      <p:sp>
+        <p:nvSpPr>
+          <p:cNvPr id="3" name="CasellaDiTesto 2"/>
+          <p:cNvSpPr txBox="1"/>
+          <p:nvPr/>
+        </p:nvSpPr>
+        <p:spPr>
+          <a:xfrm>
+            <a:off x="2867796" y="852635"/>
+            <a:ext cx="2765757" cy="461665"/>
+          </a:xfrm>
+          <a:prstGeom prst="rect">
+            <a:avLst/>
+          </a:prstGeom>
+          <a:noFill/>
+        </p:spPr>
+        <p:txBody>
+          <a:bodyPr wrap="none" rtlCol="0">
+            <a:spAutoFit/>
+          </a:bodyPr>
+          <a:lstStyle/>
+          <a:p>
+            <a:r>
+              <a:rPr lang="it-IT" sz="2400" b="1" u="sng" dirty="0" smtClean="0"/>
+              <a:t>Remote Data Access</a:t>
+            </a:r>
+          </a:p>
+        </p:txBody>
+      </p:sp>
+      <p:sp>
+        <p:nvSpPr>
+          <p:cNvPr id="4" name="CasellaDiTesto 3"/>
+          <p:cNvSpPr txBox="1"/>
+          <p:nvPr/>
+        </p:nvSpPr>
+        <p:spPr>
+          <a:xfrm>
+            <a:off x="332862" y="852636"/>
+            <a:ext cx="2528321" cy="461665"/>
+          </a:xfrm>
+          <a:prstGeom prst="rect">
+            <a:avLst/>
+          </a:prstGeom>
+          <a:noFill/>
+        </p:spPr>
+        <p:txBody>
+          <a:bodyPr wrap="none" rtlCol="0">
+            <a:spAutoFit/>
+          </a:bodyPr>
+          <a:lstStyle/>
+          <a:p>
+            <a:r>
+              <a:rPr lang="it-IT" sz="2400" dirty="0" err="1" smtClean="0"/>
+              <a:t>Architectural</a:t>
+            </a:r>
+            <a:r>
+              <a:rPr lang="it-IT" sz="2400" dirty="0" smtClean="0"/>
+              <a:t> style:</a:t>
+            </a:r>
+            <a:endParaRPr lang="it-IT" sz="2400" dirty="0"/>
+          </a:p>
+        </p:txBody>
+      </p:sp>
+      <p:sp>
+        <p:nvSpPr>
+          <p:cNvPr id="5" name="Rettangolo arrotondato 4"/>
+          <p:cNvSpPr/>
+          <p:nvPr/>
+        </p:nvSpPr>
+        <p:spPr>
+          <a:xfrm>
+            <a:off x="8190564" y="1813360"/>
+            <a:ext cx="3832319" cy="2279562"/>
+          </a:xfrm>
+          <a:prstGeom prst="roundRect">
+            <a:avLst/>
+          </a:prstGeom>
+          <a:solidFill>
+            <a:schemeClr val="accent4">
+              <a:lumMod val="60000"/>
+              <a:lumOff val="40000"/>
+            </a:schemeClr>
+          </a:solidFill>
+        </p:spPr>
+        <p:style>
+          <a:lnRef idx="0">
+            <a:schemeClr val="accent4"/>
+          </a:lnRef>
+          <a:fillRef idx="1003">
+            <a:schemeClr val="lt2"/>
+          </a:fillRef>
+          <a:effectRef idx="3">
+            <a:schemeClr val="accent4"/>
+          </a:effectRef>
+          <a:fontRef idx="minor">
+            <a:schemeClr val="lt1"/>
+          </a:fontRef>
+        </p:style>
+        <p:txBody>
+          <a:bodyPr rtlCol="0" anchor="ctr"/>
+          <a:lstStyle/>
+          <a:p>
+            <a:pPr algn="ctr"/>
+            <a:endParaRPr lang="it-IT" dirty="0"/>
+          </a:p>
+        </p:txBody>
+      </p:sp>
+      <p:sp>
+        <p:nvSpPr>
+          <p:cNvPr id="6" name="CasellaDiTesto 5"/>
+          <p:cNvSpPr txBox="1"/>
+          <p:nvPr/>
+        </p:nvSpPr>
+        <p:spPr>
+          <a:xfrm>
+            <a:off x="10677518" y="1972668"/>
+            <a:ext cx="917239" cy="461665"/>
+          </a:xfrm>
+          <a:prstGeom prst="rect">
+            <a:avLst/>
+          </a:prstGeom>
+          <a:noFill/>
+        </p:spPr>
+        <p:txBody>
+          <a:bodyPr wrap="none" rtlCol="0">
+            <a:spAutoFit/>
+          </a:bodyPr>
+          <a:lstStyle/>
+          <a:p>
+            <a:r>
+              <a:rPr lang="it-IT" sz="2400" dirty="0" err="1" smtClean="0"/>
+              <a:t>Dbms</a:t>
+            </a:r>
+            <a:endParaRPr lang="it-IT" sz="2400" dirty="0" smtClean="0"/>
+          </a:p>
+        </p:txBody>
+      </p:sp>
+      <p:pic>
+        <p:nvPicPr>
+          <p:cNvPr id="7" name="Immagine 6"/>
+          <p:cNvPicPr>
+            <a:picLocks noChangeAspect="1"/>
+          </p:cNvPicPr>
+          <p:nvPr/>
+        </p:nvPicPr>
+        <p:blipFill>
+          <a:blip r:embed="rId2">
+            <a:extLst>
+              <a:ext uri="{28A0092B-C50C-407E-A947-70E740481C1C}">
+                <a14:useLocalDpi xmlns:a14="http://schemas.microsoft.com/office/drawing/2010/main" val="0"/>
+              </a:ext>
+            </a:extLst>
+          </a:blip>
+          <a:stretch>
+            <a:fillRect/>
+          </a:stretch>
+        </p:blipFill>
+        <p:spPr>
+          <a:xfrm>
+            <a:off x="10088648" y="2455206"/>
+            <a:ext cx="507936" cy="507936"/>
+          </a:xfrm>
+          <a:prstGeom prst="rect">
+            <a:avLst/>
+          </a:prstGeom>
+        </p:spPr>
+      </p:pic>
+      <p:pic>
+        <p:nvPicPr>
+          <p:cNvPr id="8" name="Immagine 7"/>
+          <p:cNvPicPr>
+            <a:picLocks noChangeAspect="1"/>
+          </p:cNvPicPr>
+          <p:nvPr/>
+        </p:nvPicPr>
+        <p:blipFill>
+          <a:blip r:embed="rId2">
+            <a:extLst>
+              <a:ext uri="{28A0092B-C50C-407E-A947-70E740481C1C}">
+                <a14:useLocalDpi xmlns:a14="http://schemas.microsoft.com/office/drawing/2010/main" val="0"/>
+              </a:ext>
+            </a:extLst>
+          </a:blip>
+          <a:stretch>
+            <a:fillRect/>
+          </a:stretch>
+        </p:blipFill>
+        <p:spPr>
+          <a:xfrm>
+            <a:off x="10088648" y="3165633"/>
+            <a:ext cx="507936" cy="507936"/>
+          </a:xfrm>
+          <a:prstGeom prst="rect">
+            <a:avLst/>
+          </a:prstGeom>
+        </p:spPr>
+      </p:pic>
+      <p:sp>
+        <p:nvSpPr>
+          <p:cNvPr id="9" name="CasellaDiTesto 8"/>
+          <p:cNvSpPr txBox="1"/>
+          <p:nvPr/>
+        </p:nvSpPr>
+        <p:spPr>
+          <a:xfrm>
+            <a:off x="10616399" y="2535412"/>
+            <a:ext cx="1074525" cy="307777"/>
+          </a:xfrm>
+          <a:prstGeom prst="rect">
+            <a:avLst/>
+          </a:prstGeom>
+          <a:noFill/>
+        </p:spPr>
+        <p:txBody>
+          <a:bodyPr wrap="none" rtlCol="0">
+            <a:spAutoFit/>
+          </a:bodyPr>
+          <a:lstStyle/>
+          <a:p>
+            <a:r>
+              <a:rPr lang="it-IT" sz="1400" dirty="0" err="1" smtClean="0"/>
+              <a:t>External</a:t>
+            </a:r>
+            <a:r>
+              <a:rPr lang="it-IT" sz="1400" dirty="0" smtClean="0"/>
+              <a:t> DB</a:t>
+            </a:r>
+            <a:endParaRPr lang="it-IT" sz="1400" dirty="0"/>
+          </a:p>
+        </p:txBody>
+      </p:sp>
+      <p:sp>
+        <p:nvSpPr>
+          <p:cNvPr id="10" name="CasellaDiTesto 9"/>
+          <p:cNvSpPr txBox="1"/>
+          <p:nvPr/>
+        </p:nvSpPr>
+        <p:spPr>
+          <a:xfrm>
+            <a:off x="10598481" y="3245617"/>
+            <a:ext cx="1293816" cy="307777"/>
+          </a:xfrm>
+          <a:prstGeom prst="rect">
+            <a:avLst/>
+          </a:prstGeom>
+          <a:noFill/>
+        </p:spPr>
+        <p:txBody>
+          <a:bodyPr wrap="none" rtlCol="0">
+            <a:spAutoFit/>
+          </a:bodyPr>
+          <a:lstStyle/>
+          <a:p>
+            <a:r>
+              <a:rPr lang="it-IT" sz="1400" dirty="0" err="1" smtClean="0"/>
+              <a:t>Travlendar</a:t>
+            </a:r>
+            <a:r>
+              <a:rPr lang="it-IT" sz="1400" dirty="0" smtClean="0"/>
+              <a:t>+ DB</a:t>
+            </a:r>
+            <a:endParaRPr lang="it-IT" sz="1400" dirty="0"/>
+          </a:p>
+        </p:txBody>
+      </p:sp>
+      <p:sp>
+        <p:nvSpPr>
+          <p:cNvPr id="11" name="CasellaDiTesto 10"/>
+          <p:cNvSpPr txBox="1"/>
+          <p:nvPr/>
+        </p:nvSpPr>
+        <p:spPr>
+          <a:xfrm>
+            <a:off x="8531332" y="2087536"/>
+            <a:ext cx="1005212" cy="461665"/>
+          </a:xfrm>
+          <a:prstGeom prst="rect">
+            <a:avLst/>
+          </a:prstGeom>
+          <a:noFill/>
+        </p:spPr>
+        <p:txBody>
+          <a:bodyPr wrap="none" rtlCol="0">
+            <a:spAutoFit/>
+          </a:bodyPr>
+          <a:lstStyle/>
+          <a:p>
+            <a:r>
+              <a:rPr lang="it-IT" sz="2400" dirty="0" smtClean="0"/>
+              <a:t>Server</a:t>
+            </a:r>
+          </a:p>
+        </p:txBody>
+      </p:sp>
+      <p:pic>
+        <p:nvPicPr>
+          <p:cNvPr id="12" name="Immagine 11"/>
+          <p:cNvPicPr>
+            <a:picLocks noChangeAspect="1"/>
+          </p:cNvPicPr>
+          <p:nvPr/>
+        </p:nvPicPr>
+        <p:blipFill>
+          <a:blip r:embed="rId3">
+            <a:extLst>
+              <a:ext uri="{28A0092B-C50C-407E-A947-70E740481C1C}">
+                <a14:useLocalDpi xmlns:a14="http://schemas.microsoft.com/office/drawing/2010/main" val="0"/>
+              </a:ext>
+            </a:extLst>
+          </a:blip>
+          <a:stretch>
+            <a:fillRect/>
+          </a:stretch>
+        </p:blipFill>
+        <p:spPr>
+          <a:xfrm>
+            <a:off x="8748753" y="2735196"/>
+            <a:ext cx="615543" cy="615543"/>
+          </a:xfrm>
+          <a:prstGeom prst="rect">
+            <a:avLst/>
+          </a:prstGeom>
+        </p:spPr>
+      </p:pic>
+      <p:sp>
+        <p:nvSpPr>
+          <p:cNvPr id="13" name="CasellaDiTesto 12"/>
+          <p:cNvSpPr txBox="1"/>
+          <p:nvPr/>
+        </p:nvSpPr>
+        <p:spPr>
+          <a:xfrm>
+            <a:off x="8279804" y="3425528"/>
+            <a:ext cx="1553439" cy="307777"/>
+          </a:xfrm>
+          <a:prstGeom prst="rect">
+            <a:avLst/>
+          </a:prstGeom>
+          <a:noFill/>
+        </p:spPr>
+        <p:txBody>
+          <a:bodyPr wrap="none" rtlCol="0">
+            <a:spAutoFit/>
+          </a:bodyPr>
+          <a:lstStyle/>
+          <a:p>
+            <a:r>
+              <a:rPr lang="it-IT" sz="1400" dirty="0" err="1" smtClean="0"/>
+              <a:t>Travlendar</a:t>
+            </a:r>
+            <a:r>
+              <a:rPr lang="it-IT" sz="1400" dirty="0" smtClean="0"/>
+              <a:t>+ Server</a:t>
+            </a:r>
+            <a:endParaRPr lang="it-IT" sz="1400" dirty="0"/>
+          </a:p>
+        </p:txBody>
+      </p:sp>
+      <p:sp>
+        <p:nvSpPr>
+          <p:cNvPr id="14" name="Rettangolo arrotondato 13"/>
+          <p:cNvSpPr/>
+          <p:nvPr/>
+        </p:nvSpPr>
+        <p:spPr>
+          <a:xfrm>
+            <a:off x="462688" y="2105553"/>
+            <a:ext cx="1904172" cy="1583830"/>
+          </a:xfrm>
+          <a:prstGeom prst="roundRect">
+            <a:avLst/>
+          </a:prstGeom>
+        </p:spPr>
+        <p:style>
+          <a:lnRef idx="0">
+            <a:schemeClr val="accent6"/>
+          </a:lnRef>
+          <a:fillRef idx="3">
+            <a:schemeClr val="accent6"/>
+          </a:fillRef>
+          <a:effectRef idx="3">
+            <a:schemeClr val="accent6"/>
+          </a:effectRef>
+          <a:fontRef idx="minor">
+            <a:schemeClr val="lt1"/>
+          </a:fontRef>
+        </p:style>
+        <p:txBody>
+          <a:bodyPr rtlCol="0" anchor="ctr"/>
+          <a:lstStyle/>
+          <a:p>
+            <a:pPr algn="ctr"/>
+            <a:endParaRPr lang="it-IT" dirty="0"/>
+          </a:p>
+        </p:txBody>
+      </p:sp>
+      <p:sp>
+        <p:nvSpPr>
+          <p:cNvPr id="15" name="CasellaDiTesto 14"/>
+          <p:cNvSpPr txBox="1"/>
+          <p:nvPr/>
+        </p:nvSpPr>
+        <p:spPr>
+          <a:xfrm>
+            <a:off x="2014038" y="1602180"/>
+            <a:ext cx="923971" cy="461665"/>
+          </a:xfrm>
+          <a:prstGeom prst="rect">
+            <a:avLst/>
+          </a:prstGeom>
+          <a:noFill/>
+        </p:spPr>
+        <p:txBody>
+          <a:bodyPr wrap="none" rtlCol="0">
+            <a:spAutoFit/>
+          </a:bodyPr>
+          <a:lstStyle/>
+          <a:p>
+            <a:r>
+              <a:rPr lang="it-IT" sz="2400" b="1" dirty="0" smtClean="0"/>
+              <a:t>Client</a:t>
+            </a:r>
+          </a:p>
+        </p:txBody>
+      </p:sp>
+      <p:sp>
+        <p:nvSpPr>
+          <p:cNvPr id="16" name="Rettangolo 15"/>
+          <p:cNvSpPr/>
+          <p:nvPr/>
+        </p:nvSpPr>
+        <p:spPr>
+          <a:xfrm>
+            <a:off x="622079" y="2351723"/>
+            <a:ext cx="1549715" cy="1067877"/>
+          </a:xfrm>
+          <a:prstGeom prst="rect">
+            <a:avLst/>
+          </a:prstGeom>
+          <a:solidFill>
+            <a:schemeClr val="tx1">
+              <a:lumMod val="50000"/>
+              <a:lumOff val="50000"/>
+            </a:schemeClr>
+          </a:solidFill>
+        </p:spPr>
+        <p:style>
+          <a:lnRef idx="2">
+            <a:schemeClr val="accent1">
+              <a:shade val="50000"/>
+            </a:schemeClr>
+          </a:lnRef>
+          <a:fillRef idx="1">
+            <a:schemeClr val="accent1"/>
+          </a:fillRef>
+          <a:effectRef idx="0">
+            <a:schemeClr val="accent1"/>
+          </a:effectRef>
+          <a:fontRef idx="minor">
+            <a:schemeClr val="lt1"/>
+          </a:fontRef>
+        </p:style>
+        <p:txBody>
+          <a:bodyPr rtlCol="0" anchor="ctr"/>
+          <a:lstStyle/>
+          <a:p>
+            <a:r>
+              <a:rPr lang="it-IT" dirty="0" smtClean="0"/>
+              <a:t>Mobile Interface</a:t>
+            </a:r>
+            <a:endParaRPr lang="it-IT" dirty="0"/>
+          </a:p>
+        </p:txBody>
+      </p:sp>
+      <p:pic>
+        <p:nvPicPr>
+          <p:cNvPr id="17" name="Immagine 16"/>
+          <p:cNvPicPr>
+            <a:picLocks noChangeAspect="1"/>
+          </p:cNvPicPr>
+          <p:nvPr/>
+        </p:nvPicPr>
+        <p:blipFill>
+          <a:blip r:embed="rId4">
+            <a:extLst>
+              <a:ext uri="{28A0092B-C50C-407E-A947-70E740481C1C}">
+                <a14:useLocalDpi xmlns:a14="http://schemas.microsoft.com/office/drawing/2010/main" val="0"/>
+              </a:ext>
+            </a:extLst>
+          </a:blip>
+          <a:stretch>
+            <a:fillRect/>
+          </a:stretch>
+        </p:blipFill>
+        <p:spPr>
+          <a:xfrm>
+            <a:off x="2938009" y="1579044"/>
+            <a:ext cx="507936" cy="507936"/>
+          </a:xfrm>
+          <a:prstGeom prst="rect">
+            <a:avLst/>
+          </a:prstGeom>
+        </p:spPr>
+      </p:pic>
+      <p:sp>
+        <p:nvSpPr>
+          <p:cNvPr id="18" name="Rettangolo arrotondato 17"/>
+          <p:cNvSpPr/>
+          <p:nvPr/>
+        </p:nvSpPr>
+        <p:spPr>
+          <a:xfrm>
+            <a:off x="2944178" y="2248996"/>
+            <a:ext cx="1977527" cy="1282605"/>
+          </a:xfrm>
+          <a:prstGeom prst="roundRect">
+            <a:avLst/>
+          </a:prstGeom>
+        </p:spPr>
+        <p:style>
+          <a:lnRef idx="0">
+            <a:schemeClr val="accent6"/>
+          </a:lnRef>
+          <a:fillRef idx="3">
+            <a:schemeClr val="accent6"/>
+          </a:fillRef>
+          <a:effectRef idx="3">
+            <a:schemeClr val="accent6"/>
+          </a:effectRef>
+          <a:fontRef idx="minor">
+            <a:schemeClr val="lt1"/>
+          </a:fontRef>
+        </p:style>
+        <p:txBody>
+          <a:bodyPr rtlCol="0" anchor="ctr"/>
+          <a:lstStyle/>
+          <a:p>
+            <a:pPr algn="ctr"/>
+            <a:endParaRPr lang="it-IT" dirty="0"/>
+          </a:p>
+        </p:txBody>
+      </p:sp>
+      <p:sp>
+        <p:nvSpPr>
+          <p:cNvPr id="19" name="Rettangolo 18"/>
+          <p:cNvSpPr/>
+          <p:nvPr/>
+        </p:nvSpPr>
+        <p:spPr>
+          <a:xfrm>
+            <a:off x="3171157" y="2518459"/>
+            <a:ext cx="1549715" cy="754276"/>
+          </a:xfrm>
+          <a:prstGeom prst="rect">
+            <a:avLst/>
+          </a:prstGeom>
+          <a:solidFill>
+            <a:schemeClr val="tx1">
+              <a:lumMod val="50000"/>
+              <a:lumOff val="50000"/>
+            </a:schemeClr>
+          </a:solidFill>
+        </p:spPr>
+        <p:style>
+          <a:lnRef idx="2">
+            <a:schemeClr val="accent1">
+              <a:shade val="50000"/>
+            </a:schemeClr>
+          </a:lnRef>
+          <a:fillRef idx="1">
+            <a:schemeClr val="accent1"/>
+          </a:fillRef>
+          <a:effectRef idx="0">
+            <a:schemeClr val="accent1"/>
+          </a:effectRef>
+          <a:fontRef idx="minor">
+            <a:schemeClr val="lt1"/>
+          </a:fontRef>
+        </p:style>
+        <p:txBody>
+          <a:bodyPr rtlCol="0" anchor="ctr"/>
+          <a:lstStyle/>
+          <a:p>
+            <a:pPr algn="ctr"/>
+            <a:r>
+              <a:rPr lang="it-IT" dirty="0" smtClean="0"/>
+              <a:t>Application</a:t>
+            </a:r>
+          </a:p>
+          <a:p>
+            <a:pPr algn="ctr"/>
+            <a:r>
+              <a:rPr lang="it-IT" dirty="0" err="1" smtClean="0"/>
+              <a:t>Logic</a:t>
+            </a:r>
+            <a:endParaRPr lang="it-IT" dirty="0"/>
+          </a:p>
+        </p:txBody>
+      </p:sp>
+      <p:sp>
+        <p:nvSpPr>
+          <p:cNvPr id="20" name="Nuvola 19"/>
+          <p:cNvSpPr/>
+          <p:nvPr/>
+        </p:nvSpPr>
+        <p:spPr>
+          <a:xfrm>
+            <a:off x="5347898" y="2291243"/>
+            <a:ext cx="2451831" cy="1208708"/>
+          </a:xfrm>
+          <a:prstGeom prst="cloud">
+            <a:avLst/>
+          </a:prstGeom>
+        </p:spPr>
+        <p:style>
+          <a:lnRef idx="0">
+            <a:schemeClr val="accent1"/>
+          </a:lnRef>
+          <a:fillRef idx="3">
+            <a:schemeClr val="accent1"/>
+          </a:fillRef>
+          <a:effectRef idx="3">
+            <a:schemeClr val="accent1"/>
+          </a:effectRef>
+          <a:fontRef idx="minor">
+            <a:schemeClr val="lt1"/>
+          </a:fontRef>
+        </p:style>
+        <p:txBody>
+          <a:bodyPr rtlCol="0" anchor="ctr"/>
+          <a:lstStyle/>
+          <a:p>
+            <a:pPr algn="ctr"/>
+            <a:r>
+              <a:rPr lang="it-IT" dirty="0" smtClean="0"/>
+              <a:t>Network</a:t>
+            </a:r>
+            <a:endParaRPr lang="it-IT" dirty="0"/>
+          </a:p>
+        </p:txBody>
+      </p:sp>
+      <p:sp>
+        <p:nvSpPr>
+          <p:cNvPr id="21" name="CasellaDiTesto 20"/>
+          <p:cNvSpPr txBox="1"/>
+          <p:nvPr/>
+        </p:nvSpPr>
+        <p:spPr>
+          <a:xfrm>
+            <a:off x="9714372" y="1314300"/>
+            <a:ext cx="784702" cy="461665"/>
+          </a:xfrm>
+          <a:prstGeom prst="rect">
+            <a:avLst/>
+          </a:prstGeom>
+          <a:noFill/>
+        </p:spPr>
+        <p:txBody>
+          <a:bodyPr wrap="none" rtlCol="0">
+            <a:spAutoFit/>
+          </a:bodyPr>
+          <a:lstStyle/>
+          <a:p>
+            <a:r>
+              <a:rPr lang="it-IT" sz="2400" b="1" dirty="0" smtClean="0"/>
+              <a:t>Data</a:t>
+            </a:r>
+          </a:p>
+        </p:txBody>
+      </p:sp>
+      <p:cxnSp>
+        <p:nvCxnSpPr>
+          <p:cNvPr id="22" name="Connettore 2 21"/>
+          <p:cNvCxnSpPr>
+            <a:stCxn id="12" idx="3"/>
+            <a:endCxn id="7" idx="1"/>
+          </p:cNvCxnSpPr>
+          <p:nvPr/>
+        </p:nvCxnSpPr>
+        <p:spPr>
+          <a:xfrm flipV="1">
+            <a:off x="9364296" y="2709174"/>
+            <a:ext cx="724352" cy="333794"/>
+          </a:xfrm>
+          <a:prstGeom prst="straightConnector1">
+            <a:avLst/>
+          </a:prstGeom>
+          <a:ln>
+            <a:tailEnd type="triangle"/>
+          </a:ln>
+        </p:spPr>
+        <p:style>
+          <a:lnRef idx="1">
+            <a:schemeClr val="accent1"/>
+          </a:lnRef>
+          <a:fillRef idx="0">
+            <a:schemeClr val="accent1"/>
+          </a:fillRef>
+          <a:effectRef idx="0">
+            <a:schemeClr val="accent1"/>
+          </a:effectRef>
+          <a:fontRef idx="minor">
+            <a:schemeClr val="tx1"/>
+          </a:fontRef>
+        </p:style>
+      </p:cxnSp>
+      <p:cxnSp>
+        <p:nvCxnSpPr>
+          <p:cNvPr id="23" name="Connettore 2 22"/>
+          <p:cNvCxnSpPr>
+            <a:stCxn id="12" idx="3"/>
+            <a:endCxn id="8" idx="1"/>
+          </p:cNvCxnSpPr>
+          <p:nvPr/>
+        </p:nvCxnSpPr>
+        <p:spPr>
+          <a:xfrm>
+            <a:off x="9364296" y="3042968"/>
+            <a:ext cx="724352" cy="376633"/>
+          </a:xfrm>
+          <a:prstGeom prst="straightConnector1">
+            <a:avLst/>
+          </a:prstGeom>
+          <a:ln>
+            <a:tailEnd type="triangle"/>
+          </a:ln>
+        </p:spPr>
+        <p:style>
+          <a:lnRef idx="1">
+            <a:schemeClr val="accent1"/>
+          </a:lnRef>
+          <a:fillRef idx="0">
+            <a:schemeClr val="accent1"/>
+          </a:fillRef>
+          <a:effectRef idx="0">
+            <a:schemeClr val="accent1"/>
+          </a:effectRef>
+          <a:fontRef idx="minor">
+            <a:schemeClr val="tx1"/>
+          </a:fontRef>
+        </p:style>
+      </p:cxnSp>
+      <p:pic>
+        <p:nvPicPr>
+          <p:cNvPr id="32" name="Immagine 31"/>
+          <p:cNvPicPr>
+            <a:picLocks noChangeAspect="1"/>
+          </p:cNvPicPr>
+          <p:nvPr/>
+        </p:nvPicPr>
+        <p:blipFill>
+          <a:blip r:embed="rId5" cstate="print">
+            <a:extLst>
+              <a:ext uri="{28A0092B-C50C-407E-A947-70E740481C1C}">
+                <a14:useLocalDpi xmlns:a14="http://schemas.microsoft.com/office/drawing/2010/main" val="0"/>
+              </a:ext>
+            </a:extLst>
+          </a:blip>
+          <a:stretch>
+            <a:fillRect/>
+          </a:stretch>
+        </p:blipFill>
+        <p:spPr>
+          <a:xfrm>
+            <a:off x="1442098" y="2490476"/>
+            <a:ext cx="844639" cy="844639"/>
+          </a:xfrm>
+          <a:prstGeom prst="rect">
+            <a:avLst/>
+          </a:prstGeom>
+        </p:spPr>
+      </p:pic>
+      <p:sp>
+        <p:nvSpPr>
+          <p:cNvPr id="33" name="CasellaDiTesto 32"/>
+          <p:cNvSpPr txBox="1"/>
+          <p:nvPr/>
+        </p:nvSpPr>
+        <p:spPr>
+          <a:xfrm>
+            <a:off x="618650" y="4790941"/>
+            <a:ext cx="11669541" cy="1477328"/>
+          </a:xfrm>
+          <a:prstGeom prst="rect">
+            <a:avLst/>
+          </a:prstGeom>
+          <a:noFill/>
+        </p:spPr>
+        <p:txBody>
+          <a:bodyPr wrap="none" rtlCol="0">
+            <a:spAutoFit/>
+          </a:bodyPr>
+          <a:lstStyle/>
+          <a:p>
+            <a:r>
+              <a:rPr lang="it-IT" dirty="0" err="1" smtClean="0"/>
+              <a:t>Travlendar</a:t>
+            </a:r>
+            <a:r>
+              <a:rPr lang="it-IT" dirty="0" smtClean="0"/>
+              <a:t>+ </a:t>
+            </a:r>
+            <a:r>
+              <a:rPr lang="it-IT" dirty="0" err="1" smtClean="0"/>
+              <a:t>provides</a:t>
+            </a:r>
+            <a:r>
+              <a:rPr lang="it-IT" dirty="0" smtClean="0"/>
+              <a:t> an </a:t>
+            </a:r>
+            <a:r>
+              <a:rPr lang="it-IT" dirty="0" err="1" smtClean="0"/>
+              <a:t>architectural</a:t>
+            </a:r>
+            <a:r>
+              <a:rPr lang="it-IT" dirty="0" smtClean="0"/>
+              <a:t> </a:t>
+            </a:r>
+            <a:r>
+              <a:rPr lang="it-IT" dirty="0" err="1" smtClean="0"/>
+              <a:t>structure</a:t>
+            </a:r>
+            <a:r>
+              <a:rPr lang="it-IT" dirty="0" smtClean="0"/>
+              <a:t> in </a:t>
+            </a:r>
+            <a:r>
+              <a:rPr lang="it-IT" dirty="0" err="1" smtClean="0"/>
+              <a:t>which</a:t>
+            </a:r>
+            <a:r>
+              <a:rPr lang="it-IT" dirty="0" smtClean="0"/>
+              <a:t> </a:t>
+            </a:r>
+            <a:r>
+              <a:rPr lang="it-IT" dirty="0" err="1" smtClean="0"/>
+              <a:t>logic</a:t>
+            </a:r>
+            <a:r>
+              <a:rPr lang="it-IT" dirty="0" smtClean="0"/>
+              <a:t> </a:t>
+            </a:r>
+            <a:r>
+              <a:rPr lang="it-IT" dirty="0" err="1" smtClean="0"/>
+              <a:t>application</a:t>
+            </a:r>
+            <a:r>
+              <a:rPr lang="it-IT" dirty="0" smtClean="0"/>
+              <a:t> </a:t>
+            </a:r>
+            <a:r>
+              <a:rPr lang="it-IT" dirty="0" err="1" smtClean="0"/>
+              <a:t>takes</a:t>
+            </a:r>
+            <a:r>
+              <a:rPr lang="it-IT" dirty="0" smtClean="0"/>
+              <a:t> </a:t>
+            </a:r>
+            <a:r>
+              <a:rPr lang="it-IT" dirty="0" err="1" smtClean="0"/>
+              <a:t>place</a:t>
+            </a:r>
+            <a:r>
+              <a:rPr lang="it-IT" dirty="0" smtClean="0"/>
+              <a:t> in the client part, </a:t>
+            </a:r>
+            <a:r>
+              <a:rPr lang="it-IT" dirty="0" err="1" smtClean="0"/>
+              <a:t>because</a:t>
+            </a:r>
+            <a:r>
+              <a:rPr lang="it-IT" dirty="0" smtClean="0"/>
+              <a:t> the </a:t>
+            </a:r>
+          </a:p>
+          <a:p>
+            <a:r>
+              <a:rPr lang="it-IT" dirty="0" err="1" smtClean="0"/>
+              <a:t>application</a:t>
+            </a:r>
+            <a:r>
+              <a:rPr lang="it-IT" dirty="0" smtClean="0"/>
+              <a:t> </a:t>
+            </a:r>
+            <a:r>
+              <a:rPr lang="it-IT" dirty="0" err="1" smtClean="0"/>
+              <a:t>contains</a:t>
+            </a:r>
+            <a:r>
+              <a:rPr lang="it-IT" dirty="0" smtClean="0"/>
+              <a:t> </a:t>
+            </a:r>
+            <a:r>
+              <a:rPr lang="it-IT" dirty="0" err="1" smtClean="0"/>
+              <a:t>functionalities</a:t>
+            </a:r>
+            <a:r>
+              <a:rPr lang="it-IT" dirty="0" smtClean="0"/>
+              <a:t> </a:t>
+            </a:r>
+            <a:r>
+              <a:rPr lang="it-IT" dirty="0" err="1" smtClean="0"/>
+              <a:t>which</a:t>
+            </a:r>
+            <a:r>
+              <a:rPr lang="it-IT" dirty="0" smtClean="0"/>
+              <a:t> </a:t>
+            </a:r>
+            <a:r>
+              <a:rPr lang="it-IT" dirty="0" err="1" smtClean="0"/>
+              <a:t>doesn’t</a:t>
+            </a:r>
+            <a:r>
+              <a:rPr lang="it-IT" dirty="0" smtClean="0"/>
+              <a:t> </a:t>
+            </a:r>
+            <a:r>
+              <a:rPr lang="it-IT" dirty="0" err="1" smtClean="0"/>
+              <a:t>depend</a:t>
+            </a:r>
+            <a:r>
+              <a:rPr lang="it-IT" dirty="0" smtClean="0"/>
+              <a:t> on internet service, so </a:t>
+            </a:r>
+            <a:r>
+              <a:rPr lang="it-IT" dirty="0" err="1" smtClean="0"/>
+              <a:t>we</a:t>
+            </a:r>
+            <a:r>
+              <a:rPr lang="it-IT" dirty="0" smtClean="0"/>
+              <a:t> </a:t>
+            </a:r>
+            <a:r>
+              <a:rPr lang="it-IT" dirty="0" err="1" smtClean="0"/>
+              <a:t>consider</a:t>
+            </a:r>
+            <a:r>
+              <a:rPr lang="it-IT" dirty="0" smtClean="0"/>
+              <a:t> </a:t>
+            </a:r>
+            <a:r>
+              <a:rPr lang="it-IT" dirty="0" err="1" smtClean="0"/>
+              <a:t>usefull</a:t>
+            </a:r>
+            <a:r>
+              <a:rPr lang="it-IT" dirty="0" smtClean="0"/>
+              <a:t> </a:t>
+            </a:r>
+            <a:r>
+              <a:rPr lang="it-IT" dirty="0" err="1" smtClean="0"/>
+              <a:t>that</a:t>
+            </a:r>
+            <a:r>
+              <a:rPr lang="it-IT" dirty="0" smtClean="0"/>
+              <a:t> the </a:t>
+            </a:r>
+            <a:r>
+              <a:rPr lang="it-IT" dirty="0" err="1" smtClean="0"/>
+              <a:t>user</a:t>
+            </a:r>
+            <a:r>
+              <a:rPr lang="it-IT" dirty="0" smtClean="0"/>
+              <a:t> can use </a:t>
+            </a:r>
+          </a:p>
+          <a:p>
+            <a:r>
+              <a:rPr lang="it-IT" dirty="0" err="1" smtClean="0"/>
+              <a:t>this</a:t>
+            </a:r>
+            <a:r>
+              <a:rPr lang="it-IT" dirty="0" smtClean="0"/>
+              <a:t> </a:t>
+            </a:r>
+            <a:r>
+              <a:rPr lang="it-IT" dirty="0" err="1" smtClean="0"/>
+              <a:t>functionalities</a:t>
+            </a:r>
+            <a:r>
+              <a:rPr lang="it-IT" dirty="0" smtClean="0"/>
+              <a:t> </a:t>
+            </a:r>
+            <a:r>
+              <a:rPr lang="it-IT" dirty="0" err="1" smtClean="0"/>
+              <a:t>without</a:t>
+            </a:r>
+            <a:r>
+              <a:rPr lang="it-IT" dirty="0" smtClean="0"/>
+              <a:t> </a:t>
+            </a:r>
+            <a:r>
+              <a:rPr lang="it-IT" dirty="0" err="1" smtClean="0"/>
+              <a:t>connecting</a:t>
+            </a:r>
+            <a:r>
+              <a:rPr lang="it-IT" dirty="0" smtClean="0"/>
+              <a:t> to the server. For the </a:t>
+            </a:r>
+            <a:r>
+              <a:rPr lang="it-IT" dirty="0" err="1" smtClean="0"/>
+              <a:t>rest</a:t>
+            </a:r>
+            <a:r>
+              <a:rPr lang="it-IT" dirty="0" smtClean="0"/>
+              <a:t> of </a:t>
+            </a:r>
+            <a:r>
+              <a:rPr lang="it-IT" dirty="0" err="1" smtClean="0"/>
+              <a:t>functionalities</a:t>
+            </a:r>
+            <a:r>
+              <a:rPr lang="it-IT" dirty="0" smtClean="0"/>
+              <a:t>, network, and so internet service, </a:t>
+            </a:r>
+            <a:r>
+              <a:rPr lang="it-IT" dirty="0" err="1" smtClean="0"/>
+              <a:t>is</a:t>
+            </a:r>
+            <a:r>
+              <a:rPr lang="it-IT" dirty="0" smtClean="0"/>
+              <a:t> </a:t>
+            </a:r>
+          </a:p>
+          <a:p>
+            <a:r>
+              <a:rPr lang="it-IT" dirty="0" err="1" smtClean="0"/>
+              <a:t>fundamental</a:t>
+            </a:r>
+            <a:r>
+              <a:rPr lang="it-IT" dirty="0"/>
+              <a:t> </a:t>
+            </a:r>
+            <a:r>
+              <a:rPr lang="it-IT" dirty="0" smtClean="0"/>
+              <a:t>to </a:t>
+            </a:r>
+            <a:r>
+              <a:rPr lang="it-IT" dirty="0" err="1" smtClean="0"/>
+              <a:t>guarantee</a:t>
+            </a:r>
+            <a:r>
+              <a:rPr lang="it-IT" dirty="0" smtClean="0"/>
+              <a:t> the complete use of </a:t>
+            </a:r>
+            <a:r>
+              <a:rPr lang="it-IT" dirty="0" err="1" smtClean="0"/>
+              <a:t>Travlendar</a:t>
+            </a:r>
+            <a:r>
+              <a:rPr lang="it-IT" dirty="0" smtClean="0"/>
+              <a:t>+. To do </a:t>
+            </a:r>
+            <a:r>
+              <a:rPr lang="it-IT" dirty="0" err="1" smtClean="0"/>
+              <a:t>this</a:t>
+            </a:r>
+            <a:r>
+              <a:rPr lang="it-IT" dirty="0" smtClean="0"/>
+              <a:t>, the </a:t>
+            </a:r>
+            <a:r>
+              <a:rPr lang="it-IT" dirty="0" err="1" smtClean="0"/>
+              <a:t>app</a:t>
+            </a:r>
+            <a:r>
+              <a:rPr lang="it-IT" dirty="0" smtClean="0"/>
+              <a:t> </a:t>
+            </a:r>
+            <a:r>
+              <a:rPr lang="it-IT" dirty="0" err="1" smtClean="0"/>
+              <a:t>requires</a:t>
+            </a:r>
+            <a:r>
+              <a:rPr lang="it-IT" dirty="0" smtClean="0"/>
+              <a:t> data from DBMS </a:t>
+            </a:r>
+            <a:r>
+              <a:rPr lang="it-IT" dirty="0" err="1" smtClean="0"/>
+              <a:t>through</a:t>
+            </a:r>
+            <a:r>
+              <a:rPr lang="it-IT" dirty="0" smtClean="0"/>
+              <a:t> the</a:t>
+            </a:r>
+          </a:p>
+          <a:p>
+            <a:r>
+              <a:rPr lang="it-IT" dirty="0" smtClean="0"/>
+              <a:t>database server and </a:t>
+            </a:r>
+            <a:r>
+              <a:rPr lang="it-IT" dirty="0" err="1" smtClean="0"/>
+              <a:t>this</a:t>
+            </a:r>
+            <a:r>
+              <a:rPr lang="it-IT" dirty="0" smtClean="0"/>
+              <a:t> </a:t>
+            </a:r>
+            <a:r>
+              <a:rPr lang="it-IT" dirty="0" err="1" smtClean="0"/>
+              <a:t>one</a:t>
+            </a:r>
+            <a:r>
+              <a:rPr lang="it-IT" dirty="0" smtClean="0"/>
+              <a:t> </a:t>
+            </a:r>
+            <a:r>
+              <a:rPr lang="it-IT" dirty="0" err="1" smtClean="0"/>
+              <a:t>is</a:t>
+            </a:r>
+            <a:r>
+              <a:rPr lang="it-IT" dirty="0" smtClean="0"/>
+              <a:t> </a:t>
+            </a:r>
+            <a:r>
+              <a:rPr lang="it-IT" dirty="0" err="1" smtClean="0"/>
+              <a:t>connected</a:t>
+            </a:r>
+            <a:r>
+              <a:rPr lang="it-IT" dirty="0" smtClean="0"/>
+              <a:t> to the client </a:t>
+            </a:r>
+            <a:r>
+              <a:rPr lang="it-IT" dirty="0" err="1" smtClean="0"/>
+              <a:t>through</a:t>
+            </a:r>
+            <a:r>
+              <a:rPr lang="it-IT" dirty="0" smtClean="0"/>
+              <a:t> the network</a:t>
+            </a:r>
+          </a:p>
+        </p:txBody>
+      </p:sp>
+      <p:sp>
+        <p:nvSpPr>
+          <p:cNvPr id="34" name="Freccia bidirezionale orizzontale 33"/>
+          <p:cNvSpPr/>
+          <p:nvPr/>
+        </p:nvSpPr>
+        <p:spPr>
+          <a:xfrm>
+            <a:off x="2357262" y="2824624"/>
+            <a:ext cx="580747" cy="131348"/>
+          </a:xfrm>
+          <a:prstGeom prst="leftRightArrow">
+            <a:avLst/>
+          </a:prstGeom>
+          <a:solidFill>
+            <a:srgbClr val="FF0000"/>
+          </a:solidFill>
+          <a:ln>
+            <a:solidFill>
+              <a:schemeClr val="tx1">
+                <a:lumMod val="95000"/>
+                <a:lumOff val="5000"/>
+              </a:schemeClr>
+            </a:solidFill>
+          </a:ln>
+        </p:spPr>
+        <p:style>
+          <a:lnRef idx="2">
+            <a:schemeClr val="accent1">
+              <a:shade val="50000"/>
+            </a:schemeClr>
+          </a:lnRef>
+          <a:fillRef idx="1">
+            <a:schemeClr val="accent1"/>
+          </a:fillRef>
+          <a:effectRef idx="0">
+            <a:schemeClr val="accent1"/>
+          </a:effectRef>
+          <a:fontRef idx="minor">
+            <a:schemeClr val="lt1"/>
+          </a:fontRef>
+        </p:style>
+        <p:txBody>
+          <a:bodyPr rtlCol="0" anchor="ctr"/>
+          <a:lstStyle/>
+          <a:p>
+            <a:pPr algn="ctr"/>
+            <a:endParaRPr lang="it-IT"/>
+          </a:p>
+        </p:txBody>
+      </p:sp>
+      <p:sp>
+        <p:nvSpPr>
+          <p:cNvPr id="35" name="Freccia bidirezionale orizzontale 34"/>
+          <p:cNvSpPr/>
+          <p:nvPr/>
+        </p:nvSpPr>
+        <p:spPr>
+          <a:xfrm>
+            <a:off x="4938434" y="2831794"/>
+            <a:ext cx="397981" cy="131348"/>
+          </a:xfrm>
+          <a:prstGeom prst="leftRightArrow">
+            <a:avLst/>
+          </a:prstGeom>
+          <a:solidFill>
+            <a:srgbClr val="FF0000"/>
+          </a:solidFill>
+          <a:ln>
+            <a:solidFill>
+              <a:schemeClr val="tx1">
+                <a:lumMod val="95000"/>
+                <a:lumOff val="5000"/>
+              </a:schemeClr>
+            </a:solidFill>
+          </a:ln>
+        </p:spPr>
+        <p:style>
+          <a:lnRef idx="2">
+            <a:schemeClr val="accent1">
+              <a:shade val="50000"/>
+            </a:schemeClr>
+          </a:lnRef>
+          <a:fillRef idx="1">
+            <a:schemeClr val="accent1"/>
+          </a:fillRef>
+          <a:effectRef idx="0">
+            <a:schemeClr val="accent1"/>
+          </a:effectRef>
+          <a:fontRef idx="minor">
+            <a:schemeClr val="lt1"/>
+          </a:fontRef>
+        </p:style>
+        <p:txBody>
+          <a:bodyPr rtlCol="0" anchor="ctr"/>
+          <a:lstStyle/>
+          <a:p>
+            <a:pPr algn="ctr"/>
+            <a:endParaRPr lang="it-IT"/>
+          </a:p>
+        </p:txBody>
+      </p:sp>
+      <p:sp>
+        <p:nvSpPr>
+          <p:cNvPr id="36" name="Freccia bidirezionale orizzontale 35"/>
+          <p:cNvSpPr/>
+          <p:nvPr/>
+        </p:nvSpPr>
+        <p:spPr>
+          <a:xfrm>
+            <a:off x="7820067" y="2831794"/>
+            <a:ext cx="370497" cy="124178"/>
+          </a:xfrm>
+          <a:prstGeom prst="leftRightArrow">
+            <a:avLst/>
+          </a:prstGeom>
+          <a:solidFill>
+            <a:srgbClr val="FF0000"/>
+          </a:solidFill>
+          <a:ln>
+            <a:solidFill>
+              <a:schemeClr val="tx1">
+                <a:lumMod val="95000"/>
+                <a:lumOff val="5000"/>
+              </a:schemeClr>
+            </a:solidFill>
+          </a:ln>
+        </p:spPr>
+        <p:style>
+          <a:lnRef idx="2">
+            <a:schemeClr val="accent1">
+              <a:shade val="50000"/>
+            </a:schemeClr>
+          </a:lnRef>
+          <a:fillRef idx="1">
+            <a:schemeClr val="accent1"/>
+          </a:fillRef>
+          <a:effectRef idx="0">
+            <a:schemeClr val="accent1"/>
+          </a:effectRef>
+          <a:fontRef idx="minor">
+            <a:schemeClr val="lt1"/>
+          </a:fontRef>
+        </p:style>
+        <p:txBody>
+          <a:bodyPr rtlCol="0" anchor="ctr"/>
+          <a:lstStyle/>
+          <a:p>
+            <a:pPr algn="ctr"/>
+            <a:endParaRPr lang="it-IT"/>
+          </a:p>
+        </p:txBody>
+      </p:sp>
+      <p:pic>
+        <p:nvPicPr>
+          <p:cNvPr id="39" name="Immagine 38"/>
+          <p:cNvPicPr>
+            <a:picLocks noChangeAspect="1"/>
+          </p:cNvPicPr>
+          <p:nvPr/>
+        </p:nvPicPr>
+        <p:blipFill>
+          <a:blip r:embed="rId6" cstate="print">
+            <a:extLst>
+              <a:ext uri="{28A0092B-C50C-407E-A947-70E740481C1C}">
+                <a14:useLocalDpi xmlns:a14="http://schemas.microsoft.com/office/drawing/2010/main" val="0"/>
+              </a:ext>
+            </a:extLst>
+          </a:blip>
+          <a:stretch>
+            <a:fillRect/>
+          </a:stretch>
+        </p:blipFill>
+        <p:spPr>
+          <a:xfrm>
+            <a:off x="8987535" y="3072619"/>
+            <a:ext cx="304142" cy="304142"/>
+          </a:xfrm>
+          <a:prstGeom prst="rect">
+            <a:avLst/>
+          </a:prstGeom>
+        </p:spPr>
+      </p:pic>
+    </p:spTree>
+    <p:extLst>
+      <p:ext uri="{BB962C8B-B14F-4D97-AF65-F5344CB8AC3E}">
+        <p14:creationId xmlns:p14="http://schemas.microsoft.com/office/powerpoint/2010/main" val="3324204023"/>
+      </p:ext>
+    </p:extLst>
+  </p:cSld>
+  <p:clrMapOvr>
+    <a:masterClrMapping/>
+  </p:clrMapOvr>
+</p:sld>
+</file>
+
+<file path=ppt/slides/slide5.xml><?xml version="1.0" encoding="utf-8"?>
+<p:sld xmlns:a="http://schemas.openxmlformats.org/drawingml/2006/main" xmlns:r="http://schemas.openxmlformats.org/officeDocument/2006/relationships" xmlns:p="http://schemas.openxmlformats.org/presentationml/2006/main">
+  <p:cSld>
+    <p:spTree>
+      <p:nvGrpSpPr>
+        <p:cNvPr id="1" name=""/>
+        <p:cNvGrpSpPr/>
+        <p:nvPr/>
+      </p:nvGrpSpPr>
+      <p:grpSpPr>
+        <a:xfrm>
+          <a:off x="0" y="0"/>
+          <a:ext cx="0" cy="0"/>
+          <a:chOff x="0" y="0"/>
+          <a:chExt cx="0" cy="0"/>
+        </a:xfrm>
+      </p:grpSpPr>
+      <p:sp>
+        <p:nvSpPr>
           <p:cNvPr id="4" name="CasellaDiTesto 3"/>
           <p:cNvSpPr txBox="1"/>
           <p:nvPr/>
@@ -6031,7 +6957,6 @@
               <a:rPr lang="it-IT" sz="2400" b="1" u="sng" dirty="0" smtClean="0"/>
               <a:t>Visitor pattern</a:t>
             </a:r>
-            <a:endParaRPr lang="it-IT" sz="2400" b="1" u="sng" dirty="0" smtClean="0"/>
           </a:p>
         </p:txBody>
       </p:sp>
@@ -6082,7 +7007,7 @@
 </p:sld>
 </file>
 
-<file path=ppt/slides/slide5.xml><?xml version="1.0" encoding="utf-8"?>
+<file path=ppt/slides/slide6.xml><?xml version="1.0" encoding="utf-8"?>
 <p:sld xmlns:a="http://schemas.openxmlformats.org/drawingml/2006/main" xmlns:r="http://schemas.openxmlformats.org/officeDocument/2006/relationships" xmlns:p="http://schemas.openxmlformats.org/presentationml/2006/main">
   <p:cSld>
     <p:spTree>

--- a/Design Documents/Architecture.pptx
+++ b/Design Documents/Architecture.pptx
@@ -10,7 +10,6 @@
     <p:sldId id="261" r:id="rId4"/>
     <p:sldId id="259" r:id="rId5"/>
     <p:sldId id="260" r:id="rId6"/>
-    <p:sldId id="256" r:id="rId7"/>
   </p:sldIdLst>
   <p:sldSz cx="12192000" cy="6858000"/>
   <p:notesSz cx="6858000" cy="9144000"/>
@@ -2974,409 +2973,16 @@
           <a:chExt cx="0" cy="0"/>
         </a:xfrm>
       </p:grpSpPr>
-      <p:sp>
-        <p:nvSpPr>
-          <p:cNvPr id="17" name="Rettangolo arrotondato 16"/>
-          <p:cNvSpPr/>
-          <p:nvPr/>
-        </p:nvSpPr>
-        <p:spPr>
-          <a:xfrm>
-            <a:off x="7848470" y="1198623"/>
-            <a:ext cx="1906573" cy="2047741"/>
-          </a:xfrm>
-          <a:prstGeom prst="roundRect">
-            <a:avLst/>
-          </a:prstGeom>
-          <a:solidFill>
-            <a:schemeClr val="accent4">
-              <a:lumMod val="60000"/>
-              <a:lumOff val="40000"/>
-            </a:schemeClr>
-          </a:solidFill>
-        </p:spPr>
-        <p:style>
-          <a:lnRef idx="2">
-            <a:schemeClr val="accent1">
-              <a:shade val="50000"/>
-            </a:schemeClr>
-          </a:lnRef>
-          <a:fillRef idx="1">
-            <a:schemeClr val="accent1"/>
-          </a:fillRef>
-          <a:effectRef idx="0">
-            <a:schemeClr val="accent1"/>
-          </a:effectRef>
-          <a:fontRef idx="minor">
-            <a:schemeClr val="lt1"/>
-          </a:fontRef>
-        </p:style>
-        <p:txBody>
-          <a:bodyPr rtlCol="0" anchor="ctr"/>
-          <a:lstStyle/>
-          <a:p>
-            <a:pPr algn="ctr"/>
-            <a:endParaRPr lang="it-IT"/>
-          </a:p>
-        </p:txBody>
-      </p:sp>
-      <p:pic>
-        <p:nvPicPr>
-          <p:cNvPr id="4" name="Immagine 3"/>
-          <p:cNvPicPr>
-            <a:picLocks noChangeAspect="1"/>
-          </p:cNvPicPr>
-          <p:nvPr/>
-        </p:nvPicPr>
-        <p:blipFill>
-          <a:blip r:embed="rId2" cstate="print">
-            <a:extLst>
-              <a:ext uri="{28A0092B-C50C-407E-A947-70E740481C1C}">
-                <a14:useLocalDpi xmlns:a14="http://schemas.microsoft.com/office/drawing/2010/main" val="0"/>
-              </a:ext>
-            </a:extLst>
-          </a:blip>
-          <a:stretch>
-            <a:fillRect/>
-          </a:stretch>
-        </p:blipFill>
-        <p:spPr>
-          <a:xfrm>
-            <a:off x="5029731" y="1778548"/>
-            <a:ext cx="714339" cy="903285"/>
-          </a:xfrm>
-          <a:prstGeom prst="rect">
-            <a:avLst/>
-          </a:prstGeom>
-        </p:spPr>
-      </p:pic>
-      <p:pic>
-        <p:nvPicPr>
-          <p:cNvPr id="5" name="Immagine 4"/>
-          <p:cNvPicPr>
-            <a:picLocks noChangeAspect="1"/>
-          </p:cNvPicPr>
-          <p:nvPr/>
-        </p:nvPicPr>
-        <p:blipFill>
-          <a:blip r:embed="rId3" cstate="print">
-            <a:extLst>
-              <a:ext uri="{28A0092B-C50C-407E-A947-70E740481C1C}">
-                <a14:useLocalDpi xmlns:a14="http://schemas.microsoft.com/office/drawing/2010/main" val="0"/>
-              </a:ext>
-            </a:extLst>
-          </a:blip>
-          <a:stretch>
-            <a:fillRect/>
-          </a:stretch>
-        </p:blipFill>
-        <p:spPr>
-          <a:xfrm>
-            <a:off x="1067783" y="1824806"/>
-            <a:ext cx="844639" cy="844639"/>
-          </a:xfrm>
-          <a:prstGeom prst="rect">
-            <a:avLst/>
-          </a:prstGeom>
-        </p:spPr>
-      </p:pic>
-      <p:sp>
-        <p:nvSpPr>
-          <p:cNvPr id="8" name="CasellaDiTesto 7"/>
-          <p:cNvSpPr txBox="1"/>
-          <p:nvPr/>
-        </p:nvSpPr>
-        <p:spPr>
-          <a:xfrm>
-            <a:off x="2970539" y="2694172"/>
-            <a:ext cx="1529675" cy="307777"/>
-          </a:xfrm>
-          <a:prstGeom prst="rect">
-            <a:avLst/>
-          </a:prstGeom>
-          <a:noFill/>
-        </p:spPr>
-        <p:txBody>
-          <a:bodyPr wrap="square" rtlCol="0">
-            <a:spAutoFit/>
-          </a:bodyPr>
-          <a:lstStyle/>
-          <a:p>
-            <a:r>
-              <a:rPr lang="it-IT" sz="1400" dirty="0" smtClean="0"/>
-              <a:t>Application </a:t>
-            </a:r>
-            <a:r>
-              <a:rPr lang="it-IT" sz="1400" dirty="0" err="1" smtClean="0"/>
-              <a:t>logic</a:t>
-            </a:r>
-            <a:endParaRPr lang="it-IT" sz="1400" dirty="0" smtClean="0"/>
-          </a:p>
-        </p:txBody>
-      </p:sp>
-      <p:sp>
-        <p:nvSpPr>
-          <p:cNvPr id="9" name="CasellaDiTesto 8"/>
-          <p:cNvSpPr txBox="1"/>
-          <p:nvPr/>
-        </p:nvSpPr>
-        <p:spPr>
-          <a:xfrm>
-            <a:off x="5003978" y="2681833"/>
-            <a:ext cx="943780" cy="307778"/>
-          </a:xfrm>
-          <a:prstGeom prst="rect">
-            <a:avLst/>
-          </a:prstGeom>
-          <a:noFill/>
-        </p:spPr>
-        <p:txBody>
-          <a:bodyPr wrap="square" rtlCol="0">
-            <a:spAutoFit/>
-          </a:bodyPr>
-          <a:lstStyle/>
-          <a:p>
-            <a:r>
-              <a:rPr lang="it-IT" sz="1400" dirty="0" smtClean="0"/>
-              <a:t>Firewall</a:t>
-            </a:r>
-          </a:p>
-        </p:txBody>
-      </p:sp>
-      <p:sp>
-        <p:nvSpPr>
-          <p:cNvPr id="10" name="Nuvola 9"/>
-          <p:cNvSpPr/>
-          <p:nvPr/>
-        </p:nvSpPr>
-        <p:spPr>
-          <a:xfrm>
-            <a:off x="6174024" y="1877226"/>
-            <a:ext cx="1254434" cy="704336"/>
-          </a:xfrm>
-          <a:prstGeom prst="cloud">
-            <a:avLst/>
-          </a:prstGeom>
-        </p:spPr>
-        <p:style>
-          <a:lnRef idx="2">
-            <a:schemeClr val="accent1">
-              <a:shade val="50000"/>
-            </a:schemeClr>
-          </a:lnRef>
-          <a:fillRef idx="1">
-            <a:schemeClr val="accent1"/>
-          </a:fillRef>
-          <a:effectRef idx="0">
-            <a:schemeClr val="accent1"/>
-          </a:effectRef>
-          <a:fontRef idx="minor">
-            <a:schemeClr val="lt1"/>
-          </a:fontRef>
-        </p:style>
-        <p:txBody>
-          <a:bodyPr rtlCol="0" anchor="ctr"/>
-          <a:lstStyle/>
-          <a:p>
-            <a:pPr algn="ctr"/>
-            <a:r>
-              <a:rPr lang="it-IT" sz="1400" dirty="0" smtClean="0"/>
-              <a:t>Network</a:t>
-            </a:r>
-            <a:endParaRPr lang="it-IT" sz="1400" dirty="0"/>
-          </a:p>
-        </p:txBody>
-      </p:sp>
-      <p:pic>
-        <p:nvPicPr>
-          <p:cNvPr id="11" name="Immagine 10"/>
-          <p:cNvPicPr>
-            <a:picLocks noChangeAspect="1"/>
-          </p:cNvPicPr>
-          <p:nvPr/>
-        </p:nvPicPr>
-        <p:blipFill>
-          <a:blip r:embed="rId4">
-            <a:extLst>
-              <a:ext uri="{28A0092B-C50C-407E-A947-70E740481C1C}">
-                <a14:useLocalDpi xmlns:a14="http://schemas.microsoft.com/office/drawing/2010/main" val="0"/>
-              </a:ext>
-            </a:extLst>
-          </a:blip>
-          <a:stretch>
-            <a:fillRect/>
-          </a:stretch>
-        </p:blipFill>
-        <p:spPr>
-          <a:xfrm>
-            <a:off x="10488633" y="1036044"/>
-            <a:ext cx="961059" cy="961059"/>
-          </a:xfrm>
-          <a:prstGeom prst="rect">
-            <a:avLst/>
-          </a:prstGeom>
-        </p:spPr>
-      </p:pic>
-      <p:pic>
-        <p:nvPicPr>
-          <p:cNvPr id="12" name="Immagine 11"/>
-          <p:cNvPicPr>
-            <a:picLocks noChangeAspect="1"/>
-          </p:cNvPicPr>
-          <p:nvPr/>
-        </p:nvPicPr>
-        <p:blipFill>
-          <a:blip r:embed="rId5">
-            <a:extLst>
-              <a:ext uri="{28A0092B-C50C-407E-A947-70E740481C1C}">
-                <a14:useLocalDpi xmlns:a14="http://schemas.microsoft.com/office/drawing/2010/main" val="0"/>
-              </a:ext>
-            </a:extLst>
-          </a:blip>
-          <a:stretch>
-            <a:fillRect/>
-          </a:stretch>
-        </p:blipFill>
-        <p:spPr>
-          <a:xfrm>
-            <a:off x="8240163" y="1516574"/>
-            <a:ext cx="1189233" cy="1189233"/>
-          </a:xfrm>
-          <a:prstGeom prst="rect">
-            <a:avLst/>
-          </a:prstGeom>
-        </p:spPr>
-      </p:pic>
-      <p:pic>
-        <p:nvPicPr>
-          <p:cNvPr id="13" name="Immagine 12"/>
-          <p:cNvPicPr>
-            <a:picLocks noChangeAspect="1"/>
-          </p:cNvPicPr>
-          <p:nvPr/>
-        </p:nvPicPr>
-        <p:blipFill>
-          <a:blip r:embed="rId4" cstate="print">
-            <a:extLst>
-              <a:ext uri="{28A0092B-C50C-407E-A947-70E740481C1C}">
-                <a14:useLocalDpi xmlns:a14="http://schemas.microsoft.com/office/drawing/2010/main" val="0"/>
-              </a:ext>
-            </a:extLst>
-          </a:blip>
-          <a:stretch>
-            <a:fillRect/>
-          </a:stretch>
-        </p:blipFill>
-        <p:spPr>
-          <a:xfrm>
-            <a:off x="8746617" y="2281163"/>
-            <a:ext cx="409664" cy="409664"/>
-          </a:xfrm>
-          <a:prstGeom prst="rect">
-            <a:avLst/>
-          </a:prstGeom>
-        </p:spPr>
-      </p:pic>
-      <p:sp>
-        <p:nvSpPr>
-          <p:cNvPr id="14" name="CasellaDiTesto 13"/>
-          <p:cNvSpPr txBox="1"/>
-          <p:nvPr/>
-        </p:nvSpPr>
-        <p:spPr>
-          <a:xfrm>
-            <a:off x="8165645" y="2737844"/>
-            <a:ext cx="1720531" cy="307777"/>
-          </a:xfrm>
-          <a:prstGeom prst="rect">
-            <a:avLst/>
-          </a:prstGeom>
-          <a:noFill/>
-        </p:spPr>
-        <p:txBody>
-          <a:bodyPr wrap="square" rtlCol="0">
-            <a:spAutoFit/>
-          </a:bodyPr>
-          <a:lstStyle/>
-          <a:p>
-            <a:r>
-              <a:rPr lang="it-IT" sz="1400" dirty="0" smtClean="0"/>
-              <a:t>Database Server</a:t>
-            </a:r>
-          </a:p>
-        </p:txBody>
-      </p:sp>
-      <p:pic>
-        <p:nvPicPr>
-          <p:cNvPr id="15" name="Immagine 14"/>
-          <p:cNvPicPr>
-            <a:picLocks noChangeAspect="1"/>
-          </p:cNvPicPr>
-          <p:nvPr/>
-        </p:nvPicPr>
-        <p:blipFill>
-          <a:blip r:embed="rId4">
-            <a:extLst>
-              <a:ext uri="{28A0092B-C50C-407E-A947-70E740481C1C}">
-                <a14:useLocalDpi xmlns:a14="http://schemas.microsoft.com/office/drawing/2010/main" val="0"/>
-              </a:ext>
-            </a:extLst>
-          </a:blip>
-          <a:stretch>
-            <a:fillRect/>
-          </a:stretch>
-        </p:blipFill>
-        <p:spPr>
-          <a:xfrm>
-            <a:off x="10488634" y="2318172"/>
-            <a:ext cx="961059" cy="961059"/>
-          </a:xfrm>
-          <a:prstGeom prst="rect">
-            <a:avLst/>
-          </a:prstGeom>
-        </p:spPr>
-      </p:pic>
-      <p:sp>
-        <p:nvSpPr>
-          <p:cNvPr id="18" name="CasellaDiTesto 17"/>
-          <p:cNvSpPr txBox="1"/>
-          <p:nvPr/>
-        </p:nvSpPr>
-        <p:spPr>
-          <a:xfrm>
-            <a:off x="780624" y="2669445"/>
-            <a:ext cx="1720531" cy="307777"/>
-          </a:xfrm>
-          <a:prstGeom prst="rect">
-            <a:avLst/>
-          </a:prstGeom>
-          <a:noFill/>
-        </p:spPr>
-        <p:txBody>
-          <a:bodyPr wrap="square" rtlCol="0">
-            <a:spAutoFit/>
-          </a:bodyPr>
-          <a:lstStyle/>
-          <a:p>
-            <a:r>
-              <a:rPr lang="it-IT" sz="1400" dirty="0" smtClean="0"/>
-              <a:t>Mobile Interface</a:t>
-            </a:r>
-          </a:p>
-        </p:txBody>
-      </p:sp>
       <p:cxnSp>
         <p:nvCxnSpPr>
-          <p:cNvPr id="20" name="Connettore 1 19"/>
-          <p:cNvCxnSpPr>
-            <a:stCxn id="5" idx="3"/>
-          </p:cNvCxnSpPr>
+          <p:cNvPr id="28" name="Connettore 1 27"/>
+          <p:cNvCxnSpPr/>
           <p:nvPr/>
         </p:nvCxnSpPr>
         <p:spPr>
           <a:xfrm flipV="1">
-            <a:off x="1912422" y="2243676"/>
-            <a:ext cx="1249498" cy="3450"/>
+            <a:off x="4162101" y="2221077"/>
+            <a:ext cx="391693" cy="8195"/>
           </a:xfrm>
           <a:prstGeom prst="line">
             <a:avLst/>
@@ -3414,7 +3020,7 @@
         </p:nvCxnSpPr>
         <p:spPr>
           <a:xfrm flipV="1">
-            <a:off x="4168719" y="2222495"/>
+            <a:off x="973972" y="2224208"/>
             <a:ext cx="1183590" cy="6899"/>
           </a:xfrm>
           <a:prstGeom prst="line">
@@ -3445,19 +3051,378 @@
           </a:fontRef>
         </p:style>
       </p:cxnSp>
+      <p:sp>
+        <p:nvSpPr>
+          <p:cNvPr id="33" name="Rettangolo arrotondato 32"/>
+          <p:cNvSpPr/>
+          <p:nvPr/>
+        </p:nvSpPr>
+        <p:spPr>
+          <a:xfrm>
+            <a:off x="4454522" y="1502944"/>
+            <a:ext cx="1516978" cy="1630456"/>
+          </a:xfrm>
+          <a:prstGeom prst="roundRect">
+            <a:avLst/>
+          </a:prstGeom>
+          <a:solidFill>
+            <a:schemeClr val="bg1">
+              <a:lumMod val="95000"/>
+            </a:schemeClr>
+          </a:solidFill>
+        </p:spPr>
+        <p:style>
+          <a:lnRef idx="2">
+            <a:schemeClr val="accent1">
+              <a:shade val="50000"/>
+            </a:schemeClr>
+          </a:lnRef>
+          <a:fillRef idx="1">
+            <a:schemeClr val="accent1"/>
+          </a:fillRef>
+          <a:effectRef idx="0">
+            <a:schemeClr val="accent1"/>
+          </a:effectRef>
+          <a:fontRef idx="minor">
+            <a:schemeClr val="lt1"/>
+          </a:fontRef>
+        </p:style>
+        <p:txBody>
+          <a:bodyPr rtlCol="0" anchor="ctr"/>
+          <a:lstStyle/>
+          <a:p>
+            <a:pPr algn="ctr"/>
+            <a:endParaRPr lang="it-IT"/>
+          </a:p>
+        </p:txBody>
+      </p:sp>
+      <p:sp>
+        <p:nvSpPr>
+          <p:cNvPr id="17" name="Rettangolo arrotondato 16"/>
+          <p:cNvSpPr/>
+          <p:nvPr/>
+        </p:nvSpPr>
+        <p:spPr>
+          <a:xfrm>
+            <a:off x="7848470" y="1198623"/>
+            <a:ext cx="1906573" cy="2047741"/>
+          </a:xfrm>
+          <a:prstGeom prst="roundRect">
+            <a:avLst/>
+          </a:prstGeom>
+          <a:solidFill>
+            <a:schemeClr val="accent4">
+              <a:lumMod val="60000"/>
+              <a:lumOff val="40000"/>
+            </a:schemeClr>
+          </a:solidFill>
+        </p:spPr>
+        <p:style>
+          <a:lnRef idx="2">
+            <a:schemeClr val="accent1">
+              <a:shade val="50000"/>
+            </a:schemeClr>
+          </a:lnRef>
+          <a:fillRef idx="1">
+            <a:schemeClr val="accent1"/>
+          </a:fillRef>
+          <a:effectRef idx="0">
+            <a:schemeClr val="accent1"/>
+          </a:effectRef>
+          <a:fontRef idx="minor">
+            <a:schemeClr val="lt1"/>
+          </a:fontRef>
+        </p:style>
+        <p:txBody>
+          <a:bodyPr rtlCol="0" anchor="ctr"/>
+          <a:lstStyle/>
+          <a:p>
+            <a:pPr algn="ctr"/>
+            <a:endParaRPr lang="it-IT"/>
+          </a:p>
+        </p:txBody>
+      </p:sp>
+      <p:pic>
+        <p:nvPicPr>
+          <p:cNvPr id="4" name="Immagine 3"/>
+          <p:cNvPicPr>
+            <a:picLocks noChangeAspect="1"/>
+          </p:cNvPicPr>
+          <p:nvPr/>
+        </p:nvPicPr>
+        <p:blipFill>
+          <a:blip r:embed="rId2" cstate="print">
+            <a:extLst>
+              <a:ext uri="{28A0092B-C50C-407E-A947-70E740481C1C}">
+                <a14:useLocalDpi xmlns:a14="http://schemas.microsoft.com/office/drawing/2010/main" val="0"/>
+              </a:ext>
+            </a:extLst>
+          </a:blip>
+          <a:stretch>
+            <a:fillRect/>
+          </a:stretch>
+        </p:blipFill>
+        <p:spPr>
+          <a:xfrm>
+            <a:off x="3423008" y="1777629"/>
+            <a:ext cx="714339" cy="903285"/>
+          </a:xfrm>
+          <a:prstGeom prst="rect">
+            <a:avLst/>
+          </a:prstGeom>
+        </p:spPr>
+      </p:pic>
+      <p:pic>
+        <p:nvPicPr>
+          <p:cNvPr id="5" name="Immagine 4"/>
+          <p:cNvPicPr>
+            <a:picLocks noChangeAspect="1"/>
+          </p:cNvPicPr>
+          <p:nvPr/>
+        </p:nvPicPr>
+        <p:blipFill>
+          <a:blip r:embed="rId3" cstate="print">
+            <a:extLst>
+              <a:ext uri="{28A0092B-C50C-407E-A947-70E740481C1C}">
+                <a14:useLocalDpi xmlns:a14="http://schemas.microsoft.com/office/drawing/2010/main" val="0"/>
+              </a:ext>
+            </a:extLst>
+          </a:blip>
+          <a:stretch>
+            <a:fillRect/>
+          </a:stretch>
+        </p:blipFill>
+        <p:spPr>
+          <a:xfrm>
+            <a:off x="437177" y="1802207"/>
+            <a:ext cx="844639" cy="844639"/>
+          </a:xfrm>
+          <a:prstGeom prst="rect">
+            <a:avLst/>
+          </a:prstGeom>
+        </p:spPr>
+      </p:pic>
+      <p:sp>
+        <p:nvSpPr>
+          <p:cNvPr id="8" name="CasellaDiTesto 7"/>
+          <p:cNvSpPr txBox="1"/>
+          <p:nvPr/>
+        </p:nvSpPr>
+        <p:spPr>
+          <a:xfrm>
+            <a:off x="4483923" y="2786783"/>
+            <a:ext cx="1529675" cy="307777"/>
+          </a:xfrm>
+          <a:prstGeom prst="rect">
+            <a:avLst/>
+          </a:prstGeom>
+          <a:noFill/>
+        </p:spPr>
+        <p:txBody>
+          <a:bodyPr wrap="square" rtlCol="0">
+            <a:spAutoFit/>
+          </a:bodyPr>
+          <a:lstStyle/>
+          <a:p>
+            <a:r>
+              <a:rPr lang="it-IT" sz="1400" dirty="0" smtClean="0"/>
+              <a:t>Application </a:t>
+            </a:r>
+            <a:r>
+              <a:rPr lang="it-IT" sz="1400" dirty="0" err="1" smtClean="0"/>
+              <a:t>Logic</a:t>
+            </a:r>
+            <a:endParaRPr lang="it-IT" sz="1400" dirty="0" smtClean="0"/>
+          </a:p>
+        </p:txBody>
+      </p:sp>
+      <p:sp>
+        <p:nvSpPr>
+          <p:cNvPr id="9" name="CasellaDiTesto 8"/>
+          <p:cNvSpPr txBox="1"/>
+          <p:nvPr/>
+        </p:nvSpPr>
+        <p:spPr>
+          <a:xfrm>
+            <a:off x="3344439" y="1510059"/>
+            <a:ext cx="943780" cy="307778"/>
+          </a:xfrm>
+          <a:prstGeom prst="rect">
+            <a:avLst/>
+          </a:prstGeom>
+          <a:noFill/>
+        </p:spPr>
+        <p:txBody>
+          <a:bodyPr wrap="square" rtlCol="0">
+            <a:spAutoFit/>
+          </a:bodyPr>
+          <a:lstStyle/>
+          <a:p>
+            <a:r>
+              <a:rPr lang="it-IT" sz="1400" dirty="0" smtClean="0"/>
+              <a:t>Firewall</a:t>
+            </a:r>
+          </a:p>
+        </p:txBody>
+      </p:sp>
+      <p:pic>
+        <p:nvPicPr>
+          <p:cNvPr id="11" name="Immagine 10"/>
+          <p:cNvPicPr>
+            <a:picLocks noChangeAspect="1"/>
+          </p:cNvPicPr>
+          <p:nvPr/>
+        </p:nvPicPr>
+        <p:blipFill>
+          <a:blip r:embed="rId4">
+            <a:extLst>
+              <a:ext uri="{28A0092B-C50C-407E-A947-70E740481C1C}">
+                <a14:useLocalDpi xmlns:a14="http://schemas.microsoft.com/office/drawing/2010/main" val="0"/>
+              </a:ext>
+            </a:extLst>
+          </a:blip>
+          <a:stretch>
+            <a:fillRect/>
+          </a:stretch>
+        </p:blipFill>
+        <p:spPr>
+          <a:xfrm>
+            <a:off x="10490694" y="1747127"/>
+            <a:ext cx="961059" cy="961059"/>
+          </a:xfrm>
+          <a:prstGeom prst="rect">
+            <a:avLst/>
+          </a:prstGeom>
+        </p:spPr>
+      </p:pic>
+      <p:pic>
+        <p:nvPicPr>
+          <p:cNvPr id="12" name="Immagine 11"/>
+          <p:cNvPicPr>
+            <a:picLocks noChangeAspect="1"/>
+          </p:cNvPicPr>
+          <p:nvPr/>
+        </p:nvPicPr>
+        <p:blipFill>
+          <a:blip r:embed="rId5">
+            <a:extLst>
+              <a:ext uri="{28A0092B-C50C-407E-A947-70E740481C1C}">
+                <a14:useLocalDpi xmlns:a14="http://schemas.microsoft.com/office/drawing/2010/main" val="0"/>
+              </a:ext>
+            </a:extLst>
+          </a:blip>
+          <a:stretch>
+            <a:fillRect/>
+          </a:stretch>
+        </p:blipFill>
+        <p:spPr>
+          <a:xfrm>
+            <a:off x="8240163" y="1516574"/>
+            <a:ext cx="1189233" cy="1189233"/>
+          </a:xfrm>
+          <a:prstGeom prst="rect">
+            <a:avLst/>
+          </a:prstGeom>
+        </p:spPr>
+      </p:pic>
+      <p:pic>
+        <p:nvPicPr>
+          <p:cNvPr id="13" name="Immagine 12"/>
+          <p:cNvPicPr>
+            <a:picLocks noChangeAspect="1"/>
+          </p:cNvPicPr>
+          <p:nvPr/>
+        </p:nvPicPr>
+        <p:blipFill>
+          <a:blip r:embed="rId4" cstate="print">
+            <a:extLst>
+              <a:ext uri="{28A0092B-C50C-407E-A947-70E740481C1C}">
+                <a14:useLocalDpi xmlns:a14="http://schemas.microsoft.com/office/drawing/2010/main" val="0"/>
+              </a:ext>
+            </a:extLst>
+          </a:blip>
+          <a:stretch>
+            <a:fillRect/>
+          </a:stretch>
+        </p:blipFill>
+        <p:spPr>
+          <a:xfrm>
+            <a:off x="8746617" y="2281163"/>
+            <a:ext cx="409664" cy="409664"/>
+          </a:xfrm>
+          <a:prstGeom prst="rect">
+            <a:avLst/>
+          </a:prstGeom>
+        </p:spPr>
+      </p:pic>
+      <p:sp>
+        <p:nvSpPr>
+          <p:cNvPr id="14" name="CasellaDiTesto 13"/>
+          <p:cNvSpPr txBox="1"/>
+          <p:nvPr/>
+        </p:nvSpPr>
+        <p:spPr>
+          <a:xfrm>
+            <a:off x="8165645" y="2737844"/>
+            <a:ext cx="1720531" cy="307777"/>
+          </a:xfrm>
+          <a:prstGeom prst="rect">
+            <a:avLst/>
+          </a:prstGeom>
+          <a:noFill/>
+        </p:spPr>
+        <p:txBody>
+          <a:bodyPr wrap="square" rtlCol="0">
+            <a:spAutoFit/>
+          </a:bodyPr>
+          <a:lstStyle/>
+          <a:p>
+            <a:r>
+              <a:rPr lang="it-IT" sz="1400" dirty="0" smtClean="0"/>
+              <a:t>Database Server</a:t>
+            </a:r>
+          </a:p>
+        </p:txBody>
+      </p:sp>
+      <p:sp>
+        <p:nvSpPr>
+          <p:cNvPr id="18" name="CasellaDiTesto 17"/>
+          <p:cNvSpPr txBox="1"/>
+          <p:nvPr/>
+        </p:nvSpPr>
+        <p:spPr>
+          <a:xfrm>
+            <a:off x="150018" y="2646846"/>
+            <a:ext cx="1720531" cy="307777"/>
+          </a:xfrm>
+          <a:prstGeom prst="rect">
+            <a:avLst/>
+          </a:prstGeom>
+          <a:noFill/>
+        </p:spPr>
+        <p:txBody>
+          <a:bodyPr wrap="square" rtlCol="0">
+            <a:spAutoFit/>
+          </a:bodyPr>
+          <a:lstStyle/>
+          <a:p>
+            <a:r>
+              <a:rPr lang="it-IT" sz="1400" dirty="0" smtClean="0"/>
+              <a:t>Mobile Interface</a:t>
+            </a:r>
+          </a:p>
+        </p:txBody>
+      </p:sp>
       <p:cxnSp>
         <p:nvCxnSpPr>
-          <p:cNvPr id="28" name="Connettore 1 27"/>
-          <p:cNvCxnSpPr>
-            <a:stCxn id="4" idx="3"/>
-            <a:endCxn id="10" idx="2"/>
-          </p:cNvCxnSpPr>
+          <p:cNvPr id="20" name="Connettore 1 19"/>
+          <p:cNvCxnSpPr/>
           <p:nvPr/>
         </p:nvCxnSpPr>
         <p:spPr>
           <a:xfrm flipV="1">
-            <a:off x="5744070" y="2229394"/>
-            <a:ext cx="433845" cy="797"/>
+            <a:off x="2918957" y="2196421"/>
+            <a:ext cx="545497" cy="1726"/>
           </a:xfrm>
           <a:prstGeom prst="line">
             <a:avLst/>
@@ -3490,16 +3455,13 @@
       <p:cxnSp>
         <p:nvCxnSpPr>
           <p:cNvPr id="32" name="Connettore 1 31"/>
-          <p:cNvCxnSpPr>
-            <a:stCxn id="10" idx="0"/>
-            <a:endCxn id="17" idx="1"/>
-          </p:cNvCxnSpPr>
+          <p:cNvCxnSpPr/>
           <p:nvPr/>
         </p:nvCxnSpPr>
         <p:spPr>
           <a:xfrm flipV="1">
-            <a:off x="7427413" y="2222494"/>
-            <a:ext cx="421057" cy="6900"/>
+            <a:off x="7115348" y="2221077"/>
+            <a:ext cx="732634" cy="6900"/>
           </a:xfrm>
           <a:prstGeom prst="line">
             <a:avLst/>
@@ -3539,9 +3501,9 @@
           <p:nvPr/>
         </p:nvCxnSpPr>
         <p:spPr>
-          <a:xfrm flipV="1">
-            <a:off x="9755043" y="1516574"/>
-            <a:ext cx="733590" cy="705920"/>
+          <a:xfrm>
+            <a:off x="9755043" y="2222494"/>
+            <a:ext cx="735651" cy="5163"/>
           </a:xfrm>
           <a:prstGeom prst="line">
             <a:avLst/>
@@ -3571,19 +3533,406 @@
           </a:fontRef>
         </p:style>
       </p:cxnSp>
+      <p:sp>
+        <p:nvSpPr>
+          <p:cNvPr id="49" name="CasellaDiTesto 48"/>
+          <p:cNvSpPr txBox="1"/>
+          <p:nvPr/>
+        </p:nvSpPr>
+        <p:spPr>
+          <a:xfrm>
+            <a:off x="10356179" y="2707445"/>
+            <a:ext cx="1436998" cy="307777"/>
+          </a:xfrm>
+          <a:prstGeom prst="rect">
+            <a:avLst/>
+          </a:prstGeom>
+          <a:noFill/>
+        </p:spPr>
+        <p:txBody>
+          <a:bodyPr wrap="square" rtlCol="0">
+            <a:spAutoFit/>
+          </a:bodyPr>
+          <a:lstStyle/>
+          <a:p>
+            <a:r>
+              <a:rPr lang="it-IT" sz="1400" dirty="0" err="1" smtClean="0"/>
+              <a:t>Travlendar</a:t>
+            </a:r>
+            <a:r>
+              <a:rPr lang="it-IT" sz="1400" dirty="0" smtClean="0"/>
+              <a:t>+ DB</a:t>
+            </a:r>
+          </a:p>
+        </p:txBody>
+      </p:sp>
+      <p:sp>
+        <p:nvSpPr>
+          <p:cNvPr id="51" name="CasellaDiTesto 50"/>
+          <p:cNvSpPr txBox="1"/>
+          <p:nvPr/>
+        </p:nvSpPr>
+        <p:spPr>
+          <a:xfrm>
+            <a:off x="2878908" y="231691"/>
+            <a:ext cx="6120586" cy="461665"/>
+          </a:xfrm>
+          <a:prstGeom prst="rect">
+            <a:avLst/>
+          </a:prstGeom>
+          <a:noFill/>
+        </p:spPr>
+        <p:txBody>
+          <a:bodyPr wrap="none" rtlCol="0">
+            <a:spAutoFit/>
+          </a:bodyPr>
+          <a:lstStyle/>
+          <a:p>
+            <a:r>
+              <a:rPr lang="it-IT" sz="2400" dirty="0"/>
+              <a:t>2.1 High </a:t>
+            </a:r>
+            <a:r>
+              <a:rPr lang="it-IT" sz="2400" dirty="0" err="1"/>
+              <a:t>level</a:t>
+            </a:r>
+            <a:r>
+              <a:rPr lang="it-IT" sz="2400" dirty="0"/>
+              <a:t> component and </a:t>
+            </a:r>
+            <a:r>
+              <a:rPr lang="it-IT" sz="2400" dirty="0" err="1"/>
+              <a:t>their</a:t>
+            </a:r>
+            <a:r>
+              <a:rPr lang="it-IT" sz="2400" dirty="0"/>
+              <a:t> </a:t>
+            </a:r>
+            <a:r>
+              <a:rPr lang="it-IT" sz="2400" dirty="0" err="1"/>
+              <a:t>interactions</a:t>
+            </a:r>
+            <a:endParaRPr lang="it-IT" sz="2400" dirty="0"/>
+          </a:p>
+        </p:txBody>
+      </p:sp>
+      <p:sp>
+        <p:nvSpPr>
+          <p:cNvPr id="52" name="CasellaDiTesto 51"/>
+          <p:cNvSpPr txBox="1"/>
+          <p:nvPr/>
+        </p:nvSpPr>
+        <p:spPr>
+          <a:xfrm>
+            <a:off x="521027" y="1375990"/>
+            <a:ext cx="735586" cy="369332"/>
+          </a:xfrm>
+          <a:prstGeom prst="rect">
+            <a:avLst/>
+          </a:prstGeom>
+          <a:noFill/>
+        </p:spPr>
+        <p:txBody>
+          <a:bodyPr wrap="none" rtlCol="0">
+            <a:spAutoFit/>
+          </a:bodyPr>
+          <a:lstStyle/>
+          <a:p>
+            <a:r>
+              <a:rPr lang="it-IT" b="1" dirty="0" smtClean="0"/>
+              <a:t>Client</a:t>
+            </a:r>
+          </a:p>
+        </p:txBody>
+      </p:sp>
+      <p:pic>
+        <p:nvPicPr>
+          <p:cNvPr id="53" name="Immagine 52"/>
+          <p:cNvPicPr>
+            <a:picLocks noChangeAspect="1"/>
+          </p:cNvPicPr>
+          <p:nvPr/>
+        </p:nvPicPr>
+        <p:blipFill>
+          <a:blip r:embed="rId6">
+            <a:extLst>
+              <a:ext uri="{28A0092B-C50C-407E-A947-70E740481C1C}">
+                <a14:useLocalDpi xmlns:a14="http://schemas.microsoft.com/office/drawing/2010/main" val="0"/>
+              </a:ext>
+            </a:extLst>
+          </a:blip>
+          <a:stretch>
+            <a:fillRect/>
+          </a:stretch>
+        </p:blipFill>
+        <p:spPr>
+          <a:xfrm>
+            <a:off x="635592" y="959104"/>
+            <a:ext cx="507936" cy="507936"/>
+          </a:xfrm>
+          <a:prstGeom prst="rect">
+            <a:avLst/>
+          </a:prstGeom>
+        </p:spPr>
+      </p:pic>
+      <p:sp>
+        <p:nvSpPr>
+          <p:cNvPr id="55" name="CasellaDiTesto 54"/>
+          <p:cNvSpPr txBox="1"/>
+          <p:nvPr/>
+        </p:nvSpPr>
+        <p:spPr>
+          <a:xfrm>
+            <a:off x="515583" y="3802789"/>
+            <a:ext cx="11316881" cy="3139321"/>
+          </a:xfrm>
+          <a:prstGeom prst="rect">
+            <a:avLst/>
+          </a:prstGeom>
+          <a:noFill/>
+        </p:spPr>
+        <p:txBody>
+          <a:bodyPr wrap="none" rtlCol="0">
+            <a:spAutoFit/>
+          </a:bodyPr>
+          <a:lstStyle/>
+          <a:p>
+            <a:endParaRPr lang="en-GB" dirty="0" smtClean="0"/>
+          </a:p>
+          <a:p>
+            <a:r>
+              <a:rPr lang="en-GB" dirty="0" smtClean="0"/>
+              <a:t>/-Da </a:t>
+            </a:r>
+            <a:r>
+              <a:rPr lang="en-GB" dirty="0" err="1" smtClean="0"/>
+              <a:t>cambiare</a:t>
+            </a:r>
+            <a:r>
+              <a:rPr lang="en-GB" dirty="0" smtClean="0"/>
+              <a:t>-/</a:t>
+            </a:r>
+          </a:p>
+          <a:p>
+            <a:r>
+              <a:rPr lang="en-GB" dirty="0" smtClean="0"/>
+              <a:t>*</a:t>
+            </a:r>
+          </a:p>
+          <a:p>
+            <a:r>
+              <a:rPr lang="en-GB" dirty="0"/>
+              <a:t>*</a:t>
+            </a:r>
+          </a:p>
+          <a:p>
+            <a:r>
+              <a:rPr lang="en-GB" dirty="0" smtClean="0"/>
+              <a:t>The </a:t>
+            </a:r>
+            <a:r>
+              <a:rPr lang="en-GB" dirty="0" smtClean="0"/>
+              <a:t>2-tier architecture develops in the best way our project ideas: all logical operation regarding to app functionalities </a:t>
+            </a:r>
+          </a:p>
+          <a:p>
+            <a:r>
+              <a:rPr lang="en-GB" dirty="0" smtClean="0"/>
+              <a:t>are computed in the client part, instead the data are securely preserved in databases, accessible through the database </a:t>
+            </a:r>
+          </a:p>
+          <a:p>
+            <a:r>
+              <a:rPr lang="en-GB" dirty="0" smtClean="0"/>
+              <a:t>server.</a:t>
+            </a:r>
+          </a:p>
+          <a:p>
+            <a:r>
+              <a:rPr lang="en-GB" dirty="0" smtClean="0"/>
+              <a:t>The logic application needs this data to work properly, so it requests them from the database server in which there all </a:t>
+            </a:r>
+          </a:p>
+          <a:p>
+            <a:r>
+              <a:rPr lang="en-GB" dirty="0"/>
+              <a:t>d</a:t>
+            </a:r>
+            <a:r>
+              <a:rPr lang="en-GB" dirty="0" smtClean="0"/>
+              <a:t>atabase which contain the data needed.</a:t>
+            </a:r>
+          </a:p>
+          <a:p>
+            <a:r>
+              <a:rPr lang="en-GB" dirty="0" smtClean="0"/>
+              <a:t>Between client and server we provide more security through a firewall</a:t>
+            </a:r>
+          </a:p>
+          <a:p>
+            <a:endParaRPr lang="it-IT" dirty="0"/>
+          </a:p>
+        </p:txBody>
+      </p:sp>
+      <p:pic>
+        <p:nvPicPr>
+          <p:cNvPr id="3" name="Immagine 2"/>
+          <p:cNvPicPr>
+            <a:picLocks noChangeAspect="1"/>
+          </p:cNvPicPr>
+          <p:nvPr/>
+        </p:nvPicPr>
+        <p:blipFill>
+          <a:blip r:embed="rId7" cstate="print">
+            <a:extLst>
+              <a:ext uri="{28A0092B-C50C-407E-A947-70E740481C1C}">
+                <a14:useLocalDpi xmlns:a14="http://schemas.microsoft.com/office/drawing/2010/main" val="0"/>
+              </a:ext>
+            </a:extLst>
+          </a:blip>
+          <a:stretch>
+            <a:fillRect/>
+          </a:stretch>
+        </p:blipFill>
+        <p:spPr>
+          <a:xfrm>
+            <a:off x="4640101" y="1717513"/>
+            <a:ext cx="1081939" cy="1044759"/>
+          </a:xfrm>
+          <a:prstGeom prst="rect">
+            <a:avLst/>
+          </a:prstGeom>
+        </p:spPr>
+      </p:pic>
+      <p:pic>
+        <p:nvPicPr>
+          <p:cNvPr id="34" name="Immagine 33"/>
+          <p:cNvPicPr>
+            <a:picLocks noChangeAspect="1"/>
+          </p:cNvPicPr>
+          <p:nvPr/>
+        </p:nvPicPr>
+        <p:blipFill>
+          <a:blip r:embed="rId5" cstate="print">
+            <a:extLst>
+              <a:ext uri="{28A0092B-C50C-407E-A947-70E740481C1C}">
+                <a14:useLocalDpi xmlns:a14="http://schemas.microsoft.com/office/drawing/2010/main" val="0"/>
+              </a:ext>
+            </a:extLst>
+          </a:blip>
+          <a:stretch>
+            <a:fillRect/>
+          </a:stretch>
+        </p:blipFill>
+        <p:spPr>
+          <a:xfrm>
+            <a:off x="5295179" y="725326"/>
+            <a:ext cx="843103" cy="843103"/>
+          </a:xfrm>
+          <a:prstGeom prst="rect">
+            <a:avLst/>
+          </a:prstGeom>
+        </p:spPr>
+      </p:pic>
+      <p:sp>
+        <p:nvSpPr>
+          <p:cNvPr id="36" name="CasellaDiTesto 35"/>
+          <p:cNvSpPr txBox="1"/>
+          <p:nvPr/>
+        </p:nvSpPr>
+        <p:spPr>
+          <a:xfrm>
+            <a:off x="4372245" y="942321"/>
+            <a:ext cx="1005212" cy="461665"/>
+          </a:xfrm>
+          <a:prstGeom prst="rect">
+            <a:avLst/>
+          </a:prstGeom>
+          <a:noFill/>
+        </p:spPr>
+        <p:txBody>
+          <a:bodyPr wrap="none" rtlCol="0">
+            <a:spAutoFit/>
+          </a:bodyPr>
+          <a:lstStyle/>
+          <a:p>
+            <a:r>
+              <a:rPr lang="it-IT" sz="2400" b="1" dirty="0" smtClean="0"/>
+              <a:t>Server</a:t>
+            </a:r>
+            <a:endParaRPr lang="it-IT" sz="2400" b="1" dirty="0" smtClean="0"/>
+          </a:p>
+        </p:txBody>
+      </p:sp>
+      <p:pic>
+        <p:nvPicPr>
+          <p:cNvPr id="39" name="Immagine 38"/>
+          <p:cNvPicPr>
+            <a:picLocks noChangeAspect="1"/>
+          </p:cNvPicPr>
+          <p:nvPr/>
+        </p:nvPicPr>
+        <p:blipFill>
+          <a:blip r:embed="rId2" cstate="print">
+            <a:extLst>
+              <a:ext uri="{28A0092B-C50C-407E-A947-70E740481C1C}">
+                <a14:useLocalDpi xmlns:a14="http://schemas.microsoft.com/office/drawing/2010/main" val="0"/>
+              </a:ext>
+            </a:extLst>
+          </a:blip>
+          <a:stretch>
+            <a:fillRect/>
+          </a:stretch>
+        </p:blipFill>
+        <p:spPr>
+          <a:xfrm>
+            <a:off x="6394361" y="1777629"/>
+            <a:ext cx="714339" cy="903285"/>
+          </a:xfrm>
+          <a:prstGeom prst="rect">
+            <a:avLst/>
+          </a:prstGeom>
+        </p:spPr>
+      </p:pic>
+      <p:sp>
+        <p:nvSpPr>
+          <p:cNvPr id="41" name="CasellaDiTesto 40"/>
+          <p:cNvSpPr txBox="1"/>
+          <p:nvPr/>
+        </p:nvSpPr>
+        <p:spPr>
+          <a:xfrm>
+            <a:off x="6406183" y="1521989"/>
+            <a:ext cx="943780" cy="307778"/>
+          </a:xfrm>
+          <a:prstGeom prst="rect">
+            <a:avLst/>
+          </a:prstGeom>
+          <a:noFill/>
+        </p:spPr>
+        <p:txBody>
+          <a:bodyPr wrap="square" rtlCol="0">
+            <a:spAutoFit/>
+          </a:bodyPr>
+          <a:lstStyle/>
+          <a:p>
+            <a:r>
+              <a:rPr lang="it-IT" sz="1400" dirty="0" smtClean="0"/>
+              <a:t>Firewall</a:t>
+            </a:r>
+          </a:p>
+        </p:txBody>
+      </p:sp>
       <p:cxnSp>
         <p:nvCxnSpPr>
-          <p:cNvPr id="40" name="Connettore 1 39"/>
-          <p:cNvCxnSpPr>
-            <a:stCxn id="17" idx="3"/>
-            <a:endCxn id="15" idx="1"/>
-          </p:cNvCxnSpPr>
+          <p:cNvPr id="42" name="Connettore 1 41"/>
+          <p:cNvCxnSpPr/>
           <p:nvPr/>
         </p:nvCxnSpPr>
         <p:spPr>
-          <a:xfrm>
-            <a:off x="9755043" y="2222494"/>
-            <a:ext cx="733591" cy="576208"/>
+          <a:xfrm flipV="1">
+            <a:off x="6005455" y="2208351"/>
+            <a:ext cx="545497" cy="1725"/>
           </a:xfrm>
           <a:prstGeom prst="line">
             <a:avLst/>
@@ -3615,283 +3964,33 @@
       </p:cxnSp>
       <p:sp>
         <p:nvSpPr>
-          <p:cNvPr id="49" name="CasellaDiTesto 48"/>
-          <p:cNvSpPr txBox="1"/>
-          <p:nvPr/>
-        </p:nvSpPr>
-        <p:spPr>
-          <a:xfrm>
-            <a:off x="10490694" y="1921617"/>
-            <a:ext cx="1436998" cy="307777"/>
-          </a:xfrm>
-          <a:prstGeom prst="rect">
-            <a:avLst/>
-          </a:prstGeom>
-          <a:noFill/>
-        </p:spPr>
-        <p:txBody>
-          <a:bodyPr wrap="square" rtlCol="0">
-            <a:spAutoFit/>
-          </a:bodyPr>
-          <a:lstStyle/>
-          <a:p>
-            <a:r>
-              <a:rPr lang="it-IT" sz="1400" dirty="0" err="1" smtClean="0"/>
-              <a:t>Travlendar</a:t>
-            </a:r>
-            <a:r>
-              <a:rPr lang="it-IT" sz="1400" dirty="0" smtClean="0"/>
-              <a:t>+ DB</a:t>
-            </a:r>
-          </a:p>
-        </p:txBody>
-      </p:sp>
-      <p:sp>
-        <p:nvSpPr>
-          <p:cNvPr id="50" name="CasellaDiTesto 49"/>
-          <p:cNvSpPr txBox="1"/>
-          <p:nvPr/>
-        </p:nvSpPr>
-        <p:spPr>
-          <a:xfrm>
-            <a:off x="10490694" y="3196845"/>
-            <a:ext cx="1436998" cy="307777"/>
-          </a:xfrm>
-          <a:prstGeom prst="rect">
-            <a:avLst/>
-          </a:prstGeom>
-          <a:noFill/>
-        </p:spPr>
-        <p:txBody>
-          <a:bodyPr wrap="square" rtlCol="0">
-            <a:spAutoFit/>
-          </a:bodyPr>
-          <a:lstStyle/>
-          <a:p>
-            <a:r>
-              <a:rPr lang="it-IT" sz="1400" dirty="0" err="1" smtClean="0"/>
-              <a:t>External</a:t>
-            </a:r>
-            <a:r>
-              <a:rPr lang="it-IT" sz="1400" dirty="0" smtClean="0"/>
-              <a:t> DB</a:t>
-            </a:r>
-          </a:p>
-        </p:txBody>
-      </p:sp>
-      <p:sp>
-        <p:nvSpPr>
-          <p:cNvPr id="51" name="CasellaDiTesto 50"/>
-          <p:cNvSpPr txBox="1"/>
-          <p:nvPr/>
-        </p:nvSpPr>
-        <p:spPr>
-          <a:xfrm>
-            <a:off x="3783513" y="346027"/>
-            <a:ext cx="6120586" cy="461665"/>
-          </a:xfrm>
-          <a:prstGeom prst="rect">
-            <a:avLst/>
-          </a:prstGeom>
-          <a:noFill/>
-        </p:spPr>
-        <p:txBody>
-          <a:bodyPr wrap="none" rtlCol="0">
-            <a:spAutoFit/>
-          </a:bodyPr>
-          <a:lstStyle/>
-          <a:p>
-            <a:r>
-              <a:rPr lang="it-IT" sz="2400" dirty="0"/>
-              <a:t>2.1 High </a:t>
-            </a:r>
-            <a:r>
-              <a:rPr lang="it-IT" sz="2400" dirty="0" err="1"/>
-              <a:t>level</a:t>
-            </a:r>
-            <a:r>
-              <a:rPr lang="it-IT" sz="2400" dirty="0"/>
-              <a:t> component and </a:t>
-            </a:r>
-            <a:r>
-              <a:rPr lang="it-IT" sz="2400" dirty="0" err="1"/>
-              <a:t>their</a:t>
-            </a:r>
-            <a:r>
-              <a:rPr lang="it-IT" sz="2400" dirty="0"/>
-              <a:t> </a:t>
-            </a:r>
-            <a:r>
-              <a:rPr lang="it-IT" sz="2400" dirty="0" err="1"/>
-              <a:t>interactions</a:t>
-            </a:r>
-            <a:endParaRPr lang="it-IT" sz="2400" dirty="0"/>
-          </a:p>
-        </p:txBody>
-      </p:sp>
-      <p:sp>
-        <p:nvSpPr>
-          <p:cNvPr id="52" name="CasellaDiTesto 51"/>
-          <p:cNvSpPr txBox="1"/>
-          <p:nvPr/>
-        </p:nvSpPr>
-        <p:spPr>
-          <a:xfrm>
-            <a:off x="2321737" y="889900"/>
-            <a:ext cx="735586" cy="369332"/>
-          </a:xfrm>
-          <a:prstGeom prst="rect">
-            <a:avLst/>
-          </a:prstGeom>
-          <a:noFill/>
-        </p:spPr>
-        <p:txBody>
-          <a:bodyPr wrap="none" rtlCol="0">
-            <a:spAutoFit/>
-          </a:bodyPr>
-          <a:lstStyle/>
-          <a:p>
-            <a:r>
-              <a:rPr lang="it-IT" b="1" dirty="0" smtClean="0"/>
-              <a:t>Client</a:t>
-            </a:r>
-          </a:p>
-        </p:txBody>
-      </p:sp>
-      <p:pic>
-        <p:nvPicPr>
-          <p:cNvPr id="53" name="Immagine 52"/>
-          <p:cNvPicPr>
-            <a:picLocks noChangeAspect="1"/>
-          </p:cNvPicPr>
-          <p:nvPr/>
-        </p:nvPicPr>
-        <p:blipFill>
-          <a:blip r:embed="rId6">
-            <a:extLst>
-              <a:ext uri="{28A0092B-C50C-407E-A947-70E740481C1C}">
-                <a14:useLocalDpi xmlns:a14="http://schemas.microsoft.com/office/drawing/2010/main" val="0"/>
-              </a:ext>
-            </a:extLst>
-          </a:blip>
-          <a:stretch>
-            <a:fillRect/>
-          </a:stretch>
-        </p:blipFill>
-        <p:spPr>
-          <a:xfrm>
-            <a:off x="2436302" y="473014"/>
-            <a:ext cx="507936" cy="507936"/>
-          </a:xfrm>
-          <a:prstGeom prst="rect">
-            <a:avLst/>
-          </a:prstGeom>
-        </p:spPr>
-      </p:pic>
-      <p:sp>
-        <p:nvSpPr>
-          <p:cNvPr id="55" name="CasellaDiTesto 54"/>
-          <p:cNvSpPr txBox="1"/>
-          <p:nvPr/>
-        </p:nvSpPr>
-        <p:spPr>
-          <a:xfrm>
-            <a:off x="515583" y="3802789"/>
-            <a:ext cx="11316881" cy="2031325"/>
-          </a:xfrm>
-          <a:prstGeom prst="rect">
-            <a:avLst/>
-          </a:prstGeom>
-          <a:noFill/>
-        </p:spPr>
-        <p:txBody>
-          <a:bodyPr wrap="none" rtlCol="0">
-            <a:spAutoFit/>
-          </a:bodyPr>
-          <a:lstStyle/>
-          <a:p>
-            <a:r>
-              <a:rPr lang="en-GB" dirty="0" smtClean="0"/>
-              <a:t>The 2-tier architecture develops in the best way our project ideas: all logical operation regarding to app functionalities </a:t>
-            </a:r>
-          </a:p>
-          <a:p>
-            <a:r>
-              <a:rPr lang="en-GB" dirty="0" smtClean="0"/>
-              <a:t>are computed in the client part, instead the data are securely preserved in databases, accessible through the database </a:t>
-            </a:r>
-          </a:p>
-          <a:p>
-            <a:r>
-              <a:rPr lang="en-GB" dirty="0" smtClean="0"/>
-              <a:t>server.</a:t>
-            </a:r>
-          </a:p>
-          <a:p>
-            <a:r>
-              <a:rPr lang="en-GB" dirty="0" smtClean="0"/>
-              <a:t>The logic application needs this data to work properly, so it requests them from the database server in which there all </a:t>
-            </a:r>
-          </a:p>
-          <a:p>
-            <a:r>
-              <a:rPr lang="en-GB" dirty="0"/>
-              <a:t>d</a:t>
-            </a:r>
-            <a:r>
-              <a:rPr lang="en-GB" dirty="0" smtClean="0"/>
-              <a:t>atabase which contain the data needed.</a:t>
-            </a:r>
-          </a:p>
-          <a:p>
-            <a:r>
-              <a:rPr lang="en-GB" dirty="0" smtClean="0"/>
-              <a:t>Between client and server we provide more security through a firewall</a:t>
-            </a:r>
-          </a:p>
-          <a:p>
-            <a:endParaRPr lang="it-IT" dirty="0"/>
-          </a:p>
-        </p:txBody>
-      </p:sp>
-      <p:sp>
-        <p:nvSpPr>
-          <p:cNvPr id="61" name="Parentesi graffa chiusa 60"/>
+          <p:cNvPr id="10" name="Nuvola 9"/>
           <p:cNvSpPr/>
           <p:nvPr/>
         </p:nvSpPr>
         <p:spPr>
-          <a:xfrm rot="16200000">
-            <a:off x="2484273" y="-47774"/>
-            <a:ext cx="356662" cy="3114710"/>
-          </a:xfrm>
-          <a:prstGeom prst="rightBrace">
-            <a:avLst>
-              <a:gd name="adj1" fmla="val 74179"/>
-              <a:gd name="adj2" fmla="val 50413"/>
-            </a:avLst>
-          </a:prstGeom>
-          <a:ln w="38100">
-            <a:solidFill>
-              <a:schemeClr val="accent5">
-                <a:lumMod val="20000"/>
-                <a:lumOff val="80000"/>
-              </a:schemeClr>
-            </a:solidFill>
-          </a:ln>
+          <a:xfrm>
+            <a:off x="1839236" y="1869534"/>
+            <a:ext cx="1254434" cy="704336"/>
+          </a:xfrm>
+          <a:prstGeom prst="cloud">
+            <a:avLst/>
+          </a:prstGeom>
         </p:spPr>
         <p:style>
-          <a:lnRef idx="1">
-            <a:schemeClr val="accent1"/>
+          <a:lnRef idx="2">
+            <a:schemeClr val="accent1">
+              <a:shade val="50000"/>
+            </a:schemeClr>
           </a:lnRef>
-          <a:fillRef idx="0">
+          <a:fillRef idx="1">
             <a:schemeClr val="accent1"/>
           </a:fillRef>
           <a:effectRef idx="0">
             <a:schemeClr val="accent1"/>
           </a:effectRef>
           <a:fontRef idx="minor">
-            <a:schemeClr val="tx1"/>
+            <a:schemeClr val="lt1"/>
           </a:fontRef>
         </p:style>
         <p:txBody>
@@ -3899,40 +3998,14 @@
           <a:lstStyle/>
           <a:p>
             <a:pPr algn="ctr"/>
-            <a:endParaRPr lang="it-IT"/>
-          </a:p>
-        </p:txBody>
-      </p:sp>
-      <p:pic>
-        <p:nvPicPr>
-          <p:cNvPr id="3" name="Immagine 2"/>
-          <p:cNvPicPr>
-            <a:picLocks noChangeAspect="1"/>
-          </p:cNvPicPr>
-          <p:nvPr/>
-        </p:nvPicPr>
-        <p:blipFill>
-          <a:blip r:embed="rId7" cstate="print">
-            <a:extLst>
-              <a:ext uri="{28A0092B-C50C-407E-A947-70E740481C1C}">
-                <a14:useLocalDpi xmlns:a14="http://schemas.microsoft.com/office/drawing/2010/main" val="0"/>
-              </a:ext>
-            </a:extLst>
-          </a:blip>
-          <a:stretch>
-            <a:fillRect/>
-          </a:stretch>
-        </p:blipFill>
-        <p:spPr>
-          <a:xfrm>
-            <a:off x="3092283" y="1688801"/>
-            <a:ext cx="1081939" cy="1081939"/>
-          </a:xfrm>
-          <a:prstGeom prst="rect">
-            <a:avLst/>
-          </a:prstGeom>
-        </p:spPr>
-      </p:pic>
+            <a:r>
+              <a:rPr lang="it-IT" sz="1400" dirty="0" smtClean="0"/>
+              <a:t>Network</a:t>
+            </a:r>
+            <a:endParaRPr lang="it-IT" sz="1400" dirty="0"/>
+          </a:p>
+        </p:txBody>
+      </p:sp>
     </p:spTree>
     <p:extLst>
       <p:ext uri="{BB962C8B-B14F-4D97-AF65-F5344CB8AC3E}">
@@ -5218,6 +5291,10 @@
           <a:p>
             <a:pPr algn="ctr"/>
             <a:r>
+              <a:rPr lang="it-IT" sz="1050" dirty="0" smtClean="0"/>
+              <a:t>Oracle </a:t>
+            </a:r>
+            <a:r>
               <a:rPr lang="it-IT" sz="1050" dirty="0" err="1" smtClean="0"/>
               <a:t>MySQL</a:t>
             </a:r>
@@ -5427,11 +5504,7 @@
           <a:p>
             <a:r>
               <a:rPr lang="it-IT" sz="2400" dirty="0" smtClean="0"/>
-              <a:t>2.2 </a:t>
-            </a:r>
-            <a:r>
-              <a:rPr lang="it-IT" sz="2400" dirty="0" smtClean="0"/>
-              <a:t>Deployment </a:t>
+              <a:t>2.2 Deployment </a:t>
             </a:r>
             <a:r>
               <a:rPr lang="it-IT" sz="2400" dirty="0" err="1" smtClean="0"/>
@@ -5593,7 +5666,7 @@
         <p:spPr>
           <a:xfrm>
             <a:off x="8190564" y="1813360"/>
-            <a:ext cx="3832319" cy="2279562"/>
+            <a:ext cx="3750215" cy="1876023"/>
           </a:xfrm>
           <a:prstGeom prst="roundRect">
             <a:avLst/>
@@ -5636,7 +5709,7 @@
         </p:nvSpPr>
         <p:spPr>
           <a:xfrm>
-            <a:off x="10677518" y="1972668"/>
+            <a:off x="10499074" y="1972501"/>
             <a:ext cx="917239" cy="461665"/>
           </a:xfrm>
           <a:prstGeom prst="rect">
@@ -5660,7 +5733,7 @@
       </p:sp>
       <p:pic>
         <p:nvPicPr>
-          <p:cNvPr id="7" name="Immagine 6"/>
+          <p:cNvPr id="8" name="Immagine 7"/>
           <p:cNvPicPr>
             <a:picLocks noChangeAspect="1"/>
           </p:cNvPicPr>
@@ -5680,7 +5753,7 @@
         </p:blipFill>
         <p:spPr>
           <a:xfrm>
-            <a:off x="10088648" y="2455206"/>
+            <a:off x="10073546" y="2796235"/>
             <a:ext cx="507936" cy="507936"/>
           </a:xfrm>
           <a:prstGeom prst="rect">
@@ -5688,46 +5761,16 @@
           </a:prstGeom>
         </p:spPr>
       </p:pic>
-      <p:pic>
-        <p:nvPicPr>
-          <p:cNvPr id="8" name="Immagine 7"/>
-          <p:cNvPicPr>
-            <a:picLocks noChangeAspect="1"/>
-          </p:cNvPicPr>
-          <p:nvPr/>
-        </p:nvPicPr>
-        <p:blipFill>
-          <a:blip r:embed="rId2">
-            <a:extLst>
-              <a:ext uri="{28A0092B-C50C-407E-A947-70E740481C1C}">
-                <a14:useLocalDpi xmlns:a14="http://schemas.microsoft.com/office/drawing/2010/main" val="0"/>
-              </a:ext>
-            </a:extLst>
-          </a:blip>
-          <a:stretch>
-            <a:fillRect/>
-          </a:stretch>
-        </p:blipFill>
-        <p:spPr>
-          <a:xfrm>
-            <a:off x="10088648" y="3165633"/>
-            <a:ext cx="507936" cy="507936"/>
-          </a:xfrm>
-          <a:prstGeom prst="rect">
-            <a:avLst/>
-          </a:prstGeom>
-        </p:spPr>
-      </p:pic>
-      <p:sp>
-        <p:nvSpPr>
-          <p:cNvPr id="9" name="CasellaDiTesto 8"/>
+      <p:sp>
+        <p:nvSpPr>
+          <p:cNvPr id="10" name="CasellaDiTesto 9"/>
           <p:cNvSpPr txBox="1"/>
           <p:nvPr/>
         </p:nvSpPr>
         <p:spPr>
           <a:xfrm>
-            <a:off x="10616399" y="2535412"/>
-            <a:ext cx="1074525" cy="307777"/>
+            <a:off x="10583379" y="2876219"/>
+            <a:ext cx="1293816" cy="307777"/>
           </a:xfrm>
           <a:prstGeom prst="rect">
             <a:avLst/>
@@ -5742,11 +5785,11 @@
           <a:p>
             <a:r>
               <a:rPr lang="it-IT" sz="1400" dirty="0" err="1" smtClean="0"/>
-              <a:t>External</a:t>
+              <a:t>Travlendar</a:t>
             </a:r>
             <a:r>
               <a:rPr lang="it-IT" sz="1400" dirty="0" smtClean="0"/>
-              <a:t> DB</a:t>
+              <a:t>+ DB</a:t>
             </a:r>
             <a:endParaRPr lang="it-IT" sz="1400" dirty="0"/>
           </a:p>
@@ -5754,14 +5797,14 @@
       </p:sp>
       <p:sp>
         <p:nvSpPr>
-          <p:cNvPr id="10" name="CasellaDiTesto 9"/>
+          <p:cNvPr id="11" name="CasellaDiTesto 10"/>
           <p:cNvSpPr txBox="1"/>
           <p:nvPr/>
         </p:nvSpPr>
         <p:spPr>
           <a:xfrm>
-            <a:off x="10598481" y="3245617"/>
-            <a:ext cx="1293816" cy="307777"/>
+            <a:off x="8531332" y="2087536"/>
+            <a:ext cx="959302" cy="584775"/>
           </a:xfrm>
           <a:prstGeom prst="rect">
             <a:avLst/>
@@ -5775,43 +5818,16 @@
           <a:lstStyle/>
           <a:p>
             <a:r>
-              <a:rPr lang="it-IT" sz="1400" dirty="0" err="1" smtClean="0"/>
-              <a:t>Travlendar</a:t>
-            </a:r>
-            <a:r>
-              <a:rPr lang="it-IT" sz="1400" dirty="0" smtClean="0"/>
-              <a:t>+ DB</a:t>
-            </a:r>
-            <a:endParaRPr lang="it-IT" sz="1400" dirty="0"/>
-          </a:p>
-        </p:txBody>
-      </p:sp>
-      <p:sp>
-        <p:nvSpPr>
-          <p:cNvPr id="11" name="CasellaDiTesto 10"/>
-          <p:cNvSpPr txBox="1"/>
-          <p:nvPr/>
-        </p:nvSpPr>
-        <p:spPr>
-          <a:xfrm>
-            <a:off x="8531332" y="2087536"/>
-            <a:ext cx="1005212" cy="461665"/>
-          </a:xfrm>
-          <a:prstGeom prst="rect">
-            <a:avLst/>
-          </a:prstGeom>
-          <a:noFill/>
-        </p:spPr>
-        <p:txBody>
-          <a:bodyPr wrap="none" rtlCol="0">
-            <a:spAutoFit/>
-          </a:bodyPr>
-          <a:lstStyle/>
-          <a:p>
-            <a:r>
-              <a:rPr lang="it-IT" sz="2400" dirty="0" smtClean="0"/>
-              <a:t>Server</a:t>
-            </a:r>
+              <a:rPr lang="it-IT" sz="1600" dirty="0" smtClean="0"/>
+              <a:t>Database</a:t>
+            </a:r>
+          </a:p>
+          <a:p>
+            <a:r>
+              <a:rPr lang="it-IT" sz="1600" dirty="0" smtClean="0"/>
+              <a:t>   Server</a:t>
+            </a:r>
+            <a:endParaRPr lang="it-IT" sz="1600" dirty="0" smtClean="0"/>
           </a:p>
         </p:txBody>
       </p:sp>
@@ -5845,40 +5861,6 @@
           </a:prstGeom>
         </p:spPr>
       </p:pic>
-      <p:sp>
-        <p:nvSpPr>
-          <p:cNvPr id="13" name="CasellaDiTesto 12"/>
-          <p:cNvSpPr txBox="1"/>
-          <p:nvPr/>
-        </p:nvSpPr>
-        <p:spPr>
-          <a:xfrm>
-            <a:off x="8279804" y="3425528"/>
-            <a:ext cx="1553439" cy="307777"/>
-          </a:xfrm>
-          <a:prstGeom prst="rect">
-            <a:avLst/>
-          </a:prstGeom>
-          <a:noFill/>
-        </p:spPr>
-        <p:txBody>
-          <a:bodyPr wrap="none" rtlCol="0">
-            <a:spAutoFit/>
-          </a:bodyPr>
-          <a:lstStyle/>
-          <a:p>
-            <a:r>
-              <a:rPr lang="it-IT" sz="1400" dirty="0" err="1" smtClean="0"/>
-              <a:t>Travlendar</a:t>
-            </a:r>
-            <a:r>
-              <a:rPr lang="it-IT" sz="1400" dirty="0" smtClean="0"/>
-              <a:t>+ Server</a:t>
-            </a:r>
-            <a:endParaRPr lang="it-IT" sz="1400" dirty="0"/>
-          </a:p>
-        </p:txBody>
-      </p:sp>
       <p:sp>
         <p:nvSpPr>
           <p:cNvPr id="14" name="Rettangolo arrotondato 13"/>
@@ -5925,7 +5907,7 @@
         </p:nvSpPr>
         <p:spPr>
           <a:xfrm>
-            <a:off x="2014038" y="1602180"/>
+            <a:off x="618650" y="1497667"/>
             <a:ext cx="923971" cy="461665"/>
           </a:xfrm>
           <a:prstGeom prst="rect">
@@ -6017,7 +5999,7 @@
         </p:blipFill>
         <p:spPr>
           <a:xfrm>
-            <a:off x="2938009" y="1579044"/>
+            <a:off x="1542621" y="1474531"/>
             <a:ext cx="507936" cy="507936"/>
           </a:xfrm>
           <a:prstGeom prst="rect">
@@ -6033,12 +6015,18 @@
         </p:nvSpPr>
         <p:spPr>
           <a:xfrm>
-            <a:off x="2944178" y="2248996"/>
+            <a:off x="5818041" y="2260640"/>
             <a:ext cx="1977527" cy="1282605"/>
           </a:xfrm>
           <a:prstGeom prst="roundRect">
             <a:avLst/>
           </a:prstGeom>
+          <a:solidFill>
+            <a:schemeClr val="accent3">
+              <a:lumMod val="40000"/>
+              <a:lumOff val="60000"/>
+            </a:schemeClr>
+          </a:solidFill>
         </p:spPr>
         <p:style>
           <a:lnRef idx="0">
@@ -6071,7 +6059,7 @@
         </p:nvSpPr>
         <p:spPr>
           <a:xfrm>
-            <a:off x="3171157" y="2518459"/>
+            <a:off x="6045020" y="2530103"/>
             <a:ext cx="1549715" cy="754276"/>
           </a:xfrm>
           <a:prstGeom prst="rect">
@@ -6113,8 +6101,8 @@
           <a:p>
             <a:pPr algn="ctr"/>
             <a:r>
-              <a:rPr lang="it-IT" dirty="0" err="1" smtClean="0"/>
-              <a:t>Logic</a:t>
+              <a:rPr lang="it-IT" dirty="0" smtClean="0"/>
+              <a:t>Server</a:t>
             </a:r>
             <a:endParaRPr lang="it-IT" dirty="0"/>
           </a:p>
@@ -6128,7 +6116,7 @@
         </p:nvSpPr>
         <p:spPr>
           <a:xfrm>
-            <a:off x="5347898" y="2291243"/>
+            <a:off x="2952819" y="2358788"/>
             <a:ext cx="2451831" cy="1208708"/>
           </a:xfrm>
           <a:prstGeom prst="cloud">
@@ -6193,42 +6181,6 @@
       </p:sp>
       <p:cxnSp>
         <p:nvCxnSpPr>
-          <p:cNvPr id="22" name="Connettore 2 21"/>
-          <p:cNvCxnSpPr>
-            <a:stCxn id="12" idx="3"/>
-            <a:endCxn id="7" idx="1"/>
-          </p:cNvCxnSpPr>
-          <p:nvPr/>
-        </p:nvCxnSpPr>
-        <p:spPr>
-          <a:xfrm flipV="1">
-            <a:off x="9364296" y="2709174"/>
-            <a:ext cx="724352" cy="333794"/>
-          </a:xfrm>
-          <a:prstGeom prst="straightConnector1">
-            <a:avLst/>
-          </a:prstGeom>
-          <a:ln>
-            <a:tailEnd type="triangle"/>
-          </a:ln>
-        </p:spPr>
-        <p:style>
-          <a:lnRef idx="1">
-            <a:schemeClr val="accent1"/>
-          </a:lnRef>
-          <a:fillRef idx="0">
-            <a:schemeClr val="accent1"/>
-          </a:fillRef>
-          <a:effectRef idx="0">
-            <a:schemeClr val="accent1"/>
-          </a:effectRef>
-          <a:fontRef idx="minor">
-            <a:schemeClr val="tx1"/>
-          </a:fontRef>
-        </p:style>
-      </p:cxnSp>
-      <p:cxnSp>
-        <p:nvCxnSpPr>
           <p:cNvPr id="23" name="Connettore 2 22"/>
           <p:cNvCxnSpPr>
             <a:stCxn id="12" idx="3"/>
@@ -6239,7 +6191,7 @@
         <p:spPr>
           <a:xfrm>
             <a:off x="9364296" y="3042968"/>
-            <a:ext cx="724352" cy="376633"/>
+            <a:ext cx="709250" cy="7235"/>
           </a:xfrm>
           <a:prstGeom prst="straightConnector1">
             <a:avLst/>
@@ -6295,367 +6247,6 @@
       </p:pic>
       <p:sp>
         <p:nvSpPr>
-          <p:cNvPr id="33" name="CasellaDiTesto 32"/>
-          <p:cNvSpPr txBox="1"/>
-          <p:nvPr/>
-        </p:nvSpPr>
-        <p:spPr>
-          <a:xfrm>
-            <a:off x="618650" y="4790941"/>
-            <a:ext cx="11669541" cy="1477328"/>
-          </a:xfrm>
-          <a:prstGeom prst="rect">
-            <a:avLst/>
-          </a:prstGeom>
-          <a:noFill/>
-        </p:spPr>
-        <p:txBody>
-          <a:bodyPr wrap="none" rtlCol="0">
-            <a:spAutoFit/>
-          </a:bodyPr>
-          <a:lstStyle/>
-          <a:p>
-            <a:r>
-              <a:rPr lang="it-IT" dirty="0" err="1" smtClean="0"/>
-              <a:t>Travlendar</a:t>
-            </a:r>
-            <a:r>
-              <a:rPr lang="it-IT" dirty="0" smtClean="0"/>
-              <a:t>+ </a:t>
-            </a:r>
-            <a:r>
-              <a:rPr lang="it-IT" dirty="0" err="1" smtClean="0"/>
-              <a:t>provides</a:t>
-            </a:r>
-            <a:r>
-              <a:rPr lang="it-IT" dirty="0" smtClean="0"/>
-              <a:t> an </a:t>
-            </a:r>
-            <a:r>
-              <a:rPr lang="it-IT" dirty="0" err="1" smtClean="0"/>
-              <a:t>architectural</a:t>
-            </a:r>
-            <a:r>
-              <a:rPr lang="it-IT" dirty="0" smtClean="0"/>
-              <a:t> </a:t>
-            </a:r>
-            <a:r>
-              <a:rPr lang="it-IT" dirty="0" err="1" smtClean="0"/>
-              <a:t>structure</a:t>
-            </a:r>
-            <a:r>
-              <a:rPr lang="it-IT" dirty="0" smtClean="0"/>
-              <a:t> in </a:t>
-            </a:r>
-            <a:r>
-              <a:rPr lang="it-IT" dirty="0" err="1" smtClean="0"/>
-              <a:t>which</a:t>
-            </a:r>
-            <a:r>
-              <a:rPr lang="it-IT" dirty="0" smtClean="0"/>
-              <a:t> </a:t>
-            </a:r>
-            <a:r>
-              <a:rPr lang="it-IT" dirty="0" err="1" smtClean="0"/>
-              <a:t>logic</a:t>
-            </a:r>
-            <a:r>
-              <a:rPr lang="it-IT" dirty="0" smtClean="0"/>
-              <a:t> </a:t>
-            </a:r>
-            <a:r>
-              <a:rPr lang="it-IT" dirty="0" err="1" smtClean="0"/>
-              <a:t>application</a:t>
-            </a:r>
-            <a:r>
-              <a:rPr lang="it-IT" dirty="0" smtClean="0"/>
-              <a:t> </a:t>
-            </a:r>
-            <a:r>
-              <a:rPr lang="it-IT" dirty="0" err="1" smtClean="0"/>
-              <a:t>takes</a:t>
-            </a:r>
-            <a:r>
-              <a:rPr lang="it-IT" dirty="0" smtClean="0"/>
-              <a:t> </a:t>
-            </a:r>
-            <a:r>
-              <a:rPr lang="it-IT" dirty="0" err="1" smtClean="0"/>
-              <a:t>place</a:t>
-            </a:r>
-            <a:r>
-              <a:rPr lang="it-IT" dirty="0" smtClean="0"/>
-              <a:t> in the client part, </a:t>
-            </a:r>
-            <a:r>
-              <a:rPr lang="it-IT" dirty="0" err="1" smtClean="0"/>
-              <a:t>because</a:t>
-            </a:r>
-            <a:r>
-              <a:rPr lang="it-IT" dirty="0" smtClean="0"/>
-              <a:t> the </a:t>
-            </a:r>
-          </a:p>
-          <a:p>
-            <a:r>
-              <a:rPr lang="it-IT" dirty="0" err="1" smtClean="0"/>
-              <a:t>application</a:t>
-            </a:r>
-            <a:r>
-              <a:rPr lang="it-IT" dirty="0" smtClean="0"/>
-              <a:t> </a:t>
-            </a:r>
-            <a:r>
-              <a:rPr lang="it-IT" dirty="0" err="1" smtClean="0"/>
-              <a:t>contains</a:t>
-            </a:r>
-            <a:r>
-              <a:rPr lang="it-IT" dirty="0" smtClean="0"/>
-              <a:t> </a:t>
-            </a:r>
-            <a:r>
-              <a:rPr lang="it-IT" dirty="0" err="1" smtClean="0"/>
-              <a:t>functionalities</a:t>
-            </a:r>
-            <a:r>
-              <a:rPr lang="it-IT" dirty="0" smtClean="0"/>
-              <a:t> </a:t>
-            </a:r>
-            <a:r>
-              <a:rPr lang="it-IT" dirty="0" err="1" smtClean="0"/>
-              <a:t>which</a:t>
-            </a:r>
-            <a:r>
-              <a:rPr lang="it-IT" dirty="0" smtClean="0"/>
-              <a:t> </a:t>
-            </a:r>
-            <a:r>
-              <a:rPr lang="it-IT" dirty="0" err="1" smtClean="0"/>
-              <a:t>doesn’t</a:t>
-            </a:r>
-            <a:r>
-              <a:rPr lang="it-IT" dirty="0" smtClean="0"/>
-              <a:t> </a:t>
-            </a:r>
-            <a:r>
-              <a:rPr lang="it-IT" dirty="0" err="1" smtClean="0"/>
-              <a:t>depend</a:t>
-            </a:r>
-            <a:r>
-              <a:rPr lang="it-IT" dirty="0" smtClean="0"/>
-              <a:t> on internet service, so </a:t>
-            </a:r>
-            <a:r>
-              <a:rPr lang="it-IT" dirty="0" err="1" smtClean="0"/>
-              <a:t>we</a:t>
-            </a:r>
-            <a:r>
-              <a:rPr lang="it-IT" dirty="0" smtClean="0"/>
-              <a:t> </a:t>
-            </a:r>
-            <a:r>
-              <a:rPr lang="it-IT" dirty="0" err="1" smtClean="0"/>
-              <a:t>consider</a:t>
-            </a:r>
-            <a:r>
-              <a:rPr lang="it-IT" dirty="0" smtClean="0"/>
-              <a:t> </a:t>
-            </a:r>
-            <a:r>
-              <a:rPr lang="it-IT" dirty="0" err="1" smtClean="0"/>
-              <a:t>usefull</a:t>
-            </a:r>
-            <a:r>
-              <a:rPr lang="it-IT" dirty="0" smtClean="0"/>
-              <a:t> </a:t>
-            </a:r>
-            <a:r>
-              <a:rPr lang="it-IT" dirty="0" err="1" smtClean="0"/>
-              <a:t>that</a:t>
-            </a:r>
-            <a:r>
-              <a:rPr lang="it-IT" dirty="0" smtClean="0"/>
-              <a:t> the </a:t>
-            </a:r>
-            <a:r>
-              <a:rPr lang="it-IT" dirty="0" err="1" smtClean="0"/>
-              <a:t>user</a:t>
-            </a:r>
-            <a:r>
-              <a:rPr lang="it-IT" dirty="0" smtClean="0"/>
-              <a:t> can use </a:t>
-            </a:r>
-          </a:p>
-          <a:p>
-            <a:r>
-              <a:rPr lang="it-IT" dirty="0" err="1" smtClean="0"/>
-              <a:t>this</a:t>
-            </a:r>
-            <a:r>
-              <a:rPr lang="it-IT" dirty="0" smtClean="0"/>
-              <a:t> </a:t>
-            </a:r>
-            <a:r>
-              <a:rPr lang="it-IT" dirty="0" err="1" smtClean="0"/>
-              <a:t>functionalities</a:t>
-            </a:r>
-            <a:r>
-              <a:rPr lang="it-IT" dirty="0" smtClean="0"/>
-              <a:t> </a:t>
-            </a:r>
-            <a:r>
-              <a:rPr lang="it-IT" dirty="0" err="1" smtClean="0"/>
-              <a:t>without</a:t>
-            </a:r>
-            <a:r>
-              <a:rPr lang="it-IT" dirty="0" smtClean="0"/>
-              <a:t> </a:t>
-            </a:r>
-            <a:r>
-              <a:rPr lang="it-IT" dirty="0" err="1" smtClean="0"/>
-              <a:t>connecting</a:t>
-            </a:r>
-            <a:r>
-              <a:rPr lang="it-IT" dirty="0" smtClean="0"/>
-              <a:t> to the server. For the </a:t>
-            </a:r>
-            <a:r>
-              <a:rPr lang="it-IT" dirty="0" err="1" smtClean="0"/>
-              <a:t>rest</a:t>
-            </a:r>
-            <a:r>
-              <a:rPr lang="it-IT" dirty="0" smtClean="0"/>
-              <a:t> of </a:t>
-            </a:r>
-            <a:r>
-              <a:rPr lang="it-IT" dirty="0" err="1" smtClean="0"/>
-              <a:t>functionalities</a:t>
-            </a:r>
-            <a:r>
-              <a:rPr lang="it-IT" dirty="0" smtClean="0"/>
-              <a:t>, network, and so internet service, </a:t>
-            </a:r>
-            <a:r>
-              <a:rPr lang="it-IT" dirty="0" err="1" smtClean="0"/>
-              <a:t>is</a:t>
-            </a:r>
-            <a:r>
-              <a:rPr lang="it-IT" dirty="0" smtClean="0"/>
-              <a:t> </a:t>
-            </a:r>
-          </a:p>
-          <a:p>
-            <a:r>
-              <a:rPr lang="it-IT" dirty="0" err="1" smtClean="0"/>
-              <a:t>fundamental</a:t>
-            </a:r>
-            <a:r>
-              <a:rPr lang="it-IT" dirty="0"/>
-              <a:t> </a:t>
-            </a:r>
-            <a:r>
-              <a:rPr lang="it-IT" dirty="0" smtClean="0"/>
-              <a:t>to </a:t>
-            </a:r>
-            <a:r>
-              <a:rPr lang="it-IT" dirty="0" err="1" smtClean="0"/>
-              <a:t>guarantee</a:t>
-            </a:r>
-            <a:r>
-              <a:rPr lang="it-IT" dirty="0" smtClean="0"/>
-              <a:t> the complete use of </a:t>
-            </a:r>
-            <a:r>
-              <a:rPr lang="it-IT" dirty="0" err="1" smtClean="0"/>
-              <a:t>Travlendar</a:t>
-            </a:r>
-            <a:r>
-              <a:rPr lang="it-IT" dirty="0" smtClean="0"/>
-              <a:t>+. To do </a:t>
-            </a:r>
-            <a:r>
-              <a:rPr lang="it-IT" dirty="0" err="1" smtClean="0"/>
-              <a:t>this</a:t>
-            </a:r>
-            <a:r>
-              <a:rPr lang="it-IT" dirty="0" smtClean="0"/>
-              <a:t>, the </a:t>
-            </a:r>
-            <a:r>
-              <a:rPr lang="it-IT" dirty="0" err="1" smtClean="0"/>
-              <a:t>app</a:t>
-            </a:r>
-            <a:r>
-              <a:rPr lang="it-IT" dirty="0" smtClean="0"/>
-              <a:t> </a:t>
-            </a:r>
-            <a:r>
-              <a:rPr lang="it-IT" dirty="0" err="1" smtClean="0"/>
-              <a:t>requires</a:t>
-            </a:r>
-            <a:r>
-              <a:rPr lang="it-IT" dirty="0" smtClean="0"/>
-              <a:t> data from DBMS </a:t>
-            </a:r>
-            <a:r>
-              <a:rPr lang="it-IT" dirty="0" err="1" smtClean="0"/>
-              <a:t>through</a:t>
-            </a:r>
-            <a:r>
-              <a:rPr lang="it-IT" dirty="0" smtClean="0"/>
-              <a:t> the</a:t>
-            </a:r>
-          </a:p>
-          <a:p>
-            <a:r>
-              <a:rPr lang="it-IT" dirty="0" smtClean="0"/>
-              <a:t>database server and </a:t>
-            </a:r>
-            <a:r>
-              <a:rPr lang="it-IT" dirty="0" err="1" smtClean="0"/>
-              <a:t>this</a:t>
-            </a:r>
-            <a:r>
-              <a:rPr lang="it-IT" dirty="0" smtClean="0"/>
-              <a:t> </a:t>
-            </a:r>
-            <a:r>
-              <a:rPr lang="it-IT" dirty="0" err="1" smtClean="0"/>
-              <a:t>one</a:t>
-            </a:r>
-            <a:r>
-              <a:rPr lang="it-IT" dirty="0" smtClean="0"/>
-              <a:t> </a:t>
-            </a:r>
-            <a:r>
-              <a:rPr lang="it-IT" dirty="0" err="1" smtClean="0"/>
-              <a:t>is</a:t>
-            </a:r>
-            <a:r>
-              <a:rPr lang="it-IT" dirty="0" smtClean="0"/>
-              <a:t> </a:t>
-            </a:r>
-            <a:r>
-              <a:rPr lang="it-IT" dirty="0" err="1" smtClean="0"/>
-              <a:t>connected</a:t>
-            </a:r>
-            <a:r>
-              <a:rPr lang="it-IT" dirty="0" smtClean="0"/>
-              <a:t> to the client </a:t>
-            </a:r>
-            <a:r>
-              <a:rPr lang="it-IT" dirty="0" err="1" smtClean="0"/>
-              <a:t>through</a:t>
-            </a:r>
-            <a:r>
-              <a:rPr lang="it-IT" dirty="0" smtClean="0"/>
-              <a:t> the network</a:t>
-            </a:r>
-          </a:p>
-        </p:txBody>
-      </p:sp>
-      <p:sp>
-        <p:nvSpPr>
           <p:cNvPr id="34" name="Freccia bidirezionale orizzontale 33"/>
           <p:cNvSpPr/>
           <p:nvPr/>
@@ -6713,7 +6304,7 @@
         </p:nvSpPr>
         <p:spPr>
           <a:xfrm>
-            <a:off x="4938434" y="2831794"/>
+            <a:off x="5412355" y="2831794"/>
             <a:ext cx="397981" cy="131348"/>
           </a:xfrm>
           <a:prstGeom prst="leftRightArrow">
@@ -6837,6 +6428,444 @@
           </a:prstGeom>
         </p:spPr>
       </p:pic>
+      <p:pic>
+        <p:nvPicPr>
+          <p:cNvPr id="30" name="Immagine 29"/>
+          <p:cNvPicPr>
+            <a:picLocks noChangeAspect="1"/>
+          </p:cNvPicPr>
+          <p:nvPr/>
+        </p:nvPicPr>
+        <p:blipFill>
+          <a:blip r:embed="rId7" cstate="print">
+            <a:extLst>
+              <a:ext uri="{28A0092B-C50C-407E-A947-70E740481C1C}">
+                <a14:useLocalDpi xmlns:a14="http://schemas.microsoft.com/office/drawing/2010/main" val="0"/>
+              </a:ext>
+            </a:extLst>
+          </a:blip>
+          <a:stretch>
+            <a:fillRect/>
+          </a:stretch>
+        </p:blipFill>
+        <p:spPr>
+          <a:xfrm>
+            <a:off x="6952465" y="1366057"/>
+            <a:ext cx="843103" cy="843103"/>
+          </a:xfrm>
+          <a:prstGeom prst="rect">
+            <a:avLst/>
+          </a:prstGeom>
+        </p:spPr>
+      </p:pic>
+      <p:sp>
+        <p:nvSpPr>
+          <p:cNvPr id="31" name="CasellaDiTesto 30"/>
+          <p:cNvSpPr txBox="1"/>
+          <p:nvPr/>
+        </p:nvSpPr>
+        <p:spPr>
+          <a:xfrm>
+            <a:off x="6033659" y="1493948"/>
+            <a:ext cx="1005212" cy="461665"/>
+          </a:xfrm>
+          <a:prstGeom prst="rect">
+            <a:avLst/>
+          </a:prstGeom>
+          <a:noFill/>
+        </p:spPr>
+        <p:txBody>
+          <a:bodyPr wrap="none" rtlCol="0">
+            <a:spAutoFit/>
+          </a:bodyPr>
+          <a:lstStyle/>
+          <a:p>
+            <a:r>
+              <a:rPr lang="it-IT" sz="2400" b="1" dirty="0" smtClean="0"/>
+              <a:t>Server</a:t>
+            </a:r>
+            <a:endParaRPr lang="it-IT" sz="2400" b="1" dirty="0" smtClean="0"/>
+          </a:p>
+        </p:txBody>
+      </p:sp>
+      <p:sp>
+        <p:nvSpPr>
+          <p:cNvPr id="37" name="CasellaDiTesto 36"/>
+          <p:cNvSpPr txBox="1"/>
+          <p:nvPr/>
+        </p:nvSpPr>
+        <p:spPr>
+          <a:xfrm>
+            <a:off x="462687" y="3928168"/>
+            <a:ext cx="12635767" cy="1477328"/>
+          </a:xfrm>
+          <a:prstGeom prst="rect">
+            <a:avLst/>
+          </a:prstGeom>
+          <a:noFill/>
+        </p:spPr>
+        <p:txBody>
+          <a:bodyPr wrap="none" rtlCol="0">
+            <a:spAutoFit/>
+          </a:bodyPr>
+          <a:lstStyle/>
+          <a:p>
+            <a:r>
+              <a:rPr lang="it-IT" dirty="0" err="1" smtClean="0"/>
+              <a:t>Travlendar</a:t>
+            </a:r>
+            <a:r>
+              <a:rPr lang="it-IT" dirty="0" smtClean="0"/>
+              <a:t>+ </a:t>
+            </a:r>
+            <a:r>
+              <a:rPr lang="it-IT" dirty="0" err="1" smtClean="0"/>
+              <a:t>provides</a:t>
+            </a:r>
+            <a:r>
+              <a:rPr lang="it-IT" dirty="0" smtClean="0"/>
+              <a:t> </a:t>
+            </a:r>
+            <a:r>
+              <a:rPr lang="it-IT" dirty="0" smtClean="0"/>
+              <a:t>an </a:t>
+            </a:r>
+            <a:r>
+              <a:rPr lang="it-IT" dirty="0" err="1" smtClean="0"/>
+              <a:t>client-server</a:t>
+            </a:r>
+            <a:r>
+              <a:rPr lang="it-IT" dirty="0" smtClean="0"/>
+              <a:t> </a:t>
+            </a:r>
+            <a:r>
+              <a:rPr lang="it-IT" dirty="0" err="1" smtClean="0"/>
+              <a:t>structure</a:t>
+            </a:r>
+            <a:r>
+              <a:rPr lang="it-IT" dirty="0" smtClean="0"/>
+              <a:t>…***da cambiare( </a:t>
+            </a:r>
+            <a:r>
+              <a:rPr lang="it-IT" dirty="0" smtClean="0"/>
+              <a:t>in </a:t>
+            </a:r>
+            <a:r>
+              <a:rPr lang="it-IT" dirty="0" err="1" smtClean="0"/>
+              <a:t>which</a:t>
+            </a:r>
+            <a:r>
+              <a:rPr lang="it-IT" dirty="0" smtClean="0"/>
+              <a:t> </a:t>
+            </a:r>
+            <a:r>
+              <a:rPr lang="it-IT" dirty="0" err="1" smtClean="0"/>
+              <a:t>logic</a:t>
+            </a:r>
+            <a:r>
+              <a:rPr lang="it-IT" dirty="0" smtClean="0"/>
+              <a:t> </a:t>
+            </a:r>
+            <a:r>
+              <a:rPr lang="it-IT" dirty="0" err="1" smtClean="0"/>
+              <a:t>application</a:t>
+            </a:r>
+            <a:r>
+              <a:rPr lang="it-IT" dirty="0" smtClean="0"/>
+              <a:t> </a:t>
+            </a:r>
+            <a:r>
+              <a:rPr lang="it-IT" dirty="0" err="1" smtClean="0"/>
+              <a:t>takes</a:t>
+            </a:r>
+            <a:r>
+              <a:rPr lang="it-IT" dirty="0" smtClean="0"/>
+              <a:t> </a:t>
+            </a:r>
+            <a:r>
+              <a:rPr lang="it-IT" dirty="0" err="1" smtClean="0"/>
+              <a:t>place</a:t>
+            </a:r>
+            <a:r>
+              <a:rPr lang="it-IT" dirty="0" smtClean="0"/>
+              <a:t> in the client part, </a:t>
+            </a:r>
+            <a:r>
+              <a:rPr lang="it-IT" dirty="0" err="1" smtClean="0"/>
+              <a:t>because</a:t>
+            </a:r>
+            <a:r>
+              <a:rPr lang="it-IT" dirty="0" smtClean="0"/>
+              <a:t> the </a:t>
+            </a:r>
+          </a:p>
+          <a:p>
+            <a:r>
+              <a:rPr lang="it-IT" dirty="0" err="1" smtClean="0"/>
+              <a:t>application</a:t>
+            </a:r>
+            <a:r>
+              <a:rPr lang="it-IT" dirty="0" smtClean="0"/>
+              <a:t> </a:t>
+            </a:r>
+            <a:r>
+              <a:rPr lang="it-IT" dirty="0" err="1" smtClean="0"/>
+              <a:t>contains</a:t>
+            </a:r>
+            <a:r>
+              <a:rPr lang="it-IT" dirty="0" smtClean="0"/>
+              <a:t> </a:t>
+            </a:r>
+            <a:r>
+              <a:rPr lang="it-IT" dirty="0" err="1" smtClean="0"/>
+              <a:t>functionalities</a:t>
+            </a:r>
+            <a:r>
+              <a:rPr lang="it-IT" dirty="0" smtClean="0"/>
+              <a:t> </a:t>
+            </a:r>
+            <a:r>
+              <a:rPr lang="it-IT" dirty="0" err="1" smtClean="0"/>
+              <a:t>which</a:t>
+            </a:r>
+            <a:r>
+              <a:rPr lang="it-IT" dirty="0" smtClean="0"/>
+              <a:t> </a:t>
+            </a:r>
+            <a:r>
+              <a:rPr lang="it-IT" dirty="0" err="1" smtClean="0"/>
+              <a:t>doesn’t</a:t>
+            </a:r>
+            <a:r>
+              <a:rPr lang="it-IT" dirty="0" smtClean="0"/>
+              <a:t> </a:t>
+            </a:r>
+            <a:r>
+              <a:rPr lang="it-IT" dirty="0" err="1" smtClean="0"/>
+              <a:t>depend</a:t>
+            </a:r>
+            <a:r>
+              <a:rPr lang="it-IT" dirty="0" smtClean="0"/>
+              <a:t> on internet service, so </a:t>
+            </a:r>
+            <a:r>
+              <a:rPr lang="it-IT" dirty="0" err="1" smtClean="0"/>
+              <a:t>we</a:t>
+            </a:r>
+            <a:r>
+              <a:rPr lang="it-IT" dirty="0" smtClean="0"/>
+              <a:t> </a:t>
+            </a:r>
+            <a:r>
+              <a:rPr lang="it-IT" dirty="0" err="1" smtClean="0"/>
+              <a:t>consider</a:t>
+            </a:r>
+            <a:r>
+              <a:rPr lang="it-IT" dirty="0" smtClean="0"/>
+              <a:t> </a:t>
+            </a:r>
+            <a:r>
+              <a:rPr lang="it-IT" dirty="0" err="1" smtClean="0"/>
+              <a:t>usefull</a:t>
+            </a:r>
+            <a:r>
+              <a:rPr lang="it-IT" dirty="0" smtClean="0"/>
+              <a:t> </a:t>
+            </a:r>
+            <a:r>
+              <a:rPr lang="it-IT" dirty="0" err="1" smtClean="0"/>
+              <a:t>that</a:t>
+            </a:r>
+            <a:r>
+              <a:rPr lang="it-IT" dirty="0" smtClean="0"/>
+              <a:t> the </a:t>
+            </a:r>
+            <a:r>
+              <a:rPr lang="it-IT" dirty="0" err="1" smtClean="0"/>
+              <a:t>user</a:t>
+            </a:r>
+            <a:r>
+              <a:rPr lang="it-IT" dirty="0" smtClean="0"/>
+              <a:t> can use </a:t>
+            </a:r>
+          </a:p>
+          <a:p>
+            <a:r>
+              <a:rPr lang="it-IT" dirty="0" err="1" smtClean="0"/>
+              <a:t>this</a:t>
+            </a:r>
+            <a:r>
+              <a:rPr lang="it-IT" dirty="0" smtClean="0"/>
+              <a:t> </a:t>
+            </a:r>
+            <a:r>
+              <a:rPr lang="it-IT" dirty="0" err="1" smtClean="0"/>
+              <a:t>functionalities</a:t>
+            </a:r>
+            <a:r>
+              <a:rPr lang="it-IT" dirty="0" smtClean="0"/>
+              <a:t> </a:t>
+            </a:r>
+            <a:r>
+              <a:rPr lang="it-IT" dirty="0" err="1" smtClean="0"/>
+              <a:t>without</a:t>
+            </a:r>
+            <a:r>
+              <a:rPr lang="it-IT" dirty="0" smtClean="0"/>
+              <a:t> </a:t>
+            </a:r>
+            <a:r>
+              <a:rPr lang="it-IT" dirty="0" err="1" smtClean="0"/>
+              <a:t>connecting</a:t>
+            </a:r>
+            <a:r>
+              <a:rPr lang="it-IT" dirty="0" smtClean="0"/>
+              <a:t> to the server. For the </a:t>
+            </a:r>
+            <a:r>
+              <a:rPr lang="it-IT" dirty="0" err="1" smtClean="0"/>
+              <a:t>rest</a:t>
+            </a:r>
+            <a:r>
+              <a:rPr lang="it-IT" dirty="0" smtClean="0"/>
+              <a:t> of </a:t>
+            </a:r>
+            <a:r>
+              <a:rPr lang="it-IT" dirty="0" err="1" smtClean="0"/>
+              <a:t>functionalities</a:t>
+            </a:r>
+            <a:r>
+              <a:rPr lang="it-IT" dirty="0" smtClean="0"/>
+              <a:t>, network, and so internet service, </a:t>
+            </a:r>
+            <a:r>
+              <a:rPr lang="it-IT" dirty="0" err="1" smtClean="0"/>
+              <a:t>is</a:t>
+            </a:r>
+            <a:r>
+              <a:rPr lang="it-IT" dirty="0" smtClean="0"/>
+              <a:t> </a:t>
+            </a:r>
+          </a:p>
+          <a:p>
+            <a:r>
+              <a:rPr lang="it-IT" dirty="0" err="1" smtClean="0"/>
+              <a:t>fundamental</a:t>
+            </a:r>
+            <a:r>
+              <a:rPr lang="it-IT" dirty="0"/>
+              <a:t> </a:t>
+            </a:r>
+            <a:r>
+              <a:rPr lang="it-IT" dirty="0" smtClean="0"/>
+              <a:t>to </a:t>
+            </a:r>
+            <a:r>
+              <a:rPr lang="it-IT" dirty="0" err="1" smtClean="0"/>
+              <a:t>guarantee</a:t>
+            </a:r>
+            <a:r>
+              <a:rPr lang="it-IT" dirty="0" smtClean="0"/>
+              <a:t> the complete use of </a:t>
+            </a:r>
+            <a:r>
+              <a:rPr lang="it-IT" dirty="0" err="1" smtClean="0"/>
+              <a:t>Travlendar</a:t>
+            </a:r>
+            <a:r>
+              <a:rPr lang="it-IT" dirty="0" smtClean="0"/>
+              <a:t>+. To do </a:t>
+            </a:r>
+            <a:r>
+              <a:rPr lang="it-IT" dirty="0" err="1" smtClean="0"/>
+              <a:t>this</a:t>
+            </a:r>
+            <a:r>
+              <a:rPr lang="it-IT" dirty="0" smtClean="0"/>
+              <a:t>, the </a:t>
+            </a:r>
+            <a:r>
+              <a:rPr lang="it-IT" dirty="0" err="1" smtClean="0"/>
+              <a:t>app</a:t>
+            </a:r>
+            <a:r>
+              <a:rPr lang="it-IT" dirty="0" smtClean="0"/>
+              <a:t> </a:t>
+            </a:r>
+            <a:r>
+              <a:rPr lang="it-IT" dirty="0" err="1" smtClean="0"/>
+              <a:t>requires</a:t>
+            </a:r>
+            <a:r>
+              <a:rPr lang="it-IT" dirty="0" smtClean="0"/>
+              <a:t> data from DBMS </a:t>
+            </a:r>
+            <a:r>
+              <a:rPr lang="it-IT" dirty="0" err="1" smtClean="0"/>
+              <a:t>through</a:t>
+            </a:r>
+            <a:r>
+              <a:rPr lang="it-IT" dirty="0" smtClean="0"/>
+              <a:t> the</a:t>
+            </a:r>
+          </a:p>
+          <a:p>
+            <a:r>
+              <a:rPr lang="it-IT" dirty="0" smtClean="0"/>
+              <a:t>database server and </a:t>
+            </a:r>
+            <a:r>
+              <a:rPr lang="it-IT" dirty="0" err="1" smtClean="0"/>
+              <a:t>this</a:t>
+            </a:r>
+            <a:r>
+              <a:rPr lang="it-IT" dirty="0" smtClean="0"/>
+              <a:t> </a:t>
+            </a:r>
+            <a:r>
+              <a:rPr lang="it-IT" dirty="0" err="1" smtClean="0"/>
+              <a:t>one</a:t>
+            </a:r>
+            <a:r>
+              <a:rPr lang="it-IT" dirty="0" smtClean="0"/>
+              <a:t> </a:t>
+            </a:r>
+            <a:r>
+              <a:rPr lang="it-IT" dirty="0" err="1" smtClean="0"/>
+              <a:t>is</a:t>
+            </a:r>
+            <a:r>
+              <a:rPr lang="it-IT" dirty="0" smtClean="0"/>
+              <a:t> </a:t>
+            </a:r>
+            <a:r>
+              <a:rPr lang="it-IT" dirty="0" err="1" smtClean="0"/>
+              <a:t>connected</a:t>
+            </a:r>
+            <a:r>
+              <a:rPr lang="it-IT" dirty="0" smtClean="0"/>
+              <a:t> to the client </a:t>
+            </a:r>
+            <a:r>
+              <a:rPr lang="it-IT" dirty="0" err="1" smtClean="0"/>
+              <a:t>through</a:t>
+            </a:r>
+            <a:r>
+              <a:rPr lang="it-IT" dirty="0" smtClean="0"/>
+              <a:t> </a:t>
+            </a:r>
+            <a:r>
+              <a:rPr lang="it-IT" smtClean="0"/>
+              <a:t>the </a:t>
+            </a:r>
+            <a:r>
+              <a:rPr lang="it-IT" smtClean="0"/>
+              <a:t>network)</a:t>
+            </a:r>
+            <a:endParaRPr lang="it-IT" dirty="0" smtClean="0"/>
+          </a:p>
+        </p:txBody>
+      </p:sp>
     </p:spTree>
     <p:extLst>
       <p:ext uri="{BB962C8B-B14F-4D97-AF65-F5344CB8AC3E}">
@@ -6998,1080 +7027,6 @@
     <p:extLst>
       <p:ext uri="{BB962C8B-B14F-4D97-AF65-F5344CB8AC3E}">
         <p14:creationId xmlns:p14="http://schemas.microsoft.com/office/powerpoint/2010/main" val="288429993"/>
-      </p:ext>
-    </p:extLst>
-  </p:cSld>
-  <p:clrMapOvr>
-    <a:masterClrMapping/>
-  </p:clrMapOvr>
-</p:sld>
-</file>
-
-<file path=ppt/slides/slide6.xml><?xml version="1.0" encoding="utf-8"?>
-<p:sld xmlns:a="http://schemas.openxmlformats.org/drawingml/2006/main" xmlns:r="http://schemas.openxmlformats.org/officeDocument/2006/relationships" xmlns:p="http://schemas.openxmlformats.org/presentationml/2006/main">
-  <p:cSld>
-    <p:spTree>
-      <p:nvGrpSpPr>
-        <p:cNvPr id="1" name=""/>
-        <p:cNvGrpSpPr/>
-        <p:nvPr/>
-      </p:nvGrpSpPr>
-      <p:grpSpPr>
-        <a:xfrm>
-          <a:off x="0" y="0"/>
-          <a:ext cx="0" cy="0"/>
-          <a:chOff x="0" y="0"/>
-          <a:chExt cx="0" cy="0"/>
-        </a:xfrm>
-      </p:grpSpPr>
-      <p:sp>
-        <p:nvSpPr>
-          <p:cNvPr id="53" name="Rettangolo arrotondato 52"/>
-          <p:cNvSpPr/>
-          <p:nvPr/>
-        </p:nvSpPr>
-        <p:spPr>
-          <a:xfrm>
-            <a:off x="8216321" y="1957589"/>
-            <a:ext cx="3832319" cy="2279562"/>
-          </a:xfrm>
-          <a:prstGeom prst="roundRect">
-            <a:avLst/>
-          </a:prstGeom>
-          <a:solidFill>
-            <a:schemeClr val="accent1">
-              <a:lumMod val="60000"/>
-              <a:lumOff val="40000"/>
-            </a:schemeClr>
-          </a:solidFill>
-        </p:spPr>
-        <p:style>
-          <a:lnRef idx="2">
-            <a:schemeClr val="accent1">
-              <a:shade val="50000"/>
-            </a:schemeClr>
-          </a:lnRef>
-          <a:fillRef idx="1">
-            <a:schemeClr val="accent1"/>
-          </a:fillRef>
-          <a:effectRef idx="0">
-            <a:schemeClr val="accent1"/>
-          </a:effectRef>
-          <a:fontRef idx="minor">
-            <a:schemeClr val="lt1"/>
-          </a:fontRef>
-        </p:style>
-        <p:txBody>
-          <a:bodyPr rtlCol="0" anchor="ctr"/>
-          <a:lstStyle/>
-          <a:p>
-            <a:pPr algn="ctr"/>
-            <a:endParaRPr lang="it-IT" dirty="0"/>
-          </a:p>
-        </p:txBody>
-      </p:sp>
-      <p:sp>
-        <p:nvSpPr>
-          <p:cNvPr id="5" name="CasellaDiTesto 4"/>
-          <p:cNvSpPr txBox="1"/>
-          <p:nvPr/>
-        </p:nvSpPr>
-        <p:spPr>
-          <a:xfrm>
-            <a:off x="10703275" y="2116897"/>
-            <a:ext cx="917239" cy="461665"/>
-          </a:xfrm>
-          <a:prstGeom prst="rect">
-            <a:avLst/>
-          </a:prstGeom>
-          <a:noFill/>
-        </p:spPr>
-        <p:txBody>
-          <a:bodyPr wrap="none" rtlCol="0">
-            <a:spAutoFit/>
-          </a:bodyPr>
-          <a:lstStyle/>
-          <a:p>
-            <a:r>
-              <a:rPr lang="it-IT" sz="2400" dirty="0" err="1" smtClean="0"/>
-              <a:t>Dbms</a:t>
-            </a:r>
-            <a:endParaRPr lang="it-IT" sz="2400" dirty="0" smtClean="0"/>
-          </a:p>
-        </p:txBody>
-      </p:sp>
-      <p:pic>
-        <p:nvPicPr>
-          <p:cNvPr id="6" name="Immagine 5"/>
-          <p:cNvPicPr>
-            <a:picLocks noChangeAspect="1"/>
-          </p:cNvPicPr>
-          <p:nvPr/>
-        </p:nvPicPr>
-        <p:blipFill>
-          <a:blip r:embed="rId2">
-            <a:extLst>
-              <a:ext uri="{28A0092B-C50C-407E-A947-70E740481C1C}">
-                <a14:useLocalDpi xmlns:a14="http://schemas.microsoft.com/office/drawing/2010/main" val="0"/>
-              </a:ext>
-            </a:extLst>
-          </a:blip>
-          <a:stretch>
-            <a:fillRect/>
-          </a:stretch>
-        </p:blipFill>
-        <p:spPr>
-          <a:xfrm>
-            <a:off x="10134220" y="2599435"/>
-            <a:ext cx="507936" cy="507936"/>
-          </a:xfrm>
-          <a:prstGeom prst="rect">
-            <a:avLst/>
-          </a:prstGeom>
-        </p:spPr>
-      </p:pic>
-      <p:pic>
-        <p:nvPicPr>
-          <p:cNvPr id="8" name="Immagine 7"/>
-          <p:cNvPicPr>
-            <a:picLocks noChangeAspect="1"/>
-          </p:cNvPicPr>
-          <p:nvPr/>
-        </p:nvPicPr>
-        <p:blipFill>
-          <a:blip r:embed="rId2">
-            <a:extLst>
-              <a:ext uri="{28A0092B-C50C-407E-A947-70E740481C1C}">
-                <a14:useLocalDpi xmlns:a14="http://schemas.microsoft.com/office/drawing/2010/main" val="0"/>
-              </a:ext>
-            </a:extLst>
-          </a:blip>
-          <a:stretch>
-            <a:fillRect/>
-          </a:stretch>
-        </p:blipFill>
-        <p:spPr>
-          <a:xfrm>
-            <a:off x="10114405" y="3309862"/>
-            <a:ext cx="507936" cy="507936"/>
-          </a:xfrm>
-          <a:prstGeom prst="rect">
-            <a:avLst/>
-          </a:prstGeom>
-        </p:spPr>
-      </p:pic>
-      <p:sp>
-        <p:nvSpPr>
-          <p:cNvPr id="9" name="CasellaDiTesto 8"/>
-          <p:cNvSpPr txBox="1"/>
-          <p:nvPr/>
-        </p:nvSpPr>
-        <p:spPr>
-          <a:xfrm>
-            <a:off x="10642156" y="2679641"/>
-            <a:ext cx="1074525" cy="307777"/>
-          </a:xfrm>
-          <a:prstGeom prst="rect">
-            <a:avLst/>
-          </a:prstGeom>
-          <a:noFill/>
-        </p:spPr>
-        <p:txBody>
-          <a:bodyPr wrap="none" rtlCol="0">
-            <a:spAutoFit/>
-          </a:bodyPr>
-          <a:lstStyle/>
-          <a:p>
-            <a:r>
-              <a:rPr lang="it-IT" sz="1400" dirty="0" err="1" smtClean="0"/>
-              <a:t>External</a:t>
-            </a:r>
-            <a:r>
-              <a:rPr lang="it-IT" sz="1400" dirty="0" smtClean="0"/>
-              <a:t> DB</a:t>
-            </a:r>
-            <a:endParaRPr lang="it-IT" sz="1400" dirty="0"/>
-          </a:p>
-        </p:txBody>
-      </p:sp>
-      <p:sp>
-        <p:nvSpPr>
-          <p:cNvPr id="11" name="CasellaDiTesto 10"/>
-          <p:cNvSpPr txBox="1"/>
-          <p:nvPr/>
-        </p:nvSpPr>
-        <p:spPr>
-          <a:xfrm>
-            <a:off x="10624238" y="3389846"/>
-            <a:ext cx="1293816" cy="307777"/>
-          </a:xfrm>
-          <a:prstGeom prst="rect">
-            <a:avLst/>
-          </a:prstGeom>
-          <a:noFill/>
-        </p:spPr>
-        <p:txBody>
-          <a:bodyPr wrap="none" rtlCol="0">
-            <a:spAutoFit/>
-          </a:bodyPr>
-          <a:lstStyle/>
-          <a:p>
-            <a:r>
-              <a:rPr lang="it-IT" sz="1400" dirty="0" err="1" smtClean="0"/>
-              <a:t>Travlendar</a:t>
-            </a:r>
-            <a:r>
-              <a:rPr lang="it-IT" sz="1400" dirty="0" smtClean="0"/>
-              <a:t>+ DB</a:t>
-            </a:r>
-            <a:endParaRPr lang="it-IT" sz="1400" dirty="0"/>
-          </a:p>
-        </p:txBody>
-      </p:sp>
-      <p:sp>
-        <p:nvSpPr>
-          <p:cNvPr id="12" name="CasellaDiTesto 11"/>
-          <p:cNvSpPr txBox="1"/>
-          <p:nvPr/>
-        </p:nvSpPr>
-        <p:spPr>
-          <a:xfrm>
-            <a:off x="8477247" y="2181755"/>
-            <a:ext cx="1005212" cy="461665"/>
-          </a:xfrm>
-          <a:prstGeom prst="rect">
-            <a:avLst/>
-          </a:prstGeom>
-          <a:noFill/>
-        </p:spPr>
-        <p:txBody>
-          <a:bodyPr wrap="none" rtlCol="0">
-            <a:spAutoFit/>
-          </a:bodyPr>
-          <a:lstStyle/>
-          <a:p>
-            <a:r>
-              <a:rPr lang="it-IT" sz="2400" dirty="0" smtClean="0"/>
-              <a:t>Server</a:t>
-            </a:r>
-          </a:p>
-        </p:txBody>
-      </p:sp>
-      <p:pic>
-        <p:nvPicPr>
-          <p:cNvPr id="17" name="Immagine 16"/>
-          <p:cNvPicPr>
-            <a:picLocks noChangeAspect="1"/>
-          </p:cNvPicPr>
-          <p:nvPr/>
-        </p:nvPicPr>
-        <p:blipFill>
-          <a:blip r:embed="rId3">
-            <a:extLst>
-              <a:ext uri="{28A0092B-C50C-407E-A947-70E740481C1C}">
-                <a14:useLocalDpi xmlns:a14="http://schemas.microsoft.com/office/drawing/2010/main" val="0"/>
-              </a:ext>
-            </a:extLst>
-          </a:blip>
-          <a:stretch>
-            <a:fillRect/>
-          </a:stretch>
-        </p:blipFill>
-        <p:spPr>
-          <a:xfrm>
-            <a:off x="8774510" y="2879425"/>
-            <a:ext cx="615543" cy="615543"/>
-          </a:xfrm>
-          <a:prstGeom prst="rect">
-            <a:avLst/>
-          </a:prstGeom>
-        </p:spPr>
-      </p:pic>
-      <p:sp>
-        <p:nvSpPr>
-          <p:cNvPr id="19" name="CasellaDiTesto 18"/>
-          <p:cNvSpPr txBox="1"/>
-          <p:nvPr/>
-        </p:nvSpPr>
-        <p:spPr>
-          <a:xfrm>
-            <a:off x="8305561" y="3569757"/>
-            <a:ext cx="1553439" cy="307777"/>
-          </a:xfrm>
-          <a:prstGeom prst="rect">
-            <a:avLst/>
-          </a:prstGeom>
-          <a:noFill/>
-        </p:spPr>
-        <p:txBody>
-          <a:bodyPr wrap="none" rtlCol="0">
-            <a:spAutoFit/>
-          </a:bodyPr>
-          <a:lstStyle/>
-          <a:p>
-            <a:r>
-              <a:rPr lang="it-IT" sz="1400" dirty="0" err="1" smtClean="0"/>
-              <a:t>Travlendar</a:t>
-            </a:r>
-            <a:r>
-              <a:rPr lang="it-IT" sz="1400" dirty="0" smtClean="0"/>
-              <a:t>+ Server</a:t>
-            </a:r>
-            <a:endParaRPr lang="it-IT" sz="1400" dirty="0"/>
-          </a:p>
-        </p:txBody>
-      </p:sp>
-      <p:sp>
-        <p:nvSpPr>
-          <p:cNvPr id="40" name="Rettangolo arrotondato 39"/>
-          <p:cNvSpPr/>
-          <p:nvPr/>
-        </p:nvSpPr>
-        <p:spPr>
-          <a:xfrm>
-            <a:off x="485016" y="2421500"/>
-            <a:ext cx="1904172" cy="1583830"/>
-          </a:xfrm>
-          <a:prstGeom prst="roundRect">
-            <a:avLst/>
-          </a:prstGeom>
-          <a:solidFill>
-            <a:schemeClr val="accent1">
-              <a:lumMod val="60000"/>
-              <a:lumOff val="40000"/>
-            </a:schemeClr>
-          </a:solidFill>
-        </p:spPr>
-        <p:style>
-          <a:lnRef idx="2">
-            <a:schemeClr val="accent1">
-              <a:shade val="50000"/>
-            </a:schemeClr>
-          </a:lnRef>
-          <a:fillRef idx="1">
-            <a:schemeClr val="accent1"/>
-          </a:fillRef>
-          <a:effectRef idx="0">
-            <a:schemeClr val="accent1"/>
-          </a:effectRef>
-          <a:fontRef idx="minor">
-            <a:schemeClr val="lt1"/>
-          </a:fontRef>
-        </p:style>
-        <p:txBody>
-          <a:bodyPr rtlCol="0" anchor="ctr"/>
-          <a:lstStyle/>
-          <a:p>
-            <a:pPr algn="ctr"/>
-            <a:endParaRPr lang="it-IT" dirty="0"/>
-          </a:p>
-        </p:txBody>
-      </p:sp>
-      <p:sp>
-        <p:nvSpPr>
-          <p:cNvPr id="41" name="CasellaDiTesto 40"/>
-          <p:cNvSpPr txBox="1"/>
-          <p:nvPr/>
-        </p:nvSpPr>
-        <p:spPr>
-          <a:xfrm>
-            <a:off x="719603" y="1917524"/>
-            <a:ext cx="923971" cy="461665"/>
-          </a:xfrm>
-          <a:prstGeom prst="rect">
-            <a:avLst/>
-          </a:prstGeom>
-          <a:noFill/>
-        </p:spPr>
-        <p:txBody>
-          <a:bodyPr wrap="none" rtlCol="0">
-            <a:spAutoFit/>
-          </a:bodyPr>
-          <a:lstStyle/>
-          <a:p>
-            <a:r>
-              <a:rPr lang="it-IT" sz="2400" b="1" dirty="0" smtClean="0"/>
-              <a:t>Client</a:t>
-            </a:r>
-          </a:p>
-        </p:txBody>
-      </p:sp>
-      <p:sp>
-        <p:nvSpPr>
-          <p:cNvPr id="42" name="Rettangolo 41"/>
-          <p:cNvSpPr/>
-          <p:nvPr/>
-        </p:nvSpPr>
-        <p:spPr>
-          <a:xfrm>
-            <a:off x="644407" y="2639688"/>
-            <a:ext cx="1549715" cy="1178110"/>
-          </a:xfrm>
-          <a:prstGeom prst="rect">
-            <a:avLst/>
-          </a:prstGeom>
-        </p:spPr>
-        <p:style>
-          <a:lnRef idx="2">
-            <a:schemeClr val="accent1">
-              <a:shade val="50000"/>
-            </a:schemeClr>
-          </a:lnRef>
-          <a:fillRef idx="1">
-            <a:schemeClr val="accent1"/>
-          </a:fillRef>
-          <a:effectRef idx="0">
-            <a:schemeClr val="accent1"/>
-          </a:effectRef>
-          <a:fontRef idx="minor">
-            <a:schemeClr val="lt1"/>
-          </a:fontRef>
-        </p:style>
-        <p:txBody>
-          <a:bodyPr rtlCol="0" anchor="ctr"/>
-          <a:lstStyle/>
-          <a:p>
-            <a:r>
-              <a:rPr lang="it-IT" dirty="0" smtClean="0"/>
-              <a:t>Mobile Interface</a:t>
-            </a:r>
-            <a:endParaRPr lang="it-IT" dirty="0"/>
-          </a:p>
-        </p:txBody>
-      </p:sp>
-      <p:pic>
-        <p:nvPicPr>
-          <p:cNvPr id="47" name="Immagine 46"/>
-          <p:cNvPicPr>
-            <a:picLocks noChangeAspect="1"/>
-          </p:cNvPicPr>
-          <p:nvPr/>
-        </p:nvPicPr>
-        <p:blipFill>
-          <a:blip r:embed="rId4">
-            <a:extLst>
-              <a:ext uri="{28A0092B-C50C-407E-A947-70E740481C1C}">
-                <a14:useLocalDpi xmlns:a14="http://schemas.microsoft.com/office/drawing/2010/main" val="0"/>
-              </a:ext>
-            </a:extLst>
-          </a:blip>
-          <a:stretch>
-            <a:fillRect/>
-          </a:stretch>
-        </p:blipFill>
-        <p:spPr>
-          <a:xfrm>
-            <a:off x="1643574" y="1894388"/>
-            <a:ext cx="507936" cy="507936"/>
-          </a:xfrm>
-          <a:prstGeom prst="rect">
-            <a:avLst/>
-          </a:prstGeom>
-        </p:spPr>
-      </p:pic>
-      <p:sp>
-        <p:nvSpPr>
-          <p:cNvPr id="48" name="Rettangolo arrotondato 47"/>
-          <p:cNvSpPr/>
-          <p:nvPr/>
-        </p:nvSpPr>
-        <p:spPr>
-          <a:xfrm>
-            <a:off x="2969935" y="2404506"/>
-            <a:ext cx="1977527" cy="1282605"/>
-          </a:xfrm>
-          <a:prstGeom prst="roundRect">
-            <a:avLst/>
-          </a:prstGeom>
-          <a:solidFill>
-            <a:schemeClr val="accent1">
-              <a:lumMod val="60000"/>
-              <a:lumOff val="40000"/>
-            </a:schemeClr>
-          </a:solidFill>
-        </p:spPr>
-        <p:style>
-          <a:lnRef idx="2">
-            <a:schemeClr val="accent1">
-              <a:shade val="50000"/>
-            </a:schemeClr>
-          </a:lnRef>
-          <a:fillRef idx="1">
-            <a:schemeClr val="accent1"/>
-          </a:fillRef>
-          <a:effectRef idx="0">
-            <a:schemeClr val="accent1"/>
-          </a:effectRef>
-          <a:fontRef idx="minor">
-            <a:schemeClr val="lt1"/>
-          </a:fontRef>
-        </p:style>
-        <p:txBody>
-          <a:bodyPr rtlCol="0" anchor="ctr"/>
-          <a:lstStyle/>
-          <a:p>
-            <a:pPr algn="ctr"/>
-            <a:endParaRPr lang="it-IT" dirty="0"/>
-          </a:p>
-        </p:txBody>
-      </p:sp>
-      <p:sp>
-        <p:nvSpPr>
-          <p:cNvPr id="49" name="Rettangolo 48"/>
-          <p:cNvSpPr/>
-          <p:nvPr/>
-        </p:nvSpPr>
-        <p:spPr>
-          <a:xfrm>
-            <a:off x="3196914" y="2662688"/>
-            <a:ext cx="1549715" cy="754276"/>
-          </a:xfrm>
-          <a:prstGeom prst="rect">
-            <a:avLst/>
-          </a:prstGeom>
-        </p:spPr>
-        <p:style>
-          <a:lnRef idx="2">
-            <a:schemeClr val="accent1">
-              <a:shade val="50000"/>
-            </a:schemeClr>
-          </a:lnRef>
-          <a:fillRef idx="1">
-            <a:schemeClr val="accent1"/>
-          </a:fillRef>
-          <a:effectRef idx="0">
-            <a:schemeClr val="accent1"/>
-          </a:effectRef>
-          <a:fontRef idx="minor">
-            <a:schemeClr val="lt1"/>
-          </a:fontRef>
-        </p:style>
-        <p:txBody>
-          <a:bodyPr rtlCol="0" anchor="ctr"/>
-          <a:lstStyle/>
-          <a:p>
-            <a:pPr algn="ctr"/>
-            <a:r>
-              <a:rPr lang="it-IT" dirty="0" smtClean="0"/>
-              <a:t>Application</a:t>
-            </a:r>
-            <a:endParaRPr lang="it-IT" dirty="0"/>
-          </a:p>
-        </p:txBody>
-      </p:sp>
-      <p:sp>
-        <p:nvSpPr>
-          <p:cNvPr id="50" name="CasellaDiTesto 49"/>
-          <p:cNvSpPr txBox="1"/>
-          <p:nvPr/>
-        </p:nvSpPr>
-        <p:spPr>
-          <a:xfrm>
-            <a:off x="4825385" y="530665"/>
-            <a:ext cx="2765757" cy="461665"/>
-          </a:xfrm>
-          <a:prstGeom prst="rect">
-            <a:avLst/>
-          </a:prstGeom>
-          <a:noFill/>
-        </p:spPr>
-        <p:txBody>
-          <a:bodyPr wrap="none" rtlCol="0">
-            <a:spAutoFit/>
-          </a:bodyPr>
-          <a:lstStyle/>
-          <a:p>
-            <a:r>
-              <a:rPr lang="it-IT" sz="2400" b="1" dirty="0" smtClean="0"/>
-              <a:t>Remote Data Access</a:t>
-            </a:r>
-          </a:p>
-        </p:txBody>
-      </p:sp>
-      <p:sp>
-        <p:nvSpPr>
-          <p:cNvPr id="52" name="Nuvola 51"/>
-          <p:cNvSpPr/>
-          <p:nvPr/>
-        </p:nvSpPr>
-        <p:spPr>
-          <a:xfrm>
-            <a:off x="5373655" y="2435472"/>
-            <a:ext cx="2451831" cy="1208708"/>
-          </a:xfrm>
-          <a:prstGeom prst="cloud">
-            <a:avLst/>
-          </a:prstGeom>
-        </p:spPr>
-        <p:style>
-          <a:lnRef idx="2">
-            <a:schemeClr val="accent1">
-              <a:shade val="50000"/>
-            </a:schemeClr>
-          </a:lnRef>
-          <a:fillRef idx="1">
-            <a:schemeClr val="accent1"/>
-          </a:fillRef>
-          <a:effectRef idx="0">
-            <a:schemeClr val="accent1"/>
-          </a:effectRef>
-          <a:fontRef idx="minor">
-            <a:schemeClr val="lt1"/>
-          </a:fontRef>
-        </p:style>
-        <p:txBody>
-          <a:bodyPr rtlCol="0" anchor="ctr"/>
-          <a:lstStyle/>
-          <a:p>
-            <a:pPr algn="ctr"/>
-            <a:r>
-              <a:rPr lang="it-IT" dirty="0" smtClean="0"/>
-              <a:t>Network</a:t>
-            </a:r>
-            <a:endParaRPr lang="it-IT" dirty="0"/>
-          </a:p>
-        </p:txBody>
-      </p:sp>
-      <p:sp>
-        <p:nvSpPr>
-          <p:cNvPr id="54" name="CasellaDiTesto 53"/>
-          <p:cNvSpPr txBox="1"/>
-          <p:nvPr/>
-        </p:nvSpPr>
-        <p:spPr>
-          <a:xfrm>
-            <a:off x="9740129" y="1458529"/>
-            <a:ext cx="784702" cy="461665"/>
-          </a:xfrm>
-          <a:prstGeom prst="rect">
-            <a:avLst/>
-          </a:prstGeom>
-          <a:noFill/>
-        </p:spPr>
-        <p:txBody>
-          <a:bodyPr wrap="none" rtlCol="0">
-            <a:spAutoFit/>
-          </a:bodyPr>
-          <a:lstStyle/>
-          <a:p>
-            <a:r>
-              <a:rPr lang="it-IT" sz="2400" b="1" dirty="0" smtClean="0"/>
-              <a:t>Data</a:t>
-            </a:r>
-          </a:p>
-        </p:txBody>
-      </p:sp>
-      <p:cxnSp>
-        <p:nvCxnSpPr>
-          <p:cNvPr id="63" name="Connettore 2 62"/>
-          <p:cNvCxnSpPr>
-            <a:stCxn id="17" idx="3"/>
-            <a:endCxn id="6" idx="1"/>
-          </p:cNvCxnSpPr>
-          <p:nvPr/>
-        </p:nvCxnSpPr>
-        <p:spPr>
-          <a:xfrm flipV="1">
-            <a:off x="9390053" y="2853403"/>
-            <a:ext cx="744167" cy="333794"/>
-          </a:xfrm>
-          <a:prstGeom prst="straightConnector1">
-            <a:avLst/>
-          </a:prstGeom>
-          <a:ln>
-            <a:tailEnd type="triangle"/>
-          </a:ln>
-        </p:spPr>
-        <p:style>
-          <a:lnRef idx="1">
-            <a:schemeClr val="accent1"/>
-          </a:lnRef>
-          <a:fillRef idx="0">
-            <a:schemeClr val="accent1"/>
-          </a:fillRef>
-          <a:effectRef idx="0">
-            <a:schemeClr val="accent1"/>
-          </a:effectRef>
-          <a:fontRef idx="minor">
-            <a:schemeClr val="tx1"/>
-          </a:fontRef>
-        </p:style>
-      </p:cxnSp>
-      <p:cxnSp>
-        <p:nvCxnSpPr>
-          <p:cNvPr id="65" name="Connettore 2 64"/>
-          <p:cNvCxnSpPr>
-            <a:stCxn id="17" idx="3"/>
-            <a:endCxn id="8" idx="1"/>
-          </p:cNvCxnSpPr>
-          <p:nvPr/>
-        </p:nvCxnSpPr>
-        <p:spPr>
-          <a:xfrm>
-            <a:off x="9390053" y="3187197"/>
-            <a:ext cx="724352" cy="376633"/>
-          </a:xfrm>
-          <a:prstGeom prst="straightConnector1">
-            <a:avLst/>
-          </a:prstGeom>
-          <a:ln>
-            <a:tailEnd type="triangle"/>
-          </a:ln>
-        </p:spPr>
-        <p:style>
-          <a:lnRef idx="1">
-            <a:schemeClr val="accent1"/>
-          </a:lnRef>
-          <a:fillRef idx="0">
-            <a:schemeClr val="accent1"/>
-          </a:fillRef>
-          <a:effectRef idx="0">
-            <a:schemeClr val="accent1"/>
-          </a:effectRef>
-          <a:fontRef idx="minor">
-            <a:schemeClr val="tx1"/>
-          </a:fontRef>
-        </p:style>
-      </p:cxnSp>
-      <p:sp>
-        <p:nvSpPr>
-          <p:cNvPr id="71" name="Freccia a destra 70"/>
-          <p:cNvSpPr/>
-          <p:nvPr/>
-        </p:nvSpPr>
-        <p:spPr>
-          <a:xfrm>
-            <a:off x="2313776" y="3251327"/>
-            <a:ext cx="799764" cy="345941"/>
-          </a:xfrm>
-          <a:prstGeom prst="rightArrow">
-            <a:avLst>
-              <a:gd name="adj1" fmla="val 50000"/>
-              <a:gd name="adj2" fmla="val 112949"/>
-            </a:avLst>
-          </a:prstGeom>
-        </p:spPr>
-        <p:style>
-          <a:lnRef idx="1">
-            <a:schemeClr val="dk1"/>
-          </a:lnRef>
-          <a:fillRef idx="2">
-            <a:schemeClr val="dk1"/>
-          </a:fillRef>
-          <a:effectRef idx="1">
-            <a:schemeClr val="dk1"/>
-          </a:effectRef>
-          <a:fontRef idx="minor">
-            <a:schemeClr val="dk1"/>
-          </a:fontRef>
-        </p:style>
-        <p:txBody>
-          <a:bodyPr rtlCol="0" anchor="ctr"/>
-          <a:lstStyle/>
-          <a:p>
-            <a:pPr algn="ctr"/>
-            <a:endParaRPr lang="it-IT"/>
-          </a:p>
-        </p:txBody>
-      </p:sp>
-      <p:sp>
-        <p:nvSpPr>
-          <p:cNvPr id="72" name="Freccia a destra 71"/>
-          <p:cNvSpPr/>
-          <p:nvPr/>
-        </p:nvSpPr>
-        <p:spPr>
-          <a:xfrm>
-            <a:off x="4825385" y="3257076"/>
-            <a:ext cx="799764" cy="345941"/>
-          </a:xfrm>
-          <a:prstGeom prst="rightArrow">
-            <a:avLst>
-              <a:gd name="adj1" fmla="val 50000"/>
-              <a:gd name="adj2" fmla="val 112949"/>
-            </a:avLst>
-          </a:prstGeom>
-        </p:spPr>
-        <p:style>
-          <a:lnRef idx="1">
-            <a:schemeClr val="dk1"/>
-          </a:lnRef>
-          <a:fillRef idx="2">
-            <a:schemeClr val="dk1"/>
-          </a:fillRef>
-          <a:effectRef idx="1">
-            <a:schemeClr val="dk1"/>
-          </a:effectRef>
-          <a:fontRef idx="minor">
-            <a:schemeClr val="dk1"/>
-          </a:fontRef>
-        </p:style>
-        <p:txBody>
-          <a:bodyPr rtlCol="0" anchor="ctr"/>
-          <a:lstStyle/>
-          <a:p>
-            <a:pPr algn="ctr"/>
-            <a:endParaRPr lang="it-IT"/>
-          </a:p>
-        </p:txBody>
-      </p:sp>
-      <p:sp>
-        <p:nvSpPr>
-          <p:cNvPr id="73" name="Freccia a destra 72"/>
-          <p:cNvSpPr/>
-          <p:nvPr/>
-        </p:nvSpPr>
-        <p:spPr>
-          <a:xfrm>
-            <a:off x="7677263" y="3256975"/>
-            <a:ext cx="799764" cy="345941"/>
-          </a:xfrm>
-          <a:prstGeom prst="rightArrow">
-            <a:avLst>
-              <a:gd name="adj1" fmla="val 50000"/>
-              <a:gd name="adj2" fmla="val 112949"/>
-            </a:avLst>
-          </a:prstGeom>
-        </p:spPr>
-        <p:style>
-          <a:lnRef idx="1">
-            <a:schemeClr val="dk1"/>
-          </a:lnRef>
-          <a:fillRef idx="2">
-            <a:schemeClr val="dk1"/>
-          </a:fillRef>
-          <a:effectRef idx="1">
-            <a:schemeClr val="dk1"/>
-          </a:effectRef>
-          <a:fontRef idx="minor">
-            <a:schemeClr val="dk1"/>
-          </a:fontRef>
-        </p:style>
-        <p:txBody>
-          <a:bodyPr rtlCol="0" anchor="ctr"/>
-          <a:lstStyle/>
-          <a:p>
-            <a:pPr algn="ctr"/>
-            <a:endParaRPr lang="it-IT"/>
-          </a:p>
-        </p:txBody>
-      </p:sp>
-      <p:sp>
-        <p:nvSpPr>
-          <p:cNvPr id="74" name="Freccia a destra 73"/>
-          <p:cNvSpPr/>
-          <p:nvPr/>
-        </p:nvSpPr>
-        <p:spPr>
-          <a:xfrm rot="10800000">
-            <a:off x="2235020" y="2606565"/>
-            <a:ext cx="799764" cy="345941"/>
-          </a:xfrm>
-          <a:prstGeom prst="rightArrow">
-            <a:avLst>
-              <a:gd name="adj1" fmla="val 50000"/>
-              <a:gd name="adj2" fmla="val 112949"/>
-            </a:avLst>
-          </a:prstGeom>
-        </p:spPr>
-        <p:style>
-          <a:lnRef idx="1">
-            <a:schemeClr val="dk1"/>
-          </a:lnRef>
-          <a:fillRef idx="2">
-            <a:schemeClr val="dk1"/>
-          </a:fillRef>
-          <a:effectRef idx="1">
-            <a:schemeClr val="dk1"/>
-          </a:effectRef>
-          <a:fontRef idx="minor">
-            <a:schemeClr val="dk1"/>
-          </a:fontRef>
-        </p:style>
-        <p:txBody>
-          <a:bodyPr rtlCol="0" anchor="ctr"/>
-          <a:lstStyle/>
-          <a:p>
-            <a:pPr algn="ctr"/>
-            <a:endParaRPr lang="it-IT"/>
-          </a:p>
-        </p:txBody>
-      </p:sp>
-      <p:sp>
-        <p:nvSpPr>
-          <p:cNvPr id="75" name="Freccia a destra 74"/>
-          <p:cNvSpPr/>
-          <p:nvPr/>
-        </p:nvSpPr>
-        <p:spPr>
-          <a:xfrm rot="10800000">
-            <a:off x="4746629" y="2612314"/>
-            <a:ext cx="799764" cy="345941"/>
-          </a:xfrm>
-          <a:prstGeom prst="rightArrow">
-            <a:avLst>
-              <a:gd name="adj1" fmla="val 50000"/>
-              <a:gd name="adj2" fmla="val 112949"/>
-            </a:avLst>
-          </a:prstGeom>
-        </p:spPr>
-        <p:style>
-          <a:lnRef idx="1">
-            <a:schemeClr val="dk1"/>
-          </a:lnRef>
-          <a:fillRef idx="2">
-            <a:schemeClr val="dk1"/>
-          </a:fillRef>
-          <a:effectRef idx="1">
-            <a:schemeClr val="dk1"/>
-          </a:effectRef>
-          <a:fontRef idx="minor">
-            <a:schemeClr val="dk1"/>
-          </a:fontRef>
-        </p:style>
-        <p:txBody>
-          <a:bodyPr rtlCol="0" anchor="ctr"/>
-          <a:lstStyle/>
-          <a:p>
-            <a:pPr algn="ctr"/>
-            <a:endParaRPr lang="it-IT"/>
-          </a:p>
-        </p:txBody>
-      </p:sp>
-      <p:sp>
-        <p:nvSpPr>
-          <p:cNvPr id="76" name="Freccia a destra 75"/>
-          <p:cNvSpPr/>
-          <p:nvPr/>
-        </p:nvSpPr>
-        <p:spPr>
-          <a:xfrm rot="10800000">
-            <a:off x="7598507" y="2612213"/>
-            <a:ext cx="799764" cy="345941"/>
-          </a:xfrm>
-          <a:prstGeom prst="rightArrow">
-            <a:avLst>
-              <a:gd name="adj1" fmla="val 50000"/>
-              <a:gd name="adj2" fmla="val 112949"/>
-            </a:avLst>
-          </a:prstGeom>
-        </p:spPr>
-        <p:style>
-          <a:lnRef idx="1">
-            <a:schemeClr val="dk1"/>
-          </a:lnRef>
-          <a:fillRef idx="2">
-            <a:schemeClr val="dk1"/>
-          </a:fillRef>
-          <a:effectRef idx="1">
-            <a:schemeClr val="dk1"/>
-          </a:effectRef>
-          <a:fontRef idx="minor">
-            <a:schemeClr val="dk1"/>
-          </a:fontRef>
-        </p:style>
-        <p:txBody>
-          <a:bodyPr rtlCol="0" anchor="ctr"/>
-          <a:lstStyle/>
-          <a:p>
-            <a:pPr algn="ctr"/>
-            <a:endParaRPr lang="it-IT"/>
-          </a:p>
-        </p:txBody>
-      </p:sp>
-      <p:pic>
-        <p:nvPicPr>
-          <p:cNvPr id="2" name="Immagine 1"/>
-          <p:cNvPicPr>
-            <a:picLocks noChangeAspect="1"/>
-          </p:cNvPicPr>
-          <p:nvPr/>
-        </p:nvPicPr>
-        <p:blipFill>
-          <a:blip r:embed="rId5">
-            <a:extLst>
-              <a:ext uri="{28A0092B-C50C-407E-A947-70E740481C1C}">
-                <a14:useLocalDpi xmlns:a14="http://schemas.microsoft.com/office/drawing/2010/main" val="0"/>
-              </a:ext>
-            </a:extLst>
-          </a:blip>
-          <a:stretch>
-            <a:fillRect/>
-          </a:stretch>
-        </p:blipFill>
-        <p:spPr>
-          <a:xfrm>
-            <a:off x="3426933" y="1123173"/>
-            <a:ext cx="1189233" cy="1189233"/>
-          </a:xfrm>
-          <a:prstGeom prst="rect">
-            <a:avLst/>
-          </a:prstGeom>
-        </p:spPr>
-      </p:pic>
-      <p:sp>
-        <p:nvSpPr>
-          <p:cNvPr id="30" name="CasellaDiTesto 29"/>
-          <p:cNvSpPr txBox="1"/>
-          <p:nvPr/>
-        </p:nvSpPr>
-        <p:spPr>
-          <a:xfrm>
-            <a:off x="4449684" y="1437306"/>
-            <a:ext cx="1005212" cy="461665"/>
-          </a:xfrm>
-          <a:prstGeom prst="rect">
-            <a:avLst/>
-          </a:prstGeom>
-          <a:noFill/>
-        </p:spPr>
-        <p:txBody>
-          <a:bodyPr wrap="none" rtlCol="0">
-            <a:spAutoFit/>
-          </a:bodyPr>
-          <a:lstStyle/>
-          <a:p>
-            <a:r>
-              <a:rPr lang="it-IT" sz="2400" b="1" dirty="0" smtClean="0"/>
-              <a:t>Server</a:t>
-            </a:r>
-          </a:p>
-        </p:txBody>
-      </p:sp>
-      <p:pic>
-        <p:nvPicPr>
-          <p:cNvPr id="7" name="Immagine 6"/>
-          <p:cNvPicPr>
-            <a:picLocks noChangeAspect="1"/>
-          </p:cNvPicPr>
-          <p:nvPr/>
-        </p:nvPicPr>
-        <p:blipFill>
-          <a:blip r:embed="rId6" cstate="print">
-            <a:extLst>
-              <a:ext uri="{28A0092B-C50C-407E-A947-70E740481C1C}">
-                <a14:useLocalDpi xmlns:a14="http://schemas.microsoft.com/office/drawing/2010/main" val="0"/>
-              </a:ext>
-            </a:extLst>
-          </a:blip>
-          <a:stretch>
-            <a:fillRect/>
-          </a:stretch>
-        </p:blipFill>
-        <p:spPr>
-          <a:xfrm>
-            <a:off x="1464426" y="2806423"/>
-            <a:ext cx="844639" cy="844639"/>
-          </a:xfrm>
-          <a:prstGeom prst="rect">
-            <a:avLst/>
-          </a:prstGeom>
-        </p:spPr>
-      </p:pic>
-    </p:spTree>
-    <p:extLst>
-      <p:ext uri="{BB962C8B-B14F-4D97-AF65-F5344CB8AC3E}">
-        <p14:creationId xmlns:p14="http://schemas.microsoft.com/office/powerpoint/2010/main" val="3670902405"/>
       </p:ext>
     </p:extLst>
   </p:cSld>

--- a/Design Documents/Architecture.pptx
+++ b/Design Documents/Architecture.pptx
@@ -247,7 +247,7 @@
           <a:p>
             <a:fld id="{A55F64E7-21DC-4948-96D3-438E939D9136}" type="datetimeFigureOut">
               <a:rPr lang="it-IT" smtClean="0"/>
-              <a:t>18/11/2017</a:t>
+              <a:t>19/11/2017</a:t>
             </a:fld>
             <a:endParaRPr lang="it-IT"/>
           </a:p>
@@ -417,7 +417,7 @@
           <a:p>
             <a:fld id="{A55F64E7-21DC-4948-96D3-438E939D9136}" type="datetimeFigureOut">
               <a:rPr lang="it-IT" smtClean="0"/>
-              <a:t>18/11/2017</a:t>
+              <a:t>19/11/2017</a:t>
             </a:fld>
             <a:endParaRPr lang="it-IT"/>
           </a:p>
@@ -597,7 +597,7 @@
           <a:p>
             <a:fld id="{A55F64E7-21DC-4948-96D3-438E939D9136}" type="datetimeFigureOut">
               <a:rPr lang="it-IT" smtClean="0"/>
-              <a:t>18/11/2017</a:t>
+              <a:t>19/11/2017</a:t>
             </a:fld>
             <a:endParaRPr lang="it-IT"/>
           </a:p>
@@ -767,7 +767,7 @@
           <a:p>
             <a:fld id="{A55F64E7-21DC-4948-96D3-438E939D9136}" type="datetimeFigureOut">
               <a:rPr lang="it-IT" smtClean="0"/>
-              <a:t>18/11/2017</a:t>
+              <a:t>19/11/2017</a:t>
             </a:fld>
             <a:endParaRPr lang="it-IT"/>
           </a:p>
@@ -1013,7 +1013,7 @@
           <a:p>
             <a:fld id="{A55F64E7-21DC-4948-96D3-438E939D9136}" type="datetimeFigureOut">
               <a:rPr lang="it-IT" smtClean="0"/>
-              <a:t>18/11/2017</a:t>
+              <a:t>19/11/2017</a:t>
             </a:fld>
             <a:endParaRPr lang="it-IT"/>
           </a:p>
@@ -1245,7 +1245,7 @@
           <a:p>
             <a:fld id="{A55F64E7-21DC-4948-96D3-438E939D9136}" type="datetimeFigureOut">
               <a:rPr lang="it-IT" smtClean="0"/>
-              <a:t>18/11/2017</a:t>
+              <a:t>19/11/2017</a:t>
             </a:fld>
             <a:endParaRPr lang="it-IT"/>
           </a:p>
@@ -1612,7 +1612,7 @@
           <a:p>
             <a:fld id="{A55F64E7-21DC-4948-96D3-438E939D9136}" type="datetimeFigureOut">
               <a:rPr lang="it-IT" smtClean="0"/>
-              <a:t>18/11/2017</a:t>
+              <a:t>19/11/2017</a:t>
             </a:fld>
             <a:endParaRPr lang="it-IT"/>
           </a:p>
@@ -1730,7 +1730,7 @@
           <a:p>
             <a:fld id="{A55F64E7-21DC-4948-96D3-438E939D9136}" type="datetimeFigureOut">
               <a:rPr lang="it-IT" smtClean="0"/>
-              <a:t>18/11/2017</a:t>
+              <a:t>19/11/2017</a:t>
             </a:fld>
             <a:endParaRPr lang="it-IT"/>
           </a:p>
@@ -1825,7 +1825,7 @@
           <a:p>
             <a:fld id="{A55F64E7-21DC-4948-96D3-438E939D9136}" type="datetimeFigureOut">
               <a:rPr lang="it-IT" smtClean="0"/>
-              <a:t>18/11/2017</a:t>
+              <a:t>19/11/2017</a:t>
             </a:fld>
             <a:endParaRPr lang="it-IT"/>
           </a:p>
@@ -2102,7 +2102,7 @@
           <a:p>
             <a:fld id="{A55F64E7-21DC-4948-96D3-438E939D9136}" type="datetimeFigureOut">
               <a:rPr lang="it-IT" smtClean="0"/>
-              <a:t>18/11/2017</a:t>
+              <a:t>19/11/2017</a:t>
             </a:fld>
             <a:endParaRPr lang="it-IT"/>
           </a:p>
@@ -2355,7 +2355,7 @@
           <a:p>
             <a:fld id="{A55F64E7-21DC-4948-96D3-438E939D9136}" type="datetimeFigureOut">
               <a:rPr lang="it-IT" smtClean="0"/>
-              <a:t>18/11/2017</a:t>
+              <a:t>19/11/2017</a:t>
             </a:fld>
             <a:endParaRPr lang="it-IT"/>
           </a:p>
@@ -2568,7 +2568,7 @@
           <a:p>
             <a:fld id="{A55F64E7-21DC-4948-96D3-438E939D9136}" type="datetimeFigureOut">
               <a:rPr lang="it-IT" smtClean="0"/>
-              <a:t>18/11/2017</a:t>
+              <a:t>19/11/2017</a:t>
             </a:fld>
             <a:endParaRPr lang="it-IT"/>
           </a:p>
@@ -3728,11 +3728,7 @@
           <a:p>
             <a:r>
               <a:rPr lang="en-GB" dirty="0" smtClean="0"/>
-              <a:t>The </a:t>
-            </a:r>
-            <a:r>
-              <a:rPr lang="en-GB" dirty="0" smtClean="0"/>
-              <a:t>2-tier architecture develops in the best way our project ideas: all logical operation regarding to app functionalities </a:t>
+              <a:t>The 2-tier architecture develops in the best way our project ideas: all logical operation regarding to app functionalities </a:t>
             </a:r>
           </a:p>
           <a:p>
@@ -3860,7 +3856,6 @@
               <a:rPr lang="it-IT" sz="2400" b="1" dirty="0" smtClean="0"/>
               <a:t>Server</a:t>
             </a:r>
-            <a:endParaRPr lang="it-IT" sz="2400" b="1" dirty="0" smtClean="0"/>
           </a:p>
         </p:txBody>
       </p:sp>
@@ -4565,7 +4560,7 @@
       </p:pic>
       <p:pic>
         <p:nvPicPr>
-          <p:cNvPr id="6" name="Immagine 5"/>
+          <p:cNvPr id="2" name="Immagine 1"/>
           <p:cNvPicPr>
             <a:picLocks noChangeAspect="1"/>
           </p:cNvPicPr>
@@ -4585,8 +4580,8 @@
         </p:blipFill>
         <p:spPr>
           <a:xfrm>
-            <a:off x="282462" y="709417"/>
-            <a:ext cx="7115175" cy="2019300"/>
+            <a:off x="464744" y="621814"/>
+            <a:ext cx="7105650" cy="2152650"/>
           </a:xfrm>
           <a:prstGeom prst="rect">
             <a:avLst/>
@@ -5603,7 +5598,7 @@
         <p:spPr>
           <a:xfrm>
             <a:off x="2867796" y="852635"/>
-            <a:ext cx="2765757" cy="461665"/>
+            <a:ext cx="2605329" cy="461665"/>
           </a:xfrm>
           <a:prstGeom prst="rect">
             <a:avLst/>
@@ -5618,7 +5613,7 @@
           <a:p>
             <a:r>
               <a:rPr lang="it-IT" sz="2400" b="1" u="sng" dirty="0" smtClean="0"/>
-              <a:t>Remote Data Access</a:t>
+              <a:t>3-tier Client-Server</a:t>
             </a:r>
           </a:p>
         </p:txBody>
@@ -5827,7 +5822,6 @@
               <a:rPr lang="it-IT" sz="1600" dirty="0" smtClean="0"/>
               <a:t>   Server</a:t>
             </a:r>
-            <a:endParaRPr lang="it-IT" sz="1600" dirty="0" smtClean="0"/>
           </a:p>
         </p:txBody>
       </p:sp>
@@ -6484,7 +6478,6 @@
               <a:rPr lang="it-IT" sz="2400" b="1" dirty="0" smtClean="0"/>
               <a:t>Server</a:t>
             </a:r>
-            <a:endParaRPr lang="it-IT" sz="2400" b="1" dirty="0" smtClean="0"/>
           </a:p>
         </p:txBody>
       </p:sp>
@@ -6524,11 +6517,7 @@
             </a:r>
             <a:r>
               <a:rPr lang="it-IT" dirty="0" smtClean="0"/>
-              <a:t> </a:t>
-            </a:r>
-            <a:r>
-              <a:rPr lang="it-IT" dirty="0" smtClean="0"/>
-              <a:t>an </a:t>
+              <a:t> an </a:t>
             </a:r>
             <a:r>
               <a:rPr lang="it-IT" dirty="0" err="1" smtClean="0"/>
@@ -6544,11 +6533,7 @@
             </a:r>
             <a:r>
               <a:rPr lang="it-IT" dirty="0" smtClean="0"/>
-              <a:t>…***da cambiare( </a:t>
-            </a:r>
-            <a:r>
-              <a:rPr lang="it-IT" dirty="0" smtClean="0"/>
-              <a:t>in </a:t>
+              <a:t>…***da cambiare( in </a:t>
             </a:r>
             <a:r>
               <a:rPr lang="it-IT" dirty="0" err="1" smtClean="0"/>
@@ -6856,11 +6841,7 @@
             </a:r>
             <a:r>
               <a:rPr lang="it-IT" smtClean="0"/>
-              <a:t>the </a:t>
-            </a:r>
-            <a:r>
-              <a:rPr lang="it-IT" smtClean="0"/>
-              <a:t>network)</a:t>
+              <a:t>the network)</a:t>
             </a:r>
             <a:endParaRPr lang="it-IT" dirty="0" smtClean="0"/>
           </a:p>

--- a/Design Documents/Architecture.pptx
+++ b/Design Documents/Architecture.pptx
@@ -247,7 +247,7 @@
           <a:p>
             <a:fld id="{A55F64E7-21DC-4948-96D3-438E939D9136}" type="datetimeFigureOut">
               <a:rPr lang="it-IT" smtClean="0"/>
-              <a:t>19/11/2017</a:t>
+              <a:t>20/11/2017</a:t>
             </a:fld>
             <a:endParaRPr lang="it-IT"/>
           </a:p>
@@ -417,7 +417,7 @@
           <a:p>
             <a:fld id="{A55F64E7-21DC-4948-96D3-438E939D9136}" type="datetimeFigureOut">
               <a:rPr lang="it-IT" smtClean="0"/>
-              <a:t>19/11/2017</a:t>
+              <a:t>20/11/2017</a:t>
             </a:fld>
             <a:endParaRPr lang="it-IT"/>
           </a:p>
@@ -597,7 +597,7 @@
           <a:p>
             <a:fld id="{A55F64E7-21DC-4948-96D3-438E939D9136}" type="datetimeFigureOut">
               <a:rPr lang="it-IT" smtClean="0"/>
-              <a:t>19/11/2017</a:t>
+              <a:t>20/11/2017</a:t>
             </a:fld>
             <a:endParaRPr lang="it-IT"/>
           </a:p>
@@ -767,7 +767,7 @@
           <a:p>
             <a:fld id="{A55F64E7-21DC-4948-96D3-438E939D9136}" type="datetimeFigureOut">
               <a:rPr lang="it-IT" smtClean="0"/>
-              <a:t>19/11/2017</a:t>
+              <a:t>20/11/2017</a:t>
             </a:fld>
             <a:endParaRPr lang="it-IT"/>
           </a:p>
@@ -1013,7 +1013,7 @@
           <a:p>
             <a:fld id="{A55F64E7-21DC-4948-96D3-438E939D9136}" type="datetimeFigureOut">
               <a:rPr lang="it-IT" smtClean="0"/>
-              <a:t>19/11/2017</a:t>
+              <a:t>20/11/2017</a:t>
             </a:fld>
             <a:endParaRPr lang="it-IT"/>
           </a:p>
@@ -1245,7 +1245,7 @@
           <a:p>
             <a:fld id="{A55F64E7-21DC-4948-96D3-438E939D9136}" type="datetimeFigureOut">
               <a:rPr lang="it-IT" smtClean="0"/>
-              <a:t>19/11/2017</a:t>
+              <a:t>20/11/2017</a:t>
             </a:fld>
             <a:endParaRPr lang="it-IT"/>
           </a:p>
@@ -1612,7 +1612,7 @@
           <a:p>
             <a:fld id="{A55F64E7-21DC-4948-96D3-438E939D9136}" type="datetimeFigureOut">
               <a:rPr lang="it-IT" smtClean="0"/>
-              <a:t>19/11/2017</a:t>
+              <a:t>20/11/2017</a:t>
             </a:fld>
             <a:endParaRPr lang="it-IT"/>
           </a:p>
@@ -1730,7 +1730,7 @@
           <a:p>
             <a:fld id="{A55F64E7-21DC-4948-96D3-438E939D9136}" type="datetimeFigureOut">
               <a:rPr lang="it-IT" smtClean="0"/>
-              <a:t>19/11/2017</a:t>
+              <a:t>20/11/2017</a:t>
             </a:fld>
             <a:endParaRPr lang="it-IT"/>
           </a:p>
@@ -1825,7 +1825,7 @@
           <a:p>
             <a:fld id="{A55F64E7-21DC-4948-96D3-438E939D9136}" type="datetimeFigureOut">
               <a:rPr lang="it-IT" smtClean="0"/>
-              <a:t>19/11/2017</a:t>
+              <a:t>20/11/2017</a:t>
             </a:fld>
             <a:endParaRPr lang="it-IT"/>
           </a:p>
@@ -2102,7 +2102,7 @@
           <a:p>
             <a:fld id="{A55F64E7-21DC-4948-96D3-438E939D9136}" type="datetimeFigureOut">
               <a:rPr lang="it-IT" smtClean="0"/>
-              <a:t>19/11/2017</a:t>
+              <a:t>20/11/2017</a:t>
             </a:fld>
             <a:endParaRPr lang="it-IT"/>
           </a:p>
@@ -2355,7 +2355,7 @@
           <a:p>
             <a:fld id="{A55F64E7-21DC-4948-96D3-438E939D9136}" type="datetimeFigureOut">
               <a:rPr lang="it-IT" smtClean="0"/>
-              <a:t>19/11/2017</a:t>
+              <a:t>20/11/2017</a:t>
             </a:fld>
             <a:endParaRPr lang="it-IT"/>
           </a:p>
@@ -2568,7 +2568,7 @@
           <a:p>
             <a:fld id="{A55F64E7-21DC-4948-96D3-438E939D9136}" type="datetimeFigureOut">
               <a:rPr lang="it-IT" smtClean="0"/>
-              <a:t>19/11/2017</a:t>
+              <a:t>20/11/2017</a:t>
             </a:fld>
             <a:endParaRPr lang="it-IT"/>
           </a:p>
@@ -4073,7 +4073,7 @@
         </p:nvCxnSpPr>
         <p:spPr>
           <a:xfrm flipV="1">
-            <a:off x="282462" y="2868702"/>
+            <a:off x="0" y="3190674"/>
             <a:ext cx="7505834" cy="12879"/>
           </a:xfrm>
           <a:prstGeom prst="line">
@@ -4530,7 +4530,7 @@
       </p:sp>
       <p:pic>
         <p:nvPicPr>
-          <p:cNvPr id="5" name="Immagine 4"/>
+          <p:cNvPr id="9" name="Immagine 8"/>
           <p:cNvPicPr>
             <a:picLocks noChangeAspect="1"/>
           </p:cNvPicPr>
@@ -4550,8 +4550,8 @@
         </p:blipFill>
         <p:spPr>
           <a:xfrm>
-            <a:off x="172991" y="3050543"/>
-            <a:ext cx="7724775" cy="3695700"/>
+            <a:off x="27928" y="3255069"/>
+            <a:ext cx="7477906" cy="3429583"/>
           </a:xfrm>
           <a:prstGeom prst="rect">
             <a:avLst/>
@@ -4560,7 +4560,7 @@
       </p:pic>
       <p:pic>
         <p:nvPicPr>
-          <p:cNvPr id="2" name="Immagine 1"/>
+          <p:cNvPr id="11" name="Immagine 10"/>
           <p:cNvPicPr>
             <a:picLocks noChangeAspect="1"/>
           </p:cNvPicPr>
@@ -4580,8 +4580,8 @@
         </p:blipFill>
         <p:spPr>
           <a:xfrm>
-            <a:off x="464744" y="621814"/>
-            <a:ext cx="7105650" cy="2152650"/>
+            <a:off x="295409" y="924535"/>
+            <a:ext cx="7210425" cy="2162175"/>
           </a:xfrm>
           <a:prstGeom prst="rect">
             <a:avLst/>

--- a/Design Documents/Architecture.pptx
+++ b/Design Documents/Architecture.pptx
@@ -247,7 +247,7 @@
           <a:p>
             <a:fld id="{A55F64E7-21DC-4948-96D3-438E939D9136}" type="datetimeFigureOut">
               <a:rPr lang="it-IT" smtClean="0"/>
-              <a:t>20/11/2017</a:t>
+              <a:t>22/11/2017</a:t>
             </a:fld>
             <a:endParaRPr lang="it-IT"/>
           </a:p>
@@ -417,7 +417,7 @@
           <a:p>
             <a:fld id="{A55F64E7-21DC-4948-96D3-438E939D9136}" type="datetimeFigureOut">
               <a:rPr lang="it-IT" smtClean="0"/>
-              <a:t>20/11/2017</a:t>
+              <a:t>22/11/2017</a:t>
             </a:fld>
             <a:endParaRPr lang="it-IT"/>
           </a:p>
@@ -597,7 +597,7 @@
           <a:p>
             <a:fld id="{A55F64E7-21DC-4948-96D3-438E939D9136}" type="datetimeFigureOut">
               <a:rPr lang="it-IT" smtClean="0"/>
-              <a:t>20/11/2017</a:t>
+              <a:t>22/11/2017</a:t>
             </a:fld>
             <a:endParaRPr lang="it-IT"/>
           </a:p>
@@ -767,7 +767,7 @@
           <a:p>
             <a:fld id="{A55F64E7-21DC-4948-96D3-438E939D9136}" type="datetimeFigureOut">
               <a:rPr lang="it-IT" smtClean="0"/>
-              <a:t>20/11/2017</a:t>
+              <a:t>22/11/2017</a:t>
             </a:fld>
             <a:endParaRPr lang="it-IT"/>
           </a:p>
@@ -1013,7 +1013,7 @@
           <a:p>
             <a:fld id="{A55F64E7-21DC-4948-96D3-438E939D9136}" type="datetimeFigureOut">
               <a:rPr lang="it-IT" smtClean="0"/>
-              <a:t>20/11/2017</a:t>
+              <a:t>22/11/2017</a:t>
             </a:fld>
             <a:endParaRPr lang="it-IT"/>
           </a:p>
@@ -1245,7 +1245,7 @@
           <a:p>
             <a:fld id="{A55F64E7-21DC-4948-96D3-438E939D9136}" type="datetimeFigureOut">
               <a:rPr lang="it-IT" smtClean="0"/>
-              <a:t>20/11/2017</a:t>
+              <a:t>22/11/2017</a:t>
             </a:fld>
             <a:endParaRPr lang="it-IT"/>
           </a:p>
@@ -1612,7 +1612,7 @@
           <a:p>
             <a:fld id="{A55F64E7-21DC-4948-96D3-438E939D9136}" type="datetimeFigureOut">
               <a:rPr lang="it-IT" smtClean="0"/>
-              <a:t>20/11/2017</a:t>
+              <a:t>22/11/2017</a:t>
             </a:fld>
             <a:endParaRPr lang="it-IT"/>
           </a:p>
@@ -1730,7 +1730,7 @@
           <a:p>
             <a:fld id="{A55F64E7-21DC-4948-96D3-438E939D9136}" type="datetimeFigureOut">
               <a:rPr lang="it-IT" smtClean="0"/>
-              <a:t>20/11/2017</a:t>
+              <a:t>22/11/2017</a:t>
             </a:fld>
             <a:endParaRPr lang="it-IT"/>
           </a:p>
@@ -1825,7 +1825,7 @@
           <a:p>
             <a:fld id="{A55F64E7-21DC-4948-96D3-438E939D9136}" type="datetimeFigureOut">
               <a:rPr lang="it-IT" smtClean="0"/>
-              <a:t>20/11/2017</a:t>
+              <a:t>22/11/2017</a:t>
             </a:fld>
             <a:endParaRPr lang="it-IT"/>
           </a:p>
@@ -2102,7 +2102,7 @@
           <a:p>
             <a:fld id="{A55F64E7-21DC-4948-96D3-438E939D9136}" type="datetimeFigureOut">
               <a:rPr lang="it-IT" smtClean="0"/>
-              <a:t>20/11/2017</a:t>
+              <a:t>22/11/2017</a:t>
             </a:fld>
             <a:endParaRPr lang="it-IT"/>
           </a:p>
@@ -2355,7 +2355,7 @@
           <a:p>
             <a:fld id="{A55F64E7-21DC-4948-96D3-438E939D9136}" type="datetimeFigureOut">
               <a:rPr lang="it-IT" smtClean="0"/>
-              <a:t>20/11/2017</a:t>
+              <a:t>22/11/2017</a:t>
             </a:fld>
             <a:endParaRPr lang="it-IT"/>
           </a:p>
@@ -2568,7 +2568,7 @@
           <a:p>
             <a:fld id="{A55F64E7-21DC-4948-96D3-438E939D9136}" type="datetimeFigureOut">
               <a:rPr lang="it-IT" smtClean="0"/>
-              <a:t>20/11/2017</a:t>
+              <a:t>22/11/2017</a:t>
             </a:fld>
             <a:endParaRPr lang="it-IT"/>
           </a:p>
@@ -3675,101 +3675,6 @@
           </a:prstGeom>
         </p:spPr>
       </p:pic>
-      <p:sp>
-        <p:nvSpPr>
-          <p:cNvPr id="55" name="CasellaDiTesto 54"/>
-          <p:cNvSpPr txBox="1"/>
-          <p:nvPr/>
-        </p:nvSpPr>
-        <p:spPr>
-          <a:xfrm>
-            <a:off x="515583" y="3802789"/>
-            <a:ext cx="11316881" cy="3139321"/>
-          </a:xfrm>
-          <a:prstGeom prst="rect">
-            <a:avLst/>
-          </a:prstGeom>
-          <a:noFill/>
-        </p:spPr>
-        <p:txBody>
-          <a:bodyPr wrap="none" rtlCol="0">
-            <a:spAutoFit/>
-          </a:bodyPr>
-          <a:lstStyle/>
-          <a:p>
-            <a:endParaRPr lang="en-GB" dirty="0" smtClean="0"/>
-          </a:p>
-          <a:p>
-            <a:r>
-              <a:rPr lang="en-GB" dirty="0" smtClean="0"/>
-              <a:t>/-Da </a:t>
-            </a:r>
-            <a:r>
-              <a:rPr lang="en-GB" dirty="0" err="1" smtClean="0"/>
-              <a:t>cambiare</a:t>
-            </a:r>
-            <a:r>
-              <a:rPr lang="en-GB" dirty="0" smtClean="0"/>
-              <a:t>-/</a:t>
-            </a:r>
-          </a:p>
-          <a:p>
-            <a:r>
-              <a:rPr lang="en-GB" dirty="0" smtClean="0"/>
-              <a:t>*</a:t>
-            </a:r>
-          </a:p>
-          <a:p>
-            <a:r>
-              <a:rPr lang="en-GB" dirty="0"/>
-              <a:t>*</a:t>
-            </a:r>
-          </a:p>
-          <a:p>
-            <a:r>
-              <a:rPr lang="en-GB" dirty="0" smtClean="0"/>
-              <a:t>The 2-tier architecture develops in the best way our project ideas: all logical operation regarding to app functionalities </a:t>
-            </a:r>
-          </a:p>
-          <a:p>
-            <a:r>
-              <a:rPr lang="en-GB" dirty="0" smtClean="0"/>
-              <a:t>are computed in the client part, instead the data are securely preserved in databases, accessible through the database </a:t>
-            </a:r>
-          </a:p>
-          <a:p>
-            <a:r>
-              <a:rPr lang="en-GB" dirty="0" smtClean="0"/>
-              <a:t>server.</a:t>
-            </a:r>
-          </a:p>
-          <a:p>
-            <a:r>
-              <a:rPr lang="en-GB" dirty="0" smtClean="0"/>
-              <a:t>The logic application needs this data to work properly, so it requests them from the database server in which there all </a:t>
-            </a:r>
-          </a:p>
-          <a:p>
-            <a:r>
-              <a:rPr lang="en-GB" dirty="0"/>
-              <a:t>d</a:t>
-            </a:r>
-            <a:r>
-              <a:rPr lang="en-GB" dirty="0" smtClean="0"/>
-              <a:t>atabase which contain the data needed.</a:t>
-            </a:r>
-          </a:p>
-          <a:p>
-            <a:r>
-              <a:rPr lang="en-GB" dirty="0" smtClean="0"/>
-              <a:t>Between client and server we provide more security through a firewall</a:t>
-            </a:r>
-          </a:p>
-          <a:p>
-            <a:endParaRPr lang="it-IT" dirty="0"/>
-          </a:p>
-        </p:txBody>
-      </p:sp>
       <p:pic>
         <p:nvPicPr>
           <p:cNvPr id="3" name="Immagine 2"/>
@@ -6478,372 +6383,6 @@
               <a:rPr lang="it-IT" sz="2400" b="1" dirty="0" smtClean="0"/>
               <a:t>Server</a:t>
             </a:r>
-          </a:p>
-        </p:txBody>
-      </p:sp>
-      <p:sp>
-        <p:nvSpPr>
-          <p:cNvPr id="37" name="CasellaDiTesto 36"/>
-          <p:cNvSpPr txBox="1"/>
-          <p:nvPr/>
-        </p:nvSpPr>
-        <p:spPr>
-          <a:xfrm>
-            <a:off x="462687" y="3928168"/>
-            <a:ext cx="12635767" cy="1477328"/>
-          </a:xfrm>
-          <a:prstGeom prst="rect">
-            <a:avLst/>
-          </a:prstGeom>
-          <a:noFill/>
-        </p:spPr>
-        <p:txBody>
-          <a:bodyPr wrap="none" rtlCol="0">
-            <a:spAutoFit/>
-          </a:bodyPr>
-          <a:lstStyle/>
-          <a:p>
-            <a:r>
-              <a:rPr lang="it-IT" dirty="0" err="1" smtClean="0"/>
-              <a:t>Travlendar</a:t>
-            </a:r>
-            <a:r>
-              <a:rPr lang="it-IT" dirty="0" smtClean="0"/>
-              <a:t>+ </a:t>
-            </a:r>
-            <a:r>
-              <a:rPr lang="it-IT" dirty="0" err="1" smtClean="0"/>
-              <a:t>provides</a:t>
-            </a:r>
-            <a:r>
-              <a:rPr lang="it-IT" dirty="0" smtClean="0"/>
-              <a:t> an </a:t>
-            </a:r>
-            <a:r>
-              <a:rPr lang="it-IT" dirty="0" err="1" smtClean="0"/>
-              <a:t>client-server</a:t>
-            </a:r>
-            <a:r>
-              <a:rPr lang="it-IT" dirty="0" smtClean="0"/>
-              <a:t> </a:t>
-            </a:r>
-            <a:r>
-              <a:rPr lang="it-IT" dirty="0" err="1" smtClean="0"/>
-              <a:t>structure</a:t>
-            </a:r>
-            <a:r>
-              <a:rPr lang="it-IT" dirty="0" smtClean="0"/>
-              <a:t>…***da cambiare( in </a:t>
-            </a:r>
-            <a:r>
-              <a:rPr lang="it-IT" dirty="0" err="1" smtClean="0"/>
-              <a:t>which</a:t>
-            </a:r>
-            <a:r>
-              <a:rPr lang="it-IT" dirty="0" smtClean="0"/>
-              <a:t> </a:t>
-            </a:r>
-            <a:r>
-              <a:rPr lang="it-IT" dirty="0" err="1" smtClean="0"/>
-              <a:t>logic</a:t>
-            </a:r>
-            <a:r>
-              <a:rPr lang="it-IT" dirty="0" smtClean="0"/>
-              <a:t> </a:t>
-            </a:r>
-            <a:r>
-              <a:rPr lang="it-IT" dirty="0" err="1" smtClean="0"/>
-              <a:t>application</a:t>
-            </a:r>
-            <a:r>
-              <a:rPr lang="it-IT" dirty="0" smtClean="0"/>
-              <a:t> </a:t>
-            </a:r>
-            <a:r>
-              <a:rPr lang="it-IT" dirty="0" err="1" smtClean="0"/>
-              <a:t>takes</a:t>
-            </a:r>
-            <a:r>
-              <a:rPr lang="it-IT" dirty="0" smtClean="0"/>
-              <a:t> </a:t>
-            </a:r>
-            <a:r>
-              <a:rPr lang="it-IT" dirty="0" err="1" smtClean="0"/>
-              <a:t>place</a:t>
-            </a:r>
-            <a:r>
-              <a:rPr lang="it-IT" dirty="0" smtClean="0"/>
-              <a:t> in the client part, </a:t>
-            </a:r>
-            <a:r>
-              <a:rPr lang="it-IT" dirty="0" err="1" smtClean="0"/>
-              <a:t>because</a:t>
-            </a:r>
-            <a:r>
-              <a:rPr lang="it-IT" dirty="0" smtClean="0"/>
-              <a:t> the </a:t>
-            </a:r>
-          </a:p>
-          <a:p>
-            <a:r>
-              <a:rPr lang="it-IT" dirty="0" err="1" smtClean="0"/>
-              <a:t>application</a:t>
-            </a:r>
-            <a:r>
-              <a:rPr lang="it-IT" dirty="0" smtClean="0"/>
-              <a:t> </a:t>
-            </a:r>
-            <a:r>
-              <a:rPr lang="it-IT" dirty="0" err="1" smtClean="0"/>
-              <a:t>contains</a:t>
-            </a:r>
-            <a:r>
-              <a:rPr lang="it-IT" dirty="0" smtClean="0"/>
-              <a:t> </a:t>
-            </a:r>
-            <a:r>
-              <a:rPr lang="it-IT" dirty="0" err="1" smtClean="0"/>
-              <a:t>functionalities</a:t>
-            </a:r>
-            <a:r>
-              <a:rPr lang="it-IT" dirty="0" smtClean="0"/>
-              <a:t> </a:t>
-            </a:r>
-            <a:r>
-              <a:rPr lang="it-IT" dirty="0" err="1" smtClean="0"/>
-              <a:t>which</a:t>
-            </a:r>
-            <a:r>
-              <a:rPr lang="it-IT" dirty="0" smtClean="0"/>
-              <a:t> </a:t>
-            </a:r>
-            <a:r>
-              <a:rPr lang="it-IT" dirty="0" err="1" smtClean="0"/>
-              <a:t>doesn’t</a:t>
-            </a:r>
-            <a:r>
-              <a:rPr lang="it-IT" dirty="0" smtClean="0"/>
-              <a:t> </a:t>
-            </a:r>
-            <a:r>
-              <a:rPr lang="it-IT" dirty="0" err="1" smtClean="0"/>
-              <a:t>depend</a:t>
-            </a:r>
-            <a:r>
-              <a:rPr lang="it-IT" dirty="0" smtClean="0"/>
-              <a:t> on internet service, so </a:t>
-            </a:r>
-            <a:r>
-              <a:rPr lang="it-IT" dirty="0" err="1" smtClean="0"/>
-              <a:t>we</a:t>
-            </a:r>
-            <a:r>
-              <a:rPr lang="it-IT" dirty="0" smtClean="0"/>
-              <a:t> </a:t>
-            </a:r>
-            <a:r>
-              <a:rPr lang="it-IT" dirty="0" err="1" smtClean="0"/>
-              <a:t>consider</a:t>
-            </a:r>
-            <a:r>
-              <a:rPr lang="it-IT" dirty="0" smtClean="0"/>
-              <a:t> </a:t>
-            </a:r>
-            <a:r>
-              <a:rPr lang="it-IT" dirty="0" err="1" smtClean="0"/>
-              <a:t>usefull</a:t>
-            </a:r>
-            <a:r>
-              <a:rPr lang="it-IT" dirty="0" smtClean="0"/>
-              <a:t> </a:t>
-            </a:r>
-            <a:r>
-              <a:rPr lang="it-IT" dirty="0" err="1" smtClean="0"/>
-              <a:t>that</a:t>
-            </a:r>
-            <a:r>
-              <a:rPr lang="it-IT" dirty="0" smtClean="0"/>
-              <a:t> the </a:t>
-            </a:r>
-            <a:r>
-              <a:rPr lang="it-IT" dirty="0" err="1" smtClean="0"/>
-              <a:t>user</a:t>
-            </a:r>
-            <a:r>
-              <a:rPr lang="it-IT" dirty="0" smtClean="0"/>
-              <a:t> can use </a:t>
-            </a:r>
-          </a:p>
-          <a:p>
-            <a:r>
-              <a:rPr lang="it-IT" dirty="0" err="1" smtClean="0"/>
-              <a:t>this</a:t>
-            </a:r>
-            <a:r>
-              <a:rPr lang="it-IT" dirty="0" smtClean="0"/>
-              <a:t> </a:t>
-            </a:r>
-            <a:r>
-              <a:rPr lang="it-IT" dirty="0" err="1" smtClean="0"/>
-              <a:t>functionalities</a:t>
-            </a:r>
-            <a:r>
-              <a:rPr lang="it-IT" dirty="0" smtClean="0"/>
-              <a:t> </a:t>
-            </a:r>
-            <a:r>
-              <a:rPr lang="it-IT" dirty="0" err="1" smtClean="0"/>
-              <a:t>without</a:t>
-            </a:r>
-            <a:r>
-              <a:rPr lang="it-IT" dirty="0" smtClean="0"/>
-              <a:t> </a:t>
-            </a:r>
-            <a:r>
-              <a:rPr lang="it-IT" dirty="0" err="1" smtClean="0"/>
-              <a:t>connecting</a:t>
-            </a:r>
-            <a:r>
-              <a:rPr lang="it-IT" dirty="0" smtClean="0"/>
-              <a:t> to the server. For the </a:t>
-            </a:r>
-            <a:r>
-              <a:rPr lang="it-IT" dirty="0" err="1" smtClean="0"/>
-              <a:t>rest</a:t>
-            </a:r>
-            <a:r>
-              <a:rPr lang="it-IT" dirty="0" smtClean="0"/>
-              <a:t> of </a:t>
-            </a:r>
-            <a:r>
-              <a:rPr lang="it-IT" dirty="0" err="1" smtClean="0"/>
-              <a:t>functionalities</a:t>
-            </a:r>
-            <a:r>
-              <a:rPr lang="it-IT" dirty="0" smtClean="0"/>
-              <a:t>, network, and so internet service, </a:t>
-            </a:r>
-            <a:r>
-              <a:rPr lang="it-IT" dirty="0" err="1" smtClean="0"/>
-              <a:t>is</a:t>
-            </a:r>
-            <a:r>
-              <a:rPr lang="it-IT" dirty="0" smtClean="0"/>
-              <a:t> </a:t>
-            </a:r>
-          </a:p>
-          <a:p>
-            <a:r>
-              <a:rPr lang="it-IT" dirty="0" err="1" smtClean="0"/>
-              <a:t>fundamental</a:t>
-            </a:r>
-            <a:r>
-              <a:rPr lang="it-IT" dirty="0"/>
-              <a:t> </a:t>
-            </a:r>
-            <a:r>
-              <a:rPr lang="it-IT" dirty="0" smtClean="0"/>
-              <a:t>to </a:t>
-            </a:r>
-            <a:r>
-              <a:rPr lang="it-IT" dirty="0" err="1" smtClean="0"/>
-              <a:t>guarantee</a:t>
-            </a:r>
-            <a:r>
-              <a:rPr lang="it-IT" dirty="0" smtClean="0"/>
-              <a:t> the complete use of </a:t>
-            </a:r>
-            <a:r>
-              <a:rPr lang="it-IT" dirty="0" err="1" smtClean="0"/>
-              <a:t>Travlendar</a:t>
-            </a:r>
-            <a:r>
-              <a:rPr lang="it-IT" dirty="0" smtClean="0"/>
-              <a:t>+. To do </a:t>
-            </a:r>
-            <a:r>
-              <a:rPr lang="it-IT" dirty="0" err="1" smtClean="0"/>
-              <a:t>this</a:t>
-            </a:r>
-            <a:r>
-              <a:rPr lang="it-IT" dirty="0" smtClean="0"/>
-              <a:t>, the </a:t>
-            </a:r>
-            <a:r>
-              <a:rPr lang="it-IT" dirty="0" err="1" smtClean="0"/>
-              <a:t>app</a:t>
-            </a:r>
-            <a:r>
-              <a:rPr lang="it-IT" dirty="0" smtClean="0"/>
-              <a:t> </a:t>
-            </a:r>
-            <a:r>
-              <a:rPr lang="it-IT" dirty="0" err="1" smtClean="0"/>
-              <a:t>requires</a:t>
-            </a:r>
-            <a:r>
-              <a:rPr lang="it-IT" dirty="0" smtClean="0"/>
-              <a:t> data from DBMS </a:t>
-            </a:r>
-            <a:r>
-              <a:rPr lang="it-IT" dirty="0" err="1" smtClean="0"/>
-              <a:t>through</a:t>
-            </a:r>
-            <a:r>
-              <a:rPr lang="it-IT" dirty="0" smtClean="0"/>
-              <a:t> the</a:t>
-            </a:r>
-          </a:p>
-          <a:p>
-            <a:r>
-              <a:rPr lang="it-IT" dirty="0" smtClean="0"/>
-              <a:t>database server and </a:t>
-            </a:r>
-            <a:r>
-              <a:rPr lang="it-IT" dirty="0" err="1" smtClean="0"/>
-              <a:t>this</a:t>
-            </a:r>
-            <a:r>
-              <a:rPr lang="it-IT" dirty="0" smtClean="0"/>
-              <a:t> </a:t>
-            </a:r>
-            <a:r>
-              <a:rPr lang="it-IT" dirty="0" err="1" smtClean="0"/>
-              <a:t>one</a:t>
-            </a:r>
-            <a:r>
-              <a:rPr lang="it-IT" dirty="0" smtClean="0"/>
-              <a:t> </a:t>
-            </a:r>
-            <a:r>
-              <a:rPr lang="it-IT" dirty="0" err="1" smtClean="0"/>
-              <a:t>is</a:t>
-            </a:r>
-            <a:r>
-              <a:rPr lang="it-IT" dirty="0" smtClean="0"/>
-              <a:t> </a:t>
-            </a:r>
-            <a:r>
-              <a:rPr lang="it-IT" dirty="0" err="1" smtClean="0"/>
-              <a:t>connected</a:t>
-            </a:r>
-            <a:r>
-              <a:rPr lang="it-IT" dirty="0" smtClean="0"/>
-              <a:t> to the client </a:t>
-            </a:r>
-            <a:r>
-              <a:rPr lang="it-IT" dirty="0" err="1" smtClean="0"/>
-              <a:t>through</a:t>
-            </a:r>
-            <a:r>
-              <a:rPr lang="it-IT" dirty="0" smtClean="0"/>
-              <a:t> </a:t>
-            </a:r>
-            <a:r>
-              <a:rPr lang="it-IT" smtClean="0"/>
-              <a:t>the network)</a:t>
-            </a:r>
-            <a:endParaRPr lang="it-IT" dirty="0" smtClean="0"/>
           </a:p>
         </p:txBody>
       </p:sp>

--- a/Design Documents/Architecture.pptx
+++ b/Design Documents/Architecture.pptx
@@ -7,9 +7,8 @@
   <p:sldIdLst>
     <p:sldId id="257" r:id="rId2"/>
     <p:sldId id="258" r:id="rId3"/>
-    <p:sldId id="261" r:id="rId4"/>
-    <p:sldId id="259" r:id="rId5"/>
-    <p:sldId id="260" r:id="rId6"/>
+    <p:sldId id="259" r:id="rId4"/>
+    <p:sldId id="260" r:id="rId5"/>
   </p:sldIdLst>
   <p:sldSz cx="12192000" cy="6858000"/>
   <p:notesSz cx="6858000" cy="9144000"/>
@@ -247,7 +246,7 @@
           <a:p>
             <a:fld id="{A55F64E7-21DC-4948-96D3-438E939D9136}" type="datetimeFigureOut">
               <a:rPr lang="it-IT" smtClean="0"/>
-              <a:t>22/11/2017</a:t>
+              <a:t>24/11/2017</a:t>
             </a:fld>
             <a:endParaRPr lang="it-IT"/>
           </a:p>
@@ -417,7 +416,7 @@
           <a:p>
             <a:fld id="{A55F64E7-21DC-4948-96D3-438E939D9136}" type="datetimeFigureOut">
               <a:rPr lang="it-IT" smtClean="0"/>
-              <a:t>22/11/2017</a:t>
+              <a:t>24/11/2017</a:t>
             </a:fld>
             <a:endParaRPr lang="it-IT"/>
           </a:p>
@@ -597,7 +596,7 @@
           <a:p>
             <a:fld id="{A55F64E7-21DC-4948-96D3-438E939D9136}" type="datetimeFigureOut">
               <a:rPr lang="it-IT" smtClean="0"/>
-              <a:t>22/11/2017</a:t>
+              <a:t>24/11/2017</a:t>
             </a:fld>
             <a:endParaRPr lang="it-IT"/>
           </a:p>
@@ -767,7 +766,7 @@
           <a:p>
             <a:fld id="{A55F64E7-21DC-4948-96D3-438E939D9136}" type="datetimeFigureOut">
               <a:rPr lang="it-IT" smtClean="0"/>
-              <a:t>22/11/2017</a:t>
+              <a:t>24/11/2017</a:t>
             </a:fld>
             <a:endParaRPr lang="it-IT"/>
           </a:p>
@@ -1013,7 +1012,7 @@
           <a:p>
             <a:fld id="{A55F64E7-21DC-4948-96D3-438E939D9136}" type="datetimeFigureOut">
               <a:rPr lang="it-IT" smtClean="0"/>
-              <a:t>22/11/2017</a:t>
+              <a:t>24/11/2017</a:t>
             </a:fld>
             <a:endParaRPr lang="it-IT"/>
           </a:p>
@@ -1245,7 +1244,7 @@
           <a:p>
             <a:fld id="{A55F64E7-21DC-4948-96D3-438E939D9136}" type="datetimeFigureOut">
               <a:rPr lang="it-IT" smtClean="0"/>
-              <a:t>22/11/2017</a:t>
+              <a:t>24/11/2017</a:t>
             </a:fld>
             <a:endParaRPr lang="it-IT"/>
           </a:p>
@@ -1612,7 +1611,7 @@
           <a:p>
             <a:fld id="{A55F64E7-21DC-4948-96D3-438E939D9136}" type="datetimeFigureOut">
               <a:rPr lang="it-IT" smtClean="0"/>
-              <a:t>22/11/2017</a:t>
+              <a:t>24/11/2017</a:t>
             </a:fld>
             <a:endParaRPr lang="it-IT"/>
           </a:p>
@@ -1730,7 +1729,7 @@
           <a:p>
             <a:fld id="{A55F64E7-21DC-4948-96D3-438E939D9136}" type="datetimeFigureOut">
               <a:rPr lang="it-IT" smtClean="0"/>
-              <a:t>22/11/2017</a:t>
+              <a:t>24/11/2017</a:t>
             </a:fld>
             <a:endParaRPr lang="it-IT"/>
           </a:p>
@@ -1825,7 +1824,7 @@
           <a:p>
             <a:fld id="{A55F64E7-21DC-4948-96D3-438E939D9136}" type="datetimeFigureOut">
               <a:rPr lang="it-IT" smtClean="0"/>
-              <a:t>22/11/2017</a:t>
+              <a:t>24/11/2017</a:t>
             </a:fld>
             <a:endParaRPr lang="it-IT"/>
           </a:p>
@@ -2102,7 +2101,7 @@
           <a:p>
             <a:fld id="{A55F64E7-21DC-4948-96D3-438E939D9136}" type="datetimeFigureOut">
               <a:rPr lang="it-IT" smtClean="0"/>
-              <a:t>22/11/2017</a:t>
+              <a:t>24/11/2017</a:t>
             </a:fld>
             <a:endParaRPr lang="it-IT"/>
           </a:p>
@@ -2355,7 +2354,7 @@
           <a:p>
             <a:fld id="{A55F64E7-21DC-4948-96D3-438E939D9136}" type="datetimeFigureOut">
               <a:rPr lang="it-IT" smtClean="0"/>
-              <a:t>22/11/2017</a:t>
+              <a:t>24/11/2017</a:t>
             </a:fld>
             <a:endParaRPr lang="it-IT"/>
           </a:p>
@@ -2568,7 +2567,7 @@
           <a:p>
             <a:fld id="{A55F64E7-21DC-4948-96D3-438E939D9136}" type="datetimeFigureOut">
               <a:rPr lang="it-IT" smtClean="0"/>
-              <a:t>22/11/2017</a:t>
+              <a:t>24/11/2017</a:t>
             </a:fld>
             <a:endParaRPr lang="it-IT"/>
           </a:p>
@@ -4012,7 +4011,7 @@
         <p:spPr>
           <a:xfrm>
             <a:off x="7862146" y="709417"/>
-            <a:ext cx="4681153" cy="3939540"/>
+            <a:ext cx="1160895" cy="923330"/>
           </a:xfrm>
           <a:prstGeom prst="rect">
             <a:avLst/>
@@ -4024,399 +4023,6 @@
             <a:spAutoFit/>
           </a:bodyPr>
           <a:lstStyle/>
-          <a:p>
-            <a:r>
-              <a:rPr lang="it-IT" sz="1400" dirty="0" err="1" smtClean="0"/>
-              <a:t>Interaction</a:t>
-            </a:r>
-            <a:r>
-              <a:rPr lang="it-IT" sz="1400" dirty="0" smtClean="0"/>
-              <a:t> </a:t>
-            </a:r>
-            <a:r>
-              <a:rPr lang="it-IT" sz="1400" dirty="0" err="1" smtClean="0"/>
-              <a:t>among</a:t>
-            </a:r>
-            <a:r>
-              <a:rPr lang="it-IT" sz="1400" dirty="0" smtClean="0"/>
-              <a:t> </a:t>
-            </a:r>
-            <a:r>
-              <a:rPr lang="it-IT" sz="1400" dirty="0" err="1" smtClean="0"/>
-              <a:t>architectural</a:t>
-            </a:r>
-            <a:r>
-              <a:rPr lang="it-IT" sz="1400" dirty="0" smtClean="0"/>
-              <a:t> component</a:t>
-            </a:r>
-          </a:p>
-          <a:p>
-            <a:r>
-              <a:rPr lang="it-IT" sz="1400" dirty="0" err="1" smtClean="0"/>
-              <a:t>is</a:t>
-            </a:r>
-            <a:r>
-              <a:rPr lang="it-IT" sz="1400" dirty="0" smtClean="0"/>
-              <a:t> so </a:t>
-            </a:r>
-            <a:r>
-              <a:rPr lang="it-IT" sz="1400" dirty="0" err="1" smtClean="0"/>
-              <a:t>defined</a:t>
-            </a:r>
-            <a:r>
-              <a:rPr lang="it-IT" sz="1400" dirty="0" smtClean="0"/>
-              <a:t>:</a:t>
-            </a:r>
-          </a:p>
-          <a:p>
-            <a:pPr marL="285750" indent="-285750">
-              <a:buFont typeface="Arial" panose="020B0604020202020204" pitchFamily="34" charset="0"/>
-              <a:buChar char="•"/>
-            </a:pPr>
-            <a:r>
-              <a:rPr lang="it-IT" sz="1400" dirty="0" smtClean="0"/>
-              <a:t>The </a:t>
-            </a:r>
-            <a:r>
-              <a:rPr lang="it-IT" sz="1400" dirty="0" err="1" smtClean="0"/>
-              <a:t>subsystem</a:t>
-            </a:r>
-            <a:r>
-              <a:rPr lang="it-IT" sz="1400" dirty="0" smtClean="0"/>
-              <a:t> ‘</a:t>
-            </a:r>
-            <a:r>
-              <a:rPr lang="it-IT" sz="1400" dirty="0" err="1" smtClean="0"/>
-              <a:t>Calendare</a:t>
-            </a:r>
-            <a:r>
-              <a:rPr lang="it-IT" sz="1400" dirty="0" smtClean="0"/>
-              <a:t> Services’ </a:t>
-            </a:r>
-            <a:r>
-              <a:rPr lang="it-IT" sz="1400" dirty="0" err="1" smtClean="0"/>
-              <a:t>requires</a:t>
-            </a:r>
-            <a:endParaRPr lang="it-IT" sz="1400" dirty="0" smtClean="0"/>
-          </a:p>
-          <a:p>
-            <a:pPr lvl="1"/>
-            <a:r>
-              <a:rPr lang="it-IT" sz="1400" dirty="0"/>
-              <a:t>t</a:t>
-            </a:r>
-            <a:r>
-              <a:rPr lang="it-IT" sz="1400" dirty="0" smtClean="0"/>
-              <a:t>he </a:t>
-            </a:r>
-            <a:r>
-              <a:rPr lang="it-IT" sz="1400" dirty="0" err="1" smtClean="0"/>
-              <a:t>interface</a:t>
-            </a:r>
-            <a:r>
-              <a:rPr lang="it-IT" sz="1400" dirty="0" smtClean="0"/>
-              <a:t> from DBMS, </a:t>
-            </a:r>
-            <a:r>
-              <a:rPr lang="it-IT" sz="1400" dirty="0" err="1" smtClean="0"/>
-              <a:t>which</a:t>
-            </a:r>
-            <a:r>
-              <a:rPr lang="it-IT" sz="1400" dirty="0" smtClean="0"/>
-              <a:t> </a:t>
-            </a:r>
-            <a:r>
-              <a:rPr lang="it-IT" sz="1400" dirty="0" err="1" smtClean="0"/>
-              <a:t>provides</a:t>
-            </a:r>
-            <a:r>
-              <a:rPr lang="it-IT" sz="1400" dirty="0" smtClean="0"/>
-              <a:t> </a:t>
-            </a:r>
-          </a:p>
-          <a:p>
-            <a:pPr lvl="1"/>
-            <a:r>
-              <a:rPr lang="it-IT" sz="1400" dirty="0" smtClean="0"/>
-              <a:t>information </a:t>
-            </a:r>
-            <a:r>
-              <a:rPr lang="it-IT" sz="1400" dirty="0" err="1" smtClean="0"/>
-              <a:t>stored</a:t>
-            </a:r>
-            <a:r>
-              <a:rPr lang="it-IT" sz="1400" dirty="0" smtClean="0"/>
-              <a:t> inside </a:t>
-            </a:r>
-            <a:r>
-              <a:rPr lang="it-IT" sz="1400" dirty="0" err="1" smtClean="0"/>
-              <a:t>travlendar</a:t>
-            </a:r>
-            <a:r>
-              <a:rPr lang="it-IT" sz="1400" dirty="0" smtClean="0"/>
-              <a:t>+ database</a:t>
-            </a:r>
-          </a:p>
-          <a:p>
-            <a:pPr lvl="1"/>
-            <a:r>
-              <a:rPr lang="it-IT" sz="1400" dirty="0" smtClean="0"/>
-              <a:t>or </a:t>
-            </a:r>
-            <a:r>
-              <a:rPr lang="it-IT" sz="1400" dirty="0" err="1" smtClean="0"/>
-              <a:t>external</a:t>
-            </a:r>
-            <a:r>
-              <a:rPr lang="it-IT" sz="1400" dirty="0" smtClean="0"/>
-              <a:t> database, and the </a:t>
-            </a:r>
-            <a:r>
-              <a:rPr lang="it-IT" sz="1400" dirty="0" err="1" smtClean="0"/>
-              <a:t>interface</a:t>
-            </a:r>
-            <a:r>
-              <a:rPr lang="it-IT" sz="1400" dirty="0" smtClean="0"/>
-              <a:t> of </a:t>
-            </a:r>
-            <a:r>
-              <a:rPr lang="it-IT" sz="1400" dirty="0" err="1" smtClean="0"/>
-              <a:t>external</a:t>
-            </a:r>
-            <a:r>
-              <a:rPr lang="it-IT" sz="1400" dirty="0" smtClean="0"/>
-              <a:t> API, </a:t>
-            </a:r>
-          </a:p>
-          <a:p>
-            <a:pPr lvl="1"/>
-            <a:r>
-              <a:rPr lang="it-IT" sz="1400" dirty="0" err="1"/>
-              <a:t>w</a:t>
-            </a:r>
-            <a:r>
-              <a:rPr lang="it-IT" sz="1400" dirty="0" err="1" smtClean="0"/>
-              <a:t>hich</a:t>
-            </a:r>
-            <a:r>
-              <a:rPr lang="it-IT" sz="1400" dirty="0" smtClean="0"/>
-              <a:t> </a:t>
-            </a:r>
-            <a:r>
-              <a:rPr lang="it-IT" sz="1400" dirty="0" err="1" smtClean="0"/>
-              <a:t>provides</a:t>
-            </a:r>
-            <a:r>
-              <a:rPr lang="it-IT" sz="1400" dirty="0" smtClean="0"/>
-              <a:t> </a:t>
-            </a:r>
-            <a:r>
-              <a:rPr lang="it-IT" sz="1400" dirty="0" err="1" smtClean="0"/>
-              <a:t>travel</a:t>
-            </a:r>
-            <a:r>
-              <a:rPr lang="it-IT" sz="1400" dirty="0" smtClean="0"/>
-              <a:t> information to compute</a:t>
-            </a:r>
-          </a:p>
-          <a:p>
-            <a:pPr lvl="1"/>
-            <a:r>
-              <a:rPr lang="it-IT" sz="1400" dirty="0" smtClean="0"/>
-              <a:t>Best </a:t>
-            </a:r>
-            <a:r>
-              <a:rPr lang="it-IT" sz="1400" dirty="0" err="1" smtClean="0"/>
-              <a:t>travel</a:t>
-            </a:r>
-            <a:r>
-              <a:rPr lang="it-IT" sz="1400" dirty="0" smtClean="0"/>
-              <a:t> for </a:t>
-            </a:r>
-            <a:r>
-              <a:rPr lang="it-IT" sz="1400" dirty="0" err="1" smtClean="0"/>
-              <a:t>user</a:t>
-            </a:r>
-            <a:r>
-              <a:rPr lang="it-IT" sz="1400" dirty="0" smtClean="0"/>
-              <a:t>. </a:t>
-            </a:r>
-            <a:r>
-              <a:rPr lang="it-IT" sz="1400" dirty="0" err="1" smtClean="0"/>
-              <a:t>Instead</a:t>
-            </a:r>
-            <a:r>
-              <a:rPr lang="it-IT" sz="1400" dirty="0" smtClean="0"/>
-              <a:t> </a:t>
-            </a:r>
-            <a:r>
-              <a:rPr lang="it-IT" sz="1400" dirty="0" err="1" smtClean="0"/>
-              <a:t>it</a:t>
-            </a:r>
-            <a:r>
-              <a:rPr lang="it-IT" sz="1400" dirty="0" smtClean="0"/>
-              <a:t> </a:t>
-            </a:r>
-            <a:r>
-              <a:rPr lang="it-IT" sz="1400" dirty="0" err="1" smtClean="0"/>
-              <a:t>provides</a:t>
-            </a:r>
-            <a:r>
-              <a:rPr lang="it-IT" sz="1400" dirty="0" smtClean="0"/>
-              <a:t>  </a:t>
-            </a:r>
-          </a:p>
-          <a:p>
-            <a:pPr lvl="1"/>
-            <a:r>
-              <a:rPr lang="it-IT" sz="1400" dirty="0" err="1" smtClean="0"/>
-              <a:t>interface</a:t>
-            </a:r>
-            <a:r>
-              <a:rPr lang="it-IT" sz="1400" dirty="0" smtClean="0"/>
-              <a:t> for the </a:t>
-            </a:r>
-            <a:r>
-              <a:rPr lang="it-IT" sz="1400" dirty="0" err="1" smtClean="0"/>
-              <a:t>user</a:t>
-            </a:r>
-            <a:r>
-              <a:rPr lang="it-IT" sz="1400" dirty="0" smtClean="0"/>
-              <a:t> </a:t>
-            </a:r>
-            <a:r>
-              <a:rPr lang="it-IT" sz="1400" dirty="0" err="1" smtClean="0"/>
-              <a:t>app</a:t>
-            </a:r>
-            <a:r>
-              <a:rPr lang="it-IT" sz="1400" dirty="0" smtClean="0"/>
-              <a:t>.</a:t>
-            </a:r>
-          </a:p>
-          <a:p>
-            <a:pPr marL="285750" indent="-285750">
-              <a:buFont typeface="Arial" panose="020B0604020202020204" pitchFamily="34" charset="0"/>
-              <a:buChar char="•"/>
-            </a:pPr>
-            <a:r>
-              <a:rPr lang="it-IT" sz="1400" dirty="0" smtClean="0"/>
-              <a:t>The ‘</a:t>
-            </a:r>
-            <a:r>
-              <a:rPr lang="it-IT" sz="1400" dirty="0" err="1" smtClean="0"/>
-              <a:t>Payment</a:t>
-            </a:r>
-            <a:r>
-              <a:rPr lang="it-IT" sz="1400" dirty="0" smtClean="0"/>
-              <a:t> Manager’ </a:t>
-            </a:r>
-            <a:r>
-              <a:rPr lang="it-IT" sz="1400" dirty="0" err="1" smtClean="0"/>
-              <a:t>require</a:t>
-            </a:r>
-            <a:r>
-              <a:rPr lang="it-IT" sz="1400" dirty="0" smtClean="0"/>
-              <a:t> the </a:t>
-            </a:r>
-            <a:r>
-              <a:rPr lang="it-IT" sz="1400" dirty="0" err="1" smtClean="0"/>
-              <a:t>interface</a:t>
-            </a:r>
-            <a:r>
-              <a:rPr lang="it-IT" sz="1400" dirty="0" smtClean="0"/>
-              <a:t> of</a:t>
-            </a:r>
-          </a:p>
-          <a:p>
-            <a:pPr lvl="1"/>
-            <a:r>
-              <a:rPr lang="it-IT" sz="1400" dirty="0" smtClean="0"/>
-              <a:t>A </a:t>
-            </a:r>
-            <a:r>
-              <a:rPr lang="it-IT" sz="1400" dirty="0" err="1" smtClean="0"/>
-              <a:t>payment</a:t>
-            </a:r>
-            <a:r>
-              <a:rPr lang="it-IT" sz="1400" dirty="0" smtClean="0"/>
-              <a:t> gateway, </a:t>
-            </a:r>
-            <a:r>
-              <a:rPr lang="it-IT" sz="1400" dirty="0" err="1" smtClean="0"/>
-              <a:t>which</a:t>
-            </a:r>
-            <a:r>
-              <a:rPr lang="it-IT" sz="1400" dirty="0" smtClean="0"/>
-              <a:t> </a:t>
-            </a:r>
-            <a:r>
-              <a:rPr lang="it-IT" sz="1400" dirty="0" err="1" smtClean="0"/>
-              <a:t>permits</a:t>
-            </a:r>
-            <a:r>
-              <a:rPr lang="it-IT" sz="1400" dirty="0" smtClean="0"/>
-              <a:t> to </a:t>
-            </a:r>
-            <a:r>
-              <a:rPr lang="it-IT" sz="1400" dirty="0" err="1" smtClean="0"/>
-              <a:t>execute</a:t>
-            </a:r>
-            <a:endParaRPr lang="it-IT" sz="1400" dirty="0" smtClean="0"/>
-          </a:p>
-          <a:p>
-            <a:pPr lvl="1"/>
-            <a:r>
-              <a:rPr lang="it-IT" sz="1400" dirty="0" err="1" smtClean="0"/>
-              <a:t>Payments</a:t>
-            </a:r>
-            <a:r>
-              <a:rPr lang="it-IT" sz="1400" dirty="0" smtClean="0"/>
-              <a:t>, and </a:t>
-            </a:r>
-            <a:r>
-              <a:rPr lang="it-IT" sz="1400" dirty="0" err="1" smtClean="0"/>
-              <a:t>requires</a:t>
-            </a:r>
-            <a:r>
-              <a:rPr lang="it-IT" sz="1400" dirty="0" smtClean="0"/>
-              <a:t> the </a:t>
-            </a:r>
-            <a:r>
-              <a:rPr lang="it-IT" sz="1400" dirty="0" err="1" smtClean="0"/>
-              <a:t>interface</a:t>
-            </a:r>
-            <a:r>
-              <a:rPr lang="it-IT" sz="1400" dirty="0" smtClean="0"/>
-              <a:t> of </a:t>
-            </a:r>
-          </a:p>
-          <a:p>
-            <a:pPr lvl="1"/>
-            <a:r>
-              <a:rPr lang="it-IT" sz="1400" dirty="0" err="1" smtClean="0"/>
-              <a:t>user</a:t>
-            </a:r>
-            <a:r>
-              <a:rPr lang="it-IT" sz="1400" dirty="0" smtClean="0"/>
-              <a:t> account to take information</a:t>
-            </a:r>
-          </a:p>
-          <a:p>
-            <a:pPr lvl="1"/>
-            <a:r>
-              <a:rPr lang="it-IT" sz="1400" dirty="0" err="1" smtClean="0"/>
-              <a:t>About</a:t>
-            </a:r>
-            <a:r>
-              <a:rPr lang="it-IT" sz="1400" dirty="0" smtClean="0"/>
-              <a:t> account </a:t>
-            </a:r>
-            <a:r>
-              <a:rPr lang="it-IT" sz="1400" dirty="0" err="1" smtClean="0"/>
-              <a:t>details</a:t>
-            </a:r>
-            <a:endParaRPr lang="it-IT" sz="1400" dirty="0" smtClean="0"/>
-          </a:p>
           <a:p>
             <a:pPr lvl="1"/>
             <a:endParaRPr lang="it-IT" dirty="0"/>
@@ -4525,927 +4131,6 @@
       </p:grpSpPr>
       <p:sp>
         <p:nvSpPr>
-          <p:cNvPr id="9" name="Cubo 8"/>
-          <p:cNvSpPr/>
-          <p:nvPr/>
-        </p:nvSpPr>
-        <p:spPr>
-          <a:xfrm>
-            <a:off x="5122719" y="2184410"/>
-            <a:ext cx="1338872" cy="1567810"/>
-          </a:xfrm>
-          <a:prstGeom prst="cube">
-            <a:avLst>
-              <a:gd name="adj" fmla="val 10830"/>
-            </a:avLst>
-          </a:prstGeom>
-          <a:solidFill>
-            <a:srgbClr val="FF6600"/>
-          </a:solidFill>
-          <a:ln>
-            <a:solidFill>
-              <a:schemeClr val="tx1"/>
-            </a:solidFill>
-          </a:ln>
-          <a:effectLst>
-            <a:outerShdw blurRad="50800" dist="38100" dir="8100000" algn="tr" rotWithShape="0">
-              <a:prstClr val="black">
-                <a:alpha val="40000"/>
-              </a:prstClr>
-            </a:outerShdw>
-          </a:effectLst>
-        </p:spPr>
-        <p:style>
-          <a:lnRef idx="2">
-            <a:schemeClr val="accent1">
-              <a:shade val="50000"/>
-            </a:schemeClr>
-          </a:lnRef>
-          <a:fillRef idx="1">
-            <a:schemeClr val="accent1"/>
-          </a:fillRef>
-          <a:effectRef idx="0">
-            <a:schemeClr val="accent1"/>
-          </a:effectRef>
-          <a:fontRef idx="minor">
-            <a:schemeClr val="lt1"/>
-          </a:fontRef>
-        </p:style>
-        <p:txBody>
-          <a:bodyPr rtlCol="0" anchor="t"/>
-          <a:lstStyle/>
-          <a:p>
-            <a:pPr algn="ctr"/>
-            <a:r>
-              <a:rPr lang="it-IT" sz="1200" dirty="0" smtClean="0">
-                <a:solidFill>
-                  <a:schemeClr val="tx1"/>
-                </a:solidFill>
-              </a:rPr>
-              <a:t>&lt;&lt;</a:t>
-            </a:r>
-            <a:r>
-              <a:rPr lang="it-IT" sz="1200" dirty="0" err="1" smtClean="0">
-                <a:solidFill>
-                  <a:schemeClr val="tx1"/>
-                </a:solidFill>
-              </a:rPr>
-              <a:t>device</a:t>
-            </a:r>
-            <a:r>
-              <a:rPr lang="it-IT" sz="1200" dirty="0" smtClean="0">
-                <a:solidFill>
-                  <a:schemeClr val="tx1"/>
-                </a:solidFill>
-              </a:rPr>
-              <a:t>&gt;&gt;</a:t>
-            </a:r>
-          </a:p>
-          <a:p>
-            <a:pPr algn="ctr"/>
-            <a:r>
-              <a:rPr lang="it-IT" sz="1200" b="1" u="sng" dirty="0" smtClean="0">
-                <a:solidFill>
-                  <a:schemeClr val="tx1"/>
-                </a:solidFill>
-              </a:rPr>
-              <a:t>Firewall</a:t>
-            </a:r>
-            <a:endParaRPr lang="it-IT" sz="1200" b="1" u="sng" dirty="0">
-              <a:solidFill>
-                <a:schemeClr val="tx1"/>
-              </a:solidFill>
-            </a:endParaRPr>
-          </a:p>
-        </p:txBody>
-      </p:sp>
-      <p:sp>
-        <p:nvSpPr>
-          <p:cNvPr id="5" name="Cubo 4"/>
-          <p:cNvSpPr/>
-          <p:nvPr/>
-        </p:nvSpPr>
-        <p:spPr>
-          <a:xfrm>
-            <a:off x="2211563" y="1491980"/>
-            <a:ext cx="1815920" cy="2730320"/>
-          </a:xfrm>
-          <a:prstGeom prst="cube">
-            <a:avLst>
-              <a:gd name="adj" fmla="val 12754"/>
-            </a:avLst>
-          </a:prstGeom>
-          <a:solidFill>
-            <a:srgbClr val="92D050"/>
-          </a:solidFill>
-          <a:ln>
-            <a:solidFill>
-              <a:schemeClr val="tx1"/>
-            </a:solidFill>
-          </a:ln>
-          <a:effectLst>
-            <a:outerShdw blurRad="50800" dist="38100" dir="8100000" algn="tr" rotWithShape="0">
-              <a:prstClr val="black">
-                <a:alpha val="40000"/>
-              </a:prstClr>
-            </a:outerShdw>
-          </a:effectLst>
-        </p:spPr>
-        <p:style>
-          <a:lnRef idx="2">
-            <a:schemeClr val="accent1">
-              <a:shade val="50000"/>
-            </a:schemeClr>
-          </a:lnRef>
-          <a:fillRef idx="1">
-            <a:schemeClr val="accent1"/>
-          </a:fillRef>
-          <a:effectRef idx="0">
-            <a:schemeClr val="accent1"/>
-          </a:effectRef>
-          <a:fontRef idx="minor">
-            <a:schemeClr val="lt1"/>
-          </a:fontRef>
-        </p:style>
-        <p:txBody>
-          <a:bodyPr rtlCol="0" anchor="t"/>
-          <a:lstStyle/>
-          <a:p>
-            <a:pPr algn="ctr"/>
-            <a:r>
-              <a:rPr lang="it-IT" sz="1200" dirty="0" smtClean="0">
-                <a:solidFill>
-                  <a:schemeClr val="tx1"/>
-                </a:solidFill>
-              </a:rPr>
-              <a:t>&lt;&lt;</a:t>
-            </a:r>
-            <a:r>
-              <a:rPr lang="it-IT" sz="1200" dirty="0" err="1" smtClean="0">
-                <a:solidFill>
-                  <a:schemeClr val="tx1"/>
-                </a:solidFill>
-              </a:rPr>
-              <a:t>device</a:t>
-            </a:r>
-            <a:r>
-              <a:rPr lang="it-IT" sz="1200" dirty="0" smtClean="0">
-                <a:solidFill>
-                  <a:schemeClr val="tx1"/>
-                </a:solidFill>
-              </a:rPr>
-              <a:t>&gt;&gt;</a:t>
-            </a:r>
-          </a:p>
-          <a:p>
-            <a:pPr algn="ctr"/>
-            <a:r>
-              <a:rPr lang="it-IT" sz="1200" b="1" u="sng" dirty="0" smtClean="0">
-                <a:solidFill>
-                  <a:schemeClr val="tx1"/>
-                </a:solidFill>
-              </a:rPr>
-              <a:t>Mobile Smartphone</a:t>
-            </a:r>
-            <a:endParaRPr lang="it-IT" sz="1200" b="1" u="sng" dirty="0">
-              <a:solidFill>
-                <a:schemeClr val="tx1"/>
-              </a:solidFill>
-            </a:endParaRPr>
-          </a:p>
-        </p:txBody>
-      </p:sp>
-      <p:sp>
-        <p:nvSpPr>
-          <p:cNvPr id="6" name="Cubo 5"/>
-          <p:cNvSpPr/>
-          <p:nvPr/>
-        </p:nvSpPr>
-        <p:spPr>
-          <a:xfrm>
-            <a:off x="2575425" y="2219653"/>
-            <a:ext cx="914400" cy="631065"/>
-          </a:xfrm>
-          <a:prstGeom prst="cube">
-            <a:avLst>
-              <a:gd name="adj" fmla="val 14796"/>
-            </a:avLst>
-          </a:prstGeom>
-          <a:solidFill>
-            <a:schemeClr val="accent6">
-              <a:lumMod val="75000"/>
-            </a:schemeClr>
-          </a:solidFill>
-          <a:ln>
-            <a:solidFill>
-              <a:schemeClr val="accent5">
-                <a:lumMod val="50000"/>
-              </a:schemeClr>
-            </a:solidFill>
-          </a:ln>
-        </p:spPr>
-        <p:style>
-          <a:lnRef idx="2">
-            <a:schemeClr val="accent1">
-              <a:shade val="50000"/>
-            </a:schemeClr>
-          </a:lnRef>
-          <a:fillRef idx="1">
-            <a:schemeClr val="accent1"/>
-          </a:fillRef>
-          <a:effectRef idx="0">
-            <a:schemeClr val="accent1"/>
-          </a:effectRef>
-          <a:fontRef idx="minor">
-            <a:schemeClr val="lt1"/>
-          </a:fontRef>
-        </p:style>
-        <p:txBody>
-          <a:bodyPr rtlCol="0" anchor="ctr"/>
-          <a:lstStyle/>
-          <a:p>
-            <a:pPr algn="ctr"/>
-            <a:r>
-              <a:rPr lang="it-IT" sz="1050" dirty="0" smtClean="0"/>
-              <a:t>Mobile Interface</a:t>
-            </a:r>
-            <a:endParaRPr lang="it-IT" sz="1050" dirty="0"/>
-          </a:p>
-        </p:txBody>
-      </p:sp>
-      <p:pic>
-        <p:nvPicPr>
-          <p:cNvPr id="7" name="Immagine 6"/>
-          <p:cNvPicPr>
-            <a:picLocks noChangeAspect="1"/>
-          </p:cNvPicPr>
-          <p:nvPr/>
-        </p:nvPicPr>
-        <p:blipFill>
-          <a:blip r:embed="rId2" cstate="print">
-            <a:extLst>
-              <a:ext uri="{28A0092B-C50C-407E-A947-70E740481C1C}">
-                <a14:useLocalDpi xmlns:a14="http://schemas.microsoft.com/office/drawing/2010/main" val="0"/>
-              </a:ext>
-            </a:extLst>
-          </a:blip>
-          <a:stretch>
-            <a:fillRect/>
-          </a:stretch>
-        </p:blipFill>
-        <p:spPr>
-          <a:xfrm>
-            <a:off x="5467446" y="2815292"/>
-            <a:ext cx="591565" cy="748037"/>
-          </a:xfrm>
-          <a:prstGeom prst="rect">
-            <a:avLst/>
-          </a:prstGeom>
-        </p:spPr>
-      </p:pic>
-      <p:sp>
-        <p:nvSpPr>
-          <p:cNvPr id="11" name="Cubo 10"/>
-          <p:cNvSpPr/>
-          <p:nvPr/>
-        </p:nvSpPr>
-        <p:spPr>
-          <a:xfrm>
-            <a:off x="2575425" y="3262858"/>
-            <a:ext cx="914400" cy="631065"/>
-          </a:xfrm>
-          <a:prstGeom prst="cube">
-            <a:avLst>
-              <a:gd name="adj" fmla="val 14796"/>
-            </a:avLst>
-          </a:prstGeom>
-          <a:solidFill>
-            <a:schemeClr val="accent6">
-              <a:lumMod val="75000"/>
-            </a:schemeClr>
-          </a:solidFill>
-          <a:ln>
-            <a:solidFill>
-              <a:schemeClr val="accent5">
-                <a:lumMod val="50000"/>
-              </a:schemeClr>
-            </a:solidFill>
-          </a:ln>
-        </p:spPr>
-        <p:style>
-          <a:lnRef idx="2">
-            <a:schemeClr val="accent1">
-              <a:shade val="50000"/>
-            </a:schemeClr>
-          </a:lnRef>
-          <a:fillRef idx="1">
-            <a:schemeClr val="accent1"/>
-          </a:fillRef>
-          <a:effectRef idx="0">
-            <a:schemeClr val="accent1"/>
-          </a:effectRef>
-          <a:fontRef idx="minor">
-            <a:schemeClr val="lt1"/>
-          </a:fontRef>
-        </p:style>
-        <p:txBody>
-          <a:bodyPr rtlCol="0" anchor="ctr"/>
-          <a:lstStyle/>
-          <a:p>
-            <a:pPr algn="ctr"/>
-            <a:r>
-              <a:rPr lang="it-IT" sz="1050" dirty="0" smtClean="0"/>
-              <a:t>Application</a:t>
-            </a:r>
-          </a:p>
-          <a:p>
-            <a:pPr algn="ctr"/>
-            <a:r>
-              <a:rPr lang="it-IT" sz="1050" dirty="0" err="1" smtClean="0"/>
-              <a:t>Logic</a:t>
-            </a:r>
-            <a:endParaRPr lang="it-IT" sz="1050" dirty="0"/>
-          </a:p>
-        </p:txBody>
-      </p:sp>
-      <p:cxnSp>
-        <p:nvCxnSpPr>
-          <p:cNvPr id="13" name="Connettore 2 12"/>
-          <p:cNvCxnSpPr>
-            <a:endCxn id="9" idx="2"/>
-          </p:cNvCxnSpPr>
-          <p:nvPr/>
-        </p:nvCxnSpPr>
-        <p:spPr>
-          <a:xfrm flipV="1">
-            <a:off x="3956119" y="3040815"/>
-            <a:ext cx="1166600" cy="1081"/>
-          </a:xfrm>
-          <a:prstGeom prst="straightConnector1">
-            <a:avLst/>
-          </a:prstGeom>
-          <a:ln w="15875">
-            <a:prstDash val="solid"/>
-            <a:tailEnd type="none"/>
-          </a:ln>
-        </p:spPr>
-        <p:style>
-          <a:lnRef idx="3">
-            <a:schemeClr val="dk1"/>
-          </a:lnRef>
-          <a:fillRef idx="0">
-            <a:schemeClr val="dk1"/>
-          </a:fillRef>
-          <a:effectRef idx="2">
-            <a:schemeClr val="dk1"/>
-          </a:effectRef>
-          <a:fontRef idx="minor">
-            <a:schemeClr val="tx1"/>
-          </a:fontRef>
-        </p:style>
-      </p:cxnSp>
-      <p:sp>
-        <p:nvSpPr>
-          <p:cNvPr id="19" name="CasellaDiTesto 18"/>
-          <p:cNvSpPr txBox="1"/>
-          <p:nvPr/>
-        </p:nvSpPr>
-        <p:spPr>
-          <a:xfrm>
-            <a:off x="4143832" y="3347950"/>
-            <a:ext cx="743454" cy="246221"/>
-          </a:xfrm>
-          <a:prstGeom prst="rect">
-            <a:avLst/>
-          </a:prstGeom>
-          <a:noFill/>
-        </p:spPr>
-        <p:txBody>
-          <a:bodyPr wrap="square" rtlCol="0">
-            <a:spAutoFit/>
-          </a:bodyPr>
-          <a:lstStyle/>
-          <a:p>
-            <a:r>
-              <a:rPr lang="it-IT" sz="1000" b="1" dirty="0" smtClean="0"/>
-              <a:t>JDBC</a:t>
-            </a:r>
-            <a:endParaRPr lang="it-IT" sz="1000" b="1" dirty="0"/>
-          </a:p>
-        </p:txBody>
-      </p:sp>
-      <p:cxnSp>
-        <p:nvCxnSpPr>
-          <p:cNvPr id="20" name="Connettore 2 19"/>
-          <p:cNvCxnSpPr/>
-          <p:nvPr/>
-        </p:nvCxnSpPr>
-        <p:spPr>
-          <a:xfrm>
-            <a:off x="6474470" y="3035013"/>
-            <a:ext cx="1288419" cy="2901"/>
-          </a:xfrm>
-          <a:prstGeom prst="straightConnector1">
-            <a:avLst/>
-          </a:prstGeom>
-          <a:ln w="15875">
-            <a:prstDash val="solid"/>
-            <a:tailEnd type="none"/>
-          </a:ln>
-        </p:spPr>
-        <p:style>
-          <a:lnRef idx="3">
-            <a:schemeClr val="dk1"/>
-          </a:lnRef>
-          <a:fillRef idx="0">
-            <a:schemeClr val="dk1"/>
-          </a:fillRef>
-          <a:effectRef idx="2">
-            <a:schemeClr val="dk1"/>
-          </a:effectRef>
-          <a:fontRef idx="minor">
-            <a:schemeClr val="tx1"/>
-          </a:fontRef>
-        </p:style>
-      </p:cxnSp>
-      <p:sp>
-        <p:nvSpPr>
-          <p:cNvPr id="22" name="Cubo 21"/>
-          <p:cNvSpPr/>
-          <p:nvPr/>
-        </p:nvSpPr>
-        <p:spPr>
-          <a:xfrm>
-            <a:off x="7775767" y="1598052"/>
-            <a:ext cx="2044915" cy="2679994"/>
-          </a:xfrm>
-          <a:prstGeom prst="cube">
-            <a:avLst>
-              <a:gd name="adj" fmla="val 10865"/>
-            </a:avLst>
-          </a:prstGeom>
-          <a:solidFill>
-            <a:schemeClr val="accent4">
-              <a:lumMod val="60000"/>
-              <a:lumOff val="40000"/>
-            </a:schemeClr>
-          </a:solidFill>
-          <a:ln>
-            <a:solidFill>
-              <a:schemeClr val="tx1"/>
-            </a:solidFill>
-          </a:ln>
-          <a:effectLst>
-            <a:outerShdw blurRad="50800" dist="38100" dir="8100000" algn="tr" rotWithShape="0">
-              <a:prstClr val="black">
-                <a:alpha val="40000"/>
-              </a:prstClr>
-            </a:outerShdw>
-          </a:effectLst>
-        </p:spPr>
-        <p:style>
-          <a:lnRef idx="2">
-            <a:schemeClr val="accent1">
-              <a:shade val="50000"/>
-            </a:schemeClr>
-          </a:lnRef>
-          <a:fillRef idx="1">
-            <a:schemeClr val="accent1"/>
-          </a:fillRef>
-          <a:effectRef idx="0">
-            <a:schemeClr val="accent1"/>
-          </a:effectRef>
-          <a:fontRef idx="minor">
-            <a:schemeClr val="lt1"/>
-          </a:fontRef>
-        </p:style>
-        <p:txBody>
-          <a:bodyPr rtlCol="0" anchor="t"/>
-          <a:lstStyle/>
-          <a:p>
-            <a:pPr algn="ctr"/>
-            <a:r>
-              <a:rPr lang="it-IT" sz="1200" dirty="0" smtClean="0">
-                <a:solidFill>
-                  <a:schemeClr val="tx1"/>
-                </a:solidFill>
-              </a:rPr>
-              <a:t>&lt;&lt;</a:t>
-            </a:r>
-            <a:r>
-              <a:rPr lang="it-IT" sz="1200" dirty="0" err="1" smtClean="0">
-                <a:solidFill>
-                  <a:schemeClr val="tx1"/>
-                </a:solidFill>
-              </a:rPr>
-              <a:t>device</a:t>
-            </a:r>
-            <a:r>
-              <a:rPr lang="it-IT" sz="1200" dirty="0" smtClean="0">
-                <a:solidFill>
-                  <a:schemeClr val="tx1"/>
-                </a:solidFill>
-              </a:rPr>
-              <a:t>&gt;&gt;</a:t>
-            </a:r>
-          </a:p>
-          <a:p>
-            <a:pPr algn="ctr"/>
-            <a:r>
-              <a:rPr lang="it-IT" sz="1200" b="1" u="sng" dirty="0" smtClean="0">
-                <a:solidFill>
-                  <a:schemeClr val="tx1"/>
-                </a:solidFill>
-              </a:rPr>
-              <a:t>Database Server</a:t>
-            </a:r>
-            <a:endParaRPr lang="it-IT" sz="1200" b="1" u="sng" dirty="0">
-              <a:solidFill>
-                <a:schemeClr val="tx1"/>
-              </a:solidFill>
-            </a:endParaRPr>
-          </a:p>
-        </p:txBody>
-      </p:sp>
-      <p:cxnSp>
-        <p:nvCxnSpPr>
-          <p:cNvPr id="23" name="Connettore 2 22"/>
-          <p:cNvCxnSpPr>
-            <a:stCxn id="6" idx="3"/>
-          </p:cNvCxnSpPr>
-          <p:nvPr/>
-        </p:nvCxnSpPr>
-        <p:spPr>
-          <a:xfrm>
-            <a:off x="2985939" y="2850718"/>
-            <a:ext cx="0" cy="463759"/>
-          </a:xfrm>
-          <a:prstGeom prst="straightConnector1">
-            <a:avLst/>
-          </a:prstGeom>
-          <a:ln w="28575">
-            <a:prstDash val="sysDot"/>
-            <a:tailEnd type="triangle"/>
-          </a:ln>
-        </p:spPr>
-        <p:style>
-          <a:lnRef idx="3">
-            <a:schemeClr val="dk1"/>
-          </a:lnRef>
-          <a:fillRef idx="0">
-            <a:schemeClr val="dk1"/>
-          </a:fillRef>
-          <a:effectRef idx="2">
-            <a:schemeClr val="dk1"/>
-          </a:effectRef>
-          <a:fontRef idx="minor">
-            <a:schemeClr val="tx1"/>
-          </a:fontRef>
-        </p:style>
-      </p:cxnSp>
-      <p:cxnSp>
-        <p:nvCxnSpPr>
-          <p:cNvPr id="29" name="Connettore 2 28"/>
-          <p:cNvCxnSpPr/>
-          <p:nvPr/>
-        </p:nvCxnSpPr>
-        <p:spPr>
-          <a:xfrm>
-            <a:off x="3431378" y="3587868"/>
-            <a:ext cx="1678462" cy="0"/>
-          </a:xfrm>
-          <a:prstGeom prst="straightConnector1">
-            <a:avLst/>
-          </a:prstGeom>
-          <a:ln w="28575" cmpd="dbl">
-            <a:solidFill>
-              <a:schemeClr val="tx2"/>
-            </a:solidFill>
-            <a:prstDash val="sysDot"/>
-            <a:tailEnd type="triangle"/>
-          </a:ln>
-        </p:spPr>
-        <p:style>
-          <a:lnRef idx="3">
-            <a:schemeClr val="dk1"/>
-          </a:lnRef>
-          <a:fillRef idx="0">
-            <a:schemeClr val="dk1"/>
-          </a:fillRef>
-          <a:effectRef idx="2">
-            <a:schemeClr val="dk1"/>
-          </a:effectRef>
-          <a:fontRef idx="minor">
-            <a:schemeClr val="tx1"/>
-          </a:fontRef>
-        </p:style>
-      </p:cxnSp>
-      <p:sp>
-        <p:nvSpPr>
-          <p:cNvPr id="30" name="Cubo 29"/>
-          <p:cNvSpPr/>
-          <p:nvPr/>
-        </p:nvSpPr>
-        <p:spPr>
-          <a:xfrm>
-            <a:off x="8278358" y="2535185"/>
-            <a:ext cx="914400" cy="631065"/>
-          </a:xfrm>
-          <a:prstGeom prst="cube">
-            <a:avLst>
-              <a:gd name="adj" fmla="val 14796"/>
-            </a:avLst>
-          </a:prstGeom>
-          <a:solidFill>
-            <a:schemeClr val="accent4">
-              <a:lumMod val="75000"/>
-            </a:schemeClr>
-          </a:solidFill>
-          <a:ln>
-            <a:solidFill>
-              <a:schemeClr val="accent5">
-                <a:lumMod val="50000"/>
-              </a:schemeClr>
-            </a:solidFill>
-          </a:ln>
-        </p:spPr>
-        <p:style>
-          <a:lnRef idx="2">
-            <a:schemeClr val="accent1">
-              <a:shade val="50000"/>
-            </a:schemeClr>
-          </a:lnRef>
-          <a:fillRef idx="1">
-            <a:schemeClr val="accent1"/>
-          </a:fillRef>
-          <a:effectRef idx="0">
-            <a:schemeClr val="accent1"/>
-          </a:effectRef>
-          <a:fontRef idx="minor">
-            <a:schemeClr val="lt1"/>
-          </a:fontRef>
-        </p:style>
-        <p:txBody>
-          <a:bodyPr rtlCol="0" anchor="ctr"/>
-          <a:lstStyle/>
-          <a:p>
-            <a:pPr algn="ctr"/>
-            <a:r>
-              <a:rPr lang="it-IT" sz="1050" dirty="0" smtClean="0"/>
-              <a:t>Oracle </a:t>
-            </a:r>
-            <a:r>
-              <a:rPr lang="it-IT" sz="1050" dirty="0" err="1" smtClean="0"/>
-              <a:t>MySQL</a:t>
-            </a:r>
-            <a:r>
-              <a:rPr lang="it-IT" sz="1050" dirty="0" smtClean="0"/>
-              <a:t> Database</a:t>
-            </a:r>
-            <a:endParaRPr lang="it-IT" sz="1050" dirty="0"/>
-          </a:p>
-        </p:txBody>
-      </p:sp>
-      <p:sp>
-        <p:nvSpPr>
-          <p:cNvPr id="31" name="Cubo 30"/>
-          <p:cNvSpPr/>
-          <p:nvPr/>
-        </p:nvSpPr>
-        <p:spPr>
-          <a:xfrm>
-            <a:off x="8278358" y="3392917"/>
-            <a:ext cx="914400" cy="631065"/>
-          </a:xfrm>
-          <a:prstGeom prst="cube">
-            <a:avLst>
-              <a:gd name="adj" fmla="val 14796"/>
-            </a:avLst>
-          </a:prstGeom>
-          <a:solidFill>
-            <a:schemeClr val="accent4">
-              <a:lumMod val="75000"/>
-            </a:schemeClr>
-          </a:solidFill>
-          <a:ln>
-            <a:solidFill>
-              <a:schemeClr val="accent5">
-                <a:lumMod val="50000"/>
-              </a:schemeClr>
-            </a:solidFill>
-          </a:ln>
-        </p:spPr>
-        <p:style>
-          <a:lnRef idx="2">
-            <a:schemeClr val="accent1">
-              <a:shade val="50000"/>
-            </a:schemeClr>
-          </a:lnRef>
-          <a:fillRef idx="1">
-            <a:schemeClr val="accent1"/>
-          </a:fillRef>
-          <a:effectRef idx="0">
-            <a:schemeClr val="accent1"/>
-          </a:effectRef>
-          <a:fontRef idx="minor">
-            <a:schemeClr val="lt1"/>
-          </a:fontRef>
-        </p:style>
-        <p:txBody>
-          <a:bodyPr rtlCol="0" anchor="ctr"/>
-          <a:lstStyle/>
-          <a:p>
-            <a:pPr algn="ctr"/>
-            <a:r>
-              <a:rPr lang="it-IT" sz="1050" dirty="0" err="1" smtClean="0"/>
-              <a:t>External</a:t>
-            </a:r>
-            <a:r>
-              <a:rPr lang="it-IT" sz="1050" dirty="0" smtClean="0"/>
-              <a:t> Database</a:t>
-            </a:r>
-            <a:endParaRPr lang="it-IT" sz="1050" dirty="0"/>
-          </a:p>
-        </p:txBody>
-      </p:sp>
-      <p:cxnSp>
-        <p:nvCxnSpPr>
-          <p:cNvPr id="39" name="Connettore 4 38"/>
-          <p:cNvCxnSpPr>
-            <a:endCxn id="30" idx="2"/>
-          </p:cNvCxnSpPr>
-          <p:nvPr/>
-        </p:nvCxnSpPr>
-        <p:spPr>
-          <a:xfrm flipV="1">
-            <a:off x="6369050" y="2897404"/>
-            <a:ext cx="1909308" cy="690464"/>
-          </a:xfrm>
-          <a:prstGeom prst="bentConnector3">
-            <a:avLst>
-              <a:gd name="adj1" fmla="val 84090"/>
-            </a:avLst>
-          </a:prstGeom>
-          <a:ln w="25400" cmpd="dbl">
-            <a:solidFill>
-              <a:schemeClr val="tx2"/>
-            </a:solidFill>
-            <a:prstDash val="sysDot"/>
-            <a:tailEnd type="triangle"/>
-          </a:ln>
-        </p:spPr>
-        <p:style>
-          <a:lnRef idx="1">
-            <a:schemeClr val="accent1"/>
-          </a:lnRef>
-          <a:fillRef idx="0">
-            <a:schemeClr val="accent1"/>
-          </a:fillRef>
-          <a:effectRef idx="0">
-            <a:schemeClr val="accent1"/>
-          </a:effectRef>
-          <a:fontRef idx="minor">
-            <a:schemeClr val="tx1"/>
-          </a:fontRef>
-        </p:style>
-      </p:cxnSp>
-      <p:cxnSp>
-        <p:nvCxnSpPr>
-          <p:cNvPr id="44" name="Connettore 4 43"/>
-          <p:cNvCxnSpPr>
-            <a:endCxn id="31" idx="2"/>
-          </p:cNvCxnSpPr>
-          <p:nvPr/>
-        </p:nvCxnSpPr>
-        <p:spPr>
-          <a:xfrm>
-            <a:off x="6369050" y="3587868"/>
-            <a:ext cx="1909308" cy="167268"/>
-          </a:xfrm>
-          <a:prstGeom prst="bentConnector3">
-            <a:avLst>
-              <a:gd name="adj1" fmla="val 84090"/>
-            </a:avLst>
-          </a:prstGeom>
-          <a:ln w="25400" cmpd="dbl">
-            <a:solidFill>
-              <a:schemeClr val="tx2"/>
-            </a:solidFill>
-            <a:prstDash val="sysDot"/>
-            <a:tailEnd type="triangle"/>
-          </a:ln>
-        </p:spPr>
-        <p:style>
-          <a:lnRef idx="1">
-            <a:schemeClr val="accent1"/>
-          </a:lnRef>
-          <a:fillRef idx="0">
-            <a:schemeClr val="accent1"/>
-          </a:fillRef>
-          <a:effectRef idx="0">
-            <a:schemeClr val="accent1"/>
-          </a:effectRef>
-          <a:fontRef idx="minor">
-            <a:schemeClr val="tx1"/>
-          </a:fontRef>
-        </p:style>
-      </p:cxnSp>
-      <p:sp>
-        <p:nvSpPr>
-          <p:cNvPr id="49" name="CasellaDiTesto 48"/>
-          <p:cNvSpPr txBox="1"/>
-          <p:nvPr/>
-        </p:nvSpPr>
-        <p:spPr>
-          <a:xfrm>
-            <a:off x="6827623" y="3347950"/>
-            <a:ext cx="743454" cy="246221"/>
-          </a:xfrm>
-          <a:prstGeom prst="rect">
-            <a:avLst/>
-          </a:prstGeom>
-          <a:noFill/>
-        </p:spPr>
-        <p:txBody>
-          <a:bodyPr wrap="square" rtlCol="0">
-            <a:spAutoFit/>
-          </a:bodyPr>
-          <a:lstStyle/>
-          <a:p>
-            <a:r>
-              <a:rPr lang="it-IT" sz="1000" b="1" dirty="0" smtClean="0"/>
-              <a:t>JDBC</a:t>
-            </a:r>
-            <a:endParaRPr lang="it-IT" sz="1000" b="1" dirty="0"/>
-          </a:p>
-        </p:txBody>
-      </p:sp>
-      <p:sp>
-        <p:nvSpPr>
-          <p:cNvPr id="51" name="CasellaDiTesto 50"/>
-          <p:cNvSpPr txBox="1"/>
-          <p:nvPr/>
-        </p:nvSpPr>
-        <p:spPr>
-          <a:xfrm>
-            <a:off x="4702238" y="508103"/>
-            <a:ext cx="2828403" cy="461665"/>
-          </a:xfrm>
-          <a:prstGeom prst="rect">
-            <a:avLst/>
-          </a:prstGeom>
-          <a:noFill/>
-        </p:spPr>
-        <p:txBody>
-          <a:bodyPr wrap="none" rtlCol="0">
-            <a:spAutoFit/>
-          </a:bodyPr>
-          <a:lstStyle/>
-          <a:p>
-            <a:r>
-              <a:rPr lang="it-IT" sz="2400" dirty="0" smtClean="0"/>
-              <a:t>2.2 Deployment </a:t>
-            </a:r>
-            <a:r>
-              <a:rPr lang="it-IT" sz="2400" dirty="0" err="1" smtClean="0"/>
-              <a:t>view</a:t>
-            </a:r>
-            <a:endParaRPr lang="it-IT" sz="2400" dirty="0"/>
-          </a:p>
-        </p:txBody>
-      </p:sp>
-    </p:spTree>
-    <p:extLst>
-      <p:ext uri="{BB962C8B-B14F-4D97-AF65-F5344CB8AC3E}">
-        <p14:creationId xmlns:p14="http://schemas.microsoft.com/office/powerpoint/2010/main" val="2457592309"/>
-      </p:ext>
-    </p:extLst>
-  </p:cSld>
-  <p:clrMapOvr>
-    <a:masterClrMapping/>
-  </p:clrMapOvr>
-</p:sld>
-</file>
-
-<file path=ppt/slides/slide4.xml><?xml version="1.0" encoding="utf-8"?>
-<p:sld xmlns:a="http://schemas.openxmlformats.org/drawingml/2006/main" xmlns:r="http://schemas.openxmlformats.org/officeDocument/2006/relationships" xmlns:p="http://schemas.openxmlformats.org/presentationml/2006/main">
-  <p:cSld>
-    <p:spTree>
-      <p:nvGrpSpPr>
-        <p:cNvPr id="1" name=""/>
-        <p:cNvGrpSpPr/>
-        <p:nvPr/>
-      </p:nvGrpSpPr>
-      <p:grpSpPr>
-        <a:xfrm>
-          <a:off x="0" y="0"/>
-          <a:ext cx="0" cy="0"/>
-          <a:chOff x="0" y="0"/>
-          <a:chExt cx="0" cy="0"/>
-        </a:xfrm>
-      </p:grpSpPr>
-      <p:sp>
-        <p:nvSpPr>
           <p:cNvPr id="2" name="CasellaDiTesto 1"/>
           <p:cNvSpPr txBox="1"/>
           <p:nvPr/>
@@ -5768,7 +4453,7 @@
         </p:nvSpPr>
         <p:spPr>
           <a:xfrm>
-            <a:off x="462688" y="2105553"/>
+            <a:off x="414886" y="2089128"/>
             <a:ext cx="1904172" cy="1583830"/>
           </a:xfrm>
           <a:prstGeom prst="roundRect">
@@ -5806,7 +4491,7 @@
         </p:nvSpPr>
         <p:spPr>
           <a:xfrm>
-            <a:off x="618650" y="1497667"/>
+            <a:off x="570848" y="1481242"/>
             <a:ext cx="923971" cy="461665"/>
           </a:xfrm>
           <a:prstGeom prst="rect">
@@ -5835,7 +4520,7 @@
         </p:nvSpPr>
         <p:spPr>
           <a:xfrm>
-            <a:off x="622079" y="2351723"/>
+            <a:off x="574277" y="2335298"/>
             <a:ext cx="1549715" cy="1067877"/>
           </a:xfrm>
           <a:prstGeom prst="rect">
@@ -5898,7 +4583,7 @@
         </p:blipFill>
         <p:spPr>
           <a:xfrm>
-            <a:off x="1542621" y="1474531"/>
+            <a:off x="1494819" y="1458106"/>
             <a:ext cx="507936" cy="507936"/>
           </a:xfrm>
           <a:prstGeom prst="rect">
@@ -5914,7 +4599,7 @@
         </p:nvSpPr>
         <p:spPr>
           <a:xfrm>
-            <a:off x="5818041" y="2260640"/>
+            <a:off x="4442787" y="2234916"/>
             <a:ext cx="1977527" cy="1282605"/>
           </a:xfrm>
           <a:prstGeom prst="roundRect">
@@ -5958,7 +4643,7 @@
         </p:nvSpPr>
         <p:spPr>
           <a:xfrm>
-            <a:off x="6045020" y="2530103"/>
+            <a:off x="4669766" y="2504379"/>
             <a:ext cx="1549715" cy="754276"/>
           </a:xfrm>
           <a:prstGeom prst="rect">
@@ -6002,48 +4687,6 @@
             <a:r>
               <a:rPr lang="it-IT" dirty="0" smtClean="0"/>
               <a:t>Server</a:t>
-            </a:r>
-            <a:endParaRPr lang="it-IT" dirty="0"/>
-          </a:p>
-        </p:txBody>
-      </p:sp>
-      <p:sp>
-        <p:nvSpPr>
-          <p:cNvPr id="20" name="Nuvola 19"/>
-          <p:cNvSpPr/>
-          <p:nvPr/>
-        </p:nvSpPr>
-        <p:spPr>
-          <a:xfrm>
-            <a:off x="2952819" y="2358788"/>
-            <a:ext cx="2451831" cy="1208708"/>
-          </a:xfrm>
-          <a:prstGeom prst="cloud">
-            <a:avLst/>
-          </a:prstGeom>
-        </p:spPr>
-        <p:style>
-          <a:lnRef idx="0">
-            <a:schemeClr val="accent1"/>
-          </a:lnRef>
-          <a:fillRef idx="3">
-            <a:schemeClr val="accent1"/>
-          </a:fillRef>
-          <a:effectRef idx="3">
-            <a:schemeClr val="accent1"/>
-          </a:effectRef>
-          <a:fontRef idx="minor">
-            <a:schemeClr val="lt1"/>
-          </a:fontRef>
-        </p:style>
-        <p:txBody>
-          <a:bodyPr rtlCol="0" anchor="ctr"/>
-          <a:lstStyle/>
-          <a:p>
-            <a:pPr algn="ctr"/>
-            <a:r>
-              <a:rPr lang="it-IT" dirty="0" smtClean="0"/>
-              <a:t>Network</a:t>
             </a:r>
             <a:endParaRPr lang="it-IT" dirty="0"/>
           </a:p>
@@ -6136,7 +4779,7 @@
         </p:blipFill>
         <p:spPr>
           <a:xfrm>
-            <a:off x="1442098" y="2490476"/>
+            <a:off x="1394296" y="2474051"/>
             <a:ext cx="844639" cy="844639"/>
           </a:xfrm>
           <a:prstGeom prst="rect">
@@ -6152,8 +4795,8 @@
         </p:nvSpPr>
         <p:spPr>
           <a:xfrm>
-            <a:off x="2357262" y="2824624"/>
-            <a:ext cx="580747" cy="131348"/>
+            <a:off x="2309460" y="2808199"/>
+            <a:ext cx="448061" cy="112214"/>
           </a:xfrm>
           <a:prstGeom prst="leftRightArrow">
             <a:avLst/>
@@ -6203,7 +4846,7 @@
         </p:nvSpPr>
         <p:spPr>
           <a:xfrm>
-            <a:off x="5412355" y="2831794"/>
+            <a:off x="4037101" y="2806070"/>
             <a:ext cx="397981" cy="131348"/>
           </a:xfrm>
           <a:prstGeom prst="leftRightArrow">
@@ -6254,7 +4897,7 @@
         </p:nvSpPr>
         <p:spPr>
           <a:xfrm>
-            <a:off x="7820067" y="2831794"/>
+            <a:off x="6444813" y="2806070"/>
             <a:ext cx="370497" cy="124178"/>
           </a:xfrm>
           <a:prstGeom prst="leftRightArrow">
@@ -6349,7 +4992,7 @@
         </p:blipFill>
         <p:spPr>
           <a:xfrm>
-            <a:off x="6952465" y="1366057"/>
+            <a:off x="5934053" y="1356763"/>
             <a:ext cx="843103" cy="843103"/>
           </a:xfrm>
           <a:prstGeom prst="rect">
@@ -6365,7 +5008,7 @@
         </p:nvSpPr>
         <p:spPr>
           <a:xfrm>
-            <a:off x="6033659" y="1493948"/>
+            <a:off x="4658405" y="1468224"/>
             <a:ext cx="1005212" cy="461665"/>
           </a:xfrm>
           <a:prstGeom prst="rect">
@@ -6383,6 +5026,566 @@
               <a:rPr lang="it-IT" sz="2400" b="1" dirty="0" smtClean="0"/>
               <a:t>Server</a:t>
             </a:r>
+          </a:p>
+        </p:txBody>
+      </p:sp>
+      <p:sp>
+        <p:nvSpPr>
+          <p:cNvPr id="28" name="Nuvola 27"/>
+          <p:cNvSpPr/>
+          <p:nvPr/>
+        </p:nvSpPr>
+        <p:spPr>
+          <a:xfrm>
+            <a:off x="6815310" y="2533413"/>
+            <a:ext cx="1141067" cy="691277"/>
+          </a:xfrm>
+          <a:prstGeom prst="cloud">
+            <a:avLst/>
+          </a:prstGeom>
+        </p:spPr>
+        <p:style>
+          <a:lnRef idx="0">
+            <a:schemeClr val="accent1"/>
+          </a:lnRef>
+          <a:fillRef idx="3">
+            <a:schemeClr val="accent1"/>
+          </a:fillRef>
+          <a:effectRef idx="3">
+            <a:schemeClr val="accent1"/>
+          </a:effectRef>
+          <a:fontRef idx="minor">
+            <a:schemeClr val="lt1"/>
+          </a:fontRef>
+        </p:style>
+        <p:txBody>
+          <a:bodyPr rtlCol="0" anchor="ctr"/>
+          <a:lstStyle/>
+          <a:p>
+            <a:pPr algn="ctr"/>
+            <a:r>
+              <a:rPr lang="it-IT" sz="1200" dirty="0" smtClean="0"/>
+              <a:t>Network</a:t>
+            </a:r>
+            <a:endParaRPr lang="it-IT" sz="1200" dirty="0"/>
+          </a:p>
+        </p:txBody>
+      </p:sp>
+      <p:sp>
+        <p:nvSpPr>
+          <p:cNvPr id="33" name="Nuvola 32"/>
+          <p:cNvSpPr/>
+          <p:nvPr/>
+        </p:nvSpPr>
+        <p:spPr>
+          <a:xfrm>
+            <a:off x="2828809" y="2550731"/>
+            <a:ext cx="1141067" cy="691277"/>
+          </a:xfrm>
+          <a:prstGeom prst="cloud">
+            <a:avLst/>
+          </a:prstGeom>
+        </p:spPr>
+        <p:style>
+          <a:lnRef idx="0">
+            <a:schemeClr val="accent1"/>
+          </a:lnRef>
+          <a:fillRef idx="3">
+            <a:schemeClr val="accent1"/>
+          </a:fillRef>
+          <a:effectRef idx="3">
+            <a:schemeClr val="accent1"/>
+          </a:effectRef>
+          <a:fontRef idx="minor">
+            <a:schemeClr val="lt1"/>
+          </a:fontRef>
+        </p:style>
+        <p:txBody>
+          <a:bodyPr rtlCol="0" anchor="ctr"/>
+          <a:lstStyle/>
+          <a:p>
+            <a:pPr algn="ctr"/>
+            <a:r>
+              <a:rPr lang="it-IT" sz="1200" dirty="0" smtClean="0"/>
+              <a:t>Network</a:t>
+            </a:r>
+            <a:endParaRPr lang="it-IT" sz="1200" dirty="0"/>
+          </a:p>
+        </p:txBody>
+      </p:sp>
+      <p:sp>
+        <p:nvSpPr>
+          <p:cNvPr id="37" name="Freccia bidirezionale orizzontale 36"/>
+          <p:cNvSpPr/>
+          <p:nvPr/>
+        </p:nvSpPr>
+        <p:spPr>
+          <a:xfrm>
+            <a:off x="7859670" y="2796235"/>
+            <a:ext cx="370497" cy="124178"/>
+          </a:xfrm>
+          <a:prstGeom prst="leftRightArrow">
+            <a:avLst/>
+          </a:prstGeom>
+          <a:solidFill>
+            <a:srgbClr val="FF0000"/>
+          </a:solidFill>
+          <a:ln>
+            <a:solidFill>
+              <a:schemeClr val="tx1">
+                <a:lumMod val="95000"/>
+                <a:lumOff val="5000"/>
+              </a:schemeClr>
+            </a:solidFill>
+          </a:ln>
+        </p:spPr>
+        <p:style>
+          <a:lnRef idx="2">
+            <a:schemeClr val="accent1">
+              <a:shade val="50000"/>
+            </a:schemeClr>
+          </a:lnRef>
+          <a:fillRef idx="1">
+            <a:schemeClr val="accent1"/>
+          </a:fillRef>
+          <a:effectRef idx="0">
+            <a:schemeClr val="accent1"/>
+          </a:effectRef>
+          <a:fontRef idx="minor">
+            <a:schemeClr val="lt1"/>
+          </a:fontRef>
+        </p:style>
+        <p:txBody>
+          <a:bodyPr rtlCol="0" anchor="ctr"/>
+          <a:lstStyle/>
+          <a:p>
+            <a:pPr algn="ctr"/>
+            <a:endParaRPr lang="it-IT"/>
+          </a:p>
+        </p:txBody>
+      </p:sp>
+      <p:sp>
+        <p:nvSpPr>
+          <p:cNvPr id="13" name="CasellaDiTesto 12"/>
+          <p:cNvSpPr txBox="1"/>
+          <p:nvPr/>
+        </p:nvSpPr>
+        <p:spPr>
+          <a:xfrm>
+            <a:off x="570848" y="4447785"/>
+            <a:ext cx="11552330" cy="1754326"/>
+          </a:xfrm>
+          <a:prstGeom prst="rect">
+            <a:avLst/>
+          </a:prstGeom>
+          <a:noFill/>
+        </p:spPr>
+        <p:txBody>
+          <a:bodyPr wrap="none" rtlCol="0">
+            <a:spAutoFit/>
+          </a:bodyPr>
+          <a:lstStyle/>
+          <a:p>
+            <a:r>
+              <a:rPr lang="it-IT" dirty="0" err="1" smtClean="0"/>
+              <a:t>Travlendar</a:t>
+            </a:r>
+            <a:r>
+              <a:rPr lang="it-IT" dirty="0" smtClean="0"/>
+              <a:t>+ </a:t>
+            </a:r>
+            <a:r>
+              <a:rPr lang="it-IT" dirty="0" err="1" smtClean="0"/>
+              <a:t>application</a:t>
+            </a:r>
+            <a:r>
+              <a:rPr lang="it-IT" dirty="0" smtClean="0"/>
+              <a:t> </a:t>
+            </a:r>
+            <a:r>
+              <a:rPr lang="it-IT" dirty="0" err="1" smtClean="0"/>
+              <a:t>is</a:t>
+            </a:r>
+            <a:r>
+              <a:rPr lang="it-IT" dirty="0" smtClean="0"/>
+              <a:t> </a:t>
+            </a:r>
+            <a:r>
+              <a:rPr lang="it-IT" dirty="0" err="1" smtClean="0"/>
+              <a:t>based</a:t>
+            </a:r>
+            <a:r>
+              <a:rPr lang="it-IT" dirty="0" smtClean="0"/>
+              <a:t> on a 3-tier </a:t>
+            </a:r>
+            <a:r>
+              <a:rPr lang="it-IT" dirty="0" err="1" smtClean="0"/>
+              <a:t>architecture</a:t>
+            </a:r>
+            <a:r>
+              <a:rPr lang="it-IT" dirty="0" smtClean="0"/>
+              <a:t>: Presentation, Application and Data. Presentation </a:t>
+            </a:r>
+            <a:r>
+              <a:rPr lang="it-IT" dirty="0" err="1" smtClean="0"/>
+              <a:t>deals</a:t>
+            </a:r>
+            <a:r>
+              <a:rPr lang="it-IT" dirty="0" smtClean="0"/>
+              <a:t> the</a:t>
+            </a:r>
+          </a:p>
+          <a:p>
+            <a:r>
+              <a:rPr lang="it-IT" dirty="0" smtClean="0"/>
+              <a:t>User </a:t>
+            </a:r>
+            <a:r>
+              <a:rPr lang="it-IT" dirty="0" err="1" smtClean="0"/>
+              <a:t>interface</a:t>
+            </a:r>
+            <a:r>
+              <a:rPr lang="it-IT" dirty="0" smtClean="0"/>
+              <a:t> and </a:t>
+            </a:r>
+            <a:r>
+              <a:rPr lang="it-IT" dirty="0" err="1" smtClean="0"/>
+              <a:t>all</a:t>
+            </a:r>
+            <a:r>
+              <a:rPr lang="it-IT" dirty="0" smtClean="0"/>
+              <a:t> </a:t>
+            </a:r>
+            <a:r>
+              <a:rPr lang="it-IT" dirty="0" err="1" smtClean="0"/>
+              <a:t>things</a:t>
+            </a:r>
+            <a:r>
+              <a:rPr lang="it-IT" dirty="0" smtClean="0"/>
+              <a:t> </a:t>
+            </a:r>
+            <a:r>
+              <a:rPr lang="it-IT" dirty="0" err="1" smtClean="0"/>
+              <a:t>regarding</a:t>
+            </a:r>
+            <a:r>
+              <a:rPr lang="it-IT" dirty="0" smtClean="0"/>
+              <a:t> the </a:t>
+            </a:r>
+            <a:r>
+              <a:rPr lang="it-IT" dirty="0" err="1" smtClean="0"/>
+              <a:t>interaction</a:t>
+            </a:r>
+            <a:r>
+              <a:rPr lang="it-IT" dirty="0" smtClean="0"/>
+              <a:t> with the </a:t>
+            </a:r>
+            <a:r>
+              <a:rPr lang="it-IT" dirty="0" err="1" smtClean="0"/>
+              <a:t>user</a:t>
+            </a:r>
+            <a:r>
+              <a:rPr lang="it-IT" dirty="0" smtClean="0"/>
+              <a:t>; Application </a:t>
+            </a:r>
+            <a:r>
+              <a:rPr lang="it-IT" dirty="0" err="1" smtClean="0"/>
+              <a:t>is</a:t>
+            </a:r>
+            <a:r>
+              <a:rPr lang="it-IT" dirty="0" smtClean="0"/>
+              <a:t> </a:t>
+            </a:r>
+            <a:r>
+              <a:rPr lang="it-IT" dirty="0" err="1" smtClean="0"/>
+              <a:t>placed</a:t>
+            </a:r>
+            <a:r>
+              <a:rPr lang="it-IT" dirty="0" smtClean="0"/>
+              <a:t> in a server and </a:t>
+            </a:r>
+            <a:r>
+              <a:rPr lang="it-IT" dirty="0" err="1" smtClean="0"/>
+              <a:t>deals</a:t>
+            </a:r>
+            <a:r>
+              <a:rPr lang="it-IT" dirty="0" smtClean="0"/>
+              <a:t> </a:t>
+            </a:r>
+            <a:r>
+              <a:rPr lang="it-IT" dirty="0" err="1" smtClean="0"/>
+              <a:t>all</a:t>
+            </a:r>
+            <a:r>
+              <a:rPr lang="it-IT" dirty="0" smtClean="0"/>
+              <a:t> </a:t>
+            </a:r>
+            <a:r>
+              <a:rPr lang="it-IT" dirty="0" err="1" smtClean="0"/>
+              <a:t>logic</a:t>
+            </a:r>
+            <a:r>
+              <a:rPr lang="it-IT" dirty="0" smtClean="0"/>
+              <a:t> </a:t>
+            </a:r>
+          </a:p>
+          <a:p>
+            <a:r>
+              <a:rPr lang="it-IT" dirty="0" err="1" smtClean="0"/>
+              <a:t>Operation</a:t>
+            </a:r>
+            <a:r>
+              <a:rPr lang="it-IT" dirty="0" smtClean="0"/>
+              <a:t> </a:t>
+            </a:r>
+            <a:r>
+              <a:rPr lang="it-IT" dirty="0" err="1" smtClean="0"/>
+              <a:t>about</a:t>
+            </a:r>
+            <a:r>
+              <a:rPr lang="it-IT" dirty="0" smtClean="0"/>
+              <a:t> </a:t>
+            </a:r>
+            <a:r>
+              <a:rPr lang="it-IT" dirty="0" err="1" smtClean="0"/>
+              <a:t>all</a:t>
+            </a:r>
+            <a:r>
+              <a:rPr lang="it-IT" dirty="0" smtClean="0"/>
+              <a:t> </a:t>
+            </a:r>
+            <a:r>
+              <a:rPr lang="it-IT" dirty="0" err="1" smtClean="0"/>
+              <a:t>functionalities</a:t>
+            </a:r>
+            <a:r>
+              <a:rPr lang="it-IT" dirty="0" smtClean="0"/>
+              <a:t>; </a:t>
+            </a:r>
+            <a:r>
+              <a:rPr lang="it-IT" dirty="0" err="1" smtClean="0"/>
+              <a:t>at</a:t>
+            </a:r>
+            <a:r>
+              <a:rPr lang="it-IT" dirty="0" smtClean="0"/>
+              <a:t> last Data </a:t>
+            </a:r>
+            <a:r>
+              <a:rPr lang="it-IT" dirty="0" err="1" smtClean="0"/>
+              <a:t>is</a:t>
+            </a:r>
+            <a:r>
+              <a:rPr lang="it-IT" dirty="0" smtClean="0"/>
+              <a:t> </a:t>
+            </a:r>
+            <a:r>
+              <a:rPr lang="it-IT" dirty="0" err="1" smtClean="0"/>
+              <a:t>external</a:t>
+            </a:r>
+            <a:r>
+              <a:rPr lang="it-IT" dirty="0" smtClean="0"/>
+              <a:t> </a:t>
+            </a:r>
+            <a:r>
+              <a:rPr lang="it-IT" dirty="0" err="1" smtClean="0"/>
+              <a:t>respect</a:t>
+            </a:r>
+            <a:r>
+              <a:rPr lang="it-IT" dirty="0" smtClean="0"/>
+              <a:t> </a:t>
+            </a:r>
+            <a:r>
+              <a:rPr lang="it-IT" dirty="0" err="1" smtClean="0"/>
+              <a:t>both</a:t>
+            </a:r>
+            <a:r>
+              <a:rPr lang="it-IT" dirty="0" smtClean="0"/>
+              <a:t> the </a:t>
+            </a:r>
+            <a:r>
+              <a:rPr lang="it-IT" dirty="0" err="1" smtClean="0"/>
+              <a:t>presentation</a:t>
+            </a:r>
+            <a:r>
+              <a:rPr lang="it-IT" dirty="0" smtClean="0"/>
+              <a:t> and the </a:t>
+            </a:r>
+            <a:r>
+              <a:rPr lang="it-IT" dirty="0" err="1" smtClean="0"/>
+              <a:t>application</a:t>
+            </a:r>
+            <a:r>
+              <a:rPr lang="it-IT" dirty="0" smtClean="0"/>
+              <a:t> and </a:t>
+            </a:r>
+            <a:r>
+              <a:rPr lang="it-IT" dirty="0" err="1" smtClean="0"/>
+              <a:t>contains</a:t>
+            </a:r>
+            <a:endParaRPr lang="it-IT" dirty="0" smtClean="0"/>
+          </a:p>
+          <a:p>
+            <a:r>
+              <a:rPr lang="it-IT" dirty="0" err="1" smtClean="0"/>
+              <a:t>All</a:t>
+            </a:r>
+            <a:r>
+              <a:rPr lang="it-IT" dirty="0" smtClean="0"/>
+              <a:t> data the </a:t>
+            </a:r>
+            <a:r>
+              <a:rPr lang="it-IT" dirty="0" err="1" smtClean="0"/>
+              <a:t>application</a:t>
+            </a:r>
+            <a:r>
+              <a:rPr lang="it-IT" dirty="0" smtClean="0"/>
+              <a:t>  </a:t>
+            </a:r>
+            <a:r>
+              <a:rPr lang="it-IT" dirty="0" err="1" smtClean="0"/>
+              <a:t>needed</a:t>
+            </a:r>
+            <a:r>
+              <a:rPr lang="it-IT" dirty="0" smtClean="0"/>
+              <a:t> to compute </a:t>
+            </a:r>
+            <a:r>
+              <a:rPr lang="it-IT" dirty="0" err="1" smtClean="0"/>
+              <a:t>all</a:t>
+            </a:r>
+            <a:r>
+              <a:rPr lang="it-IT" dirty="0" smtClean="0"/>
+              <a:t> </a:t>
+            </a:r>
+            <a:r>
+              <a:rPr lang="it-IT" dirty="0" err="1" smtClean="0"/>
+              <a:t>functionalities</a:t>
+            </a:r>
+            <a:r>
+              <a:rPr lang="it-IT" dirty="0" smtClean="0"/>
+              <a:t>.</a:t>
+            </a:r>
+          </a:p>
+          <a:p>
+            <a:r>
+              <a:rPr lang="it-IT" dirty="0" err="1" smtClean="0"/>
+              <a:t>We</a:t>
+            </a:r>
+            <a:r>
+              <a:rPr lang="it-IT" dirty="0" smtClean="0"/>
+              <a:t> </a:t>
+            </a:r>
+            <a:r>
+              <a:rPr lang="it-IT" dirty="0" err="1" smtClean="0"/>
+              <a:t>provide</a:t>
+            </a:r>
+            <a:r>
+              <a:rPr lang="it-IT" dirty="0" smtClean="0"/>
+              <a:t> a </a:t>
+            </a:r>
+            <a:r>
+              <a:rPr lang="it-IT" dirty="0" err="1" smtClean="0"/>
+              <a:t>client-server</a:t>
+            </a:r>
+            <a:r>
+              <a:rPr lang="it-IT" dirty="0" smtClean="0"/>
+              <a:t> model: Client </a:t>
+            </a:r>
+            <a:r>
+              <a:rPr lang="it-IT" dirty="0" err="1" smtClean="0"/>
+              <a:t>develops</a:t>
+            </a:r>
+            <a:r>
+              <a:rPr lang="it-IT" dirty="0" smtClean="0"/>
+              <a:t> mobile </a:t>
+            </a:r>
+            <a:r>
+              <a:rPr lang="it-IT" dirty="0" err="1" smtClean="0"/>
+              <a:t>interface</a:t>
+            </a:r>
+            <a:r>
+              <a:rPr lang="it-IT" dirty="0" smtClean="0"/>
+              <a:t> and </a:t>
+            </a:r>
+            <a:r>
+              <a:rPr lang="it-IT" dirty="0" err="1" smtClean="0"/>
+              <a:t>then</a:t>
+            </a:r>
+            <a:r>
+              <a:rPr lang="it-IT" dirty="0" smtClean="0"/>
+              <a:t> </a:t>
+            </a:r>
+            <a:r>
+              <a:rPr lang="it-IT" dirty="0" err="1" smtClean="0"/>
+              <a:t>there</a:t>
+            </a:r>
+            <a:r>
+              <a:rPr lang="it-IT" dirty="0" smtClean="0"/>
+              <a:t> are </a:t>
+            </a:r>
+            <a:r>
+              <a:rPr lang="it-IT" dirty="0" err="1" smtClean="0"/>
+              <a:t>two</a:t>
+            </a:r>
+            <a:r>
+              <a:rPr lang="it-IT" dirty="0" smtClean="0"/>
+              <a:t> server, </a:t>
+            </a:r>
+            <a:r>
+              <a:rPr lang="it-IT" dirty="0" err="1" smtClean="0"/>
+              <a:t>application</a:t>
+            </a:r>
+            <a:r>
+              <a:rPr lang="it-IT" dirty="0" smtClean="0"/>
+              <a:t> server and</a:t>
+            </a:r>
+          </a:p>
+          <a:p>
+            <a:r>
+              <a:rPr lang="it-IT" dirty="0" smtClean="0"/>
+              <a:t>Data server, </a:t>
+            </a:r>
+            <a:r>
+              <a:rPr lang="it-IT" dirty="0" err="1" smtClean="0"/>
+              <a:t>which</a:t>
+            </a:r>
+            <a:r>
+              <a:rPr lang="it-IT" dirty="0" smtClean="0"/>
+              <a:t> comunicate </a:t>
+            </a:r>
+            <a:r>
+              <a:rPr lang="it-IT" dirty="0" err="1" smtClean="0"/>
+              <a:t>throught</a:t>
+            </a:r>
+            <a:r>
+              <a:rPr lang="it-IT" dirty="0" smtClean="0"/>
+              <a:t> network </a:t>
+            </a:r>
+            <a:r>
+              <a:rPr lang="it-IT" dirty="0" err="1" smtClean="0"/>
+              <a:t>infact</a:t>
+            </a:r>
+            <a:r>
+              <a:rPr lang="it-IT" dirty="0" smtClean="0"/>
+              <a:t> </a:t>
+            </a:r>
+            <a:r>
+              <a:rPr lang="it-IT" dirty="0" err="1" smtClean="0"/>
+              <a:t>they</a:t>
+            </a:r>
+            <a:r>
+              <a:rPr lang="it-IT" dirty="0" smtClean="0"/>
+              <a:t> are </a:t>
+            </a:r>
+            <a:r>
+              <a:rPr lang="it-IT" dirty="0" err="1" smtClean="0"/>
+              <a:t>different</a:t>
+            </a:r>
+            <a:r>
+              <a:rPr lang="it-IT" dirty="0" smtClean="0"/>
+              <a:t> server.</a:t>
+            </a:r>
+            <a:endParaRPr lang="it-IT" dirty="0"/>
           </a:p>
         </p:txBody>
       </p:sp>
@@ -6399,7 +5602,7 @@
 </p:sld>
 </file>
 
-<file path=ppt/slides/slide5.xml><?xml version="1.0" encoding="utf-8"?>
+<file path=ppt/slides/slide4.xml><?xml version="1.0" encoding="utf-8"?>
 <p:sld xmlns:a="http://schemas.openxmlformats.org/drawingml/2006/main" xmlns:r="http://schemas.openxmlformats.org/officeDocument/2006/relationships" xmlns:p="http://schemas.openxmlformats.org/presentationml/2006/main">
   <p:cSld>
     <p:spTree>
@@ -6475,7 +5678,7 @@
         <p:spPr>
           <a:xfrm>
             <a:off x="1636873" y="852635"/>
-            <a:ext cx="2386744" cy="830997"/>
+            <a:ext cx="9747412" cy="3046988"/>
           </a:xfrm>
           <a:prstGeom prst="rect">
             <a:avLst/>
@@ -6494,8 +5697,130 @@
             </a:pPr>
             <a:r>
               <a:rPr lang="it-IT" sz="2400" b="1" u="sng" dirty="0" smtClean="0"/>
-              <a:t>State pattern</a:t>
-            </a:r>
+              <a:t>State </a:t>
+            </a:r>
+            <a:r>
+              <a:rPr lang="it-IT" sz="2400" b="1" u="sng" dirty="0" smtClean="0"/>
+              <a:t>pattern</a:t>
+            </a:r>
+            <a:r>
+              <a:rPr lang="it-IT" sz="2400" b="1" dirty="0" smtClean="0"/>
+              <a:t>: </a:t>
+            </a:r>
+            <a:r>
+              <a:rPr lang="it-IT" sz="2400" dirty="0" err="1" smtClean="0"/>
+              <a:t>appointments</a:t>
+            </a:r>
+            <a:r>
+              <a:rPr lang="it-IT" sz="2400" dirty="0" smtClean="0"/>
+              <a:t> </a:t>
+            </a:r>
+            <a:r>
+              <a:rPr lang="it-IT" sz="2400" dirty="0" smtClean="0"/>
+              <a:t>can assume </a:t>
+            </a:r>
+            <a:r>
+              <a:rPr lang="it-IT" sz="2400" dirty="0" err="1" smtClean="0"/>
+              <a:t>different</a:t>
+            </a:r>
+            <a:r>
+              <a:rPr lang="it-IT" sz="2400" dirty="0" smtClean="0"/>
+              <a:t> state, </a:t>
+            </a:r>
+            <a:r>
+              <a:rPr lang="it-IT" sz="2400" dirty="0" err="1" smtClean="0"/>
+              <a:t>depending</a:t>
+            </a:r>
+            <a:r>
+              <a:rPr lang="it-IT" sz="2400" dirty="0" smtClean="0"/>
+              <a:t> on</a:t>
+            </a:r>
+          </a:p>
+          <a:p>
+            <a:pPr lvl="4"/>
+            <a:r>
+              <a:rPr lang="it-IT" sz="2400" b="1" dirty="0" smtClean="0"/>
+              <a:t>     </a:t>
+            </a:r>
+            <a:r>
+              <a:rPr lang="it-IT" sz="2400" dirty="0" smtClean="0"/>
+              <a:t>time or </a:t>
+            </a:r>
+            <a:r>
+              <a:rPr lang="it-IT" sz="2400" dirty="0" err="1" smtClean="0"/>
+              <a:t>concurrency</a:t>
+            </a:r>
+            <a:r>
+              <a:rPr lang="it-IT" sz="2400" dirty="0" smtClean="0"/>
+              <a:t> situation. </a:t>
+            </a:r>
+            <a:r>
+              <a:rPr lang="it-IT" sz="2400" dirty="0" err="1" smtClean="0"/>
+              <a:t>Possible</a:t>
+            </a:r>
+            <a:r>
+              <a:rPr lang="it-IT" sz="2400" dirty="0" smtClean="0"/>
+              <a:t> state are:</a:t>
+            </a:r>
+          </a:p>
+          <a:p>
+            <a:pPr lvl="4"/>
+            <a:r>
+              <a:rPr lang="it-IT" sz="2400" b="1" dirty="0"/>
+              <a:t> </a:t>
+            </a:r>
+            <a:r>
+              <a:rPr lang="it-IT" sz="2400" b="1" dirty="0" smtClean="0"/>
+              <a:t>    </a:t>
+            </a:r>
+            <a:r>
+              <a:rPr lang="it-IT" sz="2400" dirty="0" err="1" smtClean="0"/>
+              <a:t>unreacheable</a:t>
+            </a:r>
+            <a:r>
+              <a:rPr lang="it-IT" sz="2400" dirty="0" smtClean="0"/>
+              <a:t>, </a:t>
+            </a:r>
+            <a:r>
+              <a:rPr lang="it-IT" sz="2400" dirty="0" err="1" smtClean="0"/>
+              <a:t>overlapped</a:t>
+            </a:r>
+            <a:r>
+              <a:rPr lang="it-IT" sz="2400" dirty="0" smtClean="0"/>
+              <a:t> and </a:t>
+            </a:r>
+          </a:p>
+          <a:p>
+            <a:pPr lvl="4"/>
+            <a:r>
+              <a:rPr lang="it-IT" sz="2400" b="1" dirty="0"/>
+              <a:t> </a:t>
+            </a:r>
+            <a:r>
+              <a:rPr lang="it-IT" sz="2400" b="1" dirty="0" smtClean="0"/>
+              <a:t>    </a:t>
+            </a:r>
+            <a:r>
+              <a:rPr lang="it-IT" sz="2400" dirty="0" err="1" smtClean="0"/>
+              <a:t>past</a:t>
+            </a:r>
+            <a:r>
+              <a:rPr lang="it-IT" sz="2400" dirty="0" smtClean="0"/>
+              <a:t>, </a:t>
+            </a:r>
+            <a:r>
+              <a:rPr lang="it-IT" sz="2400" dirty="0" err="1" smtClean="0"/>
+              <a:t>present</a:t>
+            </a:r>
+            <a:r>
+              <a:rPr lang="it-IT" sz="2400" dirty="0"/>
+              <a:t> </a:t>
+            </a:r>
+            <a:r>
+              <a:rPr lang="it-IT" sz="2400" dirty="0" smtClean="0"/>
+              <a:t>or future.</a:t>
+            </a:r>
+            <a:endParaRPr lang="it-IT" sz="2400" b="1" dirty="0" smtClean="0"/>
           </a:p>
           <a:p>
             <a:pPr marL="342900" indent="-342900">
@@ -6504,8 +5829,141 @@
             </a:pPr>
             <a:r>
               <a:rPr lang="it-IT" sz="2400" b="1" u="sng" dirty="0" smtClean="0"/>
-              <a:t>Visitor pattern</a:t>
-            </a:r>
+              <a:t>Model-</a:t>
+            </a:r>
+            <a:r>
+              <a:rPr lang="it-IT" sz="2400" b="1" u="sng" dirty="0" err="1" smtClean="0"/>
+              <a:t>view</a:t>
+            </a:r>
+            <a:r>
+              <a:rPr lang="it-IT" sz="2400" b="1" u="sng" dirty="0" smtClean="0"/>
+              <a:t>-controller</a:t>
+            </a:r>
+            <a:r>
+              <a:rPr lang="it-IT" sz="2400" b="1" dirty="0" smtClean="0"/>
+              <a:t>: </a:t>
+            </a:r>
+            <a:r>
+              <a:rPr lang="it-IT" sz="2400" dirty="0" err="1" smtClean="0"/>
+              <a:t>usefull</a:t>
+            </a:r>
+            <a:r>
+              <a:rPr lang="it-IT" sz="2400" dirty="0" smtClean="0"/>
+              <a:t> to </a:t>
+            </a:r>
+            <a:r>
+              <a:rPr lang="it-IT" sz="2400" dirty="0" err="1" smtClean="0"/>
+              <a:t>manage</a:t>
+            </a:r>
+            <a:r>
+              <a:rPr lang="it-IT" sz="2400" dirty="0" smtClean="0"/>
+              <a:t> </a:t>
+            </a:r>
+            <a:r>
+              <a:rPr lang="it-IT" sz="2400" dirty="0" err="1" smtClean="0"/>
+              <a:t>interaction</a:t>
+            </a:r>
+            <a:r>
+              <a:rPr lang="it-IT" sz="2400" dirty="0" smtClean="0"/>
+              <a:t> </a:t>
+            </a:r>
+            <a:r>
+              <a:rPr lang="it-IT" sz="2400" dirty="0" err="1" smtClean="0"/>
+              <a:t>between</a:t>
+            </a:r>
+            <a:r>
+              <a:rPr lang="it-IT" sz="2400" dirty="0" smtClean="0"/>
+              <a:t> client and </a:t>
+            </a:r>
+          </a:p>
+          <a:p>
+            <a:pPr lvl="7"/>
+            <a:r>
+              <a:rPr lang="it-IT" sz="2400" dirty="0"/>
+              <a:t> </a:t>
+            </a:r>
+            <a:r>
+              <a:rPr lang="it-IT" sz="2400" dirty="0" smtClean="0"/>
+              <a:t> </a:t>
+            </a:r>
+            <a:r>
+              <a:rPr lang="it-IT" sz="2400" dirty="0" err="1" smtClean="0"/>
+              <a:t>application</a:t>
+            </a:r>
+            <a:r>
+              <a:rPr lang="it-IT" sz="2400" dirty="0" smtClean="0"/>
+              <a:t> server.</a:t>
+            </a:r>
+          </a:p>
+          <a:p>
+            <a:pPr marL="342900" indent="-342900">
+              <a:buFont typeface="Arial" panose="020B0604020202020204" pitchFamily="34" charset="0"/>
+              <a:buChar char="•"/>
+            </a:pPr>
+            <a:r>
+              <a:rPr lang="it-IT" sz="2400" b="1" u="sng" dirty="0" err="1" smtClean="0"/>
+              <a:t>Observer</a:t>
+            </a:r>
+            <a:r>
+              <a:rPr lang="it-IT" sz="2400" b="1" u="sng" dirty="0" smtClean="0"/>
+              <a:t> pattern</a:t>
+            </a:r>
+            <a:r>
+              <a:rPr lang="it-IT" sz="2400" b="1" dirty="0" smtClean="0"/>
+              <a:t>: </a:t>
+            </a:r>
+            <a:r>
+              <a:rPr lang="it-IT" sz="2400" dirty="0" err="1" smtClean="0"/>
+              <a:t>permits</a:t>
+            </a:r>
+            <a:r>
+              <a:rPr lang="it-IT" sz="2400" dirty="0" smtClean="0"/>
+              <a:t> to comunicate in a </a:t>
+            </a:r>
+            <a:r>
+              <a:rPr lang="it-IT" sz="2400" dirty="0" err="1" smtClean="0"/>
+              <a:t>simple</a:t>
+            </a:r>
+            <a:r>
+              <a:rPr lang="it-IT" sz="2400" dirty="0" smtClean="0"/>
+              <a:t> way </a:t>
+            </a:r>
+            <a:r>
+              <a:rPr lang="it-IT" sz="2400" dirty="0" err="1" smtClean="0"/>
+              <a:t>beetwen</a:t>
+            </a:r>
+            <a:r>
+              <a:rPr lang="it-IT" sz="2400" dirty="0" smtClean="0"/>
+              <a:t> server</a:t>
+            </a:r>
+          </a:p>
+          <a:p>
+            <a:pPr lvl="5"/>
+            <a:r>
+              <a:rPr lang="it-IT" sz="2400" dirty="0" smtClean="0"/>
+              <a:t>     and client, for </a:t>
+            </a:r>
+            <a:r>
+              <a:rPr lang="it-IT" sz="2400" dirty="0" err="1" smtClean="0"/>
+              <a:t>example</a:t>
+            </a:r>
+            <a:r>
+              <a:rPr lang="it-IT" sz="2400" dirty="0" smtClean="0"/>
+              <a:t> to </a:t>
+            </a:r>
+            <a:r>
+              <a:rPr lang="it-IT" sz="2400" dirty="0" err="1" smtClean="0"/>
+              <a:t>manage</a:t>
+            </a:r>
+            <a:r>
+              <a:rPr lang="it-IT" sz="2400" dirty="0" smtClean="0"/>
+              <a:t> </a:t>
+            </a:r>
+            <a:r>
+              <a:rPr lang="it-IT" sz="2400" dirty="0" err="1" smtClean="0"/>
+              <a:t>notifications</a:t>
+            </a:r>
+            <a:endParaRPr lang="it-IT" sz="2400" dirty="0" smtClean="0"/>
           </a:p>
         </p:txBody>
       </p:sp>

--- a/Design Documents/Architecture.pptx
+++ b/Design Documents/Architecture.pptx
@@ -246,7 +246,7 @@
           <a:p>
             <a:fld id="{A55F64E7-21DC-4948-96D3-438E939D9136}" type="datetimeFigureOut">
               <a:rPr lang="it-IT" smtClean="0"/>
-              <a:t>24/11/2017</a:t>
+              <a:t>26/11/2017</a:t>
             </a:fld>
             <a:endParaRPr lang="it-IT"/>
           </a:p>
@@ -416,7 +416,7 @@
           <a:p>
             <a:fld id="{A55F64E7-21DC-4948-96D3-438E939D9136}" type="datetimeFigureOut">
               <a:rPr lang="it-IT" smtClean="0"/>
-              <a:t>24/11/2017</a:t>
+              <a:t>26/11/2017</a:t>
             </a:fld>
             <a:endParaRPr lang="it-IT"/>
           </a:p>
@@ -596,7 +596,7 @@
           <a:p>
             <a:fld id="{A55F64E7-21DC-4948-96D3-438E939D9136}" type="datetimeFigureOut">
               <a:rPr lang="it-IT" smtClean="0"/>
-              <a:t>24/11/2017</a:t>
+              <a:t>26/11/2017</a:t>
             </a:fld>
             <a:endParaRPr lang="it-IT"/>
           </a:p>
@@ -766,7 +766,7 @@
           <a:p>
             <a:fld id="{A55F64E7-21DC-4948-96D3-438E939D9136}" type="datetimeFigureOut">
               <a:rPr lang="it-IT" smtClean="0"/>
-              <a:t>24/11/2017</a:t>
+              <a:t>26/11/2017</a:t>
             </a:fld>
             <a:endParaRPr lang="it-IT"/>
           </a:p>
@@ -1012,7 +1012,7 @@
           <a:p>
             <a:fld id="{A55F64E7-21DC-4948-96D3-438E939D9136}" type="datetimeFigureOut">
               <a:rPr lang="it-IT" smtClean="0"/>
-              <a:t>24/11/2017</a:t>
+              <a:t>26/11/2017</a:t>
             </a:fld>
             <a:endParaRPr lang="it-IT"/>
           </a:p>
@@ -1244,7 +1244,7 @@
           <a:p>
             <a:fld id="{A55F64E7-21DC-4948-96D3-438E939D9136}" type="datetimeFigureOut">
               <a:rPr lang="it-IT" smtClean="0"/>
-              <a:t>24/11/2017</a:t>
+              <a:t>26/11/2017</a:t>
             </a:fld>
             <a:endParaRPr lang="it-IT"/>
           </a:p>
@@ -1611,7 +1611,7 @@
           <a:p>
             <a:fld id="{A55F64E7-21DC-4948-96D3-438E939D9136}" type="datetimeFigureOut">
               <a:rPr lang="it-IT" smtClean="0"/>
-              <a:t>24/11/2017</a:t>
+              <a:t>26/11/2017</a:t>
             </a:fld>
             <a:endParaRPr lang="it-IT"/>
           </a:p>
@@ -1729,7 +1729,7 @@
           <a:p>
             <a:fld id="{A55F64E7-21DC-4948-96D3-438E939D9136}" type="datetimeFigureOut">
               <a:rPr lang="it-IT" smtClean="0"/>
-              <a:t>24/11/2017</a:t>
+              <a:t>26/11/2017</a:t>
             </a:fld>
             <a:endParaRPr lang="it-IT"/>
           </a:p>
@@ -1824,7 +1824,7 @@
           <a:p>
             <a:fld id="{A55F64E7-21DC-4948-96D3-438E939D9136}" type="datetimeFigureOut">
               <a:rPr lang="it-IT" smtClean="0"/>
-              <a:t>24/11/2017</a:t>
+              <a:t>26/11/2017</a:t>
             </a:fld>
             <a:endParaRPr lang="it-IT"/>
           </a:p>
@@ -2101,7 +2101,7 @@
           <a:p>
             <a:fld id="{A55F64E7-21DC-4948-96D3-438E939D9136}" type="datetimeFigureOut">
               <a:rPr lang="it-IT" smtClean="0"/>
-              <a:t>24/11/2017</a:t>
+              <a:t>26/11/2017</a:t>
             </a:fld>
             <a:endParaRPr lang="it-IT"/>
           </a:p>
@@ -2354,7 +2354,7 @@
           <a:p>
             <a:fld id="{A55F64E7-21DC-4948-96D3-438E939D9136}" type="datetimeFigureOut">
               <a:rPr lang="it-IT" smtClean="0"/>
-              <a:t>24/11/2017</a:t>
+              <a:t>26/11/2017</a:t>
             </a:fld>
             <a:endParaRPr lang="it-IT"/>
           </a:p>
@@ -2567,7 +2567,7 @@
           <a:p>
             <a:fld id="{A55F64E7-21DC-4948-96D3-438E939D9136}" type="datetimeFigureOut">
               <a:rPr lang="it-IT" smtClean="0"/>
-              <a:t>24/11/2017</a:t>
+              <a:t>26/11/2017</a:t>
             </a:fld>
             <a:endParaRPr lang="it-IT"/>
           </a:p>
@@ -3104,7 +3104,7 @@
         <p:spPr>
           <a:xfrm>
             <a:off x="7848470" y="1198623"/>
-            <a:ext cx="1906573" cy="2047741"/>
+            <a:ext cx="3944707" cy="2047741"/>
           </a:xfrm>
           <a:prstGeom prst="roundRect">
             <a:avLst/>
@@ -3286,7 +3286,7 @@
         </p:blipFill>
         <p:spPr>
           <a:xfrm>
-            <a:off x="10490694" y="1747127"/>
+            <a:off x="10030094" y="1630660"/>
             <a:ext cx="961059" cy="961059"/>
           </a:xfrm>
           <a:prstGeom prst="rect">
@@ -3494,27 +3494,29 @@
         <p:nvCxnSpPr>
           <p:cNvPr id="35" name="Connettore 1 34"/>
           <p:cNvCxnSpPr>
-            <a:stCxn id="17" idx="3"/>
-            <a:endCxn id="11" idx="1"/>
+            <a:stCxn id="11" idx="1"/>
+            <a:endCxn id="12" idx="3"/>
           </p:cNvCxnSpPr>
           <p:nvPr/>
         </p:nvCxnSpPr>
         <p:spPr>
-          <a:xfrm>
-            <a:off x="9755043" y="2222494"/>
-            <a:ext cx="735651" cy="5163"/>
+          <a:xfrm flipH="1">
+            <a:off x="9429396" y="2111190"/>
+            <a:ext cx="600698" cy="1"/>
           </a:xfrm>
           <a:prstGeom prst="line">
             <a:avLst/>
           </a:prstGeom>
-          <a:ln w="28575">
+          <a:ln w="3175">
             <a:solidFill>
               <a:schemeClr val="tx1">
                 <a:lumMod val="95000"/>
                 <a:lumOff val="5000"/>
               </a:schemeClr>
             </a:solidFill>
-            <a:prstDash val="sysDash"/>
+            <a:prstDash val="solid"/>
+            <a:headEnd type="arrow" w="med" len="med"/>
+            <a:tailEnd type="none" w="med" len="med"/>
           </a:ln>
         </p:spPr>
         <p:style>
@@ -3540,7 +3542,7 @@
         </p:nvSpPr>
         <p:spPr>
           <a:xfrm>
-            <a:off x="10356179" y="2707445"/>
+            <a:off x="9827270" y="2692284"/>
             <a:ext cx="1436998" cy="307777"/>
           </a:xfrm>
           <a:prstGeom prst="rect">
@@ -5697,11 +5699,7 @@
             </a:pPr>
             <a:r>
               <a:rPr lang="it-IT" sz="2400" b="1" u="sng" dirty="0" smtClean="0"/>
-              <a:t>State </a:t>
-            </a:r>
-            <a:r>
-              <a:rPr lang="it-IT" sz="2400" b="1" u="sng" dirty="0" smtClean="0"/>
-              <a:t>pattern</a:t>
+              <a:t>State pattern</a:t>
             </a:r>
             <a:r>
               <a:rPr lang="it-IT" sz="2400" b="1" dirty="0" smtClean="0"/>
@@ -5713,11 +5711,7 @@
             </a:r>
             <a:r>
               <a:rPr lang="it-IT" sz="2400" dirty="0" smtClean="0"/>
-              <a:t> </a:t>
-            </a:r>
-            <a:r>
-              <a:rPr lang="it-IT" sz="2400" dirty="0" smtClean="0"/>
-              <a:t>can assume </a:t>
+              <a:t> can assume </a:t>
             </a:r>
             <a:r>
               <a:rPr lang="it-IT" sz="2400" dirty="0" err="1" smtClean="0"/>
